--- a/Presentation.pptx
+++ b/Presentation.pptx
@@ -4,6 +4,9 @@
   <p:sldMasterIdLst>
     <p:sldMasterId id="2147483648" r:id="rId1"/>
   </p:sldMasterIdLst>
+  <p:notesMasterIdLst>
+    <p:notesMasterId r:id="rId19"/>
+  </p:notesMasterIdLst>
   <p:sldIdLst>
     <p:sldId id="256" r:id="rId2"/>
     <p:sldId id="271" r:id="rId3"/>
@@ -17,13 +20,11 @@
     <p:sldId id="269" r:id="rId11"/>
     <p:sldId id="264" r:id="rId12"/>
     <p:sldId id="270" r:id="rId13"/>
-    <p:sldId id="272" r:id="rId14"/>
-    <p:sldId id="273" r:id="rId15"/>
-    <p:sldId id="274" r:id="rId16"/>
+    <p:sldId id="274" r:id="rId14"/>
+    <p:sldId id="275" r:id="rId15"/>
+    <p:sldId id="267" r:id="rId16"/>
     <p:sldId id="265" r:id="rId17"/>
-    <p:sldId id="266" r:id="rId18"/>
-    <p:sldId id="267" r:id="rId19"/>
-    <p:sldId id="268" r:id="rId20"/>
+    <p:sldId id="268" r:id="rId18"/>
   </p:sldIdLst>
   <p:sldSz cx="12192000" cy="6858000"/>
   <p:notesSz cx="6858000" cy="9144000"/>
@@ -125,6 +126,1608 @@
 </p:presentation>
 </file>
 
+<file path=ppt/notesMasters/notesMaster1.xml><?xml version="1.0" encoding="utf-8"?>
+<p:notesMaster xmlns:a="http://schemas.openxmlformats.org/drawingml/2006/main" xmlns:r="http://schemas.openxmlformats.org/officeDocument/2006/relationships" xmlns:p="http://schemas.openxmlformats.org/presentationml/2006/main">
+  <p:cSld>
+    <p:bg>
+      <p:bgRef idx="1001">
+        <a:schemeClr val="bg1"/>
+      </p:bgRef>
+    </p:bg>
+    <p:spTree>
+      <p:nvGrpSpPr>
+        <p:cNvPr id="1" name=""/>
+        <p:cNvGrpSpPr/>
+        <p:nvPr/>
+      </p:nvGrpSpPr>
+      <p:grpSpPr>
+        <a:xfrm>
+          <a:off x="0" y="0"/>
+          <a:ext cx="0" cy="0"/>
+          <a:chOff x="0" y="0"/>
+          <a:chExt cx="0" cy="0"/>
+        </a:xfrm>
+      </p:grpSpPr>
+      <p:sp>
+        <p:nvSpPr>
+          <p:cNvPr id="2" name="Header Placeholder 1"/>
+          <p:cNvSpPr>
+            <a:spLocks noGrp="1"/>
+          </p:cNvSpPr>
+          <p:nvPr>
+            <p:ph type="hdr" sz="quarter"/>
+          </p:nvPr>
+        </p:nvSpPr>
+        <p:spPr>
+          <a:xfrm>
+            <a:off x="0" y="0"/>
+            <a:ext cx="2971800" cy="458788"/>
+          </a:xfrm>
+          <a:prstGeom prst="rect">
+            <a:avLst/>
+          </a:prstGeom>
+        </p:spPr>
+        <p:txBody>
+          <a:bodyPr vert="horz" lIns="91440" tIns="45720" rIns="91440" bIns="45720" rtlCol="0"/>
+          <a:lstStyle>
+            <a:lvl1pPr algn="l">
+              <a:defRPr sz="1200"/>
+            </a:lvl1pPr>
+          </a:lstStyle>
+          <a:p>
+            <a:endParaRPr lang="en-US"/>
+          </a:p>
+        </p:txBody>
+      </p:sp>
+      <p:sp>
+        <p:nvSpPr>
+          <p:cNvPr id="3" name="Date Placeholder 2"/>
+          <p:cNvSpPr>
+            <a:spLocks noGrp="1"/>
+          </p:cNvSpPr>
+          <p:nvPr>
+            <p:ph type="dt" idx="1"/>
+          </p:nvPr>
+        </p:nvSpPr>
+        <p:spPr>
+          <a:xfrm>
+            <a:off x="3884613" y="0"/>
+            <a:ext cx="2971800" cy="458788"/>
+          </a:xfrm>
+          <a:prstGeom prst="rect">
+            <a:avLst/>
+          </a:prstGeom>
+        </p:spPr>
+        <p:txBody>
+          <a:bodyPr vert="horz" lIns="91440" tIns="45720" rIns="91440" bIns="45720" rtlCol="0"/>
+          <a:lstStyle>
+            <a:lvl1pPr algn="r">
+              <a:defRPr sz="1200"/>
+            </a:lvl1pPr>
+          </a:lstStyle>
+          <a:p>
+            <a:fld id="{58863DB7-4360-4E00-9CBF-48F7E12A23B7}" type="datetimeFigureOut">
+              <a:rPr lang="en-US" smtClean="0"/>
+              <a:t>1/15/2019</a:t>
+            </a:fld>
+            <a:endParaRPr lang="en-US"/>
+          </a:p>
+        </p:txBody>
+      </p:sp>
+      <p:sp>
+        <p:nvSpPr>
+          <p:cNvPr id="4" name="Slide Image Placeholder 3"/>
+          <p:cNvSpPr>
+            <a:spLocks noGrp="1" noRot="1" noChangeAspect="1"/>
+          </p:cNvSpPr>
+          <p:nvPr>
+            <p:ph type="sldImg" idx="2"/>
+          </p:nvPr>
+        </p:nvSpPr>
+        <p:spPr>
+          <a:xfrm>
+            <a:off x="685800" y="1143000"/>
+            <a:ext cx="5486400" cy="3086100"/>
+          </a:xfrm>
+          <a:prstGeom prst="rect">
+            <a:avLst/>
+          </a:prstGeom>
+          <a:noFill/>
+          <a:ln w="12700">
+            <a:solidFill>
+              <a:prstClr val="black"/>
+            </a:solidFill>
+          </a:ln>
+        </p:spPr>
+        <p:txBody>
+          <a:bodyPr vert="horz" lIns="91440" tIns="45720" rIns="91440" bIns="45720" rtlCol="0" anchor="ctr"/>
+          <a:lstStyle/>
+          <a:p>
+            <a:endParaRPr lang="en-US"/>
+          </a:p>
+        </p:txBody>
+      </p:sp>
+      <p:sp>
+        <p:nvSpPr>
+          <p:cNvPr id="5" name="Notes Placeholder 4"/>
+          <p:cNvSpPr>
+            <a:spLocks noGrp="1"/>
+          </p:cNvSpPr>
+          <p:nvPr>
+            <p:ph type="body" sz="quarter" idx="3"/>
+          </p:nvPr>
+        </p:nvSpPr>
+        <p:spPr>
+          <a:xfrm>
+            <a:off x="685800" y="4400550"/>
+            <a:ext cx="5486400" cy="3600450"/>
+          </a:xfrm>
+          <a:prstGeom prst="rect">
+            <a:avLst/>
+          </a:prstGeom>
+        </p:spPr>
+        <p:txBody>
+          <a:bodyPr vert="horz" lIns="91440" tIns="45720" rIns="91440" bIns="45720" rtlCol="0"/>
+          <a:lstStyle/>
+          <a:p>
+            <a:pPr lvl="0"/>
+            <a:r>
+              <a:rPr lang="en-US" smtClean="0"/>
+              <a:t>Edit Master text styles</a:t>
+            </a:r>
+          </a:p>
+          <a:p>
+            <a:pPr lvl="1"/>
+            <a:r>
+              <a:rPr lang="en-US" smtClean="0"/>
+              <a:t>Second level</a:t>
+            </a:r>
+          </a:p>
+          <a:p>
+            <a:pPr lvl="2"/>
+            <a:r>
+              <a:rPr lang="en-US" smtClean="0"/>
+              <a:t>Third level</a:t>
+            </a:r>
+          </a:p>
+          <a:p>
+            <a:pPr lvl="3"/>
+            <a:r>
+              <a:rPr lang="en-US" smtClean="0"/>
+              <a:t>Fourth level</a:t>
+            </a:r>
+          </a:p>
+          <a:p>
+            <a:pPr lvl="4"/>
+            <a:r>
+              <a:rPr lang="en-US" smtClean="0"/>
+              <a:t>Fifth level</a:t>
+            </a:r>
+            <a:endParaRPr lang="en-US"/>
+          </a:p>
+        </p:txBody>
+      </p:sp>
+      <p:sp>
+        <p:nvSpPr>
+          <p:cNvPr id="6" name="Footer Placeholder 5"/>
+          <p:cNvSpPr>
+            <a:spLocks noGrp="1"/>
+          </p:cNvSpPr>
+          <p:nvPr>
+            <p:ph type="ftr" sz="quarter" idx="4"/>
+          </p:nvPr>
+        </p:nvSpPr>
+        <p:spPr>
+          <a:xfrm>
+            <a:off x="0" y="8685213"/>
+            <a:ext cx="2971800" cy="458787"/>
+          </a:xfrm>
+          <a:prstGeom prst="rect">
+            <a:avLst/>
+          </a:prstGeom>
+        </p:spPr>
+        <p:txBody>
+          <a:bodyPr vert="horz" lIns="91440" tIns="45720" rIns="91440" bIns="45720" rtlCol="0" anchor="b"/>
+          <a:lstStyle>
+            <a:lvl1pPr algn="l">
+              <a:defRPr sz="1200"/>
+            </a:lvl1pPr>
+          </a:lstStyle>
+          <a:p>
+            <a:endParaRPr lang="en-US"/>
+          </a:p>
+        </p:txBody>
+      </p:sp>
+      <p:sp>
+        <p:nvSpPr>
+          <p:cNvPr id="7" name="Slide Number Placeholder 6"/>
+          <p:cNvSpPr>
+            <a:spLocks noGrp="1"/>
+          </p:cNvSpPr>
+          <p:nvPr>
+            <p:ph type="sldNum" sz="quarter" idx="5"/>
+          </p:nvPr>
+        </p:nvSpPr>
+        <p:spPr>
+          <a:xfrm>
+            <a:off x="3884613" y="8685213"/>
+            <a:ext cx="2971800" cy="458787"/>
+          </a:xfrm>
+          <a:prstGeom prst="rect">
+            <a:avLst/>
+          </a:prstGeom>
+        </p:spPr>
+        <p:txBody>
+          <a:bodyPr vert="horz" lIns="91440" tIns="45720" rIns="91440" bIns="45720" rtlCol="0" anchor="b"/>
+          <a:lstStyle>
+            <a:lvl1pPr algn="r">
+              <a:defRPr sz="1200"/>
+            </a:lvl1pPr>
+          </a:lstStyle>
+          <a:p>
+            <a:fld id="{AEFF6787-0569-4C0B-A8EC-C03867FA7E66}" type="slidenum">
+              <a:rPr lang="en-US" smtClean="0"/>
+              <a:t>‹#›</a:t>
+            </a:fld>
+            <a:endParaRPr lang="en-US"/>
+          </a:p>
+        </p:txBody>
+      </p:sp>
+    </p:spTree>
+    <p:extLst>
+      <p:ext uri="{BB962C8B-B14F-4D97-AF65-F5344CB8AC3E}">
+        <p14:creationId xmlns:p14="http://schemas.microsoft.com/office/powerpoint/2010/main" val="1652959955"/>
+      </p:ext>
+    </p:extLst>
+  </p:cSld>
+  <p:clrMap bg1="lt1" tx1="dk1" bg2="lt2" tx2="dk2" accent1="accent1" accent2="accent2" accent3="accent3" accent4="accent4" accent5="accent5" accent6="accent6" hlink="hlink" folHlink="folHlink"/>
+  <p:notesStyle>
+    <a:lvl1pPr marL="0" algn="l" defTabSz="914400" rtl="0" eaLnBrk="1" latinLnBrk="0" hangingPunct="1">
+      <a:defRPr sz="1200" kern="1200">
+        <a:solidFill>
+          <a:schemeClr val="tx1"/>
+        </a:solidFill>
+        <a:latin typeface="+mn-lt"/>
+        <a:ea typeface="+mn-ea"/>
+        <a:cs typeface="+mn-cs"/>
+      </a:defRPr>
+    </a:lvl1pPr>
+    <a:lvl2pPr marL="457200" algn="l" defTabSz="914400" rtl="0" eaLnBrk="1" latinLnBrk="0" hangingPunct="1">
+      <a:defRPr sz="1200" kern="1200">
+        <a:solidFill>
+          <a:schemeClr val="tx1"/>
+        </a:solidFill>
+        <a:latin typeface="+mn-lt"/>
+        <a:ea typeface="+mn-ea"/>
+        <a:cs typeface="+mn-cs"/>
+      </a:defRPr>
+    </a:lvl2pPr>
+    <a:lvl3pPr marL="914400" algn="l" defTabSz="914400" rtl="0" eaLnBrk="1" latinLnBrk="0" hangingPunct="1">
+      <a:defRPr sz="1200" kern="1200">
+        <a:solidFill>
+          <a:schemeClr val="tx1"/>
+        </a:solidFill>
+        <a:latin typeface="+mn-lt"/>
+        <a:ea typeface="+mn-ea"/>
+        <a:cs typeface="+mn-cs"/>
+      </a:defRPr>
+    </a:lvl3pPr>
+    <a:lvl4pPr marL="1371600" algn="l" defTabSz="914400" rtl="0" eaLnBrk="1" latinLnBrk="0" hangingPunct="1">
+      <a:defRPr sz="1200" kern="1200">
+        <a:solidFill>
+          <a:schemeClr val="tx1"/>
+        </a:solidFill>
+        <a:latin typeface="+mn-lt"/>
+        <a:ea typeface="+mn-ea"/>
+        <a:cs typeface="+mn-cs"/>
+      </a:defRPr>
+    </a:lvl4pPr>
+    <a:lvl5pPr marL="1828800" algn="l" defTabSz="914400" rtl="0" eaLnBrk="1" latinLnBrk="0" hangingPunct="1">
+      <a:defRPr sz="1200" kern="1200">
+        <a:solidFill>
+          <a:schemeClr val="tx1"/>
+        </a:solidFill>
+        <a:latin typeface="+mn-lt"/>
+        <a:ea typeface="+mn-ea"/>
+        <a:cs typeface="+mn-cs"/>
+      </a:defRPr>
+    </a:lvl5pPr>
+    <a:lvl6pPr marL="2286000" algn="l" defTabSz="914400" rtl="0" eaLnBrk="1" latinLnBrk="0" hangingPunct="1">
+      <a:defRPr sz="1200" kern="1200">
+        <a:solidFill>
+          <a:schemeClr val="tx1"/>
+        </a:solidFill>
+        <a:latin typeface="+mn-lt"/>
+        <a:ea typeface="+mn-ea"/>
+        <a:cs typeface="+mn-cs"/>
+      </a:defRPr>
+    </a:lvl6pPr>
+    <a:lvl7pPr marL="2743200" algn="l" defTabSz="914400" rtl="0" eaLnBrk="1" latinLnBrk="0" hangingPunct="1">
+      <a:defRPr sz="1200" kern="1200">
+        <a:solidFill>
+          <a:schemeClr val="tx1"/>
+        </a:solidFill>
+        <a:latin typeface="+mn-lt"/>
+        <a:ea typeface="+mn-ea"/>
+        <a:cs typeface="+mn-cs"/>
+      </a:defRPr>
+    </a:lvl7pPr>
+    <a:lvl8pPr marL="3200400" algn="l" defTabSz="914400" rtl="0" eaLnBrk="1" latinLnBrk="0" hangingPunct="1">
+      <a:defRPr sz="1200" kern="1200">
+        <a:solidFill>
+          <a:schemeClr val="tx1"/>
+        </a:solidFill>
+        <a:latin typeface="+mn-lt"/>
+        <a:ea typeface="+mn-ea"/>
+        <a:cs typeface="+mn-cs"/>
+      </a:defRPr>
+    </a:lvl8pPr>
+    <a:lvl9pPr marL="3657600" algn="l" defTabSz="914400" rtl="0" eaLnBrk="1" latinLnBrk="0" hangingPunct="1">
+      <a:defRPr sz="1200" kern="1200">
+        <a:solidFill>
+          <a:schemeClr val="tx1"/>
+        </a:solidFill>
+        <a:latin typeface="+mn-lt"/>
+        <a:ea typeface="+mn-ea"/>
+        <a:cs typeface="+mn-cs"/>
+      </a:defRPr>
+    </a:lvl9pPr>
+  </p:notesStyle>
+</p:notesMaster>
+</file>
+
+<file path=ppt/notesSlides/notesSlide1.xml><?xml version="1.0" encoding="utf-8"?>
+<p:notes xmlns:a="http://schemas.openxmlformats.org/drawingml/2006/main" xmlns:r="http://schemas.openxmlformats.org/officeDocument/2006/relationships" xmlns:p="http://schemas.openxmlformats.org/presentationml/2006/main">
+  <p:cSld>
+    <p:spTree>
+      <p:nvGrpSpPr>
+        <p:cNvPr id="1" name=""/>
+        <p:cNvGrpSpPr/>
+        <p:nvPr/>
+      </p:nvGrpSpPr>
+      <p:grpSpPr>
+        <a:xfrm>
+          <a:off x="0" y="0"/>
+          <a:ext cx="0" cy="0"/>
+          <a:chOff x="0" y="0"/>
+          <a:chExt cx="0" cy="0"/>
+        </a:xfrm>
+      </p:grpSpPr>
+      <p:sp>
+        <p:nvSpPr>
+          <p:cNvPr id="2" name="Slide Image Placeholder 1"/>
+          <p:cNvSpPr>
+            <a:spLocks noGrp="1" noRot="1" noChangeAspect="1"/>
+          </p:cNvSpPr>
+          <p:nvPr>
+            <p:ph type="sldImg"/>
+          </p:nvPr>
+        </p:nvSpPr>
+        <p:spPr/>
+      </p:sp>
+      <p:sp>
+        <p:nvSpPr>
+          <p:cNvPr id="3" name="Notes Placeholder 2"/>
+          <p:cNvSpPr>
+            <a:spLocks noGrp="1"/>
+          </p:cNvSpPr>
+          <p:nvPr>
+            <p:ph type="body" idx="1"/>
+          </p:nvPr>
+        </p:nvSpPr>
+        <p:spPr/>
+        <p:txBody>
+          <a:bodyPr/>
+          <a:lstStyle/>
+          <a:p>
+            <a:endParaRPr lang="en-US" dirty="0"/>
+          </a:p>
+        </p:txBody>
+      </p:sp>
+      <p:sp>
+        <p:nvSpPr>
+          <p:cNvPr id="4" name="Slide Number Placeholder 3"/>
+          <p:cNvSpPr>
+            <a:spLocks noGrp="1"/>
+          </p:cNvSpPr>
+          <p:nvPr>
+            <p:ph type="sldNum" sz="quarter" idx="10"/>
+          </p:nvPr>
+        </p:nvSpPr>
+        <p:spPr/>
+        <p:txBody>
+          <a:bodyPr/>
+          <a:lstStyle/>
+          <a:p>
+            <a:fld id="{AEFF6787-0569-4C0B-A8EC-C03867FA7E66}" type="slidenum">
+              <a:rPr lang="en-US" smtClean="0"/>
+              <a:t>1</a:t>
+            </a:fld>
+            <a:endParaRPr lang="en-US"/>
+          </a:p>
+        </p:txBody>
+      </p:sp>
+    </p:spTree>
+    <p:extLst>
+      <p:ext uri="{BB962C8B-B14F-4D97-AF65-F5344CB8AC3E}">
+        <p14:creationId xmlns:p14="http://schemas.microsoft.com/office/powerpoint/2010/main" val="371132236"/>
+      </p:ext>
+    </p:extLst>
+  </p:cSld>
+  <p:clrMapOvr>
+    <a:masterClrMapping/>
+  </p:clrMapOvr>
+</p:notes>
+</file>
+
+<file path=ppt/notesSlides/notesSlide2.xml><?xml version="1.0" encoding="utf-8"?>
+<p:notes xmlns:a="http://schemas.openxmlformats.org/drawingml/2006/main" xmlns:r="http://schemas.openxmlformats.org/officeDocument/2006/relationships" xmlns:p="http://schemas.openxmlformats.org/presentationml/2006/main">
+  <p:cSld>
+    <p:spTree>
+      <p:nvGrpSpPr>
+        <p:cNvPr id="1" name=""/>
+        <p:cNvGrpSpPr/>
+        <p:nvPr/>
+      </p:nvGrpSpPr>
+      <p:grpSpPr>
+        <a:xfrm>
+          <a:off x="0" y="0"/>
+          <a:ext cx="0" cy="0"/>
+          <a:chOff x="0" y="0"/>
+          <a:chExt cx="0" cy="0"/>
+        </a:xfrm>
+      </p:grpSpPr>
+      <p:sp>
+        <p:nvSpPr>
+          <p:cNvPr id="2" name="Slide Image Placeholder 1"/>
+          <p:cNvSpPr>
+            <a:spLocks noGrp="1" noRot="1" noChangeAspect="1"/>
+          </p:cNvSpPr>
+          <p:nvPr>
+            <p:ph type="sldImg"/>
+          </p:nvPr>
+        </p:nvSpPr>
+        <p:spPr/>
+      </p:sp>
+      <p:sp>
+        <p:nvSpPr>
+          <p:cNvPr id="3" name="Notes Placeholder 2"/>
+          <p:cNvSpPr>
+            <a:spLocks noGrp="1"/>
+          </p:cNvSpPr>
+          <p:nvPr>
+            <p:ph type="body" idx="1"/>
+          </p:nvPr>
+        </p:nvSpPr>
+        <p:spPr/>
+        <p:txBody>
+          <a:bodyPr/>
+          <a:lstStyle/>
+          <a:p>
+            <a:r>
+              <a:rPr lang="en-US" dirty="0" smtClean="0"/>
+              <a:t>class User {</a:t>
+            </a:r>
+          </a:p>
+          <a:p>
+            <a:r>
+              <a:rPr lang="en-US" dirty="0" smtClean="0"/>
+              <a:t>    String email</a:t>
+            </a:r>
+          </a:p>
+          <a:p>
+            <a:endParaRPr lang="en-US" dirty="0" smtClean="0"/>
+          </a:p>
+          <a:p>
+            <a:r>
+              <a:rPr lang="en-US" dirty="0" smtClean="0"/>
+              <a:t>    static mapping = {</a:t>
+            </a:r>
+          </a:p>
+          <a:p>
+            <a:r>
+              <a:rPr lang="en-US" dirty="0" smtClean="0"/>
+              <a:t>        id name: 'email', generator: 'assigned'</a:t>
+            </a:r>
+          </a:p>
+          <a:p>
+            <a:r>
+              <a:rPr lang="en-US" dirty="0" smtClean="0"/>
+              <a:t>    }</a:t>
+            </a:r>
+          </a:p>
+          <a:p>
+            <a:r>
+              <a:rPr lang="en-US" dirty="0" smtClean="0"/>
+              <a:t>}</a:t>
+            </a:r>
+          </a:p>
+          <a:p>
+            <a:endParaRPr lang="en-US" dirty="0" smtClean="0"/>
+          </a:p>
+          <a:p>
+            <a:r>
+              <a:rPr lang="en-US" dirty="0" smtClean="0"/>
+              <a:t>class </a:t>
+            </a:r>
+            <a:r>
+              <a:rPr lang="en-US" dirty="0" err="1" smtClean="0"/>
+              <a:t>ImageFile</a:t>
+            </a:r>
+            <a:r>
+              <a:rPr lang="en-US" dirty="0" smtClean="0"/>
+              <a:t> {</a:t>
+            </a:r>
+          </a:p>
+          <a:p>
+            <a:r>
+              <a:rPr lang="en-US" dirty="0" smtClean="0"/>
+              <a:t>    byte[] </a:t>
+            </a:r>
+            <a:r>
+              <a:rPr lang="en-US" dirty="0" err="1" smtClean="0"/>
+              <a:t>imageData</a:t>
+            </a:r>
+            <a:endParaRPr lang="en-US" dirty="0" smtClean="0"/>
+          </a:p>
+          <a:p>
+            <a:r>
+              <a:rPr lang="en-US" dirty="0" smtClean="0"/>
+              <a:t>    String name</a:t>
+            </a:r>
+          </a:p>
+          <a:p>
+            <a:r>
+              <a:rPr lang="en-US" dirty="0" smtClean="0"/>
+              <a:t>    String </a:t>
+            </a:r>
+            <a:r>
+              <a:rPr lang="en-US" dirty="0" err="1" smtClean="0"/>
+              <a:t>contentType</a:t>
+            </a:r>
+            <a:endParaRPr lang="en-US" dirty="0" smtClean="0"/>
+          </a:p>
+          <a:p>
+            <a:endParaRPr lang="en-US" dirty="0" smtClean="0"/>
+          </a:p>
+          <a:p>
+            <a:r>
+              <a:rPr lang="en-US" dirty="0" smtClean="0"/>
+              <a:t>    static mapping = {</a:t>
+            </a:r>
+          </a:p>
+          <a:p>
+            <a:r>
+              <a:rPr lang="en-US" dirty="0" smtClean="0"/>
+              <a:t>        </a:t>
+            </a:r>
+            <a:r>
+              <a:rPr lang="en-US" dirty="0" err="1" smtClean="0"/>
+              <a:t>imageData</a:t>
+            </a:r>
+            <a:r>
+              <a:rPr lang="en-US" dirty="0" smtClean="0"/>
+              <a:t> </a:t>
+            </a:r>
+            <a:r>
+              <a:rPr lang="en-US" dirty="0" err="1" smtClean="0"/>
+              <a:t>sqlType</a:t>
+            </a:r>
+            <a:r>
+              <a:rPr lang="en-US" dirty="0" smtClean="0"/>
+              <a:t>: '</a:t>
+            </a:r>
+            <a:r>
+              <a:rPr lang="en-US" dirty="0" err="1" smtClean="0"/>
+              <a:t>longblob</a:t>
+            </a:r>
+            <a:r>
+              <a:rPr lang="en-US" dirty="0" smtClean="0"/>
+              <a:t>'</a:t>
+            </a:r>
+          </a:p>
+          <a:p>
+            <a:r>
+              <a:rPr lang="en-US" dirty="0" smtClean="0"/>
+              <a:t>    }</a:t>
+            </a:r>
+          </a:p>
+          <a:p>
+            <a:r>
+              <a:rPr lang="en-US" dirty="0" smtClean="0"/>
+              <a:t>    </a:t>
+            </a:r>
+          </a:p>
+          <a:p>
+            <a:r>
+              <a:rPr lang="en-US" dirty="0" smtClean="0"/>
+              <a:t>    static </a:t>
+            </a:r>
+            <a:r>
+              <a:rPr lang="en-US" dirty="0" err="1" smtClean="0"/>
+              <a:t>belongsTo</a:t>
+            </a:r>
+            <a:r>
+              <a:rPr lang="en-US" dirty="0" smtClean="0"/>
+              <a:t> = Post</a:t>
+            </a:r>
+          </a:p>
+          <a:p>
+            <a:r>
+              <a:rPr lang="en-US" dirty="0" smtClean="0"/>
+              <a:t>}</a:t>
+            </a:r>
+          </a:p>
+          <a:p>
+            <a:endParaRPr lang="en-US" dirty="0" smtClean="0"/>
+          </a:p>
+          <a:p>
+            <a:r>
+              <a:rPr lang="en-US" dirty="0" smtClean="0"/>
+              <a:t>class Comment {</a:t>
+            </a:r>
+          </a:p>
+          <a:p>
+            <a:r>
+              <a:rPr lang="en-US" dirty="0" smtClean="0"/>
+              <a:t>    User creator </a:t>
+            </a:r>
+          </a:p>
+          <a:p>
+            <a:r>
+              <a:rPr lang="en-US" dirty="0" smtClean="0"/>
+              <a:t>    String content</a:t>
+            </a:r>
+          </a:p>
+          <a:p>
+            <a:r>
+              <a:rPr lang="en-US" dirty="0" smtClean="0"/>
+              <a:t>    long timestamp = </a:t>
+            </a:r>
+            <a:r>
+              <a:rPr lang="en-US" dirty="0" err="1" smtClean="0"/>
+              <a:t>System.currentTimeMillis</a:t>
+            </a:r>
+            <a:r>
+              <a:rPr lang="en-US" dirty="0" smtClean="0"/>
+              <a:t>()</a:t>
+            </a:r>
+          </a:p>
+          <a:p>
+            <a:endParaRPr lang="en-US" dirty="0" smtClean="0"/>
+          </a:p>
+          <a:p>
+            <a:r>
+              <a:rPr lang="en-US" dirty="0" smtClean="0"/>
+              <a:t>    static </a:t>
+            </a:r>
+            <a:r>
+              <a:rPr lang="en-US" dirty="0" err="1" smtClean="0"/>
+              <a:t>belongsTo</a:t>
+            </a:r>
+            <a:r>
+              <a:rPr lang="en-US" dirty="0" smtClean="0"/>
+              <a:t> = Post</a:t>
+            </a:r>
+          </a:p>
+          <a:p>
+            <a:r>
+              <a:rPr lang="en-US" dirty="0" smtClean="0"/>
+              <a:t>}</a:t>
+            </a:r>
+          </a:p>
+          <a:p>
+            <a:endParaRPr lang="en-US" dirty="0" smtClean="0"/>
+          </a:p>
+          <a:p>
+            <a:endParaRPr lang="en-US" dirty="0" smtClean="0"/>
+          </a:p>
+          <a:p>
+            <a:r>
+              <a:rPr lang="en-US" dirty="0" smtClean="0"/>
+              <a:t>class Post {</a:t>
+            </a:r>
+          </a:p>
+          <a:p>
+            <a:r>
+              <a:rPr lang="en-US" dirty="0" smtClean="0"/>
+              <a:t>    User creator</a:t>
+            </a:r>
+          </a:p>
+          <a:p>
+            <a:r>
+              <a:rPr lang="en-US" dirty="0" smtClean="0"/>
+              <a:t>    </a:t>
+            </a:r>
+            <a:r>
+              <a:rPr lang="en-US" dirty="0" err="1" smtClean="0"/>
+              <a:t>ImageFile</a:t>
+            </a:r>
+            <a:r>
+              <a:rPr lang="en-US" dirty="0" smtClean="0"/>
+              <a:t> image</a:t>
+            </a:r>
+          </a:p>
+          <a:p>
+            <a:r>
+              <a:rPr lang="en-US" dirty="0" smtClean="0"/>
+              <a:t>    List&lt;Comment&gt; comments</a:t>
+            </a:r>
+          </a:p>
+          <a:p>
+            <a:r>
+              <a:rPr lang="en-US" dirty="0" smtClean="0"/>
+              <a:t>    long timestamp = </a:t>
+            </a:r>
+            <a:r>
+              <a:rPr lang="en-US" dirty="0" err="1" smtClean="0"/>
+              <a:t>System.currentTimeMillis</a:t>
+            </a:r>
+            <a:r>
+              <a:rPr lang="en-US" dirty="0" smtClean="0"/>
+              <a:t>()</a:t>
+            </a:r>
+          </a:p>
+          <a:p>
+            <a:endParaRPr lang="en-US" dirty="0" smtClean="0"/>
+          </a:p>
+          <a:p>
+            <a:r>
+              <a:rPr lang="en-US" dirty="0" smtClean="0"/>
+              <a:t>    static </a:t>
+            </a:r>
+            <a:r>
+              <a:rPr lang="en-US" dirty="0" err="1" smtClean="0"/>
+              <a:t>belongsTo</a:t>
+            </a:r>
+            <a:r>
+              <a:rPr lang="en-US" dirty="0" smtClean="0"/>
+              <a:t> = User</a:t>
+            </a:r>
+          </a:p>
+          <a:p>
+            <a:r>
+              <a:rPr lang="en-US" dirty="0" smtClean="0"/>
+              <a:t>}</a:t>
+            </a:r>
+          </a:p>
+          <a:p>
+            <a:endParaRPr lang="en-US" dirty="0" smtClean="0"/>
+          </a:p>
+          <a:p>
+            <a:endParaRPr lang="en-US" dirty="0"/>
+          </a:p>
+        </p:txBody>
+      </p:sp>
+      <p:sp>
+        <p:nvSpPr>
+          <p:cNvPr id="4" name="Slide Number Placeholder 3"/>
+          <p:cNvSpPr>
+            <a:spLocks noGrp="1"/>
+          </p:cNvSpPr>
+          <p:nvPr>
+            <p:ph type="sldNum" sz="quarter" idx="10"/>
+          </p:nvPr>
+        </p:nvSpPr>
+        <p:spPr/>
+        <p:txBody>
+          <a:bodyPr/>
+          <a:lstStyle/>
+          <a:p>
+            <a:fld id="{AEFF6787-0569-4C0B-A8EC-C03867FA7E66}" type="slidenum">
+              <a:rPr lang="en-US" smtClean="0"/>
+              <a:t>13</a:t>
+            </a:fld>
+            <a:endParaRPr lang="en-US"/>
+          </a:p>
+        </p:txBody>
+      </p:sp>
+    </p:spTree>
+    <p:extLst>
+      <p:ext uri="{BB962C8B-B14F-4D97-AF65-F5344CB8AC3E}">
+        <p14:creationId xmlns:p14="http://schemas.microsoft.com/office/powerpoint/2010/main" val="39120546"/>
+      </p:ext>
+    </p:extLst>
+  </p:cSld>
+  <p:clrMapOvr>
+    <a:masterClrMapping/>
+  </p:clrMapOvr>
+</p:notes>
+</file>
+
+<file path=ppt/notesSlides/notesSlide3.xml><?xml version="1.0" encoding="utf-8"?>
+<p:notes xmlns:a="http://schemas.openxmlformats.org/drawingml/2006/main" xmlns:r="http://schemas.openxmlformats.org/officeDocument/2006/relationships" xmlns:p="http://schemas.openxmlformats.org/presentationml/2006/main">
+  <p:cSld>
+    <p:spTree>
+      <p:nvGrpSpPr>
+        <p:cNvPr id="1" name=""/>
+        <p:cNvGrpSpPr/>
+        <p:nvPr/>
+      </p:nvGrpSpPr>
+      <p:grpSpPr>
+        <a:xfrm>
+          <a:off x="0" y="0"/>
+          <a:ext cx="0" cy="0"/>
+          <a:chOff x="0" y="0"/>
+          <a:chExt cx="0" cy="0"/>
+        </a:xfrm>
+      </p:grpSpPr>
+      <p:sp>
+        <p:nvSpPr>
+          <p:cNvPr id="2" name="Slide Image Placeholder 1"/>
+          <p:cNvSpPr>
+            <a:spLocks noGrp="1" noRot="1" noChangeAspect="1"/>
+          </p:cNvSpPr>
+          <p:nvPr>
+            <p:ph type="sldImg"/>
+          </p:nvPr>
+        </p:nvSpPr>
+        <p:spPr/>
+      </p:sp>
+      <p:sp>
+        <p:nvSpPr>
+          <p:cNvPr id="3" name="Notes Placeholder 2"/>
+          <p:cNvSpPr>
+            <a:spLocks noGrp="1"/>
+          </p:cNvSpPr>
+          <p:nvPr>
+            <p:ph type="body" idx="1"/>
+          </p:nvPr>
+        </p:nvSpPr>
+        <p:spPr/>
+        <p:txBody>
+          <a:bodyPr/>
+          <a:lstStyle/>
+          <a:p>
+            <a:pPr marL="0" marR="0" lvl="0" indent="0" algn="l" defTabSz="914400" rtl="0" eaLnBrk="1" fontAlgn="auto" latinLnBrk="0" hangingPunct="1">
+              <a:lnSpc>
+                <a:spcPct val="100000"/>
+              </a:lnSpc>
+              <a:spcBef>
+                <a:spcPts val="0"/>
+              </a:spcBef>
+              <a:spcAft>
+                <a:spcPts val="0"/>
+              </a:spcAft>
+              <a:buClrTx/>
+              <a:buSzTx/>
+              <a:buFontTx/>
+              <a:buNone/>
+              <a:tabLst/>
+              <a:defRPr/>
+            </a:pPr>
+            <a:r>
+              <a:rPr lang="en-US" sz="1200" b="0" kern="1200" dirty="0" smtClean="0">
+                <a:solidFill>
+                  <a:schemeClr val="tx1"/>
+                </a:solidFill>
+                <a:effectLst/>
+                <a:latin typeface="+mn-lt"/>
+                <a:ea typeface="+mn-ea"/>
+                <a:cs typeface="+mn-cs"/>
+              </a:rPr>
+              <a:t>import </a:t>
+            </a:r>
+            <a:r>
+              <a:rPr lang="en-US" sz="1200" b="0" kern="1200" dirty="0" err="1" smtClean="0">
+                <a:solidFill>
+                  <a:schemeClr val="tx1"/>
+                </a:solidFill>
+                <a:effectLst/>
+                <a:latin typeface="+mn-lt"/>
+                <a:ea typeface="+mn-ea"/>
+                <a:cs typeface="+mn-cs"/>
+              </a:rPr>
+              <a:t>grails.util.Environment</a:t>
+            </a:r>
+            <a:endParaRPr lang="en-US" sz="1200" b="0" kern="1200" dirty="0" smtClean="0">
+              <a:solidFill>
+                <a:schemeClr val="tx1"/>
+              </a:solidFill>
+              <a:effectLst/>
+              <a:latin typeface="+mn-lt"/>
+              <a:ea typeface="+mn-ea"/>
+              <a:cs typeface="+mn-cs"/>
+            </a:endParaRPr>
+          </a:p>
+          <a:p>
+            <a:pPr marL="0" indent="0">
+              <a:buNone/>
+            </a:pPr>
+            <a:endParaRPr lang="en-US" b="0" dirty="0" smtClean="0">
+              <a:solidFill>
+                <a:srgbClr val="0000FF"/>
+              </a:solidFill>
+              <a:effectLst/>
+              <a:latin typeface="Consolas" panose="020B0609020204030204" pitchFamily="49" charset="0"/>
+            </a:endParaRPr>
+          </a:p>
+          <a:p>
+            <a:pPr marL="0" indent="0">
+              <a:buNone/>
+            </a:pPr>
+            <a:r>
+              <a:rPr lang="en-US" b="0" baseline="0" dirty="0" smtClean="0">
+                <a:solidFill>
+                  <a:srgbClr val="0000FF"/>
+                </a:solidFill>
+                <a:effectLst/>
+                <a:latin typeface="Consolas" panose="020B0609020204030204" pitchFamily="49" charset="0"/>
+              </a:rPr>
+              <a:t>        </a:t>
+            </a:r>
+            <a:r>
+              <a:rPr lang="en-US" b="0" dirty="0" smtClean="0">
+                <a:solidFill>
+                  <a:srgbClr val="0000FF"/>
+                </a:solidFill>
+                <a:effectLst/>
+                <a:latin typeface="Consolas" panose="020B0609020204030204" pitchFamily="49" charset="0"/>
+              </a:rPr>
+              <a:t>if (</a:t>
+            </a:r>
+            <a:r>
+              <a:rPr lang="en-US" b="0" dirty="0" err="1" smtClean="0">
+                <a:solidFill>
+                  <a:srgbClr val="0000FF"/>
+                </a:solidFill>
+                <a:effectLst/>
+                <a:latin typeface="Consolas" panose="020B0609020204030204" pitchFamily="49" charset="0"/>
+              </a:rPr>
+              <a:t>Environment.getCurrent</a:t>
+            </a:r>
+            <a:r>
+              <a:rPr lang="en-US" b="0" dirty="0" smtClean="0">
+                <a:solidFill>
+                  <a:srgbClr val="0000FF"/>
+                </a:solidFill>
+                <a:effectLst/>
+                <a:latin typeface="Consolas" panose="020B0609020204030204" pitchFamily="49" charset="0"/>
+              </a:rPr>
+              <a:t>() != </a:t>
+            </a:r>
+            <a:r>
+              <a:rPr lang="en-US" b="0" dirty="0" err="1" smtClean="0">
+                <a:solidFill>
+                  <a:srgbClr val="0000FF"/>
+                </a:solidFill>
+                <a:effectLst/>
+                <a:latin typeface="Consolas" panose="020B0609020204030204" pitchFamily="49" charset="0"/>
+              </a:rPr>
+              <a:t>Environment.DEVELOPMENT</a:t>
+            </a:r>
+            <a:r>
+              <a:rPr lang="en-US" b="0" dirty="0" smtClean="0">
+                <a:solidFill>
+                  <a:srgbClr val="0000FF"/>
+                </a:solidFill>
+                <a:effectLst/>
+                <a:latin typeface="Consolas" panose="020B0609020204030204" pitchFamily="49" charset="0"/>
+              </a:rPr>
+              <a:t>) return</a:t>
+            </a:r>
+          </a:p>
+          <a:p>
+            <a:pPr marL="0" indent="0">
+              <a:buNone/>
+            </a:pPr>
+            <a:endParaRPr lang="en-US" b="0" dirty="0" smtClean="0">
+              <a:solidFill>
+                <a:srgbClr val="0000FF"/>
+              </a:solidFill>
+              <a:effectLst/>
+              <a:latin typeface="Consolas" panose="020B0609020204030204" pitchFamily="49" charset="0"/>
+            </a:endParaRPr>
+          </a:p>
+          <a:p>
+            <a:pPr marL="0" indent="0">
+              <a:buNone/>
+            </a:pPr>
+            <a:r>
+              <a:rPr lang="en-US" b="0" dirty="0" smtClean="0">
+                <a:solidFill>
+                  <a:srgbClr val="0000FF"/>
+                </a:solidFill>
+                <a:effectLst/>
+                <a:latin typeface="Consolas" panose="020B0609020204030204" pitchFamily="49" charset="0"/>
+              </a:rPr>
+              <a:t>        </a:t>
+            </a:r>
+            <a:r>
+              <a:rPr lang="en-US" b="0" dirty="0" err="1" smtClean="0">
+                <a:solidFill>
+                  <a:srgbClr val="0000FF"/>
+                </a:solidFill>
+                <a:effectLst/>
+                <a:latin typeface="Consolas" panose="020B0609020204030204" pitchFamily="49" charset="0"/>
+              </a:rPr>
+              <a:t>def</a:t>
+            </a:r>
+            <a:r>
+              <a:rPr lang="en-US" b="0" dirty="0" smtClean="0">
+                <a:solidFill>
+                  <a:srgbClr val="0000FF"/>
+                </a:solidFill>
+                <a:effectLst/>
+                <a:latin typeface="Consolas" panose="020B0609020204030204" pitchFamily="49" charset="0"/>
+              </a:rPr>
+              <a:t> user = new User(email: '</a:t>
+            </a:r>
+            <a:r>
+              <a:rPr lang="en-US" b="0" dirty="0" err="1" smtClean="0">
+                <a:solidFill>
+                  <a:srgbClr val="0000FF"/>
+                </a:solidFill>
+                <a:effectLst/>
+                <a:latin typeface="Consolas" panose="020B0609020204030204" pitchFamily="49" charset="0"/>
+              </a:rPr>
+              <a:t>test@test.test</a:t>
+            </a:r>
+            <a:r>
+              <a:rPr lang="en-US" b="0" dirty="0" smtClean="0">
+                <a:solidFill>
+                  <a:srgbClr val="0000FF"/>
+                </a:solidFill>
+                <a:effectLst/>
+                <a:latin typeface="Consolas" panose="020B0609020204030204" pitchFamily="49" charset="0"/>
+              </a:rPr>
+              <a:t>')</a:t>
+            </a:r>
+          </a:p>
+          <a:p>
+            <a:pPr marL="0" indent="0">
+              <a:buNone/>
+            </a:pPr>
+            <a:r>
+              <a:rPr lang="en-US" b="0" dirty="0" smtClean="0">
+                <a:solidFill>
+                  <a:srgbClr val="0000FF"/>
+                </a:solidFill>
+                <a:effectLst/>
+                <a:latin typeface="Consolas" panose="020B0609020204030204" pitchFamily="49" charset="0"/>
+              </a:rPr>
+              <a:t>        </a:t>
+            </a:r>
+            <a:r>
+              <a:rPr lang="en-US" b="0" dirty="0" err="1" smtClean="0">
+                <a:solidFill>
+                  <a:srgbClr val="0000FF"/>
+                </a:solidFill>
+                <a:effectLst/>
+                <a:latin typeface="Consolas" panose="020B0609020204030204" pitchFamily="49" charset="0"/>
+              </a:rPr>
+              <a:t>user.save</a:t>
+            </a:r>
+            <a:r>
+              <a:rPr lang="en-US" b="0" dirty="0" smtClean="0">
+                <a:solidFill>
+                  <a:srgbClr val="0000FF"/>
+                </a:solidFill>
+                <a:effectLst/>
+                <a:latin typeface="Consolas" panose="020B0609020204030204" pitchFamily="49" charset="0"/>
+              </a:rPr>
+              <a:t>(flush: true)</a:t>
+            </a:r>
+          </a:p>
+          <a:p>
+            <a:pPr marL="0" indent="0">
+              <a:buNone/>
+            </a:pPr>
+            <a:r>
+              <a:rPr lang="en-US" b="0" dirty="0" smtClean="0">
+                <a:solidFill>
+                  <a:srgbClr val="0000FF"/>
+                </a:solidFill>
+                <a:effectLst/>
+                <a:latin typeface="Consolas" panose="020B0609020204030204" pitchFamily="49" charset="0"/>
+              </a:rPr>
+              <a:t>        </a:t>
+            </a:r>
+          </a:p>
+          <a:p>
+            <a:pPr marL="0" indent="0">
+              <a:buNone/>
+            </a:pPr>
+            <a:endParaRPr lang="en-US" b="0" dirty="0" smtClean="0">
+              <a:solidFill>
+                <a:srgbClr val="0000FF"/>
+              </a:solidFill>
+              <a:effectLst/>
+              <a:latin typeface="Consolas" panose="020B0609020204030204" pitchFamily="49" charset="0"/>
+            </a:endParaRPr>
+          </a:p>
+          <a:p>
+            <a:pPr marL="0" indent="0">
+              <a:buNone/>
+            </a:pPr>
+            <a:r>
+              <a:rPr lang="en-US" b="0" dirty="0" smtClean="0">
+                <a:solidFill>
+                  <a:srgbClr val="0000FF"/>
+                </a:solidFill>
+                <a:effectLst/>
+                <a:latin typeface="Consolas" panose="020B0609020204030204" pitchFamily="49" charset="0"/>
+              </a:rPr>
+              <a:t>        </a:t>
+            </a:r>
+            <a:r>
+              <a:rPr lang="en-US" b="0" dirty="0" err="1" smtClean="0">
+                <a:solidFill>
+                  <a:srgbClr val="0000FF"/>
+                </a:solidFill>
+                <a:effectLst/>
+                <a:latin typeface="Consolas" panose="020B0609020204030204" pitchFamily="49" charset="0"/>
+              </a:rPr>
+              <a:t>def</a:t>
+            </a:r>
+            <a:r>
+              <a:rPr lang="en-US" b="0" dirty="0" smtClean="0">
+                <a:solidFill>
+                  <a:srgbClr val="0000FF"/>
+                </a:solidFill>
+                <a:effectLst/>
+                <a:latin typeface="Consolas" panose="020B0609020204030204" pitchFamily="49" charset="0"/>
+              </a:rPr>
+              <a:t> post = new Post(</a:t>
+            </a:r>
+          </a:p>
+          <a:p>
+            <a:pPr marL="0" indent="0">
+              <a:buNone/>
+            </a:pPr>
+            <a:r>
+              <a:rPr lang="en-US" b="0" dirty="0" smtClean="0">
+                <a:solidFill>
+                  <a:srgbClr val="0000FF"/>
+                </a:solidFill>
+                <a:effectLst/>
+                <a:latin typeface="Consolas" panose="020B0609020204030204" pitchFamily="49" charset="0"/>
+              </a:rPr>
+              <a:t>            creator: user,</a:t>
+            </a:r>
+          </a:p>
+          <a:p>
+            <a:pPr marL="0" indent="0">
+              <a:buNone/>
+            </a:pPr>
+            <a:r>
+              <a:rPr lang="en-US" b="0" dirty="0" smtClean="0">
+                <a:solidFill>
+                  <a:srgbClr val="0000FF"/>
+                </a:solidFill>
+                <a:effectLst/>
+                <a:latin typeface="Consolas" panose="020B0609020204030204" pitchFamily="49" charset="0"/>
+              </a:rPr>
+              <a:t>            image: new </a:t>
+            </a:r>
+            <a:r>
+              <a:rPr lang="en-US" b="0" dirty="0" err="1" smtClean="0">
+                <a:solidFill>
+                  <a:srgbClr val="0000FF"/>
+                </a:solidFill>
+                <a:effectLst/>
+                <a:latin typeface="Consolas" panose="020B0609020204030204" pitchFamily="49" charset="0"/>
+              </a:rPr>
+              <a:t>ImageFile</a:t>
+            </a:r>
+            <a:r>
+              <a:rPr lang="en-US" b="0" dirty="0" smtClean="0">
+                <a:solidFill>
+                  <a:srgbClr val="0000FF"/>
+                </a:solidFill>
+                <a:effectLst/>
+                <a:latin typeface="Consolas" panose="020B0609020204030204" pitchFamily="49" charset="0"/>
+              </a:rPr>
+              <a:t>(name: 'a.png', </a:t>
+            </a:r>
+            <a:r>
+              <a:rPr lang="en-US" b="0" dirty="0" err="1" smtClean="0">
+                <a:solidFill>
+                  <a:srgbClr val="0000FF"/>
+                </a:solidFill>
+                <a:effectLst/>
+                <a:latin typeface="Consolas" panose="020B0609020204030204" pitchFamily="49" charset="0"/>
+              </a:rPr>
+              <a:t>contentType</a:t>
+            </a:r>
+            <a:r>
+              <a:rPr lang="en-US" b="0" dirty="0" smtClean="0">
+                <a:solidFill>
+                  <a:srgbClr val="0000FF"/>
+                </a:solidFill>
+                <a:effectLst/>
+                <a:latin typeface="Consolas" panose="020B0609020204030204" pitchFamily="49" charset="0"/>
+              </a:rPr>
+              <a:t>:"image/</a:t>
+            </a:r>
+            <a:r>
+              <a:rPr lang="en-US" b="0" dirty="0" err="1" smtClean="0">
+                <a:solidFill>
+                  <a:srgbClr val="0000FF"/>
+                </a:solidFill>
+                <a:effectLst/>
+                <a:latin typeface="Consolas" panose="020B0609020204030204" pitchFamily="49" charset="0"/>
+              </a:rPr>
+              <a:t>png</a:t>
+            </a:r>
+            <a:r>
+              <a:rPr lang="en-US" b="0" dirty="0" smtClean="0">
+                <a:solidFill>
+                  <a:srgbClr val="0000FF"/>
+                </a:solidFill>
+                <a:effectLst/>
+                <a:latin typeface="Consolas" panose="020B0609020204030204" pitchFamily="49" charset="0"/>
+              </a:rPr>
+              <a:t>", </a:t>
+            </a:r>
+            <a:r>
+              <a:rPr lang="en-US" b="0" dirty="0" err="1" smtClean="0">
+                <a:solidFill>
+                  <a:srgbClr val="0000FF"/>
+                </a:solidFill>
+                <a:effectLst/>
+                <a:latin typeface="Consolas" panose="020B0609020204030204" pitchFamily="49" charset="0"/>
+              </a:rPr>
+              <a:t>imageData</a:t>
+            </a:r>
+            <a:r>
+              <a:rPr lang="en-US" b="0" dirty="0" smtClean="0">
+                <a:solidFill>
+                  <a:srgbClr val="0000FF"/>
+                </a:solidFill>
+                <a:effectLst/>
+                <a:latin typeface="Consolas" panose="020B0609020204030204" pitchFamily="49" charset="0"/>
+              </a:rPr>
+              <a:t>: new File("grails-app/assets/images/apple-touch-icon.png").bytes),</a:t>
+            </a:r>
+          </a:p>
+          <a:p>
+            <a:pPr marL="0" indent="0">
+              <a:buNone/>
+            </a:pPr>
+            <a:r>
+              <a:rPr lang="en-US" b="0" dirty="0" smtClean="0">
+                <a:solidFill>
+                  <a:srgbClr val="0000FF"/>
+                </a:solidFill>
+                <a:effectLst/>
+                <a:latin typeface="Consolas" panose="020B0609020204030204" pitchFamily="49" charset="0"/>
+              </a:rPr>
+              <a:t>            comments: [</a:t>
+            </a:r>
+          </a:p>
+          <a:p>
+            <a:pPr marL="0" indent="0">
+              <a:buNone/>
+            </a:pPr>
+            <a:r>
+              <a:rPr lang="en-US" b="0" dirty="0" smtClean="0">
+                <a:solidFill>
+                  <a:srgbClr val="0000FF"/>
+                </a:solidFill>
+                <a:effectLst/>
+                <a:latin typeface="Consolas" panose="020B0609020204030204" pitchFamily="49" charset="0"/>
+              </a:rPr>
+              <a:t>                new Comment(creator: user, content: 'very cool!'),</a:t>
+            </a:r>
+          </a:p>
+          <a:p>
+            <a:pPr marL="0" indent="0">
+              <a:buNone/>
+            </a:pPr>
+            <a:r>
+              <a:rPr lang="en-US" b="0" dirty="0" smtClean="0">
+                <a:solidFill>
+                  <a:srgbClr val="0000FF"/>
+                </a:solidFill>
+                <a:effectLst/>
+                <a:latin typeface="Consolas" panose="020B0609020204030204" pitchFamily="49" charset="0"/>
+              </a:rPr>
+              <a:t>                new Comment(creator: user, content: 'agreed')</a:t>
+            </a:r>
+          </a:p>
+          <a:p>
+            <a:pPr marL="0" indent="0">
+              <a:buNone/>
+            </a:pPr>
+            <a:r>
+              <a:rPr lang="en-US" b="0" dirty="0" smtClean="0">
+                <a:solidFill>
+                  <a:srgbClr val="0000FF"/>
+                </a:solidFill>
+                <a:effectLst/>
+                <a:latin typeface="Consolas" panose="020B0609020204030204" pitchFamily="49" charset="0"/>
+              </a:rPr>
+              <a:t>            ])</a:t>
+            </a:r>
+          </a:p>
+          <a:p>
+            <a:pPr marL="0" indent="0">
+              <a:buNone/>
+            </a:pPr>
+            <a:r>
+              <a:rPr lang="en-US" b="0" dirty="0" smtClean="0">
+                <a:solidFill>
+                  <a:srgbClr val="0000FF"/>
+                </a:solidFill>
+                <a:effectLst/>
+                <a:latin typeface="Consolas" panose="020B0609020204030204" pitchFamily="49" charset="0"/>
+              </a:rPr>
+              <a:t>        </a:t>
+            </a:r>
+            <a:r>
+              <a:rPr lang="en-US" b="0" dirty="0" err="1" smtClean="0">
+                <a:solidFill>
+                  <a:srgbClr val="0000FF"/>
+                </a:solidFill>
+                <a:effectLst/>
+                <a:latin typeface="Consolas" panose="020B0609020204030204" pitchFamily="49" charset="0"/>
+              </a:rPr>
+              <a:t>post.save</a:t>
+            </a:r>
+            <a:r>
+              <a:rPr lang="en-US" b="0" dirty="0" smtClean="0">
+                <a:solidFill>
+                  <a:srgbClr val="0000FF"/>
+                </a:solidFill>
+                <a:effectLst/>
+                <a:latin typeface="Consolas" panose="020B0609020204030204" pitchFamily="49" charset="0"/>
+              </a:rPr>
+              <a:t>(flush: true)</a:t>
+            </a:r>
+            <a:endParaRPr lang="en-US" dirty="0" smtClean="0"/>
+          </a:p>
+          <a:p>
+            <a:endParaRPr lang="en-US" dirty="0" smtClean="0"/>
+          </a:p>
+          <a:p>
+            <a:endParaRPr lang="en-US" dirty="0" smtClean="0"/>
+          </a:p>
+          <a:p>
+            <a:r>
+              <a:rPr lang="en-US" dirty="0" smtClean="0"/>
+              <a:t> </a:t>
+            </a:r>
+            <a:r>
+              <a:rPr lang="en-US" baseline="0" dirty="0" smtClean="0"/>
+              <a:t>   </a:t>
+            </a:r>
+            <a:r>
+              <a:rPr lang="en-US" dirty="0" err="1" smtClean="0"/>
+              <a:t>def</a:t>
+            </a:r>
+            <a:r>
+              <a:rPr lang="en-US" dirty="0" smtClean="0"/>
+              <a:t> </a:t>
+            </a:r>
+            <a:r>
+              <a:rPr lang="en-US" dirty="0" err="1" smtClean="0"/>
+              <a:t>getPostImage</a:t>
+            </a:r>
+            <a:r>
+              <a:rPr lang="en-US" dirty="0" smtClean="0"/>
+              <a:t>() {</a:t>
+            </a:r>
+          </a:p>
+          <a:p>
+            <a:r>
+              <a:rPr lang="en-US" dirty="0" smtClean="0"/>
+              <a:t>        </a:t>
+            </a:r>
+            <a:r>
+              <a:rPr lang="en-US" dirty="0" err="1" smtClean="0"/>
+              <a:t>def</a:t>
+            </a:r>
+            <a:r>
+              <a:rPr lang="en-US" dirty="0" smtClean="0"/>
+              <a:t> </a:t>
+            </a:r>
+            <a:r>
+              <a:rPr lang="en-US" dirty="0" err="1" smtClean="0"/>
+              <a:t>img</a:t>
+            </a:r>
+            <a:r>
+              <a:rPr lang="en-US" dirty="0" smtClean="0"/>
+              <a:t> = </a:t>
+            </a:r>
+            <a:r>
+              <a:rPr lang="en-US" dirty="0" err="1" smtClean="0"/>
+              <a:t>ImageFile.findById</a:t>
+            </a:r>
+            <a:r>
+              <a:rPr lang="en-US" dirty="0" smtClean="0"/>
+              <a:t>(params.id)</a:t>
+            </a:r>
+          </a:p>
+          <a:p>
+            <a:r>
+              <a:rPr lang="en-US" dirty="0" smtClean="0"/>
+              <a:t>        header 'Cache-Control', "max-age=44640"</a:t>
+            </a:r>
+          </a:p>
+          <a:p>
+            <a:r>
+              <a:rPr lang="en-US" dirty="0" smtClean="0"/>
+              <a:t>        render file: </a:t>
+            </a:r>
+            <a:r>
+              <a:rPr lang="en-US" dirty="0" err="1" smtClean="0"/>
+              <a:t>img.imageData</a:t>
+            </a:r>
+            <a:r>
+              <a:rPr lang="en-US" dirty="0" smtClean="0"/>
+              <a:t>, </a:t>
+            </a:r>
+            <a:r>
+              <a:rPr lang="en-US" dirty="0" err="1" smtClean="0"/>
+              <a:t>contentType</a:t>
+            </a:r>
+            <a:r>
+              <a:rPr lang="en-US" dirty="0" smtClean="0"/>
+              <a:t>: </a:t>
+            </a:r>
+            <a:r>
+              <a:rPr lang="en-US" dirty="0" err="1" smtClean="0"/>
+              <a:t>img.contentType</a:t>
+            </a:r>
+            <a:endParaRPr lang="en-US" dirty="0" smtClean="0"/>
+          </a:p>
+          <a:p>
+            <a:r>
+              <a:rPr lang="en-US" dirty="0" smtClean="0"/>
+              <a:t>    }</a:t>
+            </a:r>
+          </a:p>
+          <a:p>
+            <a:endParaRPr lang="en-US" dirty="0" smtClean="0"/>
+          </a:p>
+          <a:p>
+            <a:r>
+              <a:rPr lang="en-US" dirty="0" smtClean="0"/>
+              <a:t>    </a:t>
+            </a:r>
+            <a:r>
+              <a:rPr lang="en-US" dirty="0" err="1" smtClean="0"/>
+              <a:t>def</a:t>
+            </a:r>
+            <a:r>
+              <a:rPr lang="en-US" dirty="0" smtClean="0"/>
+              <a:t> </a:t>
+            </a:r>
+            <a:r>
+              <a:rPr lang="en-US" dirty="0" err="1" smtClean="0"/>
+              <a:t>getPosts</a:t>
+            </a:r>
+            <a:r>
+              <a:rPr lang="en-US" dirty="0" smtClean="0"/>
+              <a:t>() {</a:t>
+            </a:r>
+          </a:p>
+          <a:p>
+            <a:r>
+              <a:rPr lang="en-US" dirty="0" smtClean="0"/>
+              <a:t>        render([posts: </a:t>
+            </a:r>
+            <a:r>
+              <a:rPr lang="en-US" dirty="0" err="1" smtClean="0"/>
+              <a:t>Post.list</a:t>
+            </a:r>
+            <a:r>
+              <a:rPr lang="en-US" dirty="0" smtClean="0"/>
+              <a:t>(sort: 'timestamp', order: '</a:t>
+            </a:r>
+            <a:r>
+              <a:rPr lang="en-US" dirty="0" err="1" smtClean="0"/>
+              <a:t>desc</a:t>
+            </a:r>
+            <a:r>
+              <a:rPr lang="en-US" dirty="0" smtClean="0"/>
+              <a:t>').collect {</a:t>
+            </a:r>
+          </a:p>
+          <a:p>
+            <a:r>
+              <a:rPr lang="en-US" dirty="0" smtClean="0"/>
+              <a:t>            [id: it.id, creator: </a:t>
+            </a:r>
+            <a:r>
+              <a:rPr lang="en-US" dirty="0" err="1" smtClean="0"/>
+              <a:t>it.creator.email</a:t>
+            </a:r>
+            <a:r>
+              <a:rPr lang="en-US" dirty="0" smtClean="0"/>
+              <a:t>, image: it.image.id, comments: </a:t>
+            </a:r>
+            <a:r>
+              <a:rPr lang="en-US" dirty="0" err="1" smtClean="0"/>
+              <a:t>it.comments.collect</a:t>
+            </a:r>
+            <a:r>
+              <a:rPr lang="en-US" dirty="0" smtClean="0"/>
+              <a:t> { </a:t>
+            </a:r>
+          </a:p>
+          <a:p>
+            <a:r>
+              <a:rPr lang="en-US" dirty="0" smtClean="0"/>
+              <a:t>                [content: </a:t>
+            </a:r>
+            <a:r>
+              <a:rPr lang="en-US" dirty="0" err="1" smtClean="0"/>
+              <a:t>it.content</a:t>
+            </a:r>
+            <a:r>
+              <a:rPr lang="en-US" dirty="0" smtClean="0"/>
+              <a:t>, creator: </a:t>
+            </a:r>
+            <a:r>
+              <a:rPr lang="en-US" dirty="0" err="1" smtClean="0"/>
+              <a:t>it.creator.email</a:t>
+            </a:r>
+            <a:r>
+              <a:rPr lang="en-US" dirty="0" smtClean="0"/>
+              <a:t>, id: it.id]</a:t>
+            </a:r>
+          </a:p>
+          <a:p>
+            <a:r>
+              <a:rPr lang="en-US" dirty="0" smtClean="0"/>
+              <a:t>            }]</a:t>
+            </a:r>
+          </a:p>
+          <a:p>
+            <a:r>
+              <a:rPr lang="en-US" dirty="0" smtClean="0"/>
+              <a:t>        }] as JSON)</a:t>
+            </a:r>
+          </a:p>
+          <a:p>
+            <a:r>
+              <a:rPr lang="en-US" dirty="0" smtClean="0"/>
+              <a:t>    }</a:t>
+            </a:r>
+          </a:p>
+          <a:p>
+            <a:endParaRPr lang="en-US" dirty="0"/>
+          </a:p>
+        </p:txBody>
+      </p:sp>
+      <p:sp>
+        <p:nvSpPr>
+          <p:cNvPr id="4" name="Slide Number Placeholder 3"/>
+          <p:cNvSpPr>
+            <a:spLocks noGrp="1"/>
+          </p:cNvSpPr>
+          <p:nvPr>
+            <p:ph type="sldNum" sz="quarter" idx="10"/>
+          </p:nvPr>
+        </p:nvSpPr>
+        <p:spPr/>
+        <p:txBody>
+          <a:bodyPr/>
+          <a:lstStyle/>
+          <a:p>
+            <a:fld id="{AEFF6787-0569-4C0B-A8EC-C03867FA7E66}" type="slidenum">
+              <a:rPr lang="en-US" smtClean="0"/>
+              <a:t>14</a:t>
+            </a:fld>
+            <a:endParaRPr lang="en-US"/>
+          </a:p>
+        </p:txBody>
+      </p:sp>
+    </p:spTree>
+    <p:extLst>
+      <p:ext uri="{BB962C8B-B14F-4D97-AF65-F5344CB8AC3E}">
+        <p14:creationId xmlns:p14="http://schemas.microsoft.com/office/powerpoint/2010/main" val="4136327146"/>
+      </p:ext>
+    </p:extLst>
+  </p:cSld>
+  <p:clrMapOvr>
+    <a:masterClrMapping/>
+  </p:clrMapOvr>
+</p:notes>
+</file>
+
 <file path=ppt/slideLayouts/slideLayout1.xml><?xml version="1.0" encoding="utf-8"?>
 <p:sldLayout xmlns:a="http://schemas.openxmlformats.org/drawingml/2006/main" xmlns:r="http://schemas.openxmlformats.org/officeDocument/2006/relationships" xmlns:p="http://schemas.openxmlformats.org/presentationml/2006/main" type="title" preserve="1">
   <p:cSld name="Title Slide">
@@ -272,7 +1875,7 @@
           <a:p>
             <a:fld id="{12C79AAF-5212-4E79-BF5B-DDD8A415313A}" type="datetimeFigureOut">
               <a:rPr lang="en-US" smtClean="0"/>
-              <a:t>1/14/2019</a:t>
+              <a:t>1/15/2019</a:t>
             </a:fld>
             <a:endParaRPr lang="en-US"/>
           </a:p>
@@ -470,7 +2073,7 @@
           <a:p>
             <a:fld id="{12C79AAF-5212-4E79-BF5B-DDD8A415313A}" type="datetimeFigureOut">
               <a:rPr lang="en-US" smtClean="0"/>
-              <a:t>1/14/2019</a:t>
+              <a:t>1/15/2019</a:t>
             </a:fld>
             <a:endParaRPr lang="en-US"/>
           </a:p>
@@ -678,7 +2281,7 @@
           <a:p>
             <a:fld id="{12C79AAF-5212-4E79-BF5B-DDD8A415313A}" type="datetimeFigureOut">
               <a:rPr lang="en-US" smtClean="0"/>
-              <a:t>1/14/2019</a:t>
+              <a:t>1/15/2019</a:t>
             </a:fld>
             <a:endParaRPr lang="en-US"/>
           </a:p>
@@ -876,7 +2479,7 @@
           <a:p>
             <a:fld id="{12C79AAF-5212-4E79-BF5B-DDD8A415313A}" type="datetimeFigureOut">
               <a:rPr lang="en-US" smtClean="0"/>
-              <a:t>1/14/2019</a:t>
+              <a:t>1/15/2019</a:t>
             </a:fld>
             <a:endParaRPr lang="en-US"/>
           </a:p>
@@ -1151,7 +2754,7 @@
           <a:p>
             <a:fld id="{12C79AAF-5212-4E79-BF5B-DDD8A415313A}" type="datetimeFigureOut">
               <a:rPr lang="en-US" smtClean="0"/>
-              <a:t>1/14/2019</a:t>
+              <a:t>1/15/2019</a:t>
             </a:fld>
             <a:endParaRPr lang="en-US"/>
           </a:p>
@@ -1416,7 +3019,7 @@
           <a:p>
             <a:fld id="{12C79AAF-5212-4E79-BF5B-DDD8A415313A}" type="datetimeFigureOut">
               <a:rPr lang="en-US" smtClean="0"/>
-              <a:t>1/14/2019</a:t>
+              <a:t>1/15/2019</a:t>
             </a:fld>
             <a:endParaRPr lang="en-US"/>
           </a:p>
@@ -1828,7 +3431,7 @@
           <a:p>
             <a:fld id="{12C79AAF-5212-4E79-BF5B-DDD8A415313A}" type="datetimeFigureOut">
               <a:rPr lang="en-US" smtClean="0"/>
-              <a:t>1/14/2019</a:t>
+              <a:t>1/15/2019</a:t>
             </a:fld>
             <a:endParaRPr lang="en-US"/>
           </a:p>
@@ -1969,7 +3572,7 @@
           <a:p>
             <a:fld id="{12C79AAF-5212-4E79-BF5B-DDD8A415313A}" type="datetimeFigureOut">
               <a:rPr lang="en-US" smtClean="0"/>
-              <a:t>1/14/2019</a:t>
+              <a:t>1/15/2019</a:t>
             </a:fld>
             <a:endParaRPr lang="en-US"/>
           </a:p>
@@ -2082,7 +3685,7 @@
           <a:p>
             <a:fld id="{12C79AAF-5212-4E79-BF5B-DDD8A415313A}" type="datetimeFigureOut">
               <a:rPr lang="en-US" smtClean="0"/>
-              <a:t>1/14/2019</a:t>
+              <a:t>1/15/2019</a:t>
             </a:fld>
             <a:endParaRPr lang="en-US"/>
           </a:p>
@@ -2393,7 +3996,7 @@
           <a:p>
             <a:fld id="{12C79AAF-5212-4E79-BF5B-DDD8A415313A}" type="datetimeFigureOut">
               <a:rPr lang="en-US" smtClean="0"/>
-              <a:t>1/14/2019</a:t>
+              <a:t>1/15/2019</a:t>
             </a:fld>
             <a:endParaRPr lang="en-US"/>
           </a:p>
@@ -2681,7 +4284,7 @@
           <a:p>
             <a:fld id="{12C79AAF-5212-4E79-BF5B-DDD8A415313A}" type="datetimeFigureOut">
               <a:rPr lang="en-US" smtClean="0"/>
-              <a:t>1/14/2019</a:t>
+              <a:t>1/15/2019</a:t>
             </a:fld>
             <a:endParaRPr lang="en-US"/>
           </a:p>
@@ -2922,7 +4525,7 @@
           <a:p>
             <a:fld id="{12C79AAF-5212-4E79-BF5B-DDD8A415313A}" type="datetimeFigureOut">
               <a:rPr lang="en-US" smtClean="0"/>
-              <a:t>1/14/2019</a:t>
+              <a:t>1/15/2019</a:t>
             </a:fld>
             <a:endParaRPr lang="en-US"/>
           </a:p>
@@ -3542,6 +5145,13 @@
               </a:rPr>
               <a:t>grails.converters.JSON</a:t>
             </a:r>
+            <a:r>
+              <a:rPr lang="en-US" dirty="0">
+                <a:latin typeface="Courier New" panose="02070309020205020404" pitchFamily="49" charset="0"/>
+                <a:cs typeface="Courier New" panose="02070309020205020404" pitchFamily="49" charset="0"/>
+              </a:rPr>
+              <a:t/>
+            </a:r>
             <a:br>
               <a:rPr lang="en-US" dirty="0">
                 <a:latin typeface="Courier New" panose="02070309020205020404" pitchFamily="49" charset="0"/>
@@ -3637,6 +5247,13 @@
   <p:clrMapOvr>
     <a:masterClrMapping/>
   </p:clrMapOvr>
+  <p:timing>
+    <p:tnLst>
+      <p:par>
+        <p:cTn id="1" dur="indefinite" restart="never" nodeType="tmRoot"/>
+      </p:par>
+    </p:tnLst>
+  </p:timing>
 </p:sld>
 </file>
 
@@ -3706,7 +5323,11 @@
           <a:bodyPr/>
           <a:lstStyle/>
           <a:p>
-            <a:endParaRPr lang="en-US"/>
+            <a:r>
+              <a:rPr lang="en-US" dirty="0" smtClean="0"/>
+              <a:t>Let save some things</a:t>
+            </a:r>
+            <a:endParaRPr lang="en-US" dirty="0"/>
           </a:p>
         </p:txBody>
       </p:sp>
@@ -3720,6 +5341,13 @@
   <p:clrMapOvr>
     <a:masterClrMapping/>
   </p:clrMapOvr>
+  <p:timing>
+    <p:tnLst>
+      <p:par>
+        <p:cTn id="1" dur="indefinite" restart="never" nodeType="tmRoot"/>
+      </p:par>
+    </p:tnLst>
+  </p:timing>
 </p:sld>
 </file>
 
@@ -3798,35 +5426,19 @@
           </a:p>
           <a:p>
             <a:pPr lvl="1"/>
-            <a:r>
-              <a:rPr lang="en-US" dirty="0"/>
-              <a:t>User</a:t>
-            </a:r>
+            <a:endParaRPr lang="en-US" dirty="0" smtClean="0"/>
           </a:p>
           <a:p>
             <a:pPr lvl="1"/>
-            <a:r>
-              <a:rPr lang="en-US" dirty="0"/>
-              <a:t>Post</a:t>
-            </a:r>
+            <a:endParaRPr lang="en-US" dirty="0"/>
           </a:p>
           <a:p>
             <a:pPr lvl="1"/>
-            <a:r>
-              <a:rPr lang="en-US" dirty="0" err="1"/>
-              <a:t>ImageFile</a:t>
-            </a:r>
-            <a:r>
-              <a:rPr lang="en-US" dirty="0"/>
-              <a:t> (at the top of the post)</a:t>
-            </a:r>
+            <a:endParaRPr lang="en-US" dirty="0" smtClean="0"/>
           </a:p>
           <a:p>
             <a:pPr lvl="1"/>
-            <a:r>
-              <a:rPr lang="en-US" dirty="0"/>
-              <a:t>Comment (at the bottom of the post)</a:t>
-            </a:r>
+            <a:endParaRPr lang="en-US" dirty="0" smtClean="0"/>
           </a:p>
           <a:p>
             <a:pPr lvl="1"/>
@@ -3954,6 +5566,376 @@
           </a:p>
         </p:txBody>
       </p:sp>
+      <p:sp>
+        <p:nvSpPr>
+          <p:cNvPr id="6" name="Rectangle 5"/>
+          <p:cNvSpPr/>
+          <p:nvPr/>
+        </p:nvSpPr>
+        <p:spPr>
+          <a:xfrm>
+            <a:off x="1603717" y="2644726"/>
+            <a:ext cx="1477108" cy="858129"/>
+          </a:xfrm>
+          <a:prstGeom prst="rect">
+            <a:avLst/>
+          </a:prstGeom>
+        </p:spPr>
+        <p:style>
+          <a:lnRef idx="2">
+            <a:schemeClr val="accent1">
+              <a:shade val="50000"/>
+            </a:schemeClr>
+          </a:lnRef>
+          <a:fillRef idx="1">
+            <a:schemeClr val="accent1"/>
+          </a:fillRef>
+          <a:effectRef idx="0">
+            <a:schemeClr val="accent1"/>
+          </a:effectRef>
+          <a:fontRef idx="minor">
+            <a:schemeClr val="lt1"/>
+          </a:fontRef>
+        </p:style>
+        <p:txBody>
+          <a:bodyPr rtlCol="0" anchor="ctr"/>
+          <a:lstStyle/>
+          <a:p>
+            <a:pPr algn="ctr"/>
+            <a:r>
+              <a:rPr lang="en-US" dirty="0" smtClean="0"/>
+              <a:t>User</a:t>
+            </a:r>
+            <a:endParaRPr lang="en-US" dirty="0"/>
+          </a:p>
+        </p:txBody>
+      </p:sp>
+      <p:sp>
+        <p:nvSpPr>
+          <p:cNvPr id="7" name="Rectangle 6"/>
+          <p:cNvSpPr/>
+          <p:nvPr/>
+        </p:nvSpPr>
+        <p:spPr>
+          <a:xfrm>
+            <a:off x="4275341" y="2644725"/>
+            <a:ext cx="1477108" cy="858129"/>
+          </a:xfrm>
+          <a:prstGeom prst="rect">
+            <a:avLst/>
+          </a:prstGeom>
+        </p:spPr>
+        <p:style>
+          <a:lnRef idx="2">
+            <a:schemeClr val="accent1">
+              <a:shade val="50000"/>
+            </a:schemeClr>
+          </a:lnRef>
+          <a:fillRef idx="1">
+            <a:schemeClr val="accent1"/>
+          </a:fillRef>
+          <a:effectRef idx="0">
+            <a:schemeClr val="accent1"/>
+          </a:effectRef>
+          <a:fontRef idx="minor">
+            <a:schemeClr val="lt1"/>
+          </a:fontRef>
+        </p:style>
+        <p:txBody>
+          <a:bodyPr rtlCol="0" anchor="ctr"/>
+          <a:lstStyle/>
+          <a:p>
+            <a:pPr algn="ctr"/>
+            <a:r>
+              <a:rPr lang="en-US" dirty="0" smtClean="0"/>
+              <a:t>Post</a:t>
+            </a:r>
+            <a:endParaRPr lang="en-US" dirty="0"/>
+          </a:p>
+        </p:txBody>
+      </p:sp>
+      <p:sp>
+        <p:nvSpPr>
+          <p:cNvPr id="9" name="Rectangle 8"/>
+          <p:cNvSpPr/>
+          <p:nvPr/>
+        </p:nvSpPr>
+        <p:spPr>
+          <a:xfrm>
+            <a:off x="6731783" y="2509788"/>
+            <a:ext cx="1477108" cy="858129"/>
+          </a:xfrm>
+          <a:prstGeom prst="rect">
+            <a:avLst/>
+          </a:prstGeom>
+        </p:spPr>
+        <p:style>
+          <a:lnRef idx="2">
+            <a:schemeClr val="accent1">
+              <a:shade val="50000"/>
+            </a:schemeClr>
+          </a:lnRef>
+          <a:fillRef idx="1">
+            <a:schemeClr val="accent1"/>
+          </a:fillRef>
+          <a:effectRef idx="0">
+            <a:schemeClr val="accent1"/>
+          </a:effectRef>
+          <a:fontRef idx="minor">
+            <a:schemeClr val="lt1"/>
+          </a:fontRef>
+        </p:style>
+        <p:txBody>
+          <a:bodyPr rtlCol="0" anchor="ctr"/>
+          <a:lstStyle/>
+          <a:p>
+            <a:pPr algn="ctr"/>
+            <a:r>
+              <a:rPr lang="en-US" dirty="0" err="1" smtClean="0"/>
+              <a:t>ImageFile</a:t>
+            </a:r>
+            <a:endParaRPr lang="en-US" dirty="0"/>
+          </a:p>
+        </p:txBody>
+      </p:sp>
+      <p:sp>
+        <p:nvSpPr>
+          <p:cNvPr id="10" name="Rectangle 9"/>
+          <p:cNvSpPr/>
+          <p:nvPr/>
+        </p:nvSpPr>
+        <p:spPr>
+          <a:xfrm>
+            <a:off x="7038731" y="3846842"/>
+            <a:ext cx="1477108" cy="858129"/>
+          </a:xfrm>
+          <a:prstGeom prst="rect">
+            <a:avLst/>
+          </a:prstGeom>
+        </p:spPr>
+        <p:style>
+          <a:lnRef idx="2">
+            <a:schemeClr val="accent1">
+              <a:shade val="50000"/>
+            </a:schemeClr>
+          </a:lnRef>
+          <a:fillRef idx="1">
+            <a:schemeClr val="accent1"/>
+          </a:fillRef>
+          <a:effectRef idx="0">
+            <a:schemeClr val="accent1"/>
+          </a:effectRef>
+          <a:fontRef idx="minor">
+            <a:schemeClr val="lt1"/>
+          </a:fontRef>
+        </p:style>
+        <p:txBody>
+          <a:bodyPr rtlCol="0" anchor="ctr"/>
+          <a:lstStyle/>
+          <a:p>
+            <a:pPr algn="ctr"/>
+            <a:r>
+              <a:rPr lang="en-US" dirty="0" smtClean="0"/>
+              <a:t>User</a:t>
+            </a:r>
+            <a:endParaRPr lang="en-US" dirty="0"/>
+          </a:p>
+        </p:txBody>
+      </p:sp>
+      <p:sp>
+        <p:nvSpPr>
+          <p:cNvPr id="11" name="Rectangle 10"/>
+          <p:cNvSpPr/>
+          <p:nvPr/>
+        </p:nvSpPr>
+        <p:spPr>
+          <a:xfrm>
+            <a:off x="6869755" y="3662788"/>
+            <a:ext cx="1477108" cy="858129"/>
+          </a:xfrm>
+          <a:prstGeom prst="rect">
+            <a:avLst/>
+          </a:prstGeom>
+        </p:spPr>
+        <p:style>
+          <a:lnRef idx="2">
+            <a:schemeClr val="accent1">
+              <a:shade val="50000"/>
+            </a:schemeClr>
+          </a:lnRef>
+          <a:fillRef idx="1">
+            <a:schemeClr val="accent1"/>
+          </a:fillRef>
+          <a:effectRef idx="0">
+            <a:schemeClr val="accent1"/>
+          </a:effectRef>
+          <a:fontRef idx="minor">
+            <a:schemeClr val="lt1"/>
+          </a:fontRef>
+        </p:style>
+        <p:txBody>
+          <a:bodyPr rtlCol="0" anchor="ctr"/>
+          <a:lstStyle/>
+          <a:p>
+            <a:pPr algn="ctr"/>
+            <a:r>
+              <a:rPr lang="en-US" dirty="0" smtClean="0"/>
+              <a:t>User</a:t>
+            </a:r>
+            <a:endParaRPr lang="en-US" dirty="0"/>
+          </a:p>
+        </p:txBody>
+      </p:sp>
+      <p:sp>
+        <p:nvSpPr>
+          <p:cNvPr id="8" name="Rectangle 7"/>
+          <p:cNvSpPr/>
+          <p:nvPr/>
+        </p:nvSpPr>
+        <p:spPr>
+          <a:xfrm>
+            <a:off x="6731783" y="3502854"/>
+            <a:ext cx="1477108" cy="858129"/>
+          </a:xfrm>
+          <a:prstGeom prst="rect">
+            <a:avLst/>
+          </a:prstGeom>
+        </p:spPr>
+        <p:style>
+          <a:lnRef idx="2">
+            <a:schemeClr val="accent1">
+              <a:shade val="50000"/>
+            </a:schemeClr>
+          </a:lnRef>
+          <a:fillRef idx="1">
+            <a:schemeClr val="accent1"/>
+          </a:fillRef>
+          <a:effectRef idx="0">
+            <a:schemeClr val="accent1"/>
+          </a:effectRef>
+          <a:fontRef idx="minor">
+            <a:schemeClr val="lt1"/>
+          </a:fontRef>
+        </p:style>
+        <p:txBody>
+          <a:bodyPr rtlCol="0" anchor="ctr"/>
+          <a:lstStyle/>
+          <a:p>
+            <a:pPr algn="ctr"/>
+            <a:r>
+              <a:rPr lang="en-US" dirty="0" smtClean="0"/>
+              <a:t>Comment</a:t>
+            </a:r>
+            <a:endParaRPr lang="en-US" dirty="0"/>
+          </a:p>
+        </p:txBody>
+      </p:sp>
+      <p:cxnSp>
+        <p:nvCxnSpPr>
+          <p:cNvPr id="13" name="Straight Arrow Connector 12"/>
+          <p:cNvCxnSpPr>
+            <a:stCxn id="7" idx="1"/>
+          </p:cNvCxnSpPr>
+          <p:nvPr/>
+        </p:nvCxnSpPr>
+        <p:spPr>
+          <a:xfrm flipH="1" flipV="1">
+            <a:off x="3080825" y="3073789"/>
+            <a:ext cx="1194516" cy="1"/>
+          </a:xfrm>
+          <a:prstGeom prst="straightConnector1">
+            <a:avLst/>
+          </a:prstGeom>
+          <a:ln>
+            <a:tailEnd type="triangle"/>
+          </a:ln>
+        </p:spPr>
+        <p:style>
+          <a:lnRef idx="3">
+            <a:schemeClr val="dk1"/>
+          </a:lnRef>
+          <a:fillRef idx="0">
+            <a:schemeClr val="dk1"/>
+          </a:fillRef>
+          <a:effectRef idx="2">
+            <a:schemeClr val="dk1"/>
+          </a:effectRef>
+          <a:fontRef idx="minor">
+            <a:schemeClr val="tx1"/>
+          </a:fontRef>
+        </p:style>
+      </p:cxnSp>
+      <p:cxnSp>
+        <p:nvCxnSpPr>
+          <p:cNvPr id="15" name="Straight Arrow Connector 14"/>
+          <p:cNvCxnSpPr>
+            <a:stCxn id="8" idx="1"/>
+            <a:endCxn id="7" idx="3"/>
+          </p:cNvCxnSpPr>
+          <p:nvPr/>
+        </p:nvCxnSpPr>
+        <p:spPr>
+          <a:xfrm flipH="1" flipV="1">
+            <a:off x="5752449" y="3073790"/>
+            <a:ext cx="979334" cy="858129"/>
+          </a:xfrm>
+          <a:prstGeom prst="straightConnector1">
+            <a:avLst/>
+          </a:prstGeom>
+          <a:ln>
+            <a:tailEnd type="triangle"/>
+          </a:ln>
+        </p:spPr>
+        <p:style>
+          <a:lnRef idx="3">
+            <a:schemeClr val="dk1"/>
+          </a:lnRef>
+          <a:fillRef idx="0">
+            <a:schemeClr val="dk1"/>
+          </a:fillRef>
+          <a:effectRef idx="2">
+            <a:schemeClr val="dk1"/>
+          </a:effectRef>
+          <a:fontRef idx="minor">
+            <a:schemeClr val="tx1"/>
+          </a:fontRef>
+        </p:style>
+      </p:cxnSp>
+      <p:cxnSp>
+        <p:nvCxnSpPr>
+          <p:cNvPr id="17" name="Straight Arrow Connector 16"/>
+          <p:cNvCxnSpPr>
+            <a:stCxn id="9" idx="1"/>
+          </p:cNvCxnSpPr>
+          <p:nvPr/>
+        </p:nvCxnSpPr>
+        <p:spPr>
+          <a:xfrm flipH="1">
+            <a:off x="5749810" y="2938853"/>
+            <a:ext cx="981973" cy="134936"/>
+          </a:xfrm>
+          <a:prstGeom prst="straightConnector1">
+            <a:avLst/>
+          </a:prstGeom>
+          <a:ln>
+            <a:tailEnd type="triangle"/>
+          </a:ln>
+        </p:spPr>
+        <p:style>
+          <a:lnRef idx="3">
+            <a:schemeClr val="dk1"/>
+          </a:lnRef>
+          <a:fillRef idx="0">
+            <a:schemeClr val="dk1"/>
+          </a:fillRef>
+          <a:effectRef idx="2">
+            <a:schemeClr val="dk1"/>
+          </a:effectRef>
+          <a:fontRef idx="minor">
+            <a:schemeClr val="tx1"/>
+          </a:fontRef>
+        </p:style>
+      </p:cxnSp>
     </p:spTree>
     <p:extLst>
       <p:ext uri="{BB962C8B-B14F-4D97-AF65-F5344CB8AC3E}">
@@ -4015,39 +5997,26 @@
                                   </p:childTnLst>
                                 </p:cTn>
                               </p:par>
+                            </p:childTnLst>
+                          </p:cTn>
+                        </p:par>
+                      </p:childTnLst>
+                    </p:cTn>
+                  </p:par>
+                  <p:par>
+                    <p:cTn id="7" fill="hold">
+                      <p:stCondLst>
+                        <p:cond delay="indefinite"/>
+                      </p:stCondLst>
+                      <p:childTnLst>
+                        <p:par>
+                          <p:cTn id="8" fill="hold">
+                            <p:stCondLst>
+                              <p:cond delay="0"/>
+                            </p:stCondLst>
+                            <p:childTnLst>
                               <p:par>
-                                <p:cTn id="7" presetID="1" presetClass="entr" presetSubtype="0" fill="hold" grpId="0" nodeType="withEffect">
-                                  <p:stCondLst>
-                                    <p:cond delay="0"/>
-                                  </p:stCondLst>
-                                  <p:childTnLst>
-                                    <p:set>
-                                      <p:cBhvr>
-                                        <p:cTn id="8" dur="1" fill="hold">
-                                          <p:stCondLst>
-                                            <p:cond delay="0"/>
-                                          </p:stCondLst>
-                                        </p:cTn>
-                                        <p:tgtEl>
-                                          <p:spTgt spid="3">
-                                            <p:txEl>
-                                              <p:pRg st="1" end="1"/>
-                                            </p:txEl>
-                                          </p:spTgt>
-                                        </p:tgtEl>
-                                        <p:attrNameLst>
-                                          <p:attrName>style.visibility</p:attrName>
-                                        </p:attrNameLst>
-                                      </p:cBhvr>
-                                      <p:to>
-                                        <p:strVal val="visible"/>
-                                      </p:to>
-                                    </p:set>
-                                  </p:childTnLst>
-                                </p:cTn>
-                              </p:par>
-                              <p:par>
-                                <p:cTn id="9" presetID="1" presetClass="entr" presetSubtype="0" fill="hold" grpId="0" nodeType="withEffect">
+                                <p:cTn id="9" presetID="1" presetClass="entr" presetSubtype="0" fill="hold" grpId="0" nodeType="clickEffect">
                                   <p:stCondLst>
                                     <p:cond delay="0"/>
                                   </p:stCondLst>
@@ -4062,7 +6031,7 @@
                                         <p:tgtEl>
                                           <p:spTgt spid="3">
                                             <p:txEl>
-                                              <p:pRg st="2" end="2"/>
+                                              <p:pRg st="6" end="6"/>
                                             </p:txEl>
                                           </p:spTgt>
                                         </p:tgtEl>
@@ -4093,7 +6062,7 @@
                                         <p:tgtEl>
                                           <p:spTgt spid="3">
                                             <p:txEl>
-                                              <p:pRg st="3" end="3"/>
+                                              <p:pRg st="7" end="7"/>
                                             </p:txEl>
                                           </p:spTgt>
                                         </p:tgtEl>
@@ -4124,117 +6093,6 @@
                                         <p:tgtEl>
                                           <p:spTgt spid="3">
                                             <p:txEl>
-                                              <p:pRg st="4" end="4"/>
-                                            </p:txEl>
-                                          </p:spTgt>
-                                        </p:tgtEl>
-                                        <p:attrNameLst>
-                                          <p:attrName>style.visibility</p:attrName>
-                                        </p:attrNameLst>
-                                      </p:cBhvr>
-                                      <p:to>
-                                        <p:strVal val="visible"/>
-                                      </p:to>
-                                    </p:set>
-                                  </p:childTnLst>
-                                </p:cTn>
-                              </p:par>
-                            </p:childTnLst>
-                          </p:cTn>
-                        </p:par>
-                      </p:childTnLst>
-                    </p:cTn>
-                  </p:par>
-                  <p:par>
-                    <p:cTn id="15" fill="hold">
-                      <p:stCondLst>
-                        <p:cond delay="indefinite"/>
-                      </p:stCondLst>
-                      <p:childTnLst>
-                        <p:par>
-                          <p:cTn id="16" fill="hold">
-                            <p:stCondLst>
-                              <p:cond delay="0"/>
-                            </p:stCondLst>
-                            <p:childTnLst>
-                              <p:par>
-                                <p:cTn id="17" presetID="1" presetClass="entr" presetSubtype="0" fill="hold" grpId="0" nodeType="clickEffect">
-                                  <p:stCondLst>
-                                    <p:cond delay="0"/>
-                                  </p:stCondLst>
-                                  <p:childTnLst>
-                                    <p:set>
-                                      <p:cBhvr>
-                                        <p:cTn id="18" dur="1" fill="hold">
-                                          <p:stCondLst>
-                                            <p:cond delay="0"/>
-                                          </p:stCondLst>
-                                        </p:cTn>
-                                        <p:tgtEl>
-                                          <p:spTgt spid="3">
-                                            <p:txEl>
-                                              <p:pRg st="6" end="6"/>
-                                            </p:txEl>
-                                          </p:spTgt>
-                                        </p:tgtEl>
-                                        <p:attrNameLst>
-                                          <p:attrName>style.visibility</p:attrName>
-                                        </p:attrNameLst>
-                                      </p:cBhvr>
-                                      <p:to>
-                                        <p:strVal val="visible"/>
-                                      </p:to>
-                                    </p:set>
-                                  </p:childTnLst>
-                                </p:cTn>
-                              </p:par>
-                              <p:par>
-                                <p:cTn id="19" presetID="1" presetClass="entr" presetSubtype="0" fill="hold" grpId="0" nodeType="withEffect">
-                                  <p:stCondLst>
-                                    <p:cond delay="0"/>
-                                  </p:stCondLst>
-                                  <p:childTnLst>
-                                    <p:set>
-                                      <p:cBhvr>
-                                        <p:cTn id="20" dur="1" fill="hold">
-                                          <p:stCondLst>
-                                            <p:cond delay="0"/>
-                                          </p:stCondLst>
-                                        </p:cTn>
-                                        <p:tgtEl>
-                                          <p:spTgt spid="3">
-                                            <p:txEl>
-                                              <p:pRg st="7" end="7"/>
-                                            </p:txEl>
-                                          </p:spTgt>
-                                        </p:tgtEl>
-                                        <p:attrNameLst>
-                                          <p:attrName>style.visibility</p:attrName>
-                                        </p:attrNameLst>
-                                      </p:cBhvr>
-                                      <p:to>
-                                        <p:strVal val="visible"/>
-                                      </p:to>
-                                    </p:set>
-                                  </p:childTnLst>
-                                </p:cTn>
-                              </p:par>
-                              <p:par>
-                                <p:cTn id="21" presetID="1" presetClass="entr" presetSubtype="0" fill="hold" grpId="0" nodeType="withEffect">
-                                  <p:stCondLst>
-                                    <p:cond delay="0"/>
-                                  </p:stCondLst>
-                                  <p:childTnLst>
-                                    <p:set>
-                                      <p:cBhvr>
-                                        <p:cTn id="22" dur="1" fill="hold">
-                                          <p:stCondLst>
-                                            <p:cond delay="0"/>
-                                          </p:stCondLst>
-                                        </p:cTn>
-                                        <p:tgtEl>
-                                          <p:spTgt spid="3">
-                                            <p:txEl>
                                               <p:pRg st="8" end="8"/>
                                             </p:txEl>
                                           </p:spTgt>
@@ -4251,14 +6109,14 @@
                                 </p:cTn>
                               </p:par>
                               <p:par>
-                                <p:cTn id="23" presetID="1" presetClass="entr" presetSubtype="0" fill="hold" grpId="0" nodeType="withEffect">
+                                <p:cTn id="15" presetID="1" presetClass="entr" presetSubtype="0" fill="hold" grpId="0" nodeType="withEffect">
                                   <p:stCondLst>
                                     <p:cond delay="0"/>
                                   </p:stCondLst>
                                   <p:childTnLst>
                                     <p:set>
                                       <p:cBhvr>
-                                        <p:cTn id="24" dur="1" fill="hold">
+                                        <p:cTn id="16" dur="1" fill="hold">
                                           <p:stCondLst>
                                             <p:cond delay="0"/>
                                           </p:stCondLst>
@@ -4282,14 +6140,14 @@
                                 </p:cTn>
                               </p:par>
                               <p:par>
-                                <p:cTn id="25" presetID="1" presetClass="entr" presetSubtype="0" fill="hold" grpId="0" nodeType="withEffect">
+                                <p:cTn id="17" presetID="1" presetClass="entr" presetSubtype="0" fill="hold" grpId="0" nodeType="withEffect">
                                   <p:stCondLst>
                                     <p:cond delay="0"/>
                                   </p:stCondLst>
                                   <p:childTnLst>
                                     <p:set>
                                       <p:cBhvr>
-                                        <p:cTn id="26" dur="1" fill="hold">
+                                        <p:cTn id="18" dur="1" fill="hold">
                                           <p:stCondLst>
                                             <p:cond delay="0"/>
                                           </p:stCondLst>
@@ -4319,26 +6177,26 @@
                     </p:cTn>
                   </p:par>
                   <p:par>
-                    <p:cTn id="27" fill="hold">
+                    <p:cTn id="19" fill="hold">
                       <p:stCondLst>
                         <p:cond delay="indefinite"/>
                       </p:stCondLst>
                       <p:childTnLst>
                         <p:par>
-                          <p:cTn id="28" fill="hold">
+                          <p:cTn id="20" fill="hold">
                             <p:stCondLst>
                               <p:cond delay="0"/>
                             </p:stCondLst>
                             <p:childTnLst>
                               <p:par>
-                                <p:cTn id="29" presetID="1" presetClass="entr" presetSubtype="0" fill="hold" grpId="0" nodeType="clickEffect">
+                                <p:cTn id="21" presetID="1" presetClass="entr" presetSubtype="0" fill="hold" grpId="0" nodeType="clickEffect">
                                   <p:stCondLst>
                                     <p:cond delay="0"/>
                                   </p:stCondLst>
                                   <p:childTnLst>
                                     <p:set>
                                       <p:cBhvr>
-                                        <p:cTn id="30" dur="1" fill="hold">
+                                        <p:cTn id="22" dur="1" fill="hold">
                                           <p:stCondLst>
                                             <p:cond delay="0"/>
                                           </p:stCondLst>
@@ -4358,14 +6216,14 @@
                                 </p:cTn>
                               </p:par>
                               <p:par>
-                                <p:cTn id="31" presetID="1" presetClass="entr" presetSubtype="0" fill="hold" grpId="0" nodeType="withEffect">
+                                <p:cTn id="23" presetID="1" presetClass="entr" presetSubtype="0" fill="hold" grpId="0" nodeType="withEffect">
                                   <p:stCondLst>
                                     <p:cond delay="0"/>
                                   </p:stCondLst>
                                   <p:childTnLst>
                                     <p:set>
                                       <p:cBhvr>
-                                        <p:cTn id="32" dur="1" fill="hold">
+                                        <p:cTn id="24" dur="1" fill="hold">
                                           <p:stCondLst>
                                             <p:cond delay="0"/>
                                           </p:stCondLst>
@@ -4442,7 +6300,7 @@
           <p:cNvPr id="2" name="Title 1">
             <a:extLst>
               <a:ext uri="{FF2B5EF4-FFF2-40B4-BE49-F238E27FC236}">
-                <a16:creationId xmlns:a16="http://schemas.microsoft.com/office/drawing/2014/main" id="{E99DAB14-8813-47F4-9D04-73CE4DD78DF2}"/>
+                <a16:creationId xmlns:a16="http://schemas.microsoft.com/office/drawing/2014/main" id="{4B6C0F7C-B149-4622-9AA2-EC95D845857C}"/>
               </a:ext>
             </a:extLst>
           </p:cNvPr>
@@ -4459,1225 +6317,171 @@
           <a:lstStyle/>
           <a:p>
             <a:r>
-              <a:rPr lang="en-US" dirty="0"/>
-              <a:t>The Classes</a:t>
-            </a:r>
-          </a:p>
-        </p:txBody>
-      </p:sp>
-      <p:graphicFrame>
-        <p:nvGraphicFramePr>
-          <p:cNvPr id="4" name="Table 4">
-            <a:extLst>
-              <a:ext uri="{FF2B5EF4-FFF2-40B4-BE49-F238E27FC236}">
-                <a16:creationId xmlns:a16="http://schemas.microsoft.com/office/drawing/2014/main" id="{B1A46F27-0F36-4D70-AE4D-580BA46C528E}"/>
-              </a:ext>
-            </a:extLst>
-          </p:cNvPr>
-          <p:cNvGraphicFramePr>
-            <a:graphicFrameLocks noGrp="1"/>
-          </p:cNvGraphicFramePr>
-          <p:nvPr>
-            <p:extLst>
-              <p:ext uri="{D42A27DB-BD31-4B8C-83A1-F6EECF244321}">
-                <p14:modId xmlns:p14="http://schemas.microsoft.com/office/powerpoint/2010/main" val="1303027054"/>
-              </p:ext>
-            </p:extLst>
-          </p:nvPr>
-        </p:nvGraphicFramePr>
-        <p:xfrm>
-          <a:off x="976922" y="1628206"/>
-          <a:ext cx="9036540" cy="4379872"/>
-        </p:xfrm>
-        <a:graphic>
-          <a:graphicData uri="http://schemas.openxmlformats.org/drawingml/2006/table">
-            <a:tbl>
-              <a:tblPr firstRow="1" bandRow="1">
-                <a:tableStyleId>{2D5ABB26-0587-4C30-8999-92F81FD0307C}</a:tableStyleId>
-              </a:tblPr>
-              <a:tblGrid>
-                <a:gridCol w="4518270">
-                  <a:extLst>
-                    <a:ext uri="{9D8B030D-6E8A-4147-A177-3AD203B41FA5}">
-                      <a16:colId xmlns:a16="http://schemas.microsoft.com/office/drawing/2014/main" val="639613674"/>
-                    </a:ext>
-                  </a:extLst>
-                </a:gridCol>
-                <a:gridCol w="4518270">
-                  <a:extLst>
-                    <a:ext uri="{9D8B030D-6E8A-4147-A177-3AD203B41FA5}">
-                      <a16:colId xmlns:a16="http://schemas.microsoft.com/office/drawing/2014/main" val="867003970"/>
-                    </a:ext>
-                  </a:extLst>
-                </a:gridCol>
-              </a:tblGrid>
-              <a:tr h="2086308">
-                <a:tc>
-                  <a:txBody>
-                    <a:bodyPr/>
-                    <a:lstStyle/>
-                    <a:p>
-                      <a:r>
-                        <a:rPr lang="en-US" sz="1200" b="0" dirty="0">
-                          <a:solidFill>
-                            <a:srgbClr val="0000FF"/>
-                          </a:solidFill>
-                          <a:effectLst/>
-                          <a:latin typeface="Consolas" panose="020B0609020204030204" pitchFamily="49" charset="0"/>
-                        </a:rPr>
-                        <a:t>class</a:t>
-                      </a:r>
-                      <a:r>
-                        <a:rPr lang="en-US" sz="1200" b="0" dirty="0">
-                          <a:solidFill>
-                            <a:srgbClr val="000000"/>
-                          </a:solidFill>
-                          <a:effectLst/>
-                          <a:latin typeface="Consolas" panose="020B0609020204030204" pitchFamily="49" charset="0"/>
-                        </a:rPr>
-                        <a:t> User {</a:t>
-                      </a:r>
-                    </a:p>
-                    <a:p>
-                      <a:r>
-                        <a:rPr lang="en-US" sz="1200" b="0" dirty="0">
-                          <a:solidFill>
-                            <a:srgbClr val="0000FF"/>
-                          </a:solidFill>
-                          <a:effectLst/>
-                          <a:latin typeface="Consolas" panose="020B0609020204030204" pitchFamily="49" charset="0"/>
-                        </a:rPr>
-                        <a:t>    String</a:t>
-                      </a:r>
-                      <a:r>
-                        <a:rPr lang="en-US" sz="1200" b="0" dirty="0">
-                          <a:solidFill>
-                            <a:srgbClr val="000000"/>
-                          </a:solidFill>
-                          <a:effectLst/>
-                          <a:latin typeface="Consolas" panose="020B0609020204030204" pitchFamily="49" charset="0"/>
-                        </a:rPr>
-                        <a:t> email</a:t>
-                      </a:r>
-                    </a:p>
-                    <a:p>
-                      <a:br>
-                        <a:rPr lang="en-US" sz="1200" b="0" dirty="0">
-                          <a:solidFill>
-                            <a:srgbClr val="000000"/>
-                          </a:solidFill>
-                          <a:effectLst/>
-                          <a:latin typeface="Consolas" panose="020B0609020204030204" pitchFamily="49" charset="0"/>
-                        </a:rPr>
-                      </a:br>
-                      <a:r>
-                        <a:rPr lang="en-US" sz="1200" b="0" dirty="0">
-                          <a:solidFill>
-                            <a:srgbClr val="000000"/>
-                          </a:solidFill>
-                          <a:effectLst/>
-                          <a:latin typeface="Consolas" panose="020B0609020204030204" pitchFamily="49" charset="0"/>
-                        </a:rPr>
-                        <a:t>    </a:t>
-                      </a:r>
-                      <a:r>
-                        <a:rPr lang="en-US" sz="1200" b="0" dirty="0">
-                          <a:solidFill>
-                            <a:srgbClr val="0000FF"/>
-                          </a:solidFill>
-                          <a:effectLst/>
-                          <a:latin typeface="Consolas" panose="020B0609020204030204" pitchFamily="49" charset="0"/>
-                        </a:rPr>
-                        <a:t>static</a:t>
-                      </a:r>
-                      <a:r>
-                        <a:rPr lang="en-US" sz="1200" b="0" dirty="0">
-                          <a:solidFill>
-                            <a:srgbClr val="000000"/>
-                          </a:solidFill>
-                          <a:effectLst/>
-                          <a:latin typeface="Consolas" panose="020B0609020204030204" pitchFamily="49" charset="0"/>
-                        </a:rPr>
-                        <a:t> mapping = {</a:t>
-                      </a:r>
-                    </a:p>
-                    <a:p>
-                      <a:r>
-                        <a:rPr lang="en-US" sz="1200" b="0" dirty="0">
-                          <a:solidFill>
-                            <a:srgbClr val="000000"/>
-                          </a:solidFill>
-                          <a:effectLst/>
-                          <a:latin typeface="Consolas" panose="020B0609020204030204" pitchFamily="49" charset="0"/>
-                        </a:rPr>
-                        <a:t>      id name: </a:t>
-                      </a:r>
-                      <a:r>
-                        <a:rPr lang="en-US" sz="1200" b="0" dirty="0">
-                          <a:solidFill>
-                            <a:srgbClr val="A31515"/>
-                          </a:solidFill>
-                          <a:effectLst/>
-                          <a:latin typeface="Consolas" panose="020B0609020204030204" pitchFamily="49" charset="0"/>
-                        </a:rPr>
-                        <a:t>'email'</a:t>
-                      </a:r>
-                      <a:r>
-                        <a:rPr lang="en-US" sz="1200" b="0" dirty="0">
-                          <a:solidFill>
-                            <a:srgbClr val="000000"/>
-                          </a:solidFill>
-                          <a:effectLst/>
-                          <a:latin typeface="Consolas" panose="020B0609020204030204" pitchFamily="49" charset="0"/>
-                        </a:rPr>
-                        <a:t>, generator: </a:t>
-                      </a:r>
-                      <a:r>
-                        <a:rPr lang="en-US" sz="1200" b="0" dirty="0">
-                          <a:solidFill>
-                            <a:srgbClr val="A31515"/>
-                          </a:solidFill>
-                          <a:effectLst/>
-                          <a:latin typeface="Consolas" panose="020B0609020204030204" pitchFamily="49" charset="0"/>
-                        </a:rPr>
-                        <a:t>'assigned’</a:t>
-                      </a:r>
-                      <a:endParaRPr lang="en-US" sz="1200" b="0" dirty="0">
-                        <a:solidFill>
-                          <a:srgbClr val="000000"/>
-                        </a:solidFill>
-                        <a:effectLst/>
-                        <a:latin typeface="Consolas" panose="020B0609020204030204" pitchFamily="49" charset="0"/>
-                      </a:endParaRPr>
-                    </a:p>
-                    <a:p>
-                      <a:r>
-                        <a:rPr lang="en-US" sz="1200" b="0" dirty="0">
-                          <a:solidFill>
-                            <a:srgbClr val="000000"/>
-                          </a:solidFill>
-                          <a:effectLst/>
-                          <a:latin typeface="Consolas" panose="020B0609020204030204" pitchFamily="49" charset="0"/>
-                        </a:rPr>
-                        <a:t>    }</a:t>
-                      </a:r>
-                    </a:p>
-                    <a:p>
-                      <a:r>
-                        <a:rPr lang="en-US" sz="1200" b="0" dirty="0">
-                          <a:solidFill>
-                            <a:srgbClr val="000000"/>
-                          </a:solidFill>
-                          <a:effectLst/>
-                          <a:latin typeface="Consolas" panose="020B0609020204030204" pitchFamily="49" charset="0"/>
-                        </a:rPr>
-                        <a:t>}</a:t>
-                      </a:r>
-                    </a:p>
-                  </a:txBody>
-                  <a:tcPr/>
-                </a:tc>
-                <a:tc>
-                  <a:txBody>
-                    <a:bodyPr/>
-                    <a:lstStyle/>
-                    <a:p>
-                      <a:r>
-                        <a:rPr lang="en-US" sz="1200" b="0" dirty="0">
-                          <a:solidFill>
-                            <a:srgbClr val="0000FF"/>
-                          </a:solidFill>
-                          <a:effectLst/>
-                          <a:latin typeface="Consolas" panose="020B0609020204030204" pitchFamily="49" charset="0"/>
-                        </a:rPr>
-                        <a:t>class</a:t>
-                      </a:r>
-                      <a:r>
-                        <a:rPr lang="en-US" sz="1200" b="0" dirty="0">
-                          <a:solidFill>
-                            <a:srgbClr val="000000"/>
-                          </a:solidFill>
-                          <a:effectLst/>
-                          <a:latin typeface="Consolas" panose="020B0609020204030204" pitchFamily="49" charset="0"/>
-                        </a:rPr>
-                        <a:t> Post {</a:t>
-                      </a:r>
-                    </a:p>
-                    <a:p>
-                      <a:r>
-                        <a:rPr lang="en-US" sz="1200" b="0" dirty="0">
-                          <a:solidFill>
-                            <a:srgbClr val="0000FF"/>
-                          </a:solidFill>
-                          <a:effectLst/>
-                          <a:latin typeface="Consolas" panose="020B0609020204030204" pitchFamily="49" charset="0"/>
-                        </a:rPr>
-                        <a:t>    User</a:t>
-                      </a:r>
-                      <a:r>
-                        <a:rPr lang="en-US" sz="1200" b="0" dirty="0">
-                          <a:solidFill>
-                            <a:srgbClr val="000000"/>
-                          </a:solidFill>
-                          <a:effectLst/>
-                          <a:latin typeface="Consolas" panose="020B0609020204030204" pitchFamily="49" charset="0"/>
-                        </a:rPr>
-                        <a:t> creator</a:t>
-                      </a:r>
-                    </a:p>
-                    <a:p>
-                      <a:r>
-                        <a:rPr lang="en-US" sz="1200" b="0" dirty="0">
-                          <a:solidFill>
-                            <a:srgbClr val="0000FF"/>
-                          </a:solidFill>
-                          <a:effectLst/>
-                          <a:latin typeface="Consolas" panose="020B0609020204030204" pitchFamily="49" charset="0"/>
-                        </a:rPr>
-                        <a:t>    </a:t>
-                      </a:r>
-                      <a:r>
-                        <a:rPr lang="en-US" sz="1200" b="0" dirty="0" err="1">
-                          <a:solidFill>
-                            <a:srgbClr val="0000FF"/>
-                          </a:solidFill>
-                          <a:effectLst/>
-                          <a:latin typeface="Consolas" panose="020B0609020204030204" pitchFamily="49" charset="0"/>
-                        </a:rPr>
-                        <a:t>ImageFile</a:t>
-                      </a:r>
-                      <a:r>
-                        <a:rPr lang="en-US" sz="1200" b="0" dirty="0">
-                          <a:solidFill>
-                            <a:srgbClr val="000000"/>
-                          </a:solidFill>
-                          <a:effectLst/>
-                          <a:latin typeface="Consolas" panose="020B0609020204030204" pitchFamily="49" charset="0"/>
-                        </a:rPr>
-                        <a:t> image</a:t>
-                      </a:r>
-                    </a:p>
-                    <a:p>
-                      <a:r>
-                        <a:rPr lang="en-US" sz="1200" b="0" dirty="0">
-                          <a:solidFill>
-                            <a:srgbClr val="0000FF"/>
-                          </a:solidFill>
-                          <a:effectLst/>
-                          <a:latin typeface="Consolas" panose="020B0609020204030204" pitchFamily="49" charset="0"/>
-                        </a:rPr>
-                        <a:t>    List&lt;Comment&gt;</a:t>
-                      </a:r>
-                      <a:r>
-                        <a:rPr lang="en-US" sz="1200" b="0" dirty="0">
-                          <a:solidFill>
-                            <a:srgbClr val="000000"/>
-                          </a:solidFill>
-                          <a:effectLst/>
-                          <a:latin typeface="Consolas" panose="020B0609020204030204" pitchFamily="49" charset="0"/>
-                        </a:rPr>
-                        <a:t> comments</a:t>
-                      </a:r>
-                    </a:p>
-                    <a:p>
-                      <a:r>
-                        <a:rPr lang="en-US" sz="1200" b="0" dirty="0">
-                          <a:solidFill>
-                            <a:srgbClr val="0000FF"/>
-                          </a:solidFill>
-                          <a:effectLst/>
-                          <a:latin typeface="Consolas" panose="020B0609020204030204" pitchFamily="49" charset="0"/>
-                        </a:rPr>
-                        <a:t>    long</a:t>
-                      </a:r>
-                      <a:r>
-                        <a:rPr lang="en-US" sz="1200" b="0" dirty="0">
-                          <a:solidFill>
-                            <a:srgbClr val="000000"/>
-                          </a:solidFill>
-                          <a:effectLst/>
-                          <a:latin typeface="Consolas" panose="020B0609020204030204" pitchFamily="49" charset="0"/>
-                        </a:rPr>
-                        <a:t> timestamp = </a:t>
-                      </a:r>
-                      <a:r>
-                        <a:rPr lang="en-US" sz="1200" b="0" dirty="0" err="1">
-                          <a:solidFill>
-                            <a:srgbClr val="0000FF"/>
-                          </a:solidFill>
-                          <a:effectLst/>
-                          <a:latin typeface="Consolas" panose="020B0609020204030204" pitchFamily="49" charset="0"/>
-                        </a:rPr>
-                        <a:t>System</a:t>
-                      </a:r>
-                      <a:r>
-                        <a:rPr lang="en-US" sz="1200" b="0" dirty="0" err="1">
-                          <a:solidFill>
-                            <a:srgbClr val="000000"/>
-                          </a:solidFill>
-                          <a:effectLst/>
-                          <a:latin typeface="Consolas" panose="020B0609020204030204" pitchFamily="49" charset="0"/>
-                        </a:rPr>
-                        <a:t>.currentTimeMillis</a:t>
-                      </a:r>
-                      <a:r>
-                        <a:rPr lang="en-US" sz="1200" b="0" dirty="0">
-                          <a:solidFill>
-                            <a:srgbClr val="000000"/>
-                          </a:solidFill>
-                          <a:effectLst/>
-                          <a:latin typeface="Consolas" panose="020B0609020204030204" pitchFamily="49" charset="0"/>
-                        </a:rPr>
-                        <a:t>()</a:t>
-                      </a:r>
-                    </a:p>
-                    <a:p>
-                      <a:br>
-                        <a:rPr lang="en-US" sz="1200" b="0" dirty="0">
-                          <a:solidFill>
-                            <a:srgbClr val="000000"/>
-                          </a:solidFill>
-                          <a:effectLst/>
-                          <a:latin typeface="Consolas" panose="020B0609020204030204" pitchFamily="49" charset="0"/>
-                        </a:rPr>
-                      </a:br>
-                      <a:r>
-                        <a:rPr lang="en-US" sz="1200" b="0" dirty="0">
-                          <a:solidFill>
-                            <a:srgbClr val="000000"/>
-                          </a:solidFill>
-                          <a:effectLst/>
-                          <a:latin typeface="Consolas" panose="020B0609020204030204" pitchFamily="49" charset="0"/>
-                        </a:rPr>
-                        <a:t>    </a:t>
-                      </a:r>
-                      <a:r>
-                        <a:rPr lang="en-US" sz="1200" b="0" dirty="0">
-                          <a:solidFill>
-                            <a:srgbClr val="0000FF"/>
-                          </a:solidFill>
-                          <a:effectLst/>
-                          <a:latin typeface="Consolas" panose="020B0609020204030204" pitchFamily="49" charset="0"/>
-                        </a:rPr>
-                        <a:t>static</a:t>
-                      </a:r>
-                      <a:r>
-                        <a:rPr lang="en-US" sz="1200" b="0" dirty="0">
-                          <a:solidFill>
-                            <a:srgbClr val="000000"/>
-                          </a:solidFill>
-                          <a:effectLst/>
-                          <a:latin typeface="Consolas" panose="020B0609020204030204" pitchFamily="49" charset="0"/>
-                        </a:rPr>
-                        <a:t> </a:t>
-                      </a:r>
-                      <a:r>
-                        <a:rPr lang="en-US" sz="1200" b="0" dirty="0" err="1">
-                          <a:solidFill>
-                            <a:srgbClr val="000000"/>
-                          </a:solidFill>
-                          <a:effectLst/>
-                          <a:latin typeface="Consolas" panose="020B0609020204030204" pitchFamily="49" charset="0"/>
-                        </a:rPr>
-                        <a:t>belongsTo</a:t>
-                      </a:r>
-                      <a:r>
-                        <a:rPr lang="en-US" sz="1200" b="0" dirty="0">
-                          <a:solidFill>
-                            <a:srgbClr val="000000"/>
-                          </a:solidFill>
-                          <a:effectLst/>
-                          <a:latin typeface="Consolas" panose="020B0609020204030204" pitchFamily="49" charset="0"/>
-                        </a:rPr>
-                        <a:t> = </a:t>
-                      </a:r>
-                      <a:r>
-                        <a:rPr lang="en-US" sz="1200" b="0" dirty="0">
-                          <a:solidFill>
-                            <a:srgbClr val="0000FF"/>
-                          </a:solidFill>
-                          <a:effectLst/>
-                          <a:latin typeface="Consolas" panose="020B0609020204030204" pitchFamily="49" charset="0"/>
-                        </a:rPr>
-                        <a:t>User</a:t>
-                      </a:r>
-                      <a:endParaRPr lang="en-US" sz="1200" b="0" dirty="0">
-                        <a:solidFill>
-                          <a:srgbClr val="000000"/>
-                        </a:solidFill>
-                        <a:effectLst/>
-                        <a:latin typeface="Consolas" panose="020B0609020204030204" pitchFamily="49" charset="0"/>
-                      </a:endParaRPr>
-                    </a:p>
-                    <a:p>
-                      <a:r>
-                        <a:rPr lang="en-US" sz="1200" b="0" dirty="0">
-                          <a:solidFill>
-                            <a:srgbClr val="000000"/>
-                          </a:solidFill>
-                          <a:effectLst/>
-                          <a:latin typeface="Consolas" panose="020B0609020204030204" pitchFamily="49" charset="0"/>
-                        </a:rPr>
-                        <a:t>}</a:t>
-                      </a:r>
-                    </a:p>
-                    <a:p>
-                      <a:endParaRPr lang="en-US" sz="1200" dirty="0"/>
-                    </a:p>
-                  </a:txBody>
-                  <a:tcPr/>
-                </a:tc>
-                <a:extLst>
-                  <a:ext uri="{0D108BD9-81ED-4DB2-BD59-A6C34878D82A}">
-                    <a16:rowId xmlns:a16="http://schemas.microsoft.com/office/drawing/2014/main" val="1771467154"/>
-                  </a:ext>
-                </a:extLst>
-              </a:tr>
-              <a:tr h="2293564">
-                <a:tc>
-                  <a:txBody>
-                    <a:bodyPr/>
-                    <a:lstStyle/>
-                    <a:p>
-                      <a:r>
-                        <a:rPr lang="en-US" sz="1200" b="0" dirty="0">
-                          <a:solidFill>
-                            <a:srgbClr val="0000FF"/>
-                          </a:solidFill>
-                          <a:effectLst/>
-                          <a:latin typeface="Consolas" panose="020B0609020204030204" pitchFamily="49" charset="0"/>
-                        </a:rPr>
-                        <a:t>class</a:t>
-                      </a:r>
-                      <a:r>
-                        <a:rPr lang="en-US" sz="1200" b="0" dirty="0">
-                          <a:solidFill>
-                            <a:srgbClr val="000000"/>
-                          </a:solidFill>
-                          <a:effectLst/>
-                          <a:latin typeface="Consolas" panose="020B0609020204030204" pitchFamily="49" charset="0"/>
-                        </a:rPr>
-                        <a:t> Comment {</a:t>
-                      </a:r>
-                    </a:p>
-                    <a:p>
-                      <a:r>
-                        <a:rPr lang="en-US" sz="1200" b="0" dirty="0">
-                          <a:solidFill>
-                            <a:srgbClr val="0000FF"/>
-                          </a:solidFill>
-                          <a:effectLst/>
-                          <a:latin typeface="Consolas" panose="020B0609020204030204" pitchFamily="49" charset="0"/>
-                        </a:rPr>
-                        <a:t>    User</a:t>
-                      </a:r>
-                      <a:r>
-                        <a:rPr lang="en-US" sz="1200" b="0" dirty="0">
-                          <a:solidFill>
-                            <a:srgbClr val="000000"/>
-                          </a:solidFill>
-                          <a:effectLst/>
-                          <a:latin typeface="Consolas" panose="020B0609020204030204" pitchFamily="49" charset="0"/>
-                        </a:rPr>
-                        <a:t> creator </a:t>
-                      </a:r>
-                    </a:p>
-                    <a:p>
-                      <a:r>
-                        <a:rPr lang="en-US" sz="1200" b="0" dirty="0">
-                          <a:solidFill>
-                            <a:srgbClr val="0000FF"/>
-                          </a:solidFill>
-                          <a:effectLst/>
-                          <a:latin typeface="Consolas" panose="020B0609020204030204" pitchFamily="49" charset="0"/>
-                        </a:rPr>
-                        <a:t>    String</a:t>
-                      </a:r>
-                      <a:r>
-                        <a:rPr lang="en-US" sz="1200" b="0" dirty="0">
-                          <a:solidFill>
-                            <a:srgbClr val="000000"/>
-                          </a:solidFill>
-                          <a:effectLst/>
-                          <a:latin typeface="Consolas" panose="020B0609020204030204" pitchFamily="49" charset="0"/>
-                        </a:rPr>
-                        <a:t> content</a:t>
-                      </a:r>
-                    </a:p>
-                    <a:p>
-                      <a:r>
-                        <a:rPr lang="en-US" sz="1200" b="0" dirty="0">
-                          <a:solidFill>
-                            <a:srgbClr val="0000FF"/>
-                          </a:solidFill>
-                          <a:effectLst/>
-                          <a:latin typeface="Consolas" panose="020B0609020204030204" pitchFamily="49" charset="0"/>
-                        </a:rPr>
-                        <a:t>    long</a:t>
-                      </a:r>
-                      <a:r>
-                        <a:rPr lang="en-US" sz="1200" b="0" dirty="0">
-                          <a:solidFill>
-                            <a:srgbClr val="000000"/>
-                          </a:solidFill>
-                          <a:effectLst/>
-                          <a:latin typeface="Consolas" panose="020B0609020204030204" pitchFamily="49" charset="0"/>
-                        </a:rPr>
-                        <a:t> timestamp = </a:t>
-                      </a:r>
-                      <a:r>
-                        <a:rPr lang="en-US" sz="1200" b="0" dirty="0" err="1">
-                          <a:solidFill>
-                            <a:srgbClr val="0000FF"/>
-                          </a:solidFill>
-                          <a:effectLst/>
-                          <a:latin typeface="Consolas" panose="020B0609020204030204" pitchFamily="49" charset="0"/>
-                        </a:rPr>
-                        <a:t>System</a:t>
-                      </a:r>
-                      <a:r>
-                        <a:rPr lang="en-US" sz="1200" b="0" dirty="0" err="1">
-                          <a:solidFill>
-                            <a:srgbClr val="000000"/>
-                          </a:solidFill>
-                          <a:effectLst/>
-                          <a:latin typeface="Consolas" panose="020B0609020204030204" pitchFamily="49" charset="0"/>
-                        </a:rPr>
-                        <a:t>.currentTimeMillis</a:t>
-                      </a:r>
-                      <a:r>
-                        <a:rPr lang="en-US" sz="1200" b="0" dirty="0">
-                          <a:solidFill>
-                            <a:srgbClr val="000000"/>
-                          </a:solidFill>
-                          <a:effectLst/>
-                          <a:latin typeface="Consolas" panose="020B0609020204030204" pitchFamily="49" charset="0"/>
-                        </a:rPr>
-                        <a:t>()</a:t>
-                      </a:r>
-                    </a:p>
-                    <a:p>
-                      <a:br>
-                        <a:rPr lang="en-US" sz="1200" b="0" dirty="0">
-                          <a:solidFill>
-                            <a:srgbClr val="000000"/>
-                          </a:solidFill>
-                          <a:effectLst/>
-                          <a:latin typeface="Consolas" panose="020B0609020204030204" pitchFamily="49" charset="0"/>
-                        </a:rPr>
-                      </a:br>
-                      <a:r>
-                        <a:rPr lang="en-US" sz="1200" b="0" dirty="0">
-                          <a:solidFill>
-                            <a:srgbClr val="000000"/>
-                          </a:solidFill>
-                          <a:effectLst/>
-                          <a:latin typeface="Consolas" panose="020B0609020204030204" pitchFamily="49" charset="0"/>
-                        </a:rPr>
-                        <a:t>    </a:t>
-                      </a:r>
-                      <a:r>
-                        <a:rPr lang="en-US" sz="1200" b="0" dirty="0">
-                          <a:solidFill>
-                            <a:srgbClr val="0000FF"/>
-                          </a:solidFill>
-                          <a:effectLst/>
-                          <a:latin typeface="Consolas" panose="020B0609020204030204" pitchFamily="49" charset="0"/>
-                        </a:rPr>
-                        <a:t>static</a:t>
-                      </a:r>
-                      <a:r>
-                        <a:rPr lang="en-US" sz="1200" b="0" dirty="0">
-                          <a:solidFill>
-                            <a:srgbClr val="000000"/>
-                          </a:solidFill>
-                          <a:effectLst/>
-                          <a:latin typeface="Consolas" panose="020B0609020204030204" pitchFamily="49" charset="0"/>
-                        </a:rPr>
-                        <a:t> </a:t>
-                      </a:r>
-                      <a:r>
-                        <a:rPr lang="en-US" sz="1200" b="0" dirty="0" err="1">
-                          <a:solidFill>
-                            <a:srgbClr val="000000"/>
-                          </a:solidFill>
-                          <a:effectLst/>
-                          <a:latin typeface="Consolas" panose="020B0609020204030204" pitchFamily="49" charset="0"/>
-                        </a:rPr>
-                        <a:t>belongsTo</a:t>
-                      </a:r>
-                      <a:r>
-                        <a:rPr lang="en-US" sz="1200" b="0" dirty="0">
-                          <a:solidFill>
-                            <a:srgbClr val="000000"/>
-                          </a:solidFill>
-                          <a:effectLst/>
-                          <a:latin typeface="Consolas" panose="020B0609020204030204" pitchFamily="49" charset="0"/>
-                        </a:rPr>
-                        <a:t> = </a:t>
-                      </a:r>
-                      <a:r>
-                        <a:rPr lang="en-US" sz="1200" b="0" dirty="0">
-                          <a:solidFill>
-                            <a:srgbClr val="0000FF"/>
-                          </a:solidFill>
-                          <a:effectLst/>
-                          <a:latin typeface="Consolas" panose="020B0609020204030204" pitchFamily="49" charset="0"/>
-                        </a:rPr>
-                        <a:t>Post</a:t>
-                      </a:r>
-                      <a:endParaRPr lang="en-US" sz="1200" b="0" dirty="0">
-                        <a:solidFill>
-                          <a:srgbClr val="000000"/>
-                        </a:solidFill>
-                        <a:effectLst/>
-                        <a:latin typeface="Consolas" panose="020B0609020204030204" pitchFamily="49" charset="0"/>
-                      </a:endParaRPr>
-                    </a:p>
-                    <a:p>
-                      <a:r>
-                        <a:rPr lang="en-US" sz="1200" b="0" dirty="0">
-                          <a:solidFill>
-                            <a:srgbClr val="000000"/>
-                          </a:solidFill>
-                          <a:effectLst/>
-                          <a:latin typeface="Consolas" panose="020B0609020204030204" pitchFamily="49" charset="0"/>
-                        </a:rPr>
-                        <a:t>}</a:t>
-                      </a:r>
-                    </a:p>
-                    <a:p>
-                      <a:endParaRPr lang="en-US" sz="1200" dirty="0"/>
-                    </a:p>
-                  </a:txBody>
-                  <a:tcPr/>
-                </a:tc>
-                <a:tc>
-                  <a:txBody>
-                    <a:bodyPr/>
-                    <a:lstStyle/>
-                    <a:p>
-                      <a:r>
-                        <a:rPr lang="en-US" sz="1200" b="0" dirty="0">
-                          <a:solidFill>
-                            <a:srgbClr val="0000FF"/>
-                          </a:solidFill>
-                          <a:effectLst/>
-                          <a:latin typeface="Consolas" panose="020B0609020204030204" pitchFamily="49" charset="0"/>
-                        </a:rPr>
-                        <a:t>class</a:t>
-                      </a:r>
-                      <a:r>
-                        <a:rPr lang="en-US" sz="1200" b="0" dirty="0">
-                          <a:solidFill>
-                            <a:srgbClr val="000000"/>
-                          </a:solidFill>
-                          <a:effectLst/>
-                          <a:latin typeface="Consolas" panose="020B0609020204030204" pitchFamily="49" charset="0"/>
-                        </a:rPr>
-                        <a:t> </a:t>
-                      </a:r>
-                      <a:r>
-                        <a:rPr lang="en-US" sz="1200" b="0" dirty="0" err="1">
-                          <a:solidFill>
-                            <a:srgbClr val="000000"/>
-                          </a:solidFill>
-                          <a:effectLst/>
-                          <a:latin typeface="Consolas" panose="020B0609020204030204" pitchFamily="49" charset="0"/>
-                        </a:rPr>
-                        <a:t>ImageFile</a:t>
-                      </a:r>
-                      <a:r>
-                        <a:rPr lang="en-US" sz="1200" b="0" dirty="0">
-                          <a:solidFill>
-                            <a:srgbClr val="000000"/>
-                          </a:solidFill>
-                          <a:effectLst/>
-                          <a:latin typeface="Consolas" panose="020B0609020204030204" pitchFamily="49" charset="0"/>
-                        </a:rPr>
-                        <a:t> {</a:t>
-                      </a:r>
-                    </a:p>
-                    <a:p>
-                      <a:r>
-                        <a:rPr lang="en-US" sz="1200" b="0" dirty="0">
-                          <a:solidFill>
-                            <a:srgbClr val="0000FF"/>
-                          </a:solidFill>
-                          <a:effectLst/>
-                          <a:latin typeface="Consolas" panose="020B0609020204030204" pitchFamily="49" charset="0"/>
-                        </a:rPr>
-                        <a:t>    byte</a:t>
-                      </a:r>
-                      <a:r>
-                        <a:rPr lang="en-US" sz="1200" b="0" dirty="0">
-                          <a:solidFill>
-                            <a:srgbClr val="000000"/>
-                          </a:solidFill>
-                          <a:effectLst/>
-                          <a:latin typeface="Consolas" panose="020B0609020204030204" pitchFamily="49" charset="0"/>
-                        </a:rPr>
-                        <a:t>[] </a:t>
-                      </a:r>
-                      <a:r>
-                        <a:rPr lang="en-US" sz="1200" b="0" dirty="0" err="1">
-                          <a:solidFill>
-                            <a:srgbClr val="000000"/>
-                          </a:solidFill>
-                          <a:effectLst/>
-                          <a:latin typeface="Consolas" panose="020B0609020204030204" pitchFamily="49" charset="0"/>
-                        </a:rPr>
-                        <a:t>imageData</a:t>
-                      </a:r>
-                      <a:endParaRPr lang="en-US" sz="1200" b="0" dirty="0">
-                        <a:solidFill>
-                          <a:srgbClr val="000000"/>
-                        </a:solidFill>
-                        <a:effectLst/>
-                        <a:latin typeface="Consolas" panose="020B0609020204030204" pitchFamily="49" charset="0"/>
-                      </a:endParaRPr>
-                    </a:p>
-                    <a:p>
-                      <a:r>
-                        <a:rPr lang="en-US" sz="1200" b="0" dirty="0">
-                          <a:solidFill>
-                            <a:srgbClr val="0000FF"/>
-                          </a:solidFill>
-                          <a:effectLst/>
-                          <a:latin typeface="Consolas" panose="020B0609020204030204" pitchFamily="49" charset="0"/>
-                        </a:rPr>
-                        <a:t>    String</a:t>
-                      </a:r>
-                      <a:r>
-                        <a:rPr lang="en-US" sz="1200" b="0" dirty="0">
-                          <a:solidFill>
-                            <a:srgbClr val="000000"/>
-                          </a:solidFill>
-                          <a:effectLst/>
-                          <a:latin typeface="Consolas" panose="020B0609020204030204" pitchFamily="49" charset="0"/>
-                        </a:rPr>
-                        <a:t> name</a:t>
-                      </a:r>
-                    </a:p>
-                    <a:p>
-                      <a:r>
-                        <a:rPr lang="en-US" sz="1200" b="0" dirty="0">
-                          <a:solidFill>
-                            <a:srgbClr val="0000FF"/>
-                          </a:solidFill>
-                          <a:effectLst/>
-                          <a:latin typeface="Consolas" panose="020B0609020204030204" pitchFamily="49" charset="0"/>
-                        </a:rPr>
-                        <a:t>    String</a:t>
-                      </a:r>
-                      <a:r>
-                        <a:rPr lang="en-US" sz="1200" b="0" dirty="0">
-                          <a:solidFill>
-                            <a:srgbClr val="000000"/>
-                          </a:solidFill>
-                          <a:effectLst/>
-                          <a:latin typeface="Consolas" panose="020B0609020204030204" pitchFamily="49" charset="0"/>
-                        </a:rPr>
-                        <a:t> </a:t>
-                      </a:r>
-                      <a:r>
-                        <a:rPr lang="en-US" sz="1200" b="0" dirty="0" err="1">
-                          <a:solidFill>
-                            <a:srgbClr val="000000"/>
-                          </a:solidFill>
-                          <a:effectLst/>
-                          <a:latin typeface="Consolas" panose="020B0609020204030204" pitchFamily="49" charset="0"/>
-                        </a:rPr>
-                        <a:t>contentType</a:t>
-                      </a:r>
-                      <a:endParaRPr lang="en-US" sz="1200" b="0" dirty="0">
-                        <a:solidFill>
-                          <a:srgbClr val="000000"/>
-                        </a:solidFill>
-                        <a:effectLst/>
-                        <a:latin typeface="Consolas" panose="020B0609020204030204" pitchFamily="49" charset="0"/>
-                      </a:endParaRPr>
-                    </a:p>
-                    <a:p>
-                      <a:br>
-                        <a:rPr lang="en-US" sz="1200" b="0" dirty="0">
-                          <a:solidFill>
-                            <a:srgbClr val="000000"/>
-                          </a:solidFill>
-                          <a:effectLst/>
-                          <a:latin typeface="Consolas" panose="020B0609020204030204" pitchFamily="49" charset="0"/>
-                        </a:rPr>
-                      </a:br>
-                      <a:r>
-                        <a:rPr lang="en-US" sz="1200" b="0" dirty="0">
-                          <a:solidFill>
-                            <a:srgbClr val="000000"/>
-                          </a:solidFill>
-                          <a:effectLst/>
-                          <a:latin typeface="Consolas" panose="020B0609020204030204" pitchFamily="49" charset="0"/>
-                        </a:rPr>
-                        <a:t>    </a:t>
-                      </a:r>
-                      <a:r>
-                        <a:rPr lang="en-US" sz="1200" b="0" dirty="0">
-                          <a:solidFill>
-                            <a:srgbClr val="0000FF"/>
-                          </a:solidFill>
-                          <a:effectLst/>
-                          <a:latin typeface="Consolas" panose="020B0609020204030204" pitchFamily="49" charset="0"/>
-                        </a:rPr>
-                        <a:t>static</a:t>
-                      </a:r>
-                      <a:r>
-                        <a:rPr lang="en-US" sz="1200" b="0" dirty="0">
-                          <a:solidFill>
-                            <a:srgbClr val="000000"/>
-                          </a:solidFill>
-                          <a:effectLst/>
-                          <a:latin typeface="Consolas" panose="020B0609020204030204" pitchFamily="49" charset="0"/>
-                        </a:rPr>
-                        <a:t> mapping = {</a:t>
-                      </a:r>
-                    </a:p>
-                    <a:p>
-                      <a:r>
-                        <a:rPr lang="en-US" sz="1200" b="0" dirty="0">
-                          <a:solidFill>
-                            <a:srgbClr val="000000"/>
-                          </a:solidFill>
-                          <a:effectLst/>
-                          <a:latin typeface="Consolas" panose="020B0609020204030204" pitchFamily="49" charset="0"/>
-                        </a:rPr>
-                        <a:t>       </a:t>
-                      </a:r>
-                      <a:r>
-                        <a:rPr lang="en-US" sz="1200" b="0" dirty="0" err="1">
-                          <a:solidFill>
-                            <a:srgbClr val="000000"/>
-                          </a:solidFill>
-                          <a:effectLst/>
-                          <a:latin typeface="Consolas" panose="020B0609020204030204" pitchFamily="49" charset="0"/>
-                        </a:rPr>
-                        <a:t>imageData</a:t>
-                      </a:r>
-                      <a:r>
-                        <a:rPr lang="en-US" sz="1200" b="0" dirty="0">
-                          <a:solidFill>
-                            <a:srgbClr val="000000"/>
-                          </a:solidFill>
-                          <a:effectLst/>
-                          <a:latin typeface="Consolas" panose="020B0609020204030204" pitchFamily="49" charset="0"/>
-                        </a:rPr>
-                        <a:t> </a:t>
-                      </a:r>
-                      <a:r>
-                        <a:rPr lang="en-US" sz="1200" b="0" dirty="0" err="1">
-                          <a:solidFill>
-                            <a:srgbClr val="000000"/>
-                          </a:solidFill>
-                          <a:effectLst/>
-                          <a:latin typeface="Consolas" panose="020B0609020204030204" pitchFamily="49" charset="0"/>
-                        </a:rPr>
-                        <a:t>sqlType</a:t>
-                      </a:r>
-                      <a:r>
-                        <a:rPr lang="en-US" sz="1200" b="0" dirty="0">
-                          <a:solidFill>
-                            <a:srgbClr val="000000"/>
-                          </a:solidFill>
-                          <a:effectLst/>
-                          <a:latin typeface="Consolas" panose="020B0609020204030204" pitchFamily="49" charset="0"/>
-                        </a:rPr>
-                        <a:t>: </a:t>
-                      </a:r>
-                      <a:r>
-                        <a:rPr lang="en-US" sz="1200" b="0" dirty="0">
-                          <a:solidFill>
-                            <a:srgbClr val="A31515"/>
-                          </a:solidFill>
-                          <a:effectLst/>
-                          <a:latin typeface="Consolas" panose="020B0609020204030204" pitchFamily="49" charset="0"/>
-                        </a:rPr>
-                        <a:t>'</a:t>
-                      </a:r>
-                      <a:r>
-                        <a:rPr lang="en-US" sz="1200" b="0" dirty="0" err="1">
-                          <a:solidFill>
-                            <a:srgbClr val="A31515"/>
-                          </a:solidFill>
-                          <a:effectLst/>
-                          <a:latin typeface="Consolas" panose="020B0609020204030204" pitchFamily="49" charset="0"/>
-                        </a:rPr>
-                        <a:t>longblob</a:t>
-                      </a:r>
-                      <a:r>
-                        <a:rPr lang="en-US" sz="1200" b="0" dirty="0">
-                          <a:solidFill>
-                            <a:srgbClr val="A31515"/>
-                          </a:solidFill>
-                          <a:effectLst/>
-                          <a:latin typeface="Consolas" panose="020B0609020204030204" pitchFamily="49" charset="0"/>
-                        </a:rPr>
-                        <a:t>’</a:t>
-                      </a:r>
-                      <a:endParaRPr lang="en-US" sz="1200" b="0" dirty="0">
-                        <a:solidFill>
-                          <a:srgbClr val="000000"/>
-                        </a:solidFill>
-                        <a:effectLst/>
-                        <a:latin typeface="Consolas" panose="020B0609020204030204" pitchFamily="49" charset="0"/>
-                      </a:endParaRPr>
-                    </a:p>
-                    <a:p>
-                      <a:r>
-                        <a:rPr lang="en-US" sz="1200" b="0" dirty="0">
-                          <a:solidFill>
-                            <a:srgbClr val="000000"/>
-                          </a:solidFill>
-                          <a:effectLst/>
-                          <a:latin typeface="Consolas" panose="020B0609020204030204" pitchFamily="49" charset="0"/>
-                        </a:rPr>
-                        <a:t>    }</a:t>
-                      </a:r>
-                    </a:p>
-                    <a:p>
-                      <a:r>
-                        <a:rPr lang="en-US" sz="1200" b="0" dirty="0">
-                          <a:solidFill>
-                            <a:srgbClr val="0000FF"/>
-                          </a:solidFill>
-                          <a:effectLst/>
-                          <a:latin typeface="Consolas" panose="020B0609020204030204" pitchFamily="49" charset="0"/>
-                        </a:rPr>
-                        <a:t>    static</a:t>
-                      </a:r>
-                      <a:r>
-                        <a:rPr lang="en-US" sz="1200" b="0" dirty="0">
-                          <a:solidFill>
-                            <a:srgbClr val="000000"/>
-                          </a:solidFill>
-                          <a:effectLst/>
-                          <a:latin typeface="Consolas" panose="020B0609020204030204" pitchFamily="49" charset="0"/>
-                        </a:rPr>
-                        <a:t> </a:t>
-                      </a:r>
-                      <a:r>
-                        <a:rPr lang="en-US" sz="1200" b="0" dirty="0" err="1">
-                          <a:solidFill>
-                            <a:srgbClr val="000000"/>
-                          </a:solidFill>
-                          <a:effectLst/>
-                          <a:latin typeface="Consolas" panose="020B0609020204030204" pitchFamily="49" charset="0"/>
-                        </a:rPr>
-                        <a:t>belongsTo</a:t>
-                      </a:r>
-                      <a:r>
-                        <a:rPr lang="en-US" sz="1200" b="0" dirty="0">
-                          <a:solidFill>
-                            <a:srgbClr val="000000"/>
-                          </a:solidFill>
-                          <a:effectLst/>
-                          <a:latin typeface="Consolas" panose="020B0609020204030204" pitchFamily="49" charset="0"/>
-                        </a:rPr>
-                        <a:t> = </a:t>
-                      </a:r>
-                      <a:r>
-                        <a:rPr lang="en-US" sz="1200" b="0" dirty="0">
-                          <a:solidFill>
-                            <a:srgbClr val="0000FF"/>
-                          </a:solidFill>
-                          <a:effectLst/>
-                          <a:latin typeface="Consolas" panose="020B0609020204030204" pitchFamily="49" charset="0"/>
-                        </a:rPr>
-                        <a:t>Post</a:t>
-                      </a:r>
-                      <a:endParaRPr lang="en-US" sz="1200" b="0" dirty="0">
-                        <a:solidFill>
-                          <a:srgbClr val="000000"/>
-                        </a:solidFill>
-                        <a:effectLst/>
-                        <a:latin typeface="Consolas" panose="020B0609020204030204" pitchFamily="49" charset="0"/>
-                      </a:endParaRPr>
-                    </a:p>
-                    <a:p>
-                      <a:r>
-                        <a:rPr lang="en-US" sz="1200" b="0" dirty="0">
-                          <a:solidFill>
-                            <a:srgbClr val="000000"/>
-                          </a:solidFill>
-                          <a:effectLst/>
-                          <a:latin typeface="Consolas" panose="020B0609020204030204" pitchFamily="49" charset="0"/>
-                        </a:rPr>
-                        <a:t>}</a:t>
-                      </a:r>
-                    </a:p>
-                    <a:p>
-                      <a:endParaRPr lang="en-US" sz="1200" dirty="0"/>
-                    </a:p>
-                  </a:txBody>
-                  <a:tcPr/>
-                </a:tc>
-                <a:extLst>
-                  <a:ext uri="{0D108BD9-81ED-4DB2-BD59-A6C34878D82A}">
-                    <a16:rowId xmlns:a16="http://schemas.microsoft.com/office/drawing/2014/main" val="2998512899"/>
-                  </a:ext>
-                </a:extLst>
-              </a:tr>
-            </a:tbl>
-          </a:graphicData>
-        </a:graphic>
-      </p:graphicFrame>
-      <p:sp>
-        <p:nvSpPr>
-          <p:cNvPr id="8" name="Rectangle 7">
-            <a:extLst>
-              <a:ext uri="{FF2B5EF4-FFF2-40B4-BE49-F238E27FC236}">
-                <a16:creationId xmlns:a16="http://schemas.microsoft.com/office/drawing/2014/main" id="{2B8BAC56-611A-401A-AD70-7FED5BDBD290}"/>
-              </a:ext>
-            </a:extLst>
-          </p:cNvPr>
-          <p:cNvSpPr/>
-          <p:nvPr/>
-        </p:nvSpPr>
-        <p:spPr>
-          <a:xfrm>
-            <a:off x="976921" y="3620152"/>
-            <a:ext cx="4160065" cy="2298374"/>
-          </a:xfrm>
-          <a:prstGeom prst="rect">
-            <a:avLst/>
-          </a:prstGeom>
-          <a:ln>
-            <a:solidFill>
-              <a:schemeClr val="bg1"/>
-            </a:solidFill>
-          </a:ln>
-        </p:spPr>
-        <p:style>
-          <a:lnRef idx="2">
-            <a:schemeClr val="dk1"/>
-          </a:lnRef>
-          <a:fillRef idx="1">
-            <a:schemeClr val="lt1"/>
-          </a:fillRef>
-          <a:effectRef idx="0">
-            <a:schemeClr val="dk1"/>
-          </a:effectRef>
-          <a:fontRef idx="minor">
-            <a:schemeClr val="dk1"/>
-          </a:fontRef>
-        </p:style>
-        <p:txBody>
-          <a:bodyPr rtlCol="0" anchor="ctr"/>
-          <a:lstStyle/>
-          <a:p>
-            <a:pPr algn="ctr"/>
-            <a:endParaRPr lang="en-US"/>
-          </a:p>
-        </p:txBody>
-      </p:sp>
-      <p:sp>
-        <p:nvSpPr>
-          <p:cNvPr id="10" name="Rectangle 9">
-            <a:extLst>
-              <a:ext uri="{FF2B5EF4-FFF2-40B4-BE49-F238E27FC236}">
-                <a16:creationId xmlns:a16="http://schemas.microsoft.com/office/drawing/2014/main" id="{79FE94BC-C271-4263-BD54-23A3163C361C}"/>
-              </a:ext>
-            </a:extLst>
-          </p:cNvPr>
-          <p:cNvSpPr/>
-          <p:nvPr/>
-        </p:nvSpPr>
-        <p:spPr>
-          <a:xfrm>
-            <a:off x="5495192" y="1027906"/>
-            <a:ext cx="4160065" cy="2298374"/>
-          </a:xfrm>
-          <a:prstGeom prst="rect">
-            <a:avLst/>
-          </a:prstGeom>
-          <a:ln>
-            <a:solidFill>
-              <a:schemeClr val="bg1"/>
-            </a:solidFill>
-          </a:ln>
-        </p:spPr>
-        <p:style>
-          <a:lnRef idx="2">
-            <a:schemeClr val="dk1"/>
-          </a:lnRef>
-          <a:fillRef idx="1">
-            <a:schemeClr val="lt1"/>
-          </a:fillRef>
-          <a:effectRef idx="0">
-            <a:schemeClr val="dk1"/>
-          </a:effectRef>
-          <a:fontRef idx="minor">
-            <a:schemeClr val="dk1"/>
-          </a:fontRef>
-        </p:style>
-        <p:txBody>
-          <a:bodyPr rtlCol="0" anchor="ctr"/>
-          <a:lstStyle/>
-          <a:p>
-            <a:pPr algn="ctr"/>
-            <a:endParaRPr lang="en-US"/>
-          </a:p>
-        </p:txBody>
-      </p:sp>
-      <p:sp>
-        <p:nvSpPr>
-          <p:cNvPr id="12" name="Rectangle 11">
-            <a:extLst>
-              <a:ext uri="{FF2B5EF4-FFF2-40B4-BE49-F238E27FC236}">
-                <a16:creationId xmlns:a16="http://schemas.microsoft.com/office/drawing/2014/main" id="{8A83262E-DB8E-479A-A4FB-806196BE4FB8}"/>
-              </a:ext>
-            </a:extLst>
-          </p:cNvPr>
-          <p:cNvSpPr/>
-          <p:nvPr/>
-        </p:nvSpPr>
-        <p:spPr>
-          <a:xfrm>
-            <a:off x="5419642" y="3541113"/>
-            <a:ext cx="4160065" cy="2298374"/>
-          </a:xfrm>
-          <a:prstGeom prst="rect">
-            <a:avLst/>
-          </a:prstGeom>
-          <a:ln>
-            <a:solidFill>
-              <a:schemeClr val="bg1"/>
-            </a:solidFill>
-          </a:ln>
-        </p:spPr>
-        <p:style>
-          <a:lnRef idx="2">
-            <a:schemeClr val="dk1"/>
-          </a:lnRef>
-          <a:fillRef idx="1">
-            <a:schemeClr val="lt1"/>
-          </a:fillRef>
-          <a:effectRef idx="0">
-            <a:schemeClr val="dk1"/>
-          </a:effectRef>
-          <a:fontRef idx="minor">
-            <a:schemeClr val="dk1"/>
-          </a:fontRef>
-        </p:style>
-        <p:txBody>
-          <a:bodyPr rtlCol="0" anchor="ctr"/>
-          <a:lstStyle/>
-          <a:p>
-            <a:pPr algn="ctr"/>
-            <a:endParaRPr lang="en-US"/>
+              <a:rPr lang="en-US" dirty="0" smtClean="0"/>
+              <a:t>How do we work classes</a:t>
+            </a:r>
+            <a:endParaRPr lang="en-US" dirty="0"/>
+          </a:p>
+        </p:txBody>
+      </p:sp>
+      <p:sp>
+        <p:nvSpPr>
+          <p:cNvPr id="3" name="Content Placeholder 2">
+            <a:extLst>
+              <a:ext uri="{FF2B5EF4-FFF2-40B4-BE49-F238E27FC236}">
+                <a16:creationId xmlns:a16="http://schemas.microsoft.com/office/drawing/2014/main" id="{E8A7E2AC-B3D4-48C0-A345-F065B2F08C5F}"/>
+              </a:ext>
+            </a:extLst>
+          </p:cNvPr>
+          <p:cNvSpPr>
+            <a:spLocks noGrp="1"/>
+          </p:cNvSpPr>
+          <p:nvPr>
+            <p:ph idx="1"/>
+          </p:nvPr>
+        </p:nvSpPr>
+        <p:spPr/>
+        <p:txBody>
+          <a:bodyPr>
+            <a:normAutofit/>
+          </a:bodyPr>
+          <a:lstStyle/>
+          <a:p>
+            <a:r>
+              <a:rPr lang="en-US" dirty="0" smtClean="0"/>
+              <a:t>Lets say we have a </a:t>
+            </a:r>
+            <a:r>
+              <a:rPr lang="en-US" dirty="0" smtClean="0">
+                <a:latin typeface="Courier New" panose="02070309020205020404" pitchFamily="49" charset="0"/>
+                <a:cs typeface="Courier New" panose="02070309020205020404" pitchFamily="49" charset="0"/>
+              </a:rPr>
+              <a:t>class Post{…}</a:t>
+            </a:r>
+          </a:p>
+          <a:p>
+            <a:r>
+              <a:rPr lang="en-US" dirty="0" err="1">
+                <a:latin typeface="Courier New" panose="02070309020205020404" pitchFamily="49" charset="0"/>
+                <a:cs typeface="Courier New" panose="02070309020205020404" pitchFamily="49" charset="0"/>
+              </a:rPr>
+              <a:t>d</a:t>
+            </a:r>
+            <a:r>
+              <a:rPr lang="en-US" dirty="0" err="1" smtClean="0">
+                <a:latin typeface="Courier New" panose="02070309020205020404" pitchFamily="49" charset="0"/>
+                <a:cs typeface="Courier New" panose="02070309020205020404" pitchFamily="49" charset="0"/>
+              </a:rPr>
+              <a:t>ef</a:t>
+            </a:r>
+            <a:r>
+              <a:rPr lang="en-US" dirty="0" smtClean="0">
+                <a:latin typeface="Courier New" panose="02070309020205020404" pitchFamily="49" charset="0"/>
+                <a:cs typeface="Courier New" panose="02070309020205020404" pitchFamily="49" charset="0"/>
+              </a:rPr>
+              <a:t> p = new Post()</a:t>
+            </a:r>
+          </a:p>
+          <a:p>
+            <a:r>
+              <a:rPr lang="en-US" dirty="0" err="1">
+                <a:latin typeface="Courier New" panose="02070309020205020404" pitchFamily="49" charset="0"/>
+                <a:cs typeface="Courier New" panose="02070309020205020404" pitchFamily="49" charset="0"/>
+              </a:rPr>
+              <a:t>p</a:t>
+            </a:r>
+            <a:r>
+              <a:rPr lang="en-US" dirty="0" err="1" smtClean="0">
+                <a:latin typeface="Courier New" panose="02070309020205020404" pitchFamily="49" charset="0"/>
+                <a:cs typeface="Courier New" panose="02070309020205020404" pitchFamily="49" charset="0"/>
+              </a:rPr>
+              <a:t>.save</a:t>
+            </a:r>
+            <a:r>
+              <a:rPr lang="en-US" dirty="0" smtClean="0">
+                <a:latin typeface="Courier New" panose="02070309020205020404" pitchFamily="49" charset="0"/>
+                <a:cs typeface="Courier New" panose="02070309020205020404" pitchFamily="49" charset="0"/>
+              </a:rPr>
+              <a:t>()</a:t>
+            </a:r>
+          </a:p>
+          <a:p>
+            <a:r>
+              <a:rPr lang="en-US" dirty="0" err="1">
+                <a:latin typeface="Courier New" panose="02070309020205020404" pitchFamily="49" charset="0"/>
+                <a:cs typeface="Courier New" panose="02070309020205020404" pitchFamily="49" charset="0"/>
+              </a:rPr>
+              <a:t>p</a:t>
+            </a:r>
+            <a:r>
+              <a:rPr lang="en-US" dirty="0" err="1" smtClean="0">
+                <a:latin typeface="Courier New" panose="02070309020205020404" pitchFamily="49" charset="0"/>
+                <a:cs typeface="Courier New" panose="02070309020205020404" pitchFamily="49" charset="0"/>
+              </a:rPr>
+              <a:t>.delete</a:t>
+            </a:r>
+            <a:r>
+              <a:rPr lang="en-US" dirty="0" smtClean="0">
+                <a:latin typeface="Courier New" panose="02070309020205020404" pitchFamily="49" charset="0"/>
+                <a:cs typeface="Courier New" panose="02070309020205020404" pitchFamily="49" charset="0"/>
+              </a:rPr>
+              <a:t>()</a:t>
+            </a:r>
+          </a:p>
+          <a:p>
+            <a:r>
+              <a:rPr lang="en-US" dirty="0" err="1" smtClean="0">
+                <a:latin typeface="Courier New" panose="02070309020205020404" pitchFamily="49" charset="0"/>
+                <a:cs typeface="Courier New" panose="02070309020205020404" pitchFamily="49" charset="0"/>
+              </a:rPr>
+              <a:t>Post.list</a:t>
+            </a:r>
+            <a:r>
+              <a:rPr lang="en-US" dirty="0" smtClean="0">
+                <a:latin typeface="Courier New" panose="02070309020205020404" pitchFamily="49" charset="0"/>
+                <a:cs typeface="Courier New" panose="02070309020205020404" pitchFamily="49" charset="0"/>
+              </a:rPr>
+              <a:t>(sort: ‘timestamp’, order: ‘descending’)</a:t>
+            </a:r>
+          </a:p>
+          <a:p>
+            <a:r>
+              <a:rPr lang="en-US" dirty="0" err="1" smtClean="0">
+                <a:latin typeface="Courier New" panose="02070309020205020404" pitchFamily="49" charset="0"/>
+                <a:cs typeface="Courier New" panose="02070309020205020404" pitchFamily="49" charset="0"/>
+              </a:rPr>
+              <a:t>Post.findById</a:t>
+            </a:r>
+            <a:r>
+              <a:rPr lang="en-US" dirty="0" smtClean="0">
+                <a:latin typeface="Courier New" panose="02070309020205020404" pitchFamily="49" charset="0"/>
+                <a:cs typeface="Courier New" panose="02070309020205020404" pitchFamily="49" charset="0"/>
+              </a:rPr>
+              <a:t>(123)</a:t>
+            </a:r>
+          </a:p>
+          <a:p>
+            <a:r>
+              <a:rPr lang="en-US" dirty="0" err="1" smtClean="0">
+                <a:latin typeface="Courier New" panose="02070309020205020404" pitchFamily="49" charset="0"/>
+                <a:cs typeface="Courier New" panose="02070309020205020404" pitchFamily="49" charset="0"/>
+              </a:rPr>
+              <a:t>Post.findAllByTimestampGreaterThan</a:t>
+            </a:r>
+            <a:r>
+              <a:rPr lang="en-US" dirty="0" smtClean="0">
+                <a:latin typeface="Courier New" panose="02070309020205020404" pitchFamily="49" charset="0"/>
+                <a:cs typeface="Courier New" panose="02070309020205020404" pitchFamily="49" charset="0"/>
+              </a:rPr>
+              <a:t>(12345)</a:t>
+            </a:r>
           </a:p>
         </p:txBody>
       </p:sp>
     </p:spTree>
     <p:extLst>
       <p:ext uri="{BB962C8B-B14F-4D97-AF65-F5344CB8AC3E}">
-        <p14:creationId xmlns:p14="http://schemas.microsoft.com/office/powerpoint/2010/main" val="981018737"/>
+        <p14:creationId xmlns:p14="http://schemas.microsoft.com/office/powerpoint/2010/main" val="1008180599"/>
       </p:ext>
     </p:extLst>
   </p:cSld>
@@ -5705,7 +6509,7 @@
                             </p:stCondLst>
                             <p:childTnLst>
                               <p:par>
-                                <p:cTn id="5" presetID="1" presetClass="exit" presetSubtype="0" fill="hold" grpId="0" nodeType="clickEffect">
+                                <p:cTn id="5" presetID="1" presetClass="entr" presetSubtype="0" fill="hold" grpId="0" nodeType="clickEffect">
                                   <p:stCondLst>
                                     <p:cond delay="0"/>
                                   </p:stCondLst>
@@ -5718,14 +6522,18 @@
                                           </p:stCondLst>
                                         </p:cTn>
                                         <p:tgtEl>
-                                          <p:spTgt spid="8"/>
+                                          <p:spTgt spid="3">
+                                            <p:txEl>
+                                              <p:pRg st="0" end="0"/>
+                                            </p:txEl>
+                                          </p:spTgt>
                                         </p:tgtEl>
                                         <p:attrNameLst>
                                           <p:attrName>style.visibility</p:attrName>
                                         </p:attrNameLst>
                                       </p:cBhvr>
                                       <p:to>
-                                        <p:strVal val="hidden"/>
+                                        <p:strVal val="visible"/>
                                       </p:to>
                                     </p:set>
                                   </p:childTnLst>
@@ -5750,7 +6558,7 @@
                             </p:stCondLst>
                             <p:childTnLst>
                               <p:par>
-                                <p:cTn id="9" presetID="1" presetClass="exit" presetSubtype="0" fill="hold" grpId="0" nodeType="clickEffect">
+                                <p:cTn id="9" presetID="1" presetClass="entr" presetSubtype="0" fill="hold" grpId="0" nodeType="clickEffect">
                                   <p:stCondLst>
                                     <p:cond delay="0"/>
                                   </p:stCondLst>
@@ -5763,14 +6571,18 @@
                                           </p:stCondLst>
                                         </p:cTn>
                                         <p:tgtEl>
-                                          <p:spTgt spid="12"/>
+                                          <p:spTgt spid="3">
+                                            <p:txEl>
+                                              <p:pRg st="1" end="1"/>
+                                            </p:txEl>
+                                          </p:spTgt>
                                         </p:tgtEl>
                                         <p:attrNameLst>
                                           <p:attrName>style.visibility</p:attrName>
                                         </p:attrNameLst>
                                       </p:cBhvr>
                                       <p:to>
-                                        <p:strVal val="hidden"/>
+                                        <p:strVal val="visible"/>
                                       </p:to>
                                     </p:set>
                                   </p:childTnLst>
@@ -5795,7 +6607,7 @@
                             </p:stCondLst>
                             <p:childTnLst>
                               <p:par>
-                                <p:cTn id="13" presetID="1" presetClass="exit" presetSubtype="0" fill="hold" grpId="0" nodeType="clickEffect">
+                                <p:cTn id="13" presetID="1" presetClass="entr" presetSubtype="0" fill="hold" grpId="0" nodeType="clickEffect">
                                   <p:stCondLst>
                                     <p:cond delay="0"/>
                                   </p:stCondLst>
@@ -5808,14 +6620,214 @@
                                           </p:stCondLst>
                                         </p:cTn>
                                         <p:tgtEl>
-                                          <p:spTgt spid="10"/>
+                                          <p:spTgt spid="3">
+                                            <p:txEl>
+                                              <p:pRg st="2" end="2"/>
+                                            </p:txEl>
+                                          </p:spTgt>
                                         </p:tgtEl>
                                         <p:attrNameLst>
                                           <p:attrName>style.visibility</p:attrName>
                                         </p:attrNameLst>
                                       </p:cBhvr>
                                       <p:to>
-                                        <p:strVal val="hidden"/>
+                                        <p:strVal val="visible"/>
+                                      </p:to>
+                                    </p:set>
+                                  </p:childTnLst>
+                                </p:cTn>
+                              </p:par>
+                            </p:childTnLst>
+                          </p:cTn>
+                        </p:par>
+                      </p:childTnLst>
+                    </p:cTn>
+                  </p:par>
+                  <p:par>
+                    <p:cTn id="15" fill="hold">
+                      <p:stCondLst>
+                        <p:cond delay="indefinite"/>
+                      </p:stCondLst>
+                      <p:childTnLst>
+                        <p:par>
+                          <p:cTn id="16" fill="hold">
+                            <p:stCondLst>
+                              <p:cond delay="0"/>
+                            </p:stCondLst>
+                            <p:childTnLst>
+                              <p:par>
+                                <p:cTn id="17" presetID="1" presetClass="entr" presetSubtype="0" fill="hold" grpId="0" nodeType="clickEffect">
+                                  <p:stCondLst>
+                                    <p:cond delay="0"/>
+                                  </p:stCondLst>
+                                  <p:childTnLst>
+                                    <p:set>
+                                      <p:cBhvr>
+                                        <p:cTn id="18" dur="1" fill="hold">
+                                          <p:stCondLst>
+                                            <p:cond delay="0"/>
+                                          </p:stCondLst>
+                                        </p:cTn>
+                                        <p:tgtEl>
+                                          <p:spTgt spid="3">
+                                            <p:txEl>
+                                              <p:pRg st="3" end="3"/>
+                                            </p:txEl>
+                                          </p:spTgt>
+                                        </p:tgtEl>
+                                        <p:attrNameLst>
+                                          <p:attrName>style.visibility</p:attrName>
+                                        </p:attrNameLst>
+                                      </p:cBhvr>
+                                      <p:to>
+                                        <p:strVal val="visible"/>
+                                      </p:to>
+                                    </p:set>
+                                  </p:childTnLst>
+                                </p:cTn>
+                              </p:par>
+                            </p:childTnLst>
+                          </p:cTn>
+                        </p:par>
+                      </p:childTnLst>
+                    </p:cTn>
+                  </p:par>
+                  <p:par>
+                    <p:cTn id="19" fill="hold">
+                      <p:stCondLst>
+                        <p:cond delay="indefinite"/>
+                      </p:stCondLst>
+                      <p:childTnLst>
+                        <p:par>
+                          <p:cTn id="20" fill="hold">
+                            <p:stCondLst>
+                              <p:cond delay="0"/>
+                            </p:stCondLst>
+                            <p:childTnLst>
+                              <p:par>
+                                <p:cTn id="21" presetID="1" presetClass="entr" presetSubtype="0" fill="hold" grpId="0" nodeType="clickEffect">
+                                  <p:stCondLst>
+                                    <p:cond delay="0"/>
+                                  </p:stCondLst>
+                                  <p:childTnLst>
+                                    <p:set>
+                                      <p:cBhvr>
+                                        <p:cTn id="22" dur="1" fill="hold">
+                                          <p:stCondLst>
+                                            <p:cond delay="0"/>
+                                          </p:stCondLst>
+                                        </p:cTn>
+                                        <p:tgtEl>
+                                          <p:spTgt spid="3">
+                                            <p:txEl>
+                                              <p:pRg st="4" end="4"/>
+                                            </p:txEl>
+                                          </p:spTgt>
+                                        </p:tgtEl>
+                                        <p:attrNameLst>
+                                          <p:attrName>style.visibility</p:attrName>
+                                        </p:attrNameLst>
+                                      </p:cBhvr>
+                                      <p:to>
+                                        <p:strVal val="visible"/>
+                                      </p:to>
+                                    </p:set>
+                                  </p:childTnLst>
+                                </p:cTn>
+                              </p:par>
+                            </p:childTnLst>
+                          </p:cTn>
+                        </p:par>
+                      </p:childTnLst>
+                    </p:cTn>
+                  </p:par>
+                  <p:par>
+                    <p:cTn id="23" fill="hold">
+                      <p:stCondLst>
+                        <p:cond delay="indefinite"/>
+                      </p:stCondLst>
+                      <p:childTnLst>
+                        <p:par>
+                          <p:cTn id="24" fill="hold">
+                            <p:stCondLst>
+                              <p:cond delay="0"/>
+                            </p:stCondLst>
+                            <p:childTnLst>
+                              <p:par>
+                                <p:cTn id="25" presetID="1" presetClass="entr" presetSubtype="0" fill="hold" grpId="0" nodeType="clickEffect">
+                                  <p:stCondLst>
+                                    <p:cond delay="0"/>
+                                  </p:stCondLst>
+                                  <p:childTnLst>
+                                    <p:set>
+                                      <p:cBhvr>
+                                        <p:cTn id="26" dur="1" fill="hold">
+                                          <p:stCondLst>
+                                            <p:cond delay="0"/>
+                                          </p:stCondLst>
+                                        </p:cTn>
+                                        <p:tgtEl>
+                                          <p:spTgt spid="3">
+                                            <p:txEl>
+                                              <p:pRg st="5" end="5"/>
+                                            </p:txEl>
+                                          </p:spTgt>
+                                        </p:tgtEl>
+                                        <p:attrNameLst>
+                                          <p:attrName>style.visibility</p:attrName>
+                                        </p:attrNameLst>
+                                      </p:cBhvr>
+                                      <p:to>
+                                        <p:strVal val="visible"/>
+                                      </p:to>
+                                    </p:set>
+                                  </p:childTnLst>
+                                </p:cTn>
+                              </p:par>
+                            </p:childTnLst>
+                          </p:cTn>
+                        </p:par>
+                      </p:childTnLst>
+                    </p:cTn>
+                  </p:par>
+                  <p:par>
+                    <p:cTn id="27" fill="hold">
+                      <p:stCondLst>
+                        <p:cond delay="indefinite"/>
+                      </p:stCondLst>
+                      <p:childTnLst>
+                        <p:par>
+                          <p:cTn id="28" fill="hold">
+                            <p:stCondLst>
+                              <p:cond delay="0"/>
+                            </p:stCondLst>
+                            <p:childTnLst>
+                              <p:par>
+                                <p:cTn id="29" presetID="1" presetClass="entr" presetSubtype="0" fill="hold" grpId="0" nodeType="clickEffect">
+                                  <p:stCondLst>
+                                    <p:cond delay="0"/>
+                                  </p:stCondLst>
+                                  <p:childTnLst>
+                                    <p:set>
+                                      <p:cBhvr>
+                                        <p:cTn id="30" dur="1" fill="hold">
+                                          <p:stCondLst>
+                                            <p:cond delay="0"/>
+                                          </p:stCondLst>
+                                        </p:cTn>
+                                        <p:tgtEl>
+                                          <p:spTgt spid="3">
+                                            <p:txEl>
+                                              <p:pRg st="6" end="6"/>
+                                            </p:txEl>
+                                          </p:spTgt>
+                                        </p:tgtEl>
+                                        <p:attrNameLst>
+                                          <p:attrName>style.visibility</p:attrName>
+                                        </p:attrNameLst>
+                                      </p:cBhvr>
+                                      <p:to>
+                                        <p:strVal val="visible"/>
                                       </p:to>
                                     </p:set>
                                   </p:childTnLst>
@@ -5849,9 +6861,7 @@
       </p:par>
     </p:tnLst>
     <p:bldLst>
-      <p:bldP spid="8" grpId="0" animBg="1"/>
-      <p:bldP spid="10" grpId="0" animBg="1"/>
-      <p:bldP spid="12" grpId="0" animBg="1"/>
+      <p:bldP spid="3" grpId="0" build="p"/>
     </p:bldLst>
   </p:timing>
 </p:sld>
@@ -5876,13 +6886,7 @@
       </p:grpSpPr>
       <p:sp>
         <p:nvSpPr>
-          <p:cNvPr id="2" name="Title 1">
-            <a:extLst>
-              <a:ext uri="{FF2B5EF4-FFF2-40B4-BE49-F238E27FC236}">
-                <a16:creationId xmlns:a16="http://schemas.microsoft.com/office/drawing/2014/main" id="{E99DAB14-8813-47F4-9D04-73CE4DD78DF2}"/>
-              </a:ext>
-            </a:extLst>
-          </p:cNvPr>
+          <p:cNvPr id="2" name="Title 1"/>
           <p:cNvSpPr>
             <a:spLocks noGrp="1"/>
           </p:cNvSpPr>
@@ -5896,1080 +6900,94 @@
           <a:lstStyle/>
           <a:p>
             <a:r>
+              <a:rPr lang="en-US" dirty="0" smtClean="0"/>
+              <a:t>Lets code this up</a:t>
+            </a:r>
+            <a:endParaRPr lang="en-US" dirty="0"/>
+          </a:p>
+        </p:txBody>
+      </p:sp>
+      <p:sp>
+        <p:nvSpPr>
+          <p:cNvPr id="3" name="Content Placeholder 2"/>
+          <p:cNvSpPr>
+            <a:spLocks noGrp="1"/>
+          </p:cNvSpPr>
+          <p:nvPr>
+            <p:ph idx="1"/>
+          </p:nvPr>
+        </p:nvSpPr>
+        <p:spPr/>
+        <p:txBody>
+          <a:bodyPr/>
+          <a:lstStyle/>
+          <a:p>
+            <a:r>
+              <a:rPr lang="en-US" dirty="0" err="1" smtClean="0"/>
+              <a:t>bootstrap.groovy</a:t>
+            </a:r>
+            <a:r>
+              <a:rPr lang="en-US" dirty="0" smtClean="0"/>
+              <a:t> – save data on startup</a:t>
+            </a:r>
+          </a:p>
+          <a:p>
+            <a:r>
+              <a:rPr lang="en-US" dirty="0" smtClean="0"/>
+              <a:t>Check out http://localhost:8080/dbconsole</a:t>
+            </a:r>
+          </a:p>
+          <a:p>
+            <a:r>
+              <a:rPr lang="en-US" dirty="0" smtClean="0"/>
+              <a:t> </a:t>
+            </a:r>
+            <a:r>
+              <a:rPr lang="en-US" dirty="0" err="1" smtClean="0"/>
+              <a:t>AppController</a:t>
+            </a:r>
+            <a:r>
               <a:rPr lang="en-US" dirty="0"/>
-              <a:t>The Classes</a:t>
-            </a:r>
-          </a:p>
-        </p:txBody>
-      </p:sp>
-      <p:graphicFrame>
-        <p:nvGraphicFramePr>
-          <p:cNvPr id="4" name="Table 4">
-            <a:extLst>
-              <a:ext uri="{FF2B5EF4-FFF2-40B4-BE49-F238E27FC236}">
-                <a16:creationId xmlns:a16="http://schemas.microsoft.com/office/drawing/2014/main" id="{B1A46F27-0F36-4D70-AE4D-580BA46C528E}"/>
-              </a:ext>
-            </a:extLst>
-          </p:cNvPr>
-          <p:cNvGraphicFramePr>
-            <a:graphicFrameLocks noGrp="1"/>
-          </p:cNvGraphicFramePr>
-          <p:nvPr>
-            <p:extLst/>
-          </p:nvPr>
-        </p:nvGraphicFramePr>
-        <p:xfrm>
-          <a:off x="976922" y="1628206"/>
-          <a:ext cx="9036540" cy="4379872"/>
-        </p:xfrm>
-        <a:graphic>
-          <a:graphicData uri="http://schemas.openxmlformats.org/drawingml/2006/table">
-            <a:tbl>
-              <a:tblPr firstRow="1" bandRow="1">
-                <a:tableStyleId>{2D5ABB26-0587-4C30-8999-92F81FD0307C}</a:tableStyleId>
-              </a:tblPr>
-              <a:tblGrid>
-                <a:gridCol w="4518270">
-                  <a:extLst>
-                    <a:ext uri="{9D8B030D-6E8A-4147-A177-3AD203B41FA5}">
-                      <a16:colId xmlns:a16="http://schemas.microsoft.com/office/drawing/2014/main" val="639613674"/>
-                    </a:ext>
-                  </a:extLst>
-                </a:gridCol>
-                <a:gridCol w="4518270">
-                  <a:extLst>
-                    <a:ext uri="{9D8B030D-6E8A-4147-A177-3AD203B41FA5}">
-                      <a16:colId xmlns:a16="http://schemas.microsoft.com/office/drawing/2014/main" val="867003970"/>
-                    </a:ext>
-                  </a:extLst>
-                </a:gridCol>
-              </a:tblGrid>
-              <a:tr h="2086308">
-                <a:tc>
-                  <a:txBody>
-                    <a:bodyPr/>
-                    <a:lstStyle/>
-                    <a:p>
-                      <a:r>
-                        <a:rPr lang="en-US" sz="1200" b="0" dirty="0">
-                          <a:solidFill>
-                            <a:srgbClr val="0000FF"/>
-                          </a:solidFill>
-                          <a:effectLst/>
-                          <a:latin typeface="Consolas" panose="020B0609020204030204" pitchFamily="49" charset="0"/>
-                        </a:rPr>
-                        <a:t>class</a:t>
-                      </a:r>
-                      <a:r>
-                        <a:rPr lang="en-US" sz="1200" b="0" dirty="0">
-                          <a:solidFill>
-                            <a:srgbClr val="000000"/>
-                          </a:solidFill>
-                          <a:effectLst/>
-                          <a:latin typeface="Consolas" panose="020B0609020204030204" pitchFamily="49" charset="0"/>
-                        </a:rPr>
-                        <a:t> User {</a:t>
-                      </a:r>
-                    </a:p>
-                    <a:p>
-                      <a:r>
-                        <a:rPr lang="en-US" sz="1200" b="0" dirty="0">
-                          <a:solidFill>
-                            <a:srgbClr val="0000FF"/>
-                          </a:solidFill>
-                          <a:effectLst/>
-                          <a:latin typeface="Consolas" panose="020B0609020204030204" pitchFamily="49" charset="0"/>
-                        </a:rPr>
-                        <a:t>    String</a:t>
-                      </a:r>
-                      <a:r>
-                        <a:rPr lang="en-US" sz="1200" b="0" dirty="0">
-                          <a:solidFill>
-                            <a:srgbClr val="000000"/>
-                          </a:solidFill>
-                          <a:effectLst/>
-                          <a:latin typeface="Consolas" panose="020B0609020204030204" pitchFamily="49" charset="0"/>
-                        </a:rPr>
-                        <a:t> email</a:t>
-                      </a:r>
-                    </a:p>
-                    <a:p>
-                      <a:br>
-                        <a:rPr lang="en-US" sz="1200" b="0" dirty="0">
-                          <a:solidFill>
-                            <a:srgbClr val="000000"/>
-                          </a:solidFill>
-                          <a:effectLst/>
-                          <a:latin typeface="Consolas" panose="020B0609020204030204" pitchFamily="49" charset="0"/>
-                        </a:rPr>
-                      </a:br>
-                      <a:r>
-                        <a:rPr lang="en-US" sz="1200" b="0" dirty="0">
-                          <a:solidFill>
-                            <a:srgbClr val="000000"/>
-                          </a:solidFill>
-                          <a:effectLst/>
-                          <a:latin typeface="Consolas" panose="020B0609020204030204" pitchFamily="49" charset="0"/>
-                        </a:rPr>
-                        <a:t>    </a:t>
-                      </a:r>
-                      <a:r>
-                        <a:rPr lang="en-US" sz="1200" b="0" dirty="0">
-                          <a:solidFill>
-                            <a:srgbClr val="0000FF"/>
-                          </a:solidFill>
-                          <a:effectLst/>
-                          <a:latin typeface="Consolas" panose="020B0609020204030204" pitchFamily="49" charset="0"/>
-                        </a:rPr>
-                        <a:t>static</a:t>
-                      </a:r>
-                      <a:r>
-                        <a:rPr lang="en-US" sz="1200" b="0" dirty="0">
-                          <a:solidFill>
-                            <a:srgbClr val="000000"/>
-                          </a:solidFill>
-                          <a:effectLst/>
-                          <a:latin typeface="Consolas" panose="020B0609020204030204" pitchFamily="49" charset="0"/>
-                        </a:rPr>
-                        <a:t> mapping = {</a:t>
-                      </a:r>
-                    </a:p>
-                    <a:p>
-                      <a:r>
-                        <a:rPr lang="en-US" sz="1200" b="0" dirty="0">
-                          <a:solidFill>
-                            <a:srgbClr val="000000"/>
-                          </a:solidFill>
-                          <a:effectLst/>
-                          <a:latin typeface="Consolas" panose="020B0609020204030204" pitchFamily="49" charset="0"/>
-                        </a:rPr>
-                        <a:t>      id name: </a:t>
-                      </a:r>
-                      <a:r>
-                        <a:rPr lang="en-US" sz="1200" b="0" dirty="0">
-                          <a:solidFill>
-                            <a:srgbClr val="A31515"/>
-                          </a:solidFill>
-                          <a:effectLst/>
-                          <a:latin typeface="Consolas" panose="020B0609020204030204" pitchFamily="49" charset="0"/>
-                        </a:rPr>
-                        <a:t>'email'</a:t>
-                      </a:r>
-                      <a:r>
-                        <a:rPr lang="en-US" sz="1200" b="0" dirty="0">
-                          <a:solidFill>
-                            <a:srgbClr val="000000"/>
-                          </a:solidFill>
-                          <a:effectLst/>
-                          <a:latin typeface="Consolas" panose="020B0609020204030204" pitchFamily="49" charset="0"/>
-                        </a:rPr>
-                        <a:t>, generator: </a:t>
-                      </a:r>
-                      <a:r>
-                        <a:rPr lang="en-US" sz="1200" b="0" dirty="0">
-                          <a:solidFill>
-                            <a:srgbClr val="A31515"/>
-                          </a:solidFill>
-                          <a:effectLst/>
-                          <a:latin typeface="Consolas" panose="020B0609020204030204" pitchFamily="49" charset="0"/>
-                        </a:rPr>
-                        <a:t>'assigned’</a:t>
-                      </a:r>
-                      <a:endParaRPr lang="en-US" sz="1200" b="0" dirty="0">
-                        <a:solidFill>
-                          <a:srgbClr val="000000"/>
-                        </a:solidFill>
-                        <a:effectLst/>
-                        <a:latin typeface="Consolas" panose="020B0609020204030204" pitchFamily="49" charset="0"/>
-                      </a:endParaRPr>
-                    </a:p>
-                    <a:p>
-                      <a:r>
-                        <a:rPr lang="en-US" sz="1200" b="0" dirty="0">
-                          <a:solidFill>
-                            <a:srgbClr val="000000"/>
-                          </a:solidFill>
-                          <a:effectLst/>
-                          <a:latin typeface="Consolas" panose="020B0609020204030204" pitchFamily="49" charset="0"/>
-                        </a:rPr>
-                        <a:t>    }</a:t>
-                      </a:r>
-                    </a:p>
-                    <a:p>
-                      <a:r>
-                        <a:rPr lang="en-US" sz="1200" b="0" dirty="0">
-                          <a:solidFill>
-                            <a:srgbClr val="000000"/>
-                          </a:solidFill>
-                          <a:effectLst/>
-                          <a:latin typeface="Consolas" panose="020B0609020204030204" pitchFamily="49" charset="0"/>
-                        </a:rPr>
-                        <a:t>}</a:t>
-                      </a:r>
-                    </a:p>
-                  </a:txBody>
-                  <a:tcPr/>
-                </a:tc>
-                <a:tc>
-                  <a:txBody>
-                    <a:bodyPr/>
-                    <a:lstStyle/>
-                    <a:p>
-                      <a:r>
-                        <a:rPr lang="en-US" sz="1200" b="0" dirty="0">
-                          <a:solidFill>
-                            <a:srgbClr val="0000FF"/>
-                          </a:solidFill>
-                          <a:effectLst/>
-                          <a:latin typeface="Consolas" panose="020B0609020204030204" pitchFamily="49" charset="0"/>
-                        </a:rPr>
-                        <a:t>class</a:t>
-                      </a:r>
-                      <a:r>
-                        <a:rPr lang="en-US" sz="1200" b="0" dirty="0">
-                          <a:solidFill>
-                            <a:srgbClr val="000000"/>
-                          </a:solidFill>
-                          <a:effectLst/>
-                          <a:latin typeface="Consolas" panose="020B0609020204030204" pitchFamily="49" charset="0"/>
-                        </a:rPr>
-                        <a:t> Post {</a:t>
-                      </a:r>
-                    </a:p>
-                    <a:p>
-                      <a:r>
-                        <a:rPr lang="en-US" sz="1200" b="0" dirty="0">
-                          <a:solidFill>
-                            <a:srgbClr val="0000FF"/>
-                          </a:solidFill>
-                          <a:effectLst/>
-                          <a:latin typeface="Consolas" panose="020B0609020204030204" pitchFamily="49" charset="0"/>
-                        </a:rPr>
-                        <a:t>    User</a:t>
-                      </a:r>
-                      <a:r>
-                        <a:rPr lang="en-US" sz="1200" b="0" dirty="0">
-                          <a:solidFill>
-                            <a:srgbClr val="000000"/>
-                          </a:solidFill>
-                          <a:effectLst/>
-                          <a:latin typeface="Consolas" panose="020B0609020204030204" pitchFamily="49" charset="0"/>
-                        </a:rPr>
-                        <a:t> creator</a:t>
-                      </a:r>
-                    </a:p>
-                    <a:p>
-                      <a:r>
-                        <a:rPr lang="en-US" sz="1200" b="0" dirty="0">
-                          <a:solidFill>
-                            <a:srgbClr val="0000FF"/>
-                          </a:solidFill>
-                          <a:effectLst/>
-                          <a:latin typeface="Consolas" panose="020B0609020204030204" pitchFamily="49" charset="0"/>
-                        </a:rPr>
-                        <a:t>    </a:t>
-                      </a:r>
-                      <a:r>
-                        <a:rPr lang="en-US" sz="1200" b="0" dirty="0" err="1">
-                          <a:solidFill>
-                            <a:srgbClr val="0000FF"/>
-                          </a:solidFill>
-                          <a:effectLst/>
-                          <a:latin typeface="Consolas" panose="020B0609020204030204" pitchFamily="49" charset="0"/>
-                        </a:rPr>
-                        <a:t>ImageFile</a:t>
-                      </a:r>
-                      <a:r>
-                        <a:rPr lang="en-US" sz="1200" b="0" dirty="0">
-                          <a:solidFill>
-                            <a:srgbClr val="000000"/>
-                          </a:solidFill>
-                          <a:effectLst/>
-                          <a:latin typeface="Consolas" panose="020B0609020204030204" pitchFamily="49" charset="0"/>
-                        </a:rPr>
-                        <a:t> image</a:t>
-                      </a:r>
-                    </a:p>
-                    <a:p>
-                      <a:r>
-                        <a:rPr lang="en-US" sz="1200" b="0" dirty="0">
-                          <a:solidFill>
-                            <a:srgbClr val="0000FF"/>
-                          </a:solidFill>
-                          <a:effectLst/>
-                          <a:latin typeface="Consolas" panose="020B0609020204030204" pitchFamily="49" charset="0"/>
-                        </a:rPr>
-                        <a:t>    List&lt;Comment&gt;</a:t>
-                      </a:r>
-                      <a:r>
-                        <a:rPr lang="en-US" sz="1200" b="0" dirty="0">
-                          <a:solidFill>
-                            <a:srgbClr val="000000"/>
-                          </a:solidFill>
-                          <a:effectLst/>
-                          <a:latin typeface="Consolas" panose="020B0609020204030204" pitchFamily="49" charset="0"/>
-                        </a:rPr>
-                        <a:t> comments</a:t>
-                      </a:r>
-                    </a:p>
-                    <a:p>
-                      <a:r>
-                        <a:rPr lang="en-US" sz="1200" b="0" dirty="0">
-                          <a:solidFill>
-                            <a:srgbClr val="0000FF"/>
-                          </a:solidFill>
-                          <a:effectLst/>
-                          <a:latin typeface="Consolas" panose="020B0609020204030204" pitchFamily="49" charset="0"/>
-                        </a:rPr>
-                        <a:t>    long</a:t>
-                      </a:r>
-                      <a:r>
-                        <a:rPr lang="en-US" sz="1200" b="0" dirty="0">
-                          <a:solidFill>
-                            <a:srgbClr val="000000"/>
-                          </a:solidFill>
-                          <a:effectLst/>
-                          <a:latin typeface="Consolas" panose="020B0609020204030204" pitchFamily="49" charset="0"/>
-                        </a:rPr>
-                        <a:t> timestamp = </a:t>
-                      </a:r>
-                      <a:r>
-                        <a:rPr lang="en-US" sz="1200" b="0" dirty="0" err="1">
-                          <a:solidFill>
-                            <a:srgbClr val="0000FF"/>
-                          </a:solidFill>
-                          <a:effectLst/>
-                          <a:latin typeface="Consolas" panose="020B0609020204030204" pitchFamily="49" charset="0"/>
-                        </a:rPr>
-                        <a:t>System</a:t>
-                      </a:r>
-                      <a:r>
-                        <a:rPr lang="en-US" sz="1200" b="0" dirty="0" err="1">
-                          <a:solidFill>
-                            <a:srgbClr val="000000"/>
-                          </a:solidFill>
-                          <a:effectLst/>
-                          <a:latin typeface="Consolas" panose="020B0609020204030204" pitchFamily="49" charset="0"/>
-                        </a:rPr>
-                        <a:t>.currentTimeMillis</a:t>
-                      </a:r>
-                      <a:r>
-                        <a:rPr lang="en-US" sz="1200" b="0" dirty="0">
-                          <a:solidFill>
-                            <a:srgbClr val="000000"/>
-                          </a:solidFill>
-                          <a:effectLst/>
-                          <a:latin typeface="Consolas" panose="020B0609020204030204" pitchFamily="49" charset="0"/>
-                        </a:rPr>
-                        <a:t>()</a:t>
-                      </a:r>
-                    </a:p>
-                    <a:p>
-                      <a:br>
-                        <a:rPr lang="en-US" sz="1200" b="0" dirty="0">
-                          <a:solidFill>
-                            <a:srgbClr val="000000"/>
-                          </a:solidFill>
-                          <a:effectLst/>
-                          <a:latin typeface="Consolas" panose="020B0609020204030204" pitchFamily="49" charset="0"/>
-                        </a:rPr>
-                      </a:br>
-                      <a:r>
-                        <a:rPr lang="en-US" sz="1200" b="0" dirty="0">
-                          <a:solidFill>
-                            <a:srgbClr val="000000"/>
-                          </a:solidFill>
-                          <a:effectLst/>
-                          <a:latin typeface="Consolas" panose="020B0609020204030204" pitchFamily="49" charset="0"/>
-                        </a:rPr>
-                        <a:t>    </a:t>
-                      </a:r>
-                      <a:r>
-                        <a:rPr lang="en-US" sz="1200" b="0" dirty="0">
-                          <a:solidFill>
-                            <a:srgbClr val="0000FF"/>
-                          </a:solidFill>
-                          <a:effectLst/>
-                          <a:latin typeface="Consolas" panose="020B0609020204030204" pitchFamily="49" charset="0"/>
-                        </a:rPr>
-                        <a:t>static</a:t>
-                      </a:r>
-                      <a:r>
-                        <a:rPr lang="en-US" sz="1200" b="0" dirty="0">
-                          <a:solidFill>
-                            <a:srgbClr val="000000"/>
-                          </a:solidFill>
-                          <a:effectLst/>
-                          <a:latin typeface="Consolas" panose="020B0609020204030204" pitchFamily="49" charset="0"/>
-                        </a:rPr>
-                        <a:t> </a:t>
-                      </a:r>
-                      <a:r>
-                        <a:rPr lang="en-US" sz="1200" b="0" dirty="0" err="1">
-                          <a:solidFill>
-                            <a:srgbClr val="000000"/>
-                          </a:solidFill>
-                          <a:effectLst/>
-                          <a:latin typeface="Consolas" panose="020B0609020204030204" pitchFamily="49" charset="0"/>
-                        </a:rPr>
-                        <a:t>belongsTo</a:t>
-                      </a:r>
-                      <a:r>
-                        <a:rPr lang="en-US" sz="1200" b="0" dirty="0">
-                          <a:solidFill>
-                            <a:srgbClr val="000000"/>
-                          </a:solidFill>
-                          <a:effectLst/>
-                          <a:latin typeface="Consolas" panose="020B0609020204030204" pitchFamily="49" charset="0"/>
-                        </a:rPr>
-                        <a:t> = </a:t>
-                      </a:r>
-                      <a:r>
-                        <a:rPr lang="en-US" sz="1200" b="0" dirty="0">
-                          <a:solidFill>
-                            <a:srgbClr val="0000FF"/>
-                          </a:solidFill>
-                          <a:effectLst/>
-                          <a:latin typeface="Consolas" panose="020B0609020204030204" pitchFamily="49" charset="0"/>
-                        </a:rPr>
-                        <a:t>User</a:t>
-                      </a:r>
-                      <a:endParaRPr lang="en-US" sz="1200" b="0" dirty="0">
-                        <a:solidFill>
-                          <a:srgbClr val="000000"/>
-                        </a:solidFill>
-                        <a:effectLst/>
-                        <a:latin typeface="Consolas" panose="020B0609020204030204" pitchFamily="49" charset="0"/>
-                      </a:endParaRPr>
-                    </a:p>
-                    <a:p>
-                      <a:r>
-                        <a:rPr lang="en-US" sz="1200" b="0" dirty="0">
-                          <a:solidFill>
-                            <a:srgbClr val="000000"/>
-                          </a:solidFill>
-                          <a:effectLst/>
-                          <a:latin typeface="Consolas" panose="020B0609020204030204" pitchFamily="49" charset="0"/>
-                        </a:rPr>
-                        <a:t>}</a:t>
-                      </a:r>
-                    </a:p>
-                    <a:p>
-                      <a:endParaRPr lang="en-US" sz="1200" dirty="0"/>
-                    </a:p>
-                  </a:txBody>
-                  <a:tcPr/>
-                </a:tc>
-                <a:extLst>
-                  <a:ext uri="{0D108BD9-81ED-4DB2-BD59-A6C34878D82A}">
-                    <a16:rowId xmlns:a16="http://schemas.microsoft.com/office/drawing/2014/main" val="1771467154"/>
-                  </a:ext>
-                </a:extLst>
-              </a:tr>
-              <a:tr h="2293564">
-                <a:tc>
-                  <a:txBody>
-                    <a:bodyPr/>
-                    <a:lstStyle/>
-                    <a:p>
-                      <a:r>
-                        <a:rPr lang="en-US" sz="1200" b="0" dirty="0">
-                          <a:solidFill>
-                            <a:srgbClr val="0000FF"/>
-                          </a:solidFill>
-                          <a:effectLst/>
-                          <a:latin typeface="Consolas" panose="020B0609020204030204" pitchFamily="49" charset="0"/>
-                        </a:rPr>
-                        <a:t>class</a:t>
-                      </a:r>
-                      <a:r>
-                        <a:rPr lang="en-US" sz="1200" b="0" dirty="0">
-                          <a:solidFill>
-                            <a:srgbClr val="000000"/>
-                          </a:solidFill>
-                          <a:effectLst/>
-                          <a:latin typeface="Consolas" panose="020B0609020204030204" pitchFamily="49" charset="0"/>
-                        </a:rPr>
-                        <a:t> Comment {</a:t>
-                      </a:r>
-                    </a:p>
-                    <a:p>
-                      <a:r>
-                        <a:rPr lang="en-US" sz="1200" b="0" dirty="0">
-                          <a:solidFill>
-                            <a:srgbClr val="0000FF"/>
-                          </a:solidFill>
-                          <a:effectLst/>
-                          <a:latin typeface="Consolas" panose="020B0609020204030204" pitchFamily="49" charset="0"/>
-                        </a:rPr>
-                        <a:t>    User</a:t>
-                      </a:r>
-                      <a:r>
-                        <a:rPr lang="en-US" sz="1200" b="0" dirty="0">
-                          <a:solidFill>
-                            <a:srgbClr val="000000"/>
-                          </a:solidFill>
-                          <a:effectLst/>
-                          <a:latin typeface="Consolas" panose="020B0609020204030204" pitchFamily="49" charset="0"/>
-                        </a:rPr>
-                        <a:t> creator </a:t>
-                      </a:r>
-                    </a:p>
-                    <a:p>
-                      <a:r>
-                        <a:rPr lang="en-US" sz="1200" b="0" dirty="0">
-                          <a:solidFill>
-                            <a:srgbClr val="0000FF"/>
-                          </a:solidFill>
-                          <a:effectLst/>
-                          <a:latin typeface="Consolas" panose="020B0609020204030204" pitchFamily="49" charset="0"/>
-                        </a:rPr>
-                        <a:t>    String</a:t>
-                      </a:r>
-                      <a:r>
-                        <a:rPr lang="en-US" sz="1200" b="0" dirty="0">
-                          <a:solidFill>
-                            <a:srgbClr val="000000"/>
-                          </a:solidFill>
-                          <a:effectLst/>
-                          <a:latin typeface="Consolas" panose="020B0609020204030204" pitchFamily="49" charset="0"/>
-                        </a:rPr>
-                        <a:t> content</a:t>
-                      </a:r>
-                    </a:p>
-                    <a:p>
-                      <a:r>
-                        <a:rPr lang="en-US" sz="1200" b="0" dirty="0">
-                          <a:solidFill>
-                            <a:srgbClr val="0000FF"/>
-                          </a:solidFill>
-                          <a:effectLst/>
-                          <a:latin typeface="Consolas" panose="020B0609020204030204" pitchFamily="49" charset="0"/>
-                        </a:rPr>
-                        <a:t>    long</a:t>
-                      </a:r>
-                      <a:r>
-                        <a:rPr lang="en-US" sz="1200" b="0" dirty="0">
-                          <a:solidFill>
-                            <a:srgbClr val="000000"/>
-                          </a:solidFill>
-                          <a:effectLst/>
-                          <a:latin typeface="Consolas" panose="020B0609020204030204" pitchFamily="49" charset="0"/>
-                        </a:rPr>
-                        <a:t> timestamp = </a:t>
-                      </a:r>
-                      <a:r>
-                        <a:rPr lang="en-US" sz="1200" b="0" dirty="0" err="1">
-                          <a:solidFill>
-                            <a:srgbClr val="0000FF"/>
-                          </a:solidFill>
-                          <a:effectLst/>
-                          <a:latin typeface="Consolas" panose="020B0609020204030204" pitchFamily="49" charset="0"/>
-                        </a:rPr>
-                        <a:t>System</a:t>
-                      </a:r>
-                      <a:r>
-                        <a:rPr lang="en-US" sz="1200" b="0" dirty="0" err="1">
-                          <a:solidFill>
-                            <a:srgbClr val="000000"/>
-                          </a:solidFill>
-                          <a:effectLst/>
-                          <a:latin typeface="Consolas" panose="020B0609020204030204" pitchFamily="49" charset="0"/>
-                        </a:rPr>
-                        <a:t>.currentTimeMillis</a:t>
-                      </a:r>
-                      <a:r>
-                        <a:rPr lang="en-US" sz="1200" b="0" dirty="0">
-                          <a:solidFill>
-                            <a:srgbClr val="000000"/>
-                          </a:solidFill>
-                          <a:effectLst/>
-                          <a:latin typeface="Consolas" panose="020B0609020204030204" pitchFamily="49" charset="0"/>
-                        </a:rPr>
-                        <a:t>()</a:t>
-                      </a:r>
-                    </a:p>
-                    <a:p>
-                      <a:br>
-                        <a:rPr lang="en-US" sz="1200" b="0" dirty="0">
-                          <a:solidFill>
-                            <a:srgbClr val="000000"/>
-                          </a:solidFill>
-                          <a:effectLst/>
-                          <a:latin typeface="Consolas" panose="020B0609020204030204" pitchFamily="49" charset="0"/>
-                        </a:rPr>
-                      </a:br>
-                      <a:r>
-                        <a:rPr lang="en-US" sz="1200" b="0" dirty="0">
-                          <a:solidFill>
-                            <a:srgbClr val="000000"/>
-                          </a:solidFill>
-                          <a:effectLst/>
-                          <a:latin typeface="Consolas" panose="020B0609020204030204" pitchFamily="49" charset="0"/>
-                        </a:rPr>
-                        <a:t>    </a:t>
-                      </a:r>
-                      <a:r>
-                        <a:rPr lang="en-US" sz="1200" b="0" dirty="0">
-                          <a:solidFill>
-                            <a:srgbClr val="0000FF"/>
-                          </a:solidFill>
-                          <a:effectLst/>
-                          <a:latin typeface="Consolas" panose="020B0609020204030204" pitchFamily="49" charset="0"/>
-                        </a:rPr>
-                        <a:t>static</a:t>
-                      </a:r>
-                      <a:r>
-                        <a:rPr lang="en-US" sz="1200" b="0" dirty="0">
-                          <a:solidFill>
-                            <a:srgbClr val="000000"/>
-                          </a:solidFill>
-                          <a:effectLst/>
-                          <a:latin typeface="Consolas" panose="020B0609020204030204" pitchFamily="49" charset="0"/>
-                        </a:rPr>
-                        <a:t> </a:t>
-                      </a:r>
-                      <a:r>
-                        <a:rPr lang="en-US" sz="1200" b="0" dirty="0" err="1">
-                          <a:solidFill>
-                            <a:srgbClr val="000000"/>
-                          </a:solidFill>
-                          <a:effectLst/>
-                          <a:latin typeface="Consolas" panose="020B0609020204030204" pitchFamily="49" charset="0"/>
-                        </a:rPr>
-                        <a:t>belongsTo</a:t>
-                      </a:r>
-                      <a:r>
-                        <a:rPr lang="en-US" sz="1200" b="0" dirty="0">
-                          <a:solidFill>
-                            <a:srgbClr val="000000"/>
-                          </a:solidFill>
-                          <a:effectLst/>
-                          <a:latin typeface="Consolas" panose="020B0609020204030204" pitchFamily="49" charset="0"/>
-                        </a:rPr>
-                        <a:t> = </a:t>
-                      </a:r>
-                      <a:r>
-                        <a:rPr lang="en-US" sz="1200" b="0" dirty="0">
-                          <a:solidFill>
-                            <a:srgbClr val="0000FF"/>
-                          </a:solidFill>
-                          <a:effectLst/>
-                          <a:latin typeface="Consolas" panose="020B0609020204030204" pitchFamily="49" charset="0"/>
-                        </a:rPr>
-                        <a:t>Post</a:t>
-                      </a:r>
-                      <a:endParaRPr lang="en-US" sz="1200" b="0" dirty="0">
-                        <a:solidFill>
-                          <a:srgbClr val="000000"/>
-                        </a:solidFill>
-                        <a:effectLst/>
-                        <a:latin typeface="Consolas" panose="020B0609020204030204" pitchFamily="49" charset="0"/>
-                      </a:endParaRPr>
-                    </a:p>
-                    <a:p>
-                      <a:r>
-                        <a:rPr lang="en-US" sz="1200" b="0" dirty="0">
-                          <a:solidFill>
-                            <a:srgbClr val="000000"/>
-                          </a:solidFill>
-                          <a:effectLst/>
-                          <a:latin typeface="Consolas" panose="020B0609020204030204" pitchFamily="49" charset="0"/>
-                        </a:rPr>
-                        <a:t>}</a:t>
-                      </a:r>
-                    </a:p>
-                    <a:p>
-                      <a:endParaRPr lang="en-US" sz="1200" dirty="0"/>
-                    </a:p>
-                  </a:txBody>
-                  <a:tcPr/>
-                </a:tc>
-                <a:tc>
-                  <a:txBody>
-                    <a:bodyPr/>
-                    <a:lstStyle/>
-                    <a:p>
-                      <a:r>
-                        <a:rPr lang="en-US" sz="1200" b="0" dirty="0">
-                          <a:solidFill>
-                            <a:srgbClr val="0000FF"/>
-                          </a:solidFill>
-                          <a:effectLst/>
-                          <a:latin typeface="Consolas" panose="020B0609020204030204" pitchFamily="49" charset="0"/>
-                        </a:rPr>
-                        <a:t>class</a:t>
-                      </a:r>
-                      <a:r>
-                        <a:rPr lang="en-US" sz="1200" b="0" dirty="0">
-                          <a:solidFill>
-                            <a:srgbClr val="000000"/>
-                          </a:solidFill>
-                          <a:effectLst/>
-                          <a:latin typeface="Consolas" panose="020B0609020204030204" pitchFamily="49" charset="0"/>
-                        </a:rPr>
-                        <a:t> </a:t>
-                      </a:r>
-                      <a:r>
-                        <a:rPr lang="en-US" sz="1200" b="0" dirty="0" err="1">
-                          <a:solidFill>
-                            <a:srgbClr val="000000"/>
-                          </a:solidFill>
-                          <a:effectLst/>
-                          <a:latin typeface="Consolas" panose="020B0609020204030204" pitchFamily="49" charset="0"/>
-                        </a:rPr>
-                        <a:t>ImageFile</a:t>
-                      </a:r>
-                      <a:r>
-                        <a:rPr lang="en-US" sz="1200" b="0" dirty="0">
-                          <a:solidFill>
-                            <a:srgbClr val="000000"/>
-                          </a:solidFill>
-                          <a:effectLst/>
-                          <a:latin typeface="Consolas" panose="020B0609020204030204" pitchFamily="49" charset="0"/>
-                        </a:rPr>
-                        <a:t> {</a:t>
-                      </a:r>
-                    </a:p>
-                    <a:p>
-                      <a:r>
-                        <a:rPr lang="en-US" sz="1200" b="0" dirty="0">
-                          <a:solidFill>
-                            <a:srgbClr val="0000FF"/>
-                          </a:solidFill>
-                          <a:effectLst/>
-                          <a:latin typeface="Consolas" panose="020B0609020204030204" pitchFamily="49" charset="0"/>
-                        </a:rPr>
-                        <a:t>    byte</a:t>
-                      </a:r>
-                      <a:r>
-                        <a:rPr lang="en-US" sz="1200" b="0" dirty="0">
-                          <a:solidFill>
-                            <a:srgbClr val="000000"/>
-                          </a:solidFill>
-                          <a:effectLst/>
-                          <a:latin typeface="Consolas" panose="020B0609020204030204" pitchFamily="49" charset="0"/>
-                        </a:rPr>
-                        <a:t>[] </a:t>
-                      </a:r>
-                      <a:r>
-                        <a:rPr lang="en-US" sz="1200" b="0" dirty="0" err="1">
-                          <a:solidFill>
-                            <a:srgbClr val="000000"/>
-                          </a:solidFill>
-                          <a:effectLst/>
-                          <a:latin typeface="Consolas" panose="020B0609020204030204" pitchFamily="49" charset="0"/>
-                        </a:rPr>
-                        <a:t>imageData</a:t>
-                      </a:r>
-                      <a:endParaRPr lang="en-US" sz="1200" b="0" dirty="0">
-                        <a:solidFill>
-                          <a:srgbClr val="000000"/>
-                        </a:solidFill>
-                        <a:effectLst/>
-                        <a:latin typeface="Consolas" panose="020B0609020204030204" pitchFamily="49" charset="0"/>
-                      </a:endParaRPr>
-                    </a:p>
-                    <a:p>
-                      <a:r>
-                        <a:rPr lang="en-US" sz="1200" b="0" dirty="0">
-                          <a:solidFill>
-                            <a:srgbClr val="0000FF"/>
-                          </a:solidFill>
-                          <a:effectLst/>
-                          <a:latin typeface="Consolas" panose="020B0609020204030204" pitchFamily="49" charset="0"/>
-                        </a:rPr>
-                        <a:t>    String</a:t>
-                      </a:r>
-                      <a:r>
-                        <a:rPr lang="en-US" sz="1200" b="0" dirty="0">
-                          <a:solidFill>
-                            <a:srgbClr val="000000"/>
-                          </a:solidFill>
-                          <a:effectLst/>
-                          <a:latin typeface="Consolas" panose="020B0609020204030204" pitchFamily="49" charset="0"/>
-                        </a:rPr>
-                        <a:t> name</a:t>
-                      </a:r>
-                    </a:p>
-                    <a:p>
-                      <a:r>
-                        <a:rPr lang="en-US" sz="1200" b="0" dirty="0">
-                          <a:solidFill>
-                            <a:srgbClr val="0000FF"/>
-                          </a:solidFill>
-                          <a:effectLst/>
-                          <a:latin typeface="Consolas" panose="020B0609020204030204" pitchFamily="49" charset="0"/>
-                        </a:rPr>
-                        <a:t>    String</a:t>
-                      </a:r>
-                      <a:r>
-                        <a:rPr lang="en-US" sz="1200" b="0" dirty="0">
-                          <a:solidFill>
-                            <a:srgbClr val="000000"/>
-                          </a:solidFill>
-                          <a:effectLst/>
-                          <a:latin typeface="Consolas" panose="020B0609020204030204" pitchFamily="49" charset="0"/>
-                        </a:rPr>
-                        <a:t> </a:t>
-                      </a:r>
-                      <a:r>
-                        <a:rPr lang="en-US" sz="1200" b="0" dirty="0" err="1">
-                          <a:solidFill>
-                            <a:srgbClr val="000000"/>
-                          </a:solidFill>
-                          <a:effectLst/>
-                          <a:latin typeface="Consolas" panose="020B0609020204030204" pitchFamily="49" charset="0"/>
-                        </a:rPr>
-                        <a:t>contentType</a:t>
-                      </a:r>
-                      <a:endParaRPr lang="en-US" sz="1200" b="0" dirty="0">
-                        <a:solidFill>
-                          <a:srgbClr val="000000"/>
-                        </a:solidFill>
-                        <a:effectLst/>
-                        <a:latin typeface="Consolas" panose="020B0609020204030204" pitchFamily="49" charset="0"/>
-                      </a:endParaRPr>
-                    </a:p>
-                    <a:p>
-                      <a:br>
-                        <a:rPr lang="en-US" sz="1200" b="0" dirty="0">
-                          <a:solidFill>
-                            <a:srgbClr val="000000"/>
-                          </a:solidFill>
-                          <a:effectLst/>
-                          <a:latin typeface="Consolas" panose="020B0609020204030204" pitchFamily="49" charset="0"/>
-                        </a:rPr>
-                      </a:br>
-                      <a:r>
-                        <a:rPr lang="en-US" sz="1200" b="0" dirty="0">
-                          <a:solidFill>
-                            <a:srgbClr val="000000"/>
-                          </a:solidFill>
-                          <a:effectLst/>
-                          <a:latin typeface="Consolas" panose="020B0609020204030204" pitchFamily="49" charset="0"/>
-                        </a:rPr>
-                        <a:t>    </a:t>
-                      </a:r>
-                      <a:r>
-                        <a:rPr lang="en-US" sz="1200" b="0" dirty="0">
-                          <a:solidFill>
-                            <a:srgbClr val="0000FF"/>
-                          </a:solidFill>
-                          <a:effectLst/>
-                          <a:latin typeface="Consolas" panose="020B0609020204030204" pitchFamily="49" charset="0"/>
-                        </a:rPr>
-                        <a:t>static</a:t>
-                      </a:r>
-                      <a:r>
-                        <a:rPr lang="en-US" sz="1200" b="0" dirty="0">
-                          <a:solidFill>
-                            <a:srgbClr val="000000"/>
-                          </a:solidFill>
-                          <a:effectLst/>
-                          <a:latin typeface="Consolas" panose="020B0609020204030204" pitchFamily="49" charset="0"/>
-                        </a:rPr>
-                        <a:t> mapping = {</a:t>
-                      </a:r>
-                    </a:p>
-                    <a:p>
-                      <a:r>
-                        <a:rPr lang="en-US" sz="1200" b="0" dirty="0">
-                          <a:solidFill>
-                            <a:srgbClr val="000000"/>
-                          </a:solidFill>
-                          <a:effectLst/>
-                          <a:latin typeface="Consolas" panose="020B0609020204030204" pitchFamily="49" charset="0"/>
-                        </a:rPr>
-                        <a:t>       </a:t>
-                      </a:r>
-                      <a:r>
-                        <a:rPr lang="en-US" sz="1200" b="0" dirty="0" err="1">
-                          <a:solidFill>
-                            <a:srgbClr val="000000"/>
-                          </a:solidFill>
-                          <a:effectLst/>
-                          <a:latin typeface="Consolas" panose="020B0609020204030204" pitchFamily="49" charset="0"/>
-                        </a:rPr>
-                        <a:t>imageData</a:t>
-                      </a:r>
-                      <a:r>
-                        <a:rPr lang="en-US" sz="1200" b="0" dirty="0">
-                          <a:solidFill>
-                            <a:srgbClr val="000000"/>
-                          </a:solidFill>
-                          <a:effectLst/>
-                          <a:latin typeface="Consolas" panose="020B0609020204030204" pitchFamily="49" charset="0"/>
-                        </a:rPr>
-                        <a:t> </a:t>
-                      </a:r>
-                      <a:r>
-                        <a:rPr lang="en-US" sz="1200" b="0" dirty="0" err="1">
-                          <a:solidFill>
-                            <a:srgbClr val="000000"/>
-                          </a:solidFill>
-                          <a:effectLst/>
-                          <a:latin typeface="Consolas" panose="020B0609020204030204" pitchFamily="49" charset="0"/>
-                        </a:rPr>
-                        <a:t>sqlType</a:t>
-                      </a:r>
-                      <a:r>
-                        <a:rPr lang="en-US" sz="1200" b="0" dirty="0">
-                          <a:solidFill>
-                            <a:srgbClr val="000000"/>
-                          </a:solidFill>
-                          <a:effectLst/>
-                          <a:latin typeface="Consolas" panose="020B0609020204030204" pitchFamily="49" charset="0"/>
-                        </a:rPr>
-                        <a:t>: </a:t>
-                      </a:r>
-                      <a:r>
-                        <a:rPr lang="en-US" sz="1200" b="0" dirty="0">
-                          <a:solidFill>
-                            <a:srgbClr val="A31515"/>
-                          </a:solidFill>
-                          <a:effectLst/>
-                          <a:latin typeface="Consolas" panose="020B0609020204030204" pitchFamily="49" charset="0"/>
-                        </a:rPr>
-                        <a:t>'</a:t>
-                      </a:r>
-                      <a:r>
-                        <a:rPr lang="en-US" sz="1200" b="0" dirty="0" err="1">
-                          <a:solidFill>
-                            <a:srgbClr val="A31515"/>
-                          </a:solidFill>
-                          <a:effectLst/>
-                          <a:latin typeface="Consolas" panose="020B0609020204030204" pitchFamily="49" charset="0"/>
-                        </a:rPr>
-                        <a:t>longblob</a:t>
-                      </a:r>
-                      <a:r>
-                        <a:rPr lang="en-US" sz="1200" b="0" dirty="0">
-                          <a:solidFill>
-                            <a:srgbClr val="A31515"/>
-                          </a:solidFill>
-                          <a:effectLst/>
-                          <a:latin typeface="Consolas" panose="020B0609020204030204" pitchFamily="49" charset="0"/>
-                        </a:rPr>
-                        <a:t>’</a:t>
-                      </a:r>
-                      <a:endParaRPr lang="en-US" sz="1200" b="0" dirty="0">
-                        <a:solidFill>
-                          <a:srgbClr val="000000"/>
-                        </a:solidFill>
-                        <a:effectLst/>
-                        <a:latin typeface="Consolas" panose="020B0609020204030204" pitchFamily="49" charset="0"/>
-                      </a:endParaRPr>
-                    </a:p>
-                    <a:p>
-                      <a:r>
-                        <a:rPr lang="en-US" sz="1200" b="0" dirty="0">
-                          <a:solidFill>
-                            <a:srgbClr val="000000"/>
-                          </a:solidFill>
-                          <a:effectLst/>
-                          <a:latin typeface="Consolas" panose="020B0609020204030204" pitchFamily="49" charset="0"/>
-                        </a:rPr>
-                        <a:t>    }</a:t>
-                      </a:r>
-                    </a:p>
-                    <a:p>
-                      <a:r>
-                        <a:rPr lang="en-US" sz="1200" b="0" dirty="0">
-                          <a:solidFill>
-                            <a:srgbClr val="0000FF"/>
-                          </a:solidFill>
-                          <a:effectLst/>
-                          <a:latin typeface="Consolas" panose="020B0609020204030204" pitchFamily="49" charset="0"/>
-                        </a:rPr>
-                        <a:t>    static</a:t>
-                      </a:r>
-                      <a:r>
-                        <a:rPr lang="en-US" sz="1200" b="0" dirty="0">
-                          <a:solidFill>
-                            <a:srgbClr val="000000"/>
-                          </a:solidFill>
-                          <a:effectLst/>
-                          <a:latin typeface="Consolas" panose="020B0609020204030204" pitchFamily="49" charset="0"/>
-                        </a:rPr>
-                        <a:t> </a:t>
-                      </a:r>
-                      <a:r>
-                        <a:rPr lang="en-US" sz="1200" b="0" dirty="0" err="1">
-                          <a:solidFill>
-                            <a:srgbClr val="000000"/>
-                          </a:solidFill>
-                          <a:effectLst/>
-                          <a:latin typeface="Consolas" panose="020B0609020204030204" pitchFamily="49" charset="0"/>
-                        </a:rPr>
-                        <a:t>belongsTo</a:t>
-                      </a:r>
-                      <a:r>
-                        <a:rPr lang="en-US" sz="1200" b="0" dirty="0">
-                          <a:solidFill>
-                            <a:srgbClr val="000000"/>
-                          </a:solidFill>
-                          <a:effectLst/>
-                          <a:latin typeface="Consolas" panose="020B0609020204030204" pitchFamily="49" charset="0"/>
-                        </a:rPr>
-                        <a:t> = </a:t>
-                      </a:r>
-                      <a:r>
-                        <a:rPr lang="en-US" sz="1200" b="0" dirty="0">
-                          <a:solidFill>
-                            <a:srgbClr val="0000FF"/>
-                          </a:solidFill>
-                          <a:effectLst/>
-                          <a:latin typeface="Consolas" panose="020B0609020204030204" pitchFamily="49" charset="0"/>
-                        </a:rPr>
-                        <a:t>Post</a:t>
-                      </a:r>
-                      <a:endParaRPr lang="en-US" sz="1200" b="0" dirty="0">
-                        <a:solidFill>
-                          <a:srgbClr val="000000"/>
-                        </a:solidFill>
-                        <a:effectLst/>
-                        <a:latin typeface="Consolas" panose="020B0609020204030204" pitchFamily="49" charset="0"/>
-                      </a:endParaRPr>
-                    </a:p>
-                    <a:p>
-                      <a:r>
-                        <a:rPr lang="en-US" sz="1200" b="0" dirty="0">
-                          <a:solidFill>
-                            <a:srgbClr val="000000"/>
-                          </a:solidFill>
-                          <a:effectLst/>
-                          <a:latin typeface="Consolas" panose="020B0609020204030204" pitchFamily="49" charset="0"/>
-                        </a:rPr>
-                        <a:t>}</a:t>
-                      </a:r>
-                    </a:p>
-                    <a:p>
-                      <a:endParaRPr lang="en-US" sz="1200" dirty="0"/>
-                    </a:p>
-                  </a:txBody>
-                  <a:tcPr/>
-                </a:tc>
-                <a:extLst>
-                  <a:ext uri="{0D108BD9-81ED-4DB2-BD59-A6C34878D82A}">
-                    <a16:rowId xmlns:a16="http://schemas.microsoft.com/office/drawing/2014/main" val="2998512899"/>
-                  </a:ext>
-                </a:extLst>
-              </a:tr>
-            </a:tbl>
-          </a:graphicData>
-        </a:graphic>
-      </p:graphicFrame>
+              <a:t> </a:t>
+            </a:r>
+            <a:r>
+              <a:rPr lang="en-US" dirty="0" smtClean="0"/>
+              <a:t>– lets create getters for our data</a:t>
+            </a:r>
+          </a:p>
+          <a:p>
+            <a:pPr lvl="1"/>
+            <a:r>
+              <a:rPr lang="en-US" dirty="0" smtClean="0"/>
+              <a:t>View the image</a:t>
+            </a:r>
+          </a:p>
+          <a:p>
+            <a:pPr lvl="1"/>
+            <a:r>
+              <a:rPr lang="en-US" dirty="0" smtClean="0"/>
+              <a:t>Get a JSON representation of our state</a:t>
+            </a:r>
+          </a:p>
+        </p:txBody>
+      </p:sp>
     </p:spTree>
     <p:extLst>
       <p:ext uri="{BB962C8B-B14F-4D97-AF65-F5344CB8AC3E}">
-        <p14:creationId xmlns:p14="http://schemas.microsoft.com/office/powerpoint/2010/main" val="3078634524"/>
+        <p14:creationId xmlns:p14="http://schemas.microsoft.com/office/powerpoint/2010/main" val="1481996778"/>
       </p:ext>
     </p:extLst>
   </p:cSld>
   <p:clrMapOvr>
     <a:masterClrMapping/>
   </p:clrMapOvr>
+  <p:timing>
+    <p:tnLst>
+      <p:par>
+        <p:cTn id="1" dur="indefinite" restart="never" nodeType="tmRoot"/>
+      </p:par>
+    </p:tnLst>
+  </p:timing>
 </p:sld>
 </file>
 
@@ -6995,7 +7013,7 @@
           <p:cNvPr id="2" name="Title 1">
             <a:extLst>
               <a:ext uri="{FF2B5EF4-FFF2-40B4-BE49-F238E27FC236}">
-                <a16:creationId xmlns:a16="http://schemas.microsoft.com/office/drawing/2014/main" id="{4B6C0F7C-B149-4622-9AA2-EC95D845857C}"/>
+                <a16:creationId xmlns:a16="http://schemas.microsoft.com/office/drawing/2014/main" id="{C39CBD8B-C99F-48DF-B9D6-08BE118281A8}"/>
               </a:ext>
             </a:extLst>
           </p:cNvPr>
@@ -7012,8 +7030,8 @@
           <a:lstStyle/>
           <a:p>
             <a:r>
-              <a:rPr lang="en-US" dirty="0" err="1"/>
-              <a:t>Bootstrap.groovy</a:t>
+              <a:rPr lang="en-US" dirty="0" smtClean="0"/>
+              <a:t>Login/GSP/Forms</a:t>
             </a:r>
             <a:endParaRPr lang="en-US" dirty="0"/>
           </a:p>
@@ -7024,806 +7042,43 @@
           <p:cNvPr id="3" name="Content Placeholder 2">
             <a:extLst>
               <a:ext uri="{FF2B5EF4-FFF2-40B4-BE49-F238E27FC236}">
-                <a16:creationId xmlns:a16="http://schemas.microsoft.com/office/drawing/2014/main" id="{E8A7E2AC-B3D4-48C0-A345-F065B2F08C5F}"/>
-              </a:ext>
-            </a:extLst>
-          </p:cNvPr>
-          <p:cNvSpPr>
-            <a:spLocks noGrp="1"/>
-          </p:cNvSpPr>
-          <p:nvPr>
-            <p:ph idx="1"/>
+                <a16:creationId xmlns:a16="http://schemas.microsoft.com/office/drawing/2014/main" id="{0DA6032D-6BB5-4CB8-9861-49A3A6D0C31F}"/>
+              </a:ext>
+            </a:extLst>
+          </p:cNvPr>
+          <p:cNvSpPr>
+            <a:spLocks noGrp="1"/>
+          </p:cNvSpPr>
+          <p:nvPr>
+            <p:ph type="body" idx="1"/>
           </p:nvPr>
         </p:nvSpPr>
         <p:spPr/>
         <p:txBody>
-          <a:bodyPr>
-            <a:normAutofit fontScale="55000" lnSpcReduction="20000"/>
-          </a:bodyPr>
-          <a:lstStyle/>
-          <a:p>
-            <a:pPr marL="0" indent="0">
-              <a:buNone/>
-            </a:pPr>
-            <a:r>
-              <a:rPr lang="en-US" b="0" dirty="0">
-                <a:solidFill>
-                  <a:srgbClr val="0000FF"/>
-                </a:solidFill>
-                <a:effectLst/>
-                <a:latin typeface="Consolas" panose="020B0609020204030204" pitchFamily="49" charset="0"/>
-              </a:rPr>
-              <a:t>if</a:t>
-            </a:r>
-            <a:r>
-              <a:rPr lang="en-US" b="0" dirty="0">
-                <a:solidFill>
-                  <a:srgbClr val="000000"/>
-                </a:solidFill>
-                <a:effectLst/>
-                <a:latin typeface="Consolas" panose="020B0609020204030204" pitchFamily="49" charset="0"/>
-              </a:rPr>
-              <a:t> (</a:t>
-            </a:r>
-            <a:r>
-              <a:rPr lang="en-US" b="0" dirty="0" err="1">
-                <a:solidFill>
-                  <a:srgbClr val="0000FF"/>
-                </a:solidFill>
-                <a:effectLst/>
-                <a:latin typeface="Consolas" panose="020B0609020204030204" pitchFamily="49" charset="0"/>
-              </a:rPr>
-              <a:t>Environment</a:t>
-            </a:r>
-            <a:r>
-              <a:rPr lang="en-US" b="0" dirty="0" err="1">
-                <a:solidFill>
-                  <a:srgbClr val="000000"/>
-                </a:solidFill>
-                <a:effectLst/>
-                <a:latin typeface="Consolas" panose="020B0609020204030204" pitchFamily="49" charset="0"/>
-              </a:rPr>
-              <a:t>.getCurrent</a:t>
-            </a:r>
-            <a:r>
-              <a:rPr lang="en-US" b="0" dirty="0">
-                <a:solidFill>
-                  <a:srgbClr val="000000"/>
-                </a:solidFill>
-                <a:effectLst/>
-                <a:latin typeface="Consolas" panose="020B0609020204030204" pitchFamily="49" charset="0"/>
-              </a:rPr>
-              <a:t>() != </a:t>
-            </a:r>
-            <a:r>
-              <a:rPr lang="en-US" b="0" dirty="0" err="1">
-                <a:solidFill>
-                  <a:srgbClr val="0000FF"/>
-                </a:solidFill>
-                <a:effectLst/>
-                <a:latin typeface="Consolas" panose="020B0609020204030204" pitchFamily="49" charset="0"/>
-              </a:rPr>
-              <a:t>Environment</a:t>
-            </a:r>
-            <a:r>
-              <a:rPr lang="en-US" b="0" dirty="0" err="1">
-                <a:solidFill>
-                  <a:srgbClr val="000000"/>
-                </a:solidFill>
-                <a:effectLst/>
-                <a:latin typeface="Consolas" panose="020B0609020204030204" pitchFamily="49" charset="0"/>
-              </a:rPr>
-              <a:t>.DEVELOPMENT</a:t>
-            </a:r>
-            <a:r>
-              <a:rPr lang="en-US" b="0" dirty="0">
-                <a:solidFill>
-                  <a:srgbClr val="000000"/>
-                </a:solidFill>
-                <a:effectLst/>
-                <a:latin typeface="Consolas" panose="020B0609020204030204" pitchFamily="49" charset="0"/>
-              </a:rPr>
-              <a:t>) </a:t>
-            </a:r>
-            <a:r>
-              <a:rPr lang="en-US" b="0" dirty="0">
-                <a:solidFill>
-                  <a:srgbClr val="0000FF"/>
-                </a:solidFill>
-                <a:effectLst/>
-                <a:latin typeface="Consolas" panose="020B0609020204030204" pitchFamily="49" charset="0"/>
-              </a:rPr>
-              <a:t>return</a:t>
-            </a:r>
-            <a:endParaRPr lang="en-US" b="0" dirty="0">
-              <a:solidFill>
-                <a:srgbClr val="000000"/>
-              </a:solidFill>
-              <a:effectLst/>
-              <a:latin typeface="Consolas" panose="020B0609020204030204" pitchFamily="49" charset="0"/>
-            </a:endParaRPr>
-          </a:p>
-          <a:p>
-            <a:pPr marL="0" indent="0">
-              <a:buNone/>
-            </a:pPr>
-            <a:br>
-              <a:rPr lang="en-US" b="0" dirty="0">
-                <a:solidFill>
-                  <a:srgbClr val="000000"/>
-                </a:solidFill>
-                <a:effectLst/>
-                <a:latin typeface="Consolas" panose="020B0609020204030204" pitchFamily="49" charset="0"/>
-              </a:rPr>
-            </a:br>
-            <a:r>
-              <a:rPr lang="en-US" b="0" dirty="0">
-                <a:solidFill>
-                  <a:srgbClr val="0000FF"/>
-                </a:solidFill>
-                <a:effectLst/>
-                <a:latin typeface="Consolas" panose="020B0609020204030204" pitchFamily="49" charset="0"/>
-              </a:rPr>
-              <a:t>def</a:t>
-            </a:r>
-            <a:r>
-              <a:rPr lang="en-US" b="0" dirty="0">
-                <a:solidFill>
-                  <a:srgbClr val="000000"/>
-                </a:solidFill>
-                <a:effectLst/>
-                <a:latin typeface="Consolas" panose="020B0609020204030204" pitchFamily="49" charset="0"/>
-              </a:rPr>
-              <a:t> user = </a:t>
-            </a:r>
-            <a:r>
-              <a:rPr lang="en-US" b="0" dirty="0">
-                <a:solidFill>
-                  <a:srgbClr val="0000FF"/>
-                </a:solidFill>
-                <a:effectLst/>
-                <a:latin typeface="Consolas" panose="020B0609020204030204" pitchFamily="49" charset="0"/>
-              </a:rPr>
-              <a:t>new</a:t>
-            </a:r>
-            <a:r>
-              <a:rPr lang="en-US" b="0" dirty="0">
-                <a:solidFill>
-                  <a:srgbClr val="000000"/>
-                </a:solidFill>
-                <a:effectLst/>
-                <a:latin typeface="Consolas" panose="020B0609020204030204" pitchFamily="49" charset="0"/>
-              </a:rPr>
-              <a:t> </a:t>
-            </a:r>
-            <a:r>
-              <a:rPr lang="en-US" b="0" dirty="0">
-                <a:solidFill>
-                  <a:srgbClr val="0000FF"/>
-                </a:solidFill>
-                <a:effectLst/>
-                <a:latin typeface="Consolas" panose="020B0609020204030204" pitchFamily="49" charset="0"/>
-              </a:rPr>
-              <a:t>User</a:t>
-            </a:r>
-            <a:r>
-              <a:rPr lang="en-US" b="0" dirty="0">
-                <a:solidFill>
-                  <a:srgbClr val="000000"/>
-                </a:solidFill>
-                <a:effectLst/>
-                <a:latin typeface="Consolas" panose="020B0609020204030204" pitchFamily="49" charset="0"/>
-              </a:rPr>
-              <a:t>(email: </a:t>
-            </a:r>
-            <a:r>
-              <a:rPr lang="en-US" b="0" dirty="0">
-                <a:solidFill>
-                  <a:srgbClr val="A31515"/>
-                </a:solidFill>
-                <a:effectLst/>
-                <a:latin typeface="Consolas" panose="020B0609020204030204" pitchFamily="49" charset="0"/>
-              </a:rPr>
-              <a:t>'test@test.test'</a:t>
-            </a:r>
-            <a:r>
-              <a:rPr lang="en-US" b="0" dirty="0">
-                <a:solidFill>
-                  <a:srgbClr val="000000"/>
-                </a:solidFill>
-                <a:effectLst/>
-                <a:latin typeface="Consolas" panose="020B0609020204030204" pitchFamily="49" charset="0"/>
-              </a:rPr>
-              <a:t>)</a:t>
-            </a:r>
-          </a:p>
-          <a:p>
-            <a:pPr marL="0" indent="0">
-              <a:buNone/>
-            </a:pPr>
-            <a:r>
-              <a:rPr lang="en-US" b="0" dirty="0" err="1">
-                <a:solidFill>
-                  <a:srgbClr val="000000"/>
-                </a:solidFill>
-                <a:effectLst/>
-                <a:latin typeface="Consolas" panose="020B0609020204030204" pitchFamily="49" charset="0"/>
-              </a:rPr>
-              <a:t>user.save</a:t>
-            </a:r>
-            <a:r>
-              <a:rPr lang="en-US" b="0" dirty="0">
-                <a:solidFill>
-                  <a:srgbClr val="000000"/>
-                </a:solidFill>
-                <a:effectLst/>
-                <a:latin typeface="Consolas" panose="020B0609020204030204" pitchFamily="49" charset="0"/>
-              </a:rPr>
-              <a:t>(flush: </a:t>
-            </a:r>
-            <a:r>
-              <a:rPr lang="en-US" b="0" dirty="0">
-                <a:solidFill>
-                  <a:srgbClr val="0000FF"/>
-                </a:solidFill>
-                <a:effectLst/>
-                <a:latin typeface="Consolas" panose="020B0609020204030204" pitchFamily="49" charset="0"/>
-              </a:rPr>
-              <a:t>true</a:t>
-            </a:r>
-            <a:r>
-              <a:rPr lang="en-US" b="0" dirty="0">
-                <a:solidFill>
-                  <a:srgbClr val="000000"/>
-                </a:solidFill>
-                <a:effectLst/>
-                <a:latin typeface="Consolas" panose="020B0609020204030204" pitchFamily="49" charset="0"/>
-              </a:rPr>
-              <a:t>)</a:t>
-            </a:r>
-          </a:p>
-          <a:p>
-            <a:pPr marL="0" indent="0">
-              <a:buNone/>
-            </a:pPr>
-            <a:br>
-              <a:rPr lang="en-US" b="0" dirty="0">
-                <a:solidFill>
-                  <a:srgbClr val="000000"/>
-                </a:solidFill>
-                <a:effectLst/>
-                <a:latin typeface="Consolas" panose="020B0609020204030204" pitchFamily="49" charset="0"/>
-              </a:rPr>
-            </a:br>
-            <a:r>
-              <a:rPr lang="en-US" b="0" dirty="0">
-                <a:solidFill>
-                  <a:srgbClr val="0000FF"/>
-                </a:solidFill>
-                <a:effectLst/>
-                <a:latin typeface="Consolas" panose="020B0609020204030204" pitchFamily="49" charset="0"/>
-              </a:rPr>
-              <a:t>def</a:t>
-            </a:r>
-            <a:r>
-              <a:rPr lang="en-US" b="0" dirty="0">
-                <a:solidFill>
-                  <a:srgbClr val="000000"/>
-                </a:solidFill>
-                <a:effectLst/>
-                <a:latin typeface="Consolas" panose="020B0609020204030204" pitchFamily="49" charset="0"/>
-              </a:rPr>
-              <a:t> post = </a:t>
-            </a:r>
-            <a:r>
-              <a:rPr lang="en-US" b="0" dirty="0">
-                <a:solidFill>
-                  <a:srgbClr val="0000FF"/>
-                </a:solidFill>
-                <a:effectLst/>
-                <a:latin typeface="Consolas" panose="020B0609020204030204" pitchFamily="49" charset="0"/>
-              </a:rPr>
-              <a:t>new</a:t>
-            </a:r>
-            <a:r>
-              <a:rPr lang="en-US" b="0" dirty="0">
-                <a:solidFill>
-                  <a:srgbClr val="000000"/>
-                </a:solidFill>
-                <a:effectLst/>
-                <a:latin typeface="Consolas" panose="020B0609020204030204" pitchFamily="49" charset="0"/>
-              </a:rPr>
-              <a:t> </a:t>
-            </a:r>
-            <a:r>
-              <a:rPr lang="en-US" b="0" dirty="0">
-                <a:solidFill>
-                  <a:srgbClr val="0000FF"/>
-                </a:solidFill>
-                <a:effectLst/>
-                <a:latin typeface="Consolas" panose="020B0609020204030204" pitchFamily="49" charset="0"/>
-              </a:rPr>
-              <a:t>Post</a:t>
-            </a:r>
-            <a:r>
-              <a:rPr lang="en-US" b="0" dirty="0">
-                <a:solidFill>
-                  <a:srgbClr val="000000"/>
-                </a:solidFill>
-                <a:effectLst/>
-                <a:latin typeface="Consolas" panose="020B0609020204030204" pitchFamily="49" charset="0"/>
-              </a:rPr>
-              <a:t>(</a:t>
-            </a:r>
-          </a:p>
-          <a:p>
-            <a:pPr marL="0" indent="0">
-              <a:buNone/>
-            </a:pPr>
-            <a:r>
-              <a:rPr lang="en-US" b="0" dirty="0">
-                <a:solidFill>
-                  <a:srgbClr val="000000"/>
-                </a:solidFill>
-                <a:effectLst/>
-                <a:latin typeface="Consolas" panose="020B0609020204030204" pitchFamily="49" charset="0"/>
-              </a:rPr>
-              <a:t>	creator: user,</a:t>
-            </a:r>
-          </a:p>
-          <a:p>
-            <a:pPr marL="0" indent="0">
-              <a:buNone/>
-            </a:pPr>
-            <a:r>
-              <a:rPr lang="en-US" b="0" dirty="0">
-                <a:solidFill>
-                  <a:srgbClr val="000000"/>
-                </a:solidFill>
-                <a:effectLst/>
-                <a:latin typeface="Consolas" panose="020B0609020204030204" pitchFamily="49" charset="0"/>
-              </a:rPr>
-              <a:t>	image: </a:t>
-            </a:r>
-            <a:r>
-              <a:rPr lang="en-US" b="0" dirty="0">
-                <a:solidFill>
-                  <a:srgbClr val="0000FF"/>
-                </a:solidFill>
-                <a:effectLst/>
-                <a:latin typeface="Consolas" panose="020B0609020204030204" pitchFamily="49" charset="0"/>
-              </a:rPr>
-              <a:t>new</a:t>
-            </a:r>
-            <a:r>
-              <a:rPr lang="en-US" b="0" dirty="0">
-                <a:solidFill>
-                  <a:srgbClr val="000000"/>
-                </a:solidFill>
-                <a:effectLst/>
-                <a:latin typeface="Consolas" panose="020B0609020204030204" pitchFamily="49" charset="0"/>
-              </a:rPr>
-              <a:t> </a:t>
-            </a:r>
-            <a:r>
-              <a:rPr lang="en-US" b="0" dirty="0" err="1">
-                <a:solidFill>
-                  <a:srgbClr val="0000FF"/>
-                </a:solidFill>
-                <a:effectLst/>
-                <a:latin typeface="Consolas" panose="020B0609020204030204" pitchFamily="49" charset="0"/>
-              </a:rPr>
-              <a:t>ImageFile</a:t>
-            </a:r>
-            <a:r>
-              <a:rPr lang="en-US" b="0" dirty="0">
-                <a:solidFill>
-                  <a:srgbClr val="000000"/>
-                </a:solidFill>
-                <a:effectLst/>
-                <a:latin typeface="Consolas" panose="020B0609020204030204" pitchFamily="49" charset="0"/>
-              </a:rPr>
-              <a:t>(name: </a:t>
-            </a:r>
-            <a:r>
-              <a:rPr lang="en-US" b="0" dirty="0">
-                <a:solidFill>
-                  <a:srgbClr val="A31515"/>
-                </a:solidFill>
-                <a:effectLst/>
-                <a:latin typeface="Consolas" panose="020B0609020204030204" pitchFamily="49" charset="0"/>
-              </a:rPr>
-              <a:t>'a.png'</a:t>
-            </a:r>
-            <a:r>
-              <a:rPr lang="en-US" b="0" dirty="0">
-                <a:solidFill>
-                  <a:srgbClr val="000000"/>
-                </a:solidFill>
-                <a:effectLst/>
-                <a:latin typeface="Consolas" panose="020B0609020204030204" pitchFamily="49" charset="0"/>
-              </a:rPr>
-              <a:t>, </a:t>
-            </a:r>
-            <a:r>
-              <a:rPr lang="en-US" b="0" dirty="0" err="1">
-                <a:solidFill>
-                  <a:srgbClr val="000000"/>
-                </a:solidFill>
-                <a:effectLst/>
-                <a:latin typeface="Consolas" panose="020B0609020204030204" pitchFamily="49" charset="0"/>
-              </a:rPr>
-              <a:t>contentType</a:t>
-            </a:r>
-            <a:r>
-              <a:rPr lang="en-US" b="0" dirty="0">
-                <a:solidFill>
-                  <a:srgbClr val="000000"/>
-                </a:solidFill>
-                <a:effectLst/>
-                <a:latin typeface="Consolas" panose="020B0609020204030204" pitchFamily="49" charset="0"/>
-              </a:rPr>
-              <a:t>:</a:t>
-            </a:r>
-            <a:r>
-              <a:rPr lang="en-US" b="0" dirty="0">
-                <a:solidFill>
-                  <a:srgbClr val="A31515"/>
-                </a:solidFill>
-                <a:effectLst/>
-                <a:latin typeface="Consolas" panose="020B0609020204030204" pitchFamily="49" charset="0"/>
-              </a:rPr>
-              <a:t>"image/</a:t>
-            </a:r>
-            <a:r>
-              <a:rPr lang="en-US" b="0" dirty="0" err="1">
-                <a:solidFill>
-                  <a:srgbClr val="A31515"/>
-                </a:solidFill>
-                <a:effectLst/>
-                <a:latin typeface="Consolas" panose="020B0609020204030204" pitchFamily="49" charset="0"/>
-              </a:rPr>
-              <a:t>png</a:t>
-            </a:r>
-            <a:r>
-              <a:rPr lang="en-US" b="0" dirty="0">
-                <a:solidFill>
-                  <a:srgbClr val="A31515"/>
-                </a:solidFill>
-                <a:effectLst/>
-                <a:latin typeface="Consolas" panose="020B0609020204030204" pitchFamily="49" charset="0"/>
-              </a:rPr>
-              <a:t>"</a:t>
-            </a:r>
-            <a:r>
-              <a:rPr lang="en-US" b="0" dirty="0">
-                <a:solidFill>
-                  <a:srgbClr val="000000"/>
-                </a:solidFill>
-                <a:effectLst/>
-                <a:latin typeface="Consolas" panose="020B0609020204030204" pitchFamily="49" charset="0"/>
-              </a:rPr>
-              <a:t>, </a:t>
-            </a:r>
-            <a:r>
-              <a:rPr lang="en-US" b="0" dirty="0" err="1">
-                <a:solidFill>
-                  <a:srgbClr val="000000"/>
-                </a:solidFill>
-                <a:effectLst/>
-                <a:latin typeface="Consolas" panose="020B0609020204030204" pitchFamily="49" charset="0"/>
-              </a:rPr>
-              <a:t>imageData</a:t>
-            </a:r>
-            <a:r>
-              <a:rPr lang="en-US" b="0" dirty="0">
-                <a:solidFill>
-                  <a:srgbClr val="000000"/>
-                </a:solidFill>
-                <a:effectLst/>
-                <a:latin typeface="Consolas" panose="020B0609020204030204" pitchFamily="49" charset="0"/>
-              </a:rPr>
-              <a:t>: 				</a:t>
-            </a:r>
-            <a:r>
-              <a:rPr lang="en-US" b="0" dirty="0">
-                <a:solidFill>
-                  <a:srgbClr val="0000FF"/>
-                </a:solidFill>
-                <a:effectLst/>
-                <a:latin typeface="Consolas" panose="020B0609020204030204" pitchFamily="49" charset="0"/>
-              </a:rPr>
-              <a:t>new</a:t>
-            </a:r>
-            <a:r>
-              <a:rPr lang="en-US" b="0" dirty="0">
-                <a:solidFill>
-                  <a:srgbClr val="000000"/>
-                </a:solidFill>
-                <a:effectLst/>
-                <a:latin typeface="Consolas" panose="020B0609020204030204" pitchFamily="49" charset="0"/>
-              </a:rPr>
-              <a:t> </a:t>
-            </a:r>
-            <a:r>
-              <a:rPr lang="en-US" b="0" dirty="0">
-                <a:solidFill>
-                  <a:srgbClr val="0000FF"/>
-                </a:solidFill>
-                <a:effectLst/>
-                <a:latin typeface="Consolas" panose="020B0609020204030204" pitchFamily="49" charset="0"/>
-              </a:rPr>
-              <a:t>File</a:t>
-            </a:r>
-            <a:r>
-              <a:rPr lang="en-US" b="0" dirty="0">
-                <a:solidFill>
-                  <a:srgbClr val="000000"/>
-                </a:solidFill>
-                <a:effectLst/>
-                <a:latin typeface="Consolas" panose="020B0609020204030204" pitchFamily="49" charset="0"/>
-              </a:rPr>
-              <a:t>(</a:t>
-            </a:r>
-            <a:r>
-              <a:rPr lang="en-US" b="0" dirty="0">
-                <a:solidFill>
-                  <a:srgbClr val="A31515"/>
-                </a:solidFill>
-                <a:effectLst/>
-                <a:latin typeface="Consolas" panose="020B0609020204030204" pitchFamily="49" charset="0"/>
-              </a:rPr>
-              <a:t>"grails-app/assets/images/apple-touch-icon.png"</a:t>
-            </a:r>
-            <a:r>
-              <a:rPr lang="en-US" b="0" dirty="0">
-                <a:solidFill>
-                  <a:srgbClr val="000000"/>
-                </a:solidFill>
-                <a:effectLst/>
-                <a:latin typeface="Consolas" panose="020B0609020204030204" pitchFamily="49" charset="0"/>
-              </a:rPr>
-              <a:t>).bytes),</a:t>
-            </a:r>
-          </a:p>
-          <a:p>
-            <a:pPr marL="0" indent="0">
-              <a:buNone/>
-            </a:pPr>
-            <a:r>
-              <a:rPr lang="en-US" b="0" dirty="0">
-                <a:solidFill>
-                  <a:srgbClr val="000000"/>
-                </a:solidFill>
-                <a:effectLst/>
-                <a:latin typeface="Consolas" panose="020B0609020204030204" pitchFamily="49" charset="0"/>
-              </a:rPr>
-              <a:t>	comments: [</a:t>
-            </a:r>
-          </a:p>
-          <a:p>
-            <a:pPr marL="0" indent="0">
-              <a:buNone/>
-            </a:pPr>
-            <a:r>
-              <a:rPr lang="en-US" b="0" dirty="0">
-                <a:solidFill>
-                  <a:srgbClr val="0000FF"/>
-                </a:solidFill>
-                <a:effectLst/>
-                <a:latin typeface="Consolas" panose="020B0609020204030204" pitchFamily="49" charset="0"/>
-              </a:rPr>
-              <a:t>		new</a:t>
-            </a:r>
-            <a:r>
-              <a:rPr lang="en-US" b="0" dirty="0">
-                <a:solidFill>
-                  <a:srgbClr val="000000"/>
-                </a:solidFill>
-                <a:effectLst/>
-                <a:latin typeface="Consolas" panose="020B0609020204030204" pitchFamily="49" charset="0"/>
-              </a:rPr>
-              <a:t> </a:t>
-            </a:r>
-            <a:r>
-              <a:rPr lang="en-US" b="0" dirty="0">
-                <a:solidFill>
-                  <a:srgbClr val="0000FF"/>
-                </a:solidFill>
-                <a:effectLst/>
-                <a:latin typeface="Consolas" panose="020B0609020204030204" pitchFamily="49" charset="0"/>
-              </a:rPr>
-              <a:t>Comment</a:t>
-            </a:r>
-            <a:r>
-              <a:rPr lang="en-US" b="0" dirty="0">
-                <a:solidFill>
-                  <a:srgbClr val="000000"/>
-                </a:solidFill>
-                <a:effectLst/>
-                <a:latin typeface="Consolas" panose="020B0609020204030204" pitchFamily="49" charset="0"/>
-              </a:rPr>
-              <a:t>(creator: user, content: </a:t>
-            </a:r>
-            <a:r>
-              <a:rPr lang="en-US" b="0" dirty="0">
-                <a:solidFill>
-                  <a:srgbClr val="A31515"/>
-                </a:solidFill>
-                <a:effectLst/>
-                <a:latin typeface="Consolas" panose="020B0609020204030204" pitchFamily="49" charset="0"/>
-              </a:rPr>
-              <a:t>'very cool!’</a:t>
-            </a:r>
-            <a:r>
-              <a:rPr lang="en-US" b="0" dirty="0">
-                <a:solidFill>
-                  <a:srgbClr val="000000"/>
-                </a:solidFill>
-                <a:effectLst/>
-                <a:latin typeface="Consolas" panose="020B0609020204030204" pitchFamily="49" charset="0"/>
-              </a:rPr>
-              <a:t>),</a:t>
-            </a:r>
-          </a:p>
-          <a:p>
-            <a:pPr marL="0" indent="0">
-              <a:buNone/>
-            </a:pPr>
-            <a:r>
-              <a:rPr lang="en-US" b="0" dirty="0">
-                <a:solidFill>
-                  <a:srgbClr val="0000FF"/>
-                </a:solidFill>
-                <a:effectLst/>
-                <a:latin typeface="Consolas" panose="020B0609020204030204" pitchFamily="49" charset="0"/>
-              </a:rPr>
-              <a:t>		new</a:t>
-            </a:r>
-            <a:r>
-              <a:rPr lang="en-US" b="0" dirty="0">
-                <a:solidFill>
-                  <a:srgbClr val="000000"/>
-                </a:solidFill>
-                <a:effectLst/>
-                <a:latin typeface="Consolas" panose="020B0609020204030204" pitchFamily="49" charset="0"/>
-              </a:rPr>
-              <a:t> </a:t>
-            </a:r>
-            <a:r>
-              <a:rPr lang="en-US" b="0" dirty="0">
-                <a:solidFill>
-                  <a:srgbClr val="0000FF"/>
-                </a:solidFill>
-                <a:effectLst/>
-                <a:latin typeface="Consolas" panose="020B0609020204030204" pitchFamily="49" charset="0"/>
-              </a:rPr>
-              <a:t>Comment</a:t>
-            </a:r>
-            <a:r>
-              <a:rPr lang="en-US" b="0" dirty="0">
-                <a:solidFill>
-                  <a:srgbClr val="000000"/>
-                </a:solidFill>
-                <a:effectLst/>
-                <a:latin typeface="Consolas" panose="020B0609020204030204" pitchFamily="49" charset="0"/>
-              </a:rPr>
-              <a:t>(creator: user, content: </a:t>
-            </a:r>
-            <a:r>
-              <a:rPr lang="en-US" b="0" dirty="0">
-                <a:solidFill>
-                  <a:srgbClr val="A31515"/>
-                </a:solidFill>
-                <a:effectLst/>
-                <a:latin typeface="Consolas" panose="020B0609020204030204" pitchFamily="49" charset="0"/>
-              </a:rPr>
-              <a:t>'agreed’</a:t>
-            </a:r>
-            <a:r>
-              <a:rPr lang="en-US" b="0" dirty="0">
-                <a:solidFill>
-                  <a:srgbClr val="000000"/>
-                </a:solidFill>
-                <a:effectLst/>
-                <a:latin typeface="Consolas" panose="020B0609020204030204" pitchFamily="49" charset="0"/>
-              </a:rPr>
-              <a:t>)</a:t>
-            </a:r>
-          </a:p>
-          <a:p>
-            <a:pPr marL="0" indent="0">
-              <a:buNone/>
-            </a:pPr>
-            <a:r>
-              <a:rPr lang="en-US" b="0" dirty="0">
-                <a:solidFill>
-                  <a:srgbClr val="000000"/>
-                </a:solidFill>
-                <a:effectLst/>
-                <a:latin typeface="Consolas" panose="020B0609020204030204" pitchFamily="49" charset="0"/>
-              </a:rPr>
-              <a:t>	]</a:t>
-            </a:r>
-          </a:p>
-          <a:p>
-            <a:pPr marL="0" indent="0">
-              <a:buNone/>
-            </a:pPr>
-            <a:r>
-              <a:rPr lang="en-US" b="0" dirty="0">
-                <a:solidFill>
-                  <a:srgbClr val="000000"/>
-                </a:solidFill>
-                <a:effectLst/>
-                <a:latin typeface="Consolas" panose="020B0609020204030204" pitchFamily="49" charset="0"/>
-              </a:rPr>
-              <a:t>)</a:t>
-            </a:r>
-          </a:p>
-          <a:p>
-            <a:pPr marL="0" indent="0">
-              <a:buNone/>
-            </a:pPr>
-            <a:r>
-              <a:rPr lang="en-US" b="0" dirty="0" err="1">
-                <a:solidFill>
-                  <a:srgbClr val="000000"/>
-                </a:solidFill>
-                <a:effectLst/>
-                <a:latin typeface="Consolas" panose="020B0609020204030204" pitchFamily="49" charset="0"/>
-              </a:rPr>
-              <a:t>post.save</a:t>
-            </a:r>
-            <a:r>
-              <a:rPr lang="en-US" b="0" dirty="0">
-                <a:solidFill>
-                  <a:srgbClr val="000000"/>
-                </a:solidFill>
-                <a:effectLst/>
-                <a:latin typeface="Consolas" panose="020B0609020204030204" pitchFamily="49" charset="0"/>
-              </a:rPr>
-              <a:t>(flush: </a:t>
-            </a:r>
-            <a:r>
-              <a:rPr lang="en-US" b="0" dirty="0">
-                <a:solidFill>
-                  <a:srgbClr val="0000FF"/>
-                </a:solidFill>
-                <a:effectLst/>
-                <a:latin typeface="Consolas" panose="020B0609020204030204" pitchFamily="49" charset="0"/>
-              </a:rPr>
-              <a:t>true</a:t>
-            </a:r>
-            <a:r>
-              <a:rPr lang="en-US" b="0" dirty="0">
-                <a:solidFill>
-                  <a:srgbClr val="000000"/>
-                </a:solidFill>
-                <a:effectLst/>
-                <a:latin typeface="Consolas" panose="020B0609020204030204" pitchFamily="49" charset="0"/>
-              </a:rPr>
-              <a:t>)</a:t>
-            </a:r>
-          </a:p>
-          <a:p>
-            <a:pPr marL="0" indent="0">
-              <a:buNone/>
-            </a:pPr>
-            <a:endParaRPr lang="en-US" dirty="0"/>
+          <a:bodyPr/>
+          <a:lstStyle/>
+          <a:p>
+            <a:endParaRPr lang="en-US"/>
           </a:p>
         </p:txBody>
       </p:sp>
     </p:spTree>
     <p:extLst>
       <p:ext uri="{BB962C8B-B14F-4D97-AF65-F5344CB8AC3E}">
-        <p14:creationId xmlns:p14="http://schemas.microsoft.com/office/powerpoint/2010/main" val="1008180599"/>
+        <p14:creationId xmlns:p14="http://schemas.microsoft.com/office/powerpoint/2010/main" val="4203069851"/>
       </p:ext>
     </p:extLst>
   </p:cSld>
   <p:clrMapOvr>
     <a:masterClrMapping/>
   </p:clrMapOvr>
+  <p:timing>
+    <p:tnLst>
+      <p:par>
+        <p:cTn id="1" dur="indefinite" restart="never" nodeType="tmRoot"/>
+      </p:par>
+    </p:tnLst>
+  </p:timing>
 </p:sld>
 </file>
 
@@ -7867,7 +7122,15 @@
           <a:p>
             <a:r>
               <a:rPr lang="en-US" dirty="0"/>
-              <a:t>The Frontend &amp; React.js</a:t>
+              <a:t>The </a:t>
+            </a:r>
+            <a:r>
+              <a:rPr lang="en-US" dirty="0" smtClean="0"/>
+              <a:t>Frontend: </a:t>
+            </a:r>
+            <a:r>
+              <a:rPr lang="en-US" dirty="0"/>
+              <a:t>React.js</a:t>
             </a:r>
           </a:p>
         </p:txBody>
@@ -7907,6 +7170,13 @@
   <p:clrMapOvr>
     <a:masterClrMapping/>
   </p:clrMapOvr>
+  <p:timing>
+    <p:tnLst>
+      <p:par>
+        <p:cTn id="1" dur="indefinite" restart="never" nodeType="tmRoot"/>
+      </p:par>
+    </p:tnLst>
+  </p:timing>
 </p:sld>
 </file>
 
@@ -7950,176 +7220,6 @@
           <a:p>
             <a:r>
               <a:rPr lang="en-US" dirty="0"/>
-              <a:t>GSP Forms &amp; HTML</a:t>
-            </a:r>
-          </a:p>
-        </p:txBody>
-      </p:sp>
-      <p:sp>
-        <p:nvSpPr>
-          <p:cNvPr id="3" name="Content Placeholder 2">
-            <a:extLst>
-              <a:ext uri="{FF2B5EF4-FFF2-40B4-BE49-F238E27FC236}">
-                <a16:creationId xmlns:a16="http://schemas.microsoft.com/office/drawing/2014/main" id="{0DA6032D-6BB5-4CB8-9861-49A3A6D0C31F}"/>
-              </a:ext>
-            </a:extLst>
-          </p:cNvPr>
-          <p:cNvSpPr>
-            <a:spLocks noGrp="1"/>
-          </p:cNvSpPr>
-          <p:nvPr>
-            <p:ph type="body" idx="1"/>
-          </p:nvPr>
-        </p:nvSpPr>
-        <p:spPr/>
-        <p:txBody>
-          <a:bodyPr/>
-          <a:lstStyle/>
-          <a:p>
-            <a:endParaRPr lang="en-US"/>
-          </a:p>
-        </p:txBody>
-      </p:sp>
-    </p:spTree>
-    <p:extLst>
-      <p:ext uri="{BB962C8B-B14F-4D97-AF65-F5344CB8AC3E}">
-        <p14:creationId xmlns:p14="http://schemas.microsoft.com/office/powerpoint/2010/main" val="3343237686"/>
-      </p:ext>
-    </p:extLst>
-  </p:cSld>
-  <p:clrMapOvr>
-    <a:masterClrMapping/>
-  </p:clrMapOvr>
-</p:sld>
-</file>
-
-<file path=ppt/slides/slide18.xml><?xml version="1.0" encoding="utf-8"?>
-<p:sld xmlns:a="http://schemas.openxmlformats.org/drawingml/2006/main" xmlns:r="http://schemas.openxmlformats.org/officeDocument/2006/relationships" xmlns:p="http://schemas.openxmlformats.org/presentationml/2006/main">
-  <p:cSld>
-    <p:spTree>
-      <p:nvGrpSpPr>
-        <p:cNvPr id="1" name=""/>
-        <p:cNvGrpSpPr/>
-        <p:nvPr/>
-      </p:nvGrpSpPr>
-      <p:grpSpPr>
-        <a:xfrm>
-          <a:off x="0" y="0"/>
-          <a:ext cx="0" cy="0"/>
-          <a:chOff x="0" y="0"/>
-          <a:chExt cx="0" cy="0"/>
-        </a:xfrm>
-      </p:grpSpPr>
-      <p:sp>
-        <p:nvSpPr>
-          <p:cNvPr id="2" name="Title 1">
-            <a:extLst>
-              <a:ext uri="{FF2B5EF4-FFF2-40B4-BE49-F238E27FC236}">
-                <a16:creationId xmlns:a16="http://schemas.microsoft.com/office/drawing/2014/main" id="{C39CBD8B-C99F-48DF-B9D6-08BE118281A8}"/>
-              </a:ext>
-            </a:extLst>
-          </p:cNvPr>
-          <p:cNvSpPr>
-            <a:spLocks noGrp="1"/>
-          </p:cNvSpPr>
-          <p:nvPr>
-            <p:ph type="title"/>
-          </p:nvPr>
-        </p:nvSpPr>
-        <p:spPr/>
-        <p:txBody>
-          <a:bodyPr/>
-          <a:lstStyle/>
-          <a:p>
-            <a:r>
-              <a:rPr lang="en-US" dirty="0"/>
-              <a:t>Login/Permissions</a:t>
-            </a:r>
-          </a:p>
-        </p:txBody>
-      </p:sp>
-      <p:sp>
-        <p:nvSpPr>
-          <p:cNvPr id="3" name="Content Placeholder 2">
-            <a:extLst>
-              <a:ext uri="{FF2B5EF4-FFF2-40B4-BE49-F238E27FC236}">
-                <a16:creationId xmlns:a16="http://schemas.microsoft.com/office/drawing/2014/main" id="{0DA6032D-6BB5-4CB8-9861-49A3A6D0C31F}"/>
-              </a:ext>
-            </a:extLst>
-          </p:cNvPr>
-          <p:cNvSpPr>
-            <a:spLocks noGrp="1"/>
-          </p:cNvSpPr>
-          <p:nvPr>
-            <p:ph type="body" idx="1"/>
-          </p:nvPr>
-        </p:nvSpPr>
-        <p:spPr/>
-        <p:txBody>
-          <a:bodyPr/>
-          <a:lstStyle/>
-          <a:p>
-            <a:endParaRPr lang="en-US"/>
-          </a:p>
-        </p:txBody>
-      </p:sp>
-    </p:spTree>
-    <p:extLst>
-      <p:ext uri="{BB962C8B-B14F-4D97-AF65-F5344CB8AC3E}">
-        <p14:creationId xmlns:p14="http://schemas.microsoft.com/office/powerpoint/2010/main" val="4203069851"/>
-      </p:ext>
-    </p:extLst>
-  </p:cSld>
-  <p:clrMapOvr>
-    <a:masterClrMapping/>
-  </p:clrMapOvr>
-</p:sld>
-</file>
-
-<file path=ppt/slides/slide19.xml><?xml version="1.0" encoding="utf-8"?>
-<p:sld xmlns:a="http://schemas.openxmlformats.org/drawingml/2006/main" xmlns:r="http://schemas.openxmlformats.org/officeDocument/2006/relationships" xmlns:p="http://schemas.openxmlformats.org/presentationml/2006/main">
-  <p:cSld>
-    <p:spTree>
-      <p:nvGrpSpPr>
-        <p:cNvPr id="1" name=""/>
-        <p:cNvGrpSpPr/>
-        <p:nvPr/>
-      </p:nvGrpSpPr>
-      <p:grpSpPr>
-        <a:xfrm>
-          <a:off x="0" y="0"/>
-          <a:ext cx="0" cy="0"/>
-          <a:chOff x="0" y="0"/>
-          <a:chExt cx="0" cy="0"/>
-        </a:xfrm>
-      </p:grpSpPr>
-      <p:sp>
-        <p:nvSpPr>
-          <p:cNvPr id="2" name="Title 1">
-            <a:extLst>
-              <a:ext uri="{FF2B5EF4-FFF2-40B4-BE49-F238E27FC236}">
-                <a16:creationId xmlns:a16="http://schemas.microsoft.com/office/drawing/2014/main" id="{C39CBD8B-C99F-48DF-B9D6-08BE118281A8}"/>
-              </a:ext>
-            </a:extLst>
-          </p:cNvPr>
-          <p:cNvSpPr>
-            <a:spLocks noGrp="1"/>
-          </p:cNvSpPr>
-          <p:nvPr>
-            <p:ph type="title"/>
-          </p:nvPr>
-        </p:nvSpPr>
-        <p:spPr/>
-        <p:txBody>
-          <a:bodyPr/>
-          <a:lstStyle/>
-          <a:p>
-            <a:pPr marL="514350" indent="-514350">
-              <a:buFont typeface="+mj-lt"/>
-              <a:buAutoNum type="arabicPeriod"/>
-            </a:pPr>
-            <a:r>
-              <a:rPr lang="en-US" dirty="0"/>
               <a:t>Deploying to Heroku</a:t>
             </a:r>
           </a:p>
@@ -8160,6 +7260,13 @@
   <p:clrMapOvr>
     <a:masterClrMapping/>
   </p:clrMapOvr>
+  <p:timing>
+    <p:tnLst>
+      <p:par>
+        <p:cTn id="1" dur="indefinite" restart="never" nodeType="tmRoot"/>
+      </p:par>
+    </p:tnLst>
+  </p:timing>
 </p:sld>
 </file>
 
@@ -8735,9 +7842,10 @@
               <a:buAutoNum type="arabicPeriod"/>
             </a:pPr>
             <a:r>
-              <a:rPr lang="en-US" dirty="0"/>
-              <a:t>GSP Forms &amp; HTML</a:t>
-            </a:r>
+              <a:rPr lang="en-US" dirty="0" smtClean="0"/>
+              <a:t>Login/GSP/Forms</a:t>
+            </a:r>
+            <a:endParaRPr lang="en-US" dirty="0"/>
           </a:p>
           <a:p>
             <a:pPr marL="514350" indent="-514350">
@@ -8745,18 +7853,12 @@
               <a:buAutoNum type="arabicPeriod"/>
             </a:pPr>
             <a:r>
+              <a:rPr lang="en-US" dirty="0" smtClean="0"/>
+              <a:t>Deploying </a:t>
+            </a:r>
+            <a:r>
               <a:rPr lang="en-US" dirty="0"/>
-              <a:t>Login/Permissions</a:t>
-            </a:r>
-          </a:p>
-          <a:p>
-            <a:pPr marL="514350" indent="-514350">
-              <a:buFont typeface="+mj-lt"/>
-              <a:buAutoNum type="arabicPeriod"/>
-            </a:pPr>
-            <a:r>
-              <a:rPr lang="en-US" dirty="0"/>
-              <a:t>Deploying to Heroku</a:t>
+              <a:t>to Heroku</a:t>
             </a:r>
           </a:p>
         </p:txBody>
@@ -8771,6 +7873,13 @@
   <p:clrMapOvr>
     <a:masterClrMapping/>
   </p:clrMapOvr>
+  <p:timing>
+    <p:tnLst>
+      <p:par>
+        <p:cTn id="1" dur="indefinite" restart="never" nodeType="tmRoot"/>
+      </p:par>
+    </p:tnLst>
+  </p:timing>
 </p:sld>
 </file>
 
@@ -8840,7 +7949,11 @@
           <a:bodyPr/>
           <a:lstStyle/>
           <a:p>
-            <a:endParaRPr lang="en-US"/>
+            <a:r>
+              <a:rPr lang="en-US" dirty="0" smtClean="0"/>
+              <a:t>Or at least the Grails Welcome Screen</a:t>
+            </a:r>
+            <a:endParaRPr lang="en-US" dirty="0"/>
           </a:p>
         </p:txBody>
       </p:sp>
@@ -8854,6 +7967,13 @@
   <p:clrMapOvr>
     <a:masterClrMapping/>
   </p:clrMapOvr>
+  <p:timing>
+    <p:tnLst>
+      <p:par>
+        <p:cTn id="1" dur="indefinite" restart="never" nodeType="tmRoot"/>
+      </p:par>
+    </p:tnLst>
+  </p:timing>
 </p:sld>
 </file>
 
@@ -9054,8 +8174,13 @@
           <a:p>
             <a:r>
               <a:rPr lang="en-US" dirty="0"/>
-              <a:t>Adding Controllers (routes)</a:t>
-            </a:r>
+              <a:t>Adding </a:t>
+            </a:r>
+            <a:r>
+              <a:rPr lang="en-US" dirty="0" smtClean="0"/>
+              <a:t>Controllers</a:t>
+            </a:r>
+            <a:endParaRPr lang="en-US" dirty="0"/>
           </a:p>
         </p:txBody>
       </p:sp>
@@ -9080,7 +8205,11 @@
           <a:bodyPr/>
           <a:lstStyle/>
           <a:p>
-            <a:endParaRPr lang="en-US"/>
+            <a:r>
+              <a:rPr lang="en-US" dirty="0" smtClean="0"/>
+              <a:t>Where the requests go to get answered</a:t>
+            </a:r>
+            <a:endParaRPr lang="en-US" dirty="0"/>
           </a:p>
         </p:txBody>
       </p:sp>
@@ -9094,6 +8223,13 @@
   <p:clrMapOvr>
     <a:masterClrMapping/>
   </p:clrMapOvr>
+  <p:timing>
+    <p:tnLst>
+      <p:par>
+        <p:cTn id="1" dur="indefinite" restart="never" nodeType="tmRoot"/>
+      </p:par>
+    </p:tnLst>
+  </p:timing>
 </p:sld>
 </file>
 
@@ -9390,4 +8526,265 @@
     </a:ext>
   </a:extLst>
 </a:theme>
+</file>
+
+<file path=ppt/theme/theme2.xml><?xml version="1.0" encoding="utf-8"?>
+<a:theme xmlns:a="http://schemas.openxmlformats.org/drawingml/2006/main" name="Office Theme">
+  <a:themeElements>
+    <a:clrScheme name="Office">
+      <a:dk1>
+        <a:sysClr val="windowText" lastClr="000000"/>
+      </a:dk1>
+      <a:lt1>
+        <a:sysClr val="window" lastClr="FFFFFF"/>
+      </a:lt1>
+      <a:dk2>
+        <a:srgbClr val="44546A"/>
+      </a:dk2>
+      <a:lt2>
+        <a:srgbClr val="E7E6E6"/>
+      </a:lt2>
+      <a:accent1>
+        <a:srgbClr val="5B9BD5"/>
+      </a:accent1>
+      <a:accent2>
+        <a:srgbClr val="ED7D31"/>
+      </a:accent2>
+      <a:accent3>
+        <a:srgbClr val="A5A5A5"/>
+      </a:accent3>
+      <a:accent4>
+        <a:srgbClr val="FFC000"/>
+      </a:accent4>
+      <a:accent5>
+        <a:srgbClr val="4472C4"/>
+      </a:accent5>
+      <a:accent6>
+        <a:srgbClr val="70AD47"/>
+      </a:accent6>
+      <a:hlink>
+        <a:srgbClr val="0563C1"/>
+      </a:hlink>
+      <a:folHlink>
+        <a:srgbClr val="954F72"/>
+      </a:folHlink>
+    </a:clrScheme>
+    <a:fontScheme name="Office">
+      <a:majorFont>
+        <a:latin typeface="Calibri Light" panose="020F0302020204030204"/>
+        <a:ea typeface=""/>
+        <a:cs typeface=""/>
+        <a:font script="Jpan" typeface="游ゴシック Light"/>
+        <a:font script="Hang" typeface="맑은 고딕"/>
+        <a:font script="Hans" typeface="等线 Light"/>
+        <a:font script="Hant" typeface="新細明體"/>
+        <a:font script="Arab" typeface="Times New Roman"/>
+        <a:font script="Hebr" typeface="Times New Roman"/>
+        <a:font script="Thai" typeface="Angsana New"/>
+        <a:font script="Ethi" typeface="Nyala"/>
+        <a:font script="Beng" typeface="Vrinda"/>
+        <a:font script="Gujr" typeface="Shruti"/>
+        <a:font script="Khmr" typeface="MoolBoran"/>
+        <a:font script="Knda" typeface="Tunga"/>
+        <a:font script="Guru" typeface="Raavi"/>
+        <a:font script="Cans" typeface="Euphemia"/>
+        <a:font script="Cher" typeface="Plantagenet Cherokee"/>
+        <a:font script="Yiii" typeface="Microsoft Yi Baiti"/>
+        <a:font script="Tibt" typeface="Microsoft Himalaya"/>
+        <a:font script="Thaa" typeface="MV Boli"/>
+        <a:font script="Deva" typeface="Mangal"/>
+        <a:font script="Telu" typeface="Gautami"/>
+        <a:font script="Taml" typeface="Latha"/>
+        <a:font script="Syrc" typeface="Estrangelo Edessa"/>
+        <a:font script="Orya" typeface="Kalinga"/>
+        <a:font script="Mlym" typeface="Kartika"/>
+        <a:font script="Laoo" typeface="DokChampa"/>
+        <a:font script="Sinh" typeface="Iskoola Pota"/>
+        <a:font script="Mong" typeface="Mongolian Baiti"/>
+        <a:font script="Viet" typeface="Times New Roman"/>
+        <a:font script="Uigh" typeface="Microsoft Uighur"/>
+        <a:font script="Geor" typeface="Sylfaen"/>
+      </a:majorFont>
+      <a:minorFont>
+        <a:latin typeface="Calibri" panose="020F0502020204030204"/>
+        <a:ea typeface=""/>
+        <a:cs typeface=""/>
+        <a:font script="Jpan" typeface="游ゴシック"/>
+        <a:font script="Hang" typeface="맑은 고딕"/>
+        <a:font script="Hans" typeface="等线"/>
+        <a:font script="Hant" typeface="新細明體"/>
+        <a:font script="Arab" typeface="Arial"/>
+        <a:font script="Hebr" typeface="Arial"/>
+        <a:font script="Thai" typeface="Cordia New"/>
+        <a:font script="Ethi" typeface="Nyala"/>
+        <a:font script="Beng" typeface="Vrinda"/>
+        <a:font script="Gujr" typeface="Shruti"/>
+        <a:font script="Khmr" typeface="DaunPenh"/>
+        <a:font script="Knda" typeface="Tunga"/>
+        <a:font script="Guru" typeface="Raavi"/>
+        <a:font script="Cans" typeface="Euphemia"/>
+        <a:font script="Cher" typeface="Plantagenet Cherokee"/>
+        <a:font script="Yiii" typeface="Microsoft Yi Baiti"/>
+        <a:font script="Tibt" typeface="Microsoft Himalaya"/>
+        <a:font script="Thaa" typeface="MV Boli"/>
+        <a:font script="Deva" typeface="Mangal"/>
+        <a:font script="Telu" typeface="Gautami"/>
+        <a:font script="Taml" typeface="Latha"/>
+        <a:font script="Syrc" typeface="Estrangelo Edessa"/>
+        <a:font script="Orya" typeface="Kalinga"/>
+        <a:font script="Mlym" typeface="Kartika"/>
+        <a:font script="Laoo" typeface="DokChampa"/>
+        <a:font script="Sinh" typeface="Iskoola Pota"/>
+        <a:font script="Mong" typeface="Mongolian Baiti"/>
+        <a:font script="Viet" typeface="Arial"/>
+        <a:font script="Uigh" typeface="Microsoft Uighur"/>
+        <a:font script="Geor" typeface="Sylfaen"/>
+      </a:minorFont>
+    </a:fontScheme>
+    <a:fmtScheme name="Office">
+      <a:fillStyleLst>
+        <a:solidFill>
+          <a:schemeClr val="phClr"/>
+        </a:solidFill>
+        <a:gradFill rotWithShape="1">
+          <a:gsLst>
+            <a:gs pos="0">
+              <a:schemeClr val="phClr">
+                <a:lumMod val="110000"/>
+                <a:satMod val="105000"/>
+                <a:tint val="67000"/>
+              </a:schemeClr>
+            </a:gs>
+            <a:gs pos="50000">
+              <a:schemeClr val="phClr">
+                <a:lumMod val="105000"/>
+                <a:satMod val="103000"/>
+                <a:tint val="73000"/>
+              </a:schemeClr>
+            </a:gs>
+            <a:gs pos="100000">
+              <a:schemeClr val="phClr">
+                <a:lumMod val="105000"/>
+                <a:satMod val="109000"/>
+                <a:tint val="81000"/>
+              </a:schemeClr>
+            </a:gs>
+          </a:gsLst>
+          <a:lin ang="5400000" scaled="0"/>
+        </a:gradFill>
+        <a:gradFill rotWithShape="1">
+          <a:gsLst>
+            <a:gs pos="0">
+              <a:schemeClr val="phClr">
+                <a:satMod val="103000"/>
+                <a:lumMod val="102000"/>
+                <a:tint val="94000"/>
+              </a:schemeClr>
+            </a:gs>
+            <a:gs pos="50000">
+              <a:schemeClr val="phClr">
+                <a:satMod val="110000"/>
+                <a:lumMod val="100000"/>
+                <a:shade val="100000"/>
+              </a:schemeClr>
+            </a:gs>
+            <a:gs pos="100000">
+              <a:schemeClr val="phClr">
+                <a:lumMod val="99000"/>
+                <a:satMod val="120000"/>
+                <a:shade val="78000"/>
+              </a:schemeClr>
+            </a:gs>
+          </a:gsLst>
+          <a:lin ang="5400000" scaled="0"/>
+        </a:gradFill>
+      </a:fillStyleLst>
+      <a:lnStyleLst>
+        <a:ln w="6350" cap="flat" cmpd="sng" algn="ctr">
+          <a:solidFill>
+            <a:schemeClr val="phClr"/>
+          </a:solidFill>
+          <a:prstDash val="solid"/>
+          <a:miter lim="800000"/>
+        </a:ln>
+        <a:ln w="12700" cap="flat" cmpd="sng" algn="ctr">
+          <a:solidFill>
+            <a:schemeClr val="phClr"/>
+          </a:solidFill>
+          <a:prstDash val="solid"/>
+          <a:miter lim="800000"/>
+        </a:ln>
+        <a:ln w="19050" cap="flat" cmpd="sng" algn="ctr">
+          <a:solidFill>
+            <a:schemeClr val="phClr"/>
+          </a:solidFill>
+          <a:prstDash val="solid"/>
+          <a:miter lim="800000"/>
+        </a:ln>
+      </a:lnStyleLst>
+      <a:effectStyleLst>
+        <a:effectStyle>
+          <a:effectLst/>
+        </a:effectStyle>
+        <a:effectStyle>
+          <a:effectLst/>
+        </a:effectStyle>
+        <a:effectStyle>
+          <a:effectLst>
+            <a:outerShdw blurRad="57150" dist="19050" dir="5400000" algn="ctr" rotWithShape="0">
+              <a:srgbClr val="000000">
+                <a:alpha val="63000"/>
+              </a:srgbClr>
+            </a:outerShdw>
+          </a:effectLst>
+        </a:effectStyle>
+      </a:effectStyleLst>
+      <a:bgFillStyleLst>
+        <a:solidFill>
+          <a:schemeClr val="phClr"/>
+        </a:solidFill>
+        <a:solidFill>
+          <a:schemeClr val="phClr">
+            <a:tint val="95000"/>
+            <a:satMod val="170000"/>
+          </a:schemeClr>
+        </a:solidFill>
+        <a:gradFill rotWithShape="1">
+          <a:gsLst>
+            <a:gs pos="0">
+              <a:schemeClr val="phClr">
+                <a:tint val="93000"/>
+                <a:satMod val="150000"/>
+                <a:shade val="98000"/>
+                <a:lumMod val="102000"/>
+              </a:schemeClr>
+            </a:gs>
+            <a:gs pos="50000">
+              <a:schemeClr val="phClr">
+                <a:tint val="98000"/>
+                <a:satMod val="130000"/>
+                <a:shade val="90000"/>
+                <a:lumMod val="103000"/>
+              </a:schemeClr>
+            </a:gs>
+            <a:gs pos="100000">
+              <a:schemeClr val="phClr">
+                <a:shade val="63000"/>
+                <a:satMod val="120000"/>
+              </a:schemeClr>
+            </a:gs>
+          </a:gsLst>
+          <a:lin ang="5400000" scaled="0"/>
+        </a:gradFill>
+      </a:bgFillStyleLst>
+    </a:fmtScheme>
+  </a:themeElements>
+  <a:objectDefaults/>
+  <a:extraClrSchemeLst/>
+  <a:extLst>
+    <a:ext uri="{05A4C25C-085E-4340-85A3-A5531E510DB2}">
+      <thm15:themeFamily xmlns:thm15="http://schemas.microsoft.com/office/thememl/2012/main" name="Office Theme" id="{62F939B6-93AF-4DB8-9C6B-D6C7DFDC589F}" vid="{4A3C46E8-61CC-4603-A589-7422A47A8E4A}"/>
+    </a:ext>
+  </a:extLst>
+</a:theme>
 </file>
--- a/Presentation.pptx
+++ b/Presentation.pptx
@@ -5,7 +5,7 @@
     <p:sldMasterId id="2147483648" r:id="rId1"/>
   </p:sldMasterIdLst>
   <p:notesMasterIdLst>
-    <p:notesMasterId r:id="rId19"/>
+    <p:notesMasterId r:id="rId25"/>
   </p:notesMasterIdLst>
   <p:sldIdLst>
     <p:sldId id="256" r:id="rId2"/>
@@ -23,8 +23,14 @@
     <p:sldId id="274" r:id="rId14"/>
     <p:sldId id="275" r:id="rId15"/>
     <p:sldId id="267" r:id="rId16"/>
-    <p:sldId id="265" r:id="rId17"/>
-    <p:sldId id="268" r:id="rId18"/>
+    <p:sldId id="276" r:id="rId17"/>
+    <p:sldId id="277" r:id="rId18"/>
+    <p:sldId id="280" r:id="rId19"/>
+    <p:sldId id="265" r:id="rId20"/>
+    <p:sldId id="278" r:id="rId21"/>
+    <p:sldId id="268" r:id="rId22"/>
+    <p:sldId id="281" r:id="rId23"/>
+    <p:sldId id="282" r:id="rId24"/>
   </p:sldIdLst>
   <p:sldSz cx="12192000" cy="6858000"/>
   <p:notesSz cx="6858000" cy="9144000"/>
@@ -1719,6 +1725,3096 @@
     <p:extLst>
       <p:ext uri="{BB962C8B-B14F-4D97-AF65-F5344CB8AC3E}">
         <p14:creationId xmlns:p14="http://schemas.microsoft.com/office/powerpoint/2010/main" val="4136327146"/>
+      </p:ext>
+    </p:extLst>
+  </p:cSld>
+  <p:clrMapOvr>
+    <a:masterClrMapping/>
+  </p:clrMapOvr>
+</p:notes>
+</file>
+
+<file path=ppt/notesSlides/notesSlide4.xml><?xml version="1.0" encoding="utf-8"?>
+<p:notes xmlns:a="http://schemas.openxmlformats.org/drawingml/2006/main" xmlns:r="http://schemas.openxmlformats.org/officeDocument/2006/relationships" xmlns:p="http://schemas.openxmlformats.org/presentationml/2006/main">
+  <p:cSld>
+    <p:spTree>
+      <p:nvGrpSpPr>
+        <p:cNvPr id="1" name=""/>
+        <p:cNvGrpSpPr/>
+        <p:nvPr/>
+      </p:nvGrpSpPr>
+      <p:grpSpPr>
+        <a:xfrm>
+          <a:off x="0" y="0"/>
+          <a:ext cx="0" cy="0"/>
+          <a:chOff x="0" y="0"/>
+          <a:chExt cx="0" cy="0"/>
+        </a:xfrm>
+      </p:grpSpPr>
+      <p:sp>
+        <p:nvSpPr>
+          <p:cNvPr id="2" name="Slide Image Placeholder 1"/>
+          <p:cNvSpPr>
+            <a:spLocks noGrp="1" noRot="1" noChangeAspect="1"/>
+          </p:cNvSpPr>
+          <p:nvPr>
+            <p:ph type="sldImg"/>
+          </p:nvPr>
+        </p:nvSpPr>
+        <p:spPr/>
+      </p:sp>
+      <p:sp>
+        <p:nvSpPr>
+          <p:cNvPr id="3" name="Notes Placeholder 2"/>
+          <p:cNvSpPr>
+            <a:spLocks noGrp="1"/>
+          </p:cNvSpPr>
+          <p:nvPr>
+            <p:ph type="body" idx="1"/>
+          </p:nvPr>
+        </p:nvSpPr>
+        <p:spPr/>
+        <p:txBody>
+          <a:bodyPr/>
+          <a:lstStyle/>
+          <a:p>
+            <a:r>
+              <a:rPr lang="en-US" dirty="0" smtClean="0"/>
+              <a:t>&lt;!</a:t>
+            </a:r>
+            <a:r>
+              <a:rPr lang="en-US" dirty="0" err="1" smtClean="0"/>
+              <a:t>Doctype</a:t>
+            </a:r>
+            <a:r>
+              <a:rPr lang="en-US" dirty="0" smtClean="0"/>
+              <a:t> html&gt;</a:t>
+            </a:r>
+          </a:p>
+          <a:p>
+            <a:endParaRPr lang="en-US" dirty="0" smtClean="0"/>
+          </a:p>
+          <a:p>
+            <a:r>
+              <a:rPr lang="en-US" dirty="0" smtClean="0"/>
+              <a:t>&lt;html&gt;</a:t>
+            </a:r>
+          </a:p>
+          <a:p>
+            <a:endParaRPr lang="en-US" dirty="0" smtClean="0"/>
+          </a:p>
+          <a:p>
+            <a:r>
+              <a:rPr lang="en-US" dirty="0" smtClean="0"/>
+              <a:t>&lt;head&gt;</a:t>
+            </a:r>
+          </a:p>
+          <a:p>
+            <a:r>
+              <a:rPr lang="en-US" dirty="0" smtClean="0"/>
+              <a:t>    &lt;</a:t>
+            </a:r>
+            <a:r>
+              <a:rPr lang="en-US" dirty="0" err="1" smtClean="0"/>
+              <a:t>asset:stylesheet</a:t>
+            </a:r>
+            <a:r>
+              <a:rPr lang="en-US" dirty="0" smtClean="0"/>
+              <a:t> </a:t>
+            </a:r>
+            <a:r>
+              <a:rPr lang="en-US" dirty="0" err="1" smtClean="0"/>
+              <a:t>src</a:t>
+            </a:r>
+            <a:r>
+              <a:rPr lang="en-US" dirty="0" smtClean="0"/>
+              <a:t>="login/index.css" /&gt;</a:t>
+            </a:r>
+          </a:p>
+          <a:p>
+            <a:r>
+              <a:rPr lang="en-US" dirty="0" smtClean="0"/>
+              <a:t>&lt;/head&gt;</a:t>
+            </a:r>
+          </a:p>
+          <a:p>
+            <a:endParaRPr lang="en-US" dirty="0" smtClean="0"/>
+          </a:p>
+          <a:p>
+            <a:r>
+              <a:rPr lang="en-US" dirty="0" smtClean="0"/>
+              <a:t>&lt;body&gt;</a:t>
+            </a:r>
+          </a:p>
+          <a:p>
+            <a:r>
+              <a:rPr lang="en-US" dirty="0" smtClean="0"/>
+              <a:t>    &lt;</a:t>
+            </a:r>
+            <a:r>
+              <a:rPr lang="en-US" dirty="0" err="1" smtClean="0"/>
+              <a:t>g:form</a:t>
+            </a:r>
+            <a:r>
+              <a:rPr lang="en-US" dirty="0" smtClean="0"/>
+              <a:t> action="login" class="login-form"&gt;</a:t>
+            </a:r>
+          </a:p>
+          <a:p>
+            <a:r>
+              <a:rPr lang="en-US" dirty="0" smtClean="0"/>
+              <a:t>        &lt;</a:t>
+            </a:r>
+            <a:r>
+              <a:rPr lang="en-US" dirty="0" err="1" smtClean="0"/>
+              <a:t>g:if</a:t>
+            </a:r>
+            <a:r>
+              <a:rPr lang="en-US" dirty="0" smtClean="0"/>
+              <a:t> test="${</a:t>
+            </a:r>
+            <a:r>
+              <a:rPr lang="en-US" dirty="0" err="1" smtClean="0"/>
+              <a:t>flash.message</a:t>
+            </a:r>
+            <a:r>
+              <a:rPr lang="en-US" dirty="0" smtClean="0"/>
+              <a:t>}"&gt;&lt;label&gt;${</a:t>
+            </a:r>
+            <a:r>
+              <a:rPr lang="en-US" dirty="0" err="1" smtClean="0"/>
+              <a:t>flash.message</a:t>
+            </a:r>
+            <a:r>
+              <a:rPr lang="en-US" dirty="0" smtClean="0"/>
+              <a:t>}&lt;/label&gt;&lt;/</a:t>
+            </a:r>
+            <a:r>
+              <a:rPr lang="en-US" dirty="0" err="1" smtClean="0"/>
+              <a:t>g:if</a:t>
+            </a:r>
+            <a:r>
+              <a:rPr lang="en-US" dirty="0" smtClean="0"/>
+              <a:t>&gt;</a:t>
+            </a:r>
+          </a:p>
+          <a:p>
+            <a:r>
+              <a:rPr lang="en-US" dirty="0" smtClean="0"/>
+              <a:t>        &lt;input type="email" name="email" /&gt;</a:t>
+            </a:r>
+          </a:p>
+          <a:p>
+            <a:r>
+              <a:rPr lang="en-US" dirty="0" smtClean="0"/>
+              <a:t>        &lt;</a:t>
+            </a:r>
+            <a:r>
+              <a:rPr lang="en-US" dirty="0" err="1" smtClean="0"/>
+              <a:t>g:submitButton</a:t>
+            </a:r>
+            <a:r>
+              <a:rPr lang="en-US" dirty="0" smtClean="0"/>
+              <a:t> name="submit" value="Login" /&gt;</a:t>
+            </a:r>
+          </a:p>
+          <a:p>
+            <a:r>
+              <a:rPr lang="en-US" dirty="0" smtClean="0"/>
+              <a:t>    &lt;/</a:t>
+            </a:r>
+            <a:r>
+              <a:rPr lang="en-US" dirty="0" err="1" smtClean="0"/>
+              <a:t>g:form</a:t>
+            </a:r>
+            <a:r>
+              <a:rPr lang="en-US" dirty="0" smtClean="0"/>
+              <a:t>&gt;</a:t>
+            </a:r>
+          </a:p>
+          <a:p>
+            <a:r>
+              <a:rPr lang="en-US" dirty="0" smtClean="0"/>
+              <a:t>&lt;/body&gt;</a:t>
+            </a:r>
+          </a:p>
+          <a:p>
+            <a:endParaRPr lang="en-US" dirty="0" smtClean="0"/>
+          </a:p>
+          <a:p>
+            <a:r>
+              <a:rPr lang="en-US" dirty="0" smtClean="0"/>
+              <a:t>&lt;/html&gt;</a:t>
+            </a:r>
+          </a:p>
+          <a:p>
+            <a:endParaRPr lang="en-US" dirty="0" smtClean="0"/>
+          </a:p>
+          <a:p>
+            <a:endParaRPr lang="en-US" dirty="0" smtClean="0"/>
+          </a:p>
+          <a:p>
+            <a:endParaRPr lang="en-US" dirty="0" smtClean="0"/>
+          </a:p>
+          <a:p>
+            <a:r>
+              <a:rPr lang="en-US" dirty="0" smtClean="0"/>
+              <a:t>class </a:t>
+            </a:r>
+            <a:r>
+              <a:rPr lang="en-US" dirty="0" err="1" smtClean="0"/>
+              <a:t>LoginController</a:t>
+            </a:r>
+            <a:r>
+              <a:rPr lang="en-US" dirty="0" smtClean="0"/>
+              <a:t> {</a:t>
+            </a:r>
+          </a:p>
+          <a:p>
+            <a:endParaRPr lang="en-US" dirty="0" smtClean="0"/>
+          </a:p>
+          <a:p>
+            <a:r>
+              <a:rPr lang="en-US" dirty="0" smtClean="0"/>
+              <a:t>    </a:t>
+            </a:r>
+            <a:r>
+              <a:rPr lang="en-US" dirty="0" err="1" smtClean="0"/>
+              <a:t>def</a:t>
+            </a:r>
+            <a:r>
+              <a:rPr lang="en-US" dirty="0" smtClean="0"/>
+              <a:t> index() { }</a:t>
+            </a:r>
+          </a:p>
+          <a:p>
+            <a:endParaRPr lang="en-US" dirty="0" smtClean="0"/>
+          </a:p>
+          <a:p>
+            <a:r>
+              <a:rPr lang="en-US" dirty="0" smtClean="0"/>
+              <a:t>    </a:t>
+            </a:r>
+            <a:r>
+              <a:rPr lang="en-US" dirty="0" err="1" smtClean="0"/>
+              <a:t>def</a:t>
+            </a:r>
+            <a:r>
+              <a:rPr lang="en-US" dirty="0" smtClean="0"/>
+              <a:t> login() {</a:t>
+            </a:r>
+          </a:p>
+          <a:p>
+            <a:r>
+              <a:rPr lang="en-US" dirty="0" smtClean="0"/>
+              <a:t>        if (</a:t>
+            </a:r>
+            <a:r>
+              <a:rPr lang="en-US" dirty="0" err="1" smtClean="0"/>
+              <a:t>params.email</a:t>
+            </a:r>
+            <a:r>
+              <a:rPr lang="en-US" dirty="0" smtClean="0"/>
+              <a:t>) {</a:t>
+            </a:r>
+          </a:p>
+          <a:p>
+            <a:r>
+              <a:rPr lang="en-US" dirty="0" smtClean="0"/>
+              <a:t>            </a:t>
+            </a:r>
+            <a:r>
+              <a:rPr lang="en-US" dirty="0" err="1" smtClean="0"/>
+              <a:t>def</a:t>
+            </a:r>
+            <a:r>
+              <a:rPr lang="en-US" dirty="0" smtClean="0"/>
+              <a:t> user = </a:t>
+            </a:r>
+            <a:r>
+              <a:rPr lang="en-US" dirty="0" err="1" smtClean="0"/>
+              <a:t>User.findByEmail</a:t>
+            </a:r>
+            <a:r>
+              <a:rPr lang="en-US" dirty="0" smtClean="0"/>
+              <a:t>(</a:t>
+            </a:r>
+            <a:r>
+              <a:rPr lang="en-US" dirty="0" err="1" smtClean="0"/>
+              <a:t>params.email</a:t>
+            </a:r>
+            <a:r>
+              <a:rPr lang="en-US" dirty="0" smtClean="0"/>
+              <a:t>)</a:t>
+            </a:r>
+          </a:p>
+          <a:p>
+            <a:r>
+              <a:rPr lang="en-US" dirty="0" smtClean="0"/>
+              <a:t>            if (!user) {</a:t>
+            </a:r>
+          </a:p>
+          <a:p>
+            <a:r>
+              <a:rPr lang="en-US" dirty="0" smtClean="0"/>
+              <a:t>                new User(email: </a:t>
+            </a:r>
+            <a:r>
+              <a:rPr lang="en-US" dirty="0" err="1" smtClean="0"/>
+              <a:t>params.email</a:t>
+            </a:r>
+            <a:r>
+              <a:rPr lang="en-US" dirty="0" smtClean="0"/>
+              <a:t>).save(flush: true)</a:t>
+            </a:r>
+          </a:p>
+          <a:p>
+            <a:r>
+              <a:rPr lang="en-US" dirty="0" smtClean="0"/>
+              <a:t>            }</a:t>
+            </a:r>
+          </a:p>
+          <a:p>
+            <a:r>
+              <a:rPr lang="en-US" dirty="0" smtClean="0"/>
+              <a:t>            </a:t>
+            </a:r>
+            <a:r>
+              <a:rPr lang="en-US" dirty="0" err="1" smtClean="0"/>
+              <a:t>session.email</a:t>
+            </a:r>
+            <a:r>
+              <a:rPr lang="en-US" dirty="0" smtClean="0"/>
+              <a:t> = </a:t>
+            </a:r>
+            <a:r>
+              <a:rPr lang="en-US" dirty="0" err="1" smtClean="0"/>
+              <a:t>params.email</a:t>
+            </a:r>
+            <a:endParaRPr lang="en-US" dirty="0" smtClean="0"/>
+          </a:p>
+          <a:p>
+            <a:r>
+              <a:rPr lang="en-US" dirty="0" smtClean="0"/>
+              <a:t>            redirect controller: 'app'</a:t>
+            </a:r>
+          </a:p>
+          <a:p>
+            <a:r>
+              <a:rPr lang="en-US" dirty="0" smtClean="0"/>
+              <a:t>        } else {</a:t>
+            </a:r>
+          </a:p>
+          <a:p>
+            <a:r>
+              <a:rPr lang="en-US" dirty="0" smtClean="0"/>
+              <a:t>            </a:t>
+            </a:r>
+            <a:r>
+              <a:rPr lang="en-US" dirty="0" err="1" smtClean="0"/>
+              <a:t>flash.message</a:t>
+            </a:r>
+            <a:r>
+              <a:rPr lang="en-US" dirty="0" smtClean="0"/>
+              <a:t>= "Email Cannot Be Blank"</a:t>
+            </a:r>
+          </a:p>
+          <a:p>
+            <a:r>
+              <a:rPr lang="en-US" dirty="0" smtClean="0"/>
+              <a:t>            redirect action: 'index'</a:t>
+            </a:r>
+          </a:p>
+          <a:p>
+            <a:r>
+              <a:rPr lang="en-US" dirty="0" smtClean="0"/>
+              <a:t>        }</a:t>
+            </a:r>
+          </a:p>
+          <a:p>
+            <a:r>
+              <a:rPr lang="en-US" dirty="0" smtClean="0"/>
+              <a:t>    }</a:t>
+            </a:r>
+          </a:p>
+          <a:p>
+            <a:r>
+              <a:rPr lang="en-US" dirty="0" smtClean="0"/>
+              <a:t>}</a:t>
+            </a:r>
+          </a:p>
+          <a:p>
+            <a:endParaRPr lang="en-US" dirty="0" smtClean="0"/>
+          </a:p>
+          <a:p>
+            <a:endParaRPr lang="en-US" dirty="0" smtClean="0"/>
+          </a:p>
+          <a:p>
+            <a:endParaRPr lang="en-US" dirty="0"/>
+          </a:p>
+        </p:txBody>
+      </p:sp>
+      <p:sp>
+        <p:nvSpPr>
+          <p:cNvPr id="4" name="Slide Number Placeholder 3"/>
+          <p:cNvSpPr>
+            <a:spLocks noGrp="1"/>
+          </p:cNvSpPr>
+          <p:nvPr>
+            <p:ph type="sldNum" sz="quarter" idx="10"/>
+          </p:nvPr>
+        </p:nvSpPr>
+        <p:spPr/>
+        <p:txBody>
+          <a:bodyPr/>
+          <a:lstStyle/>
+          <a:p>
+            <a:fld id="{AEFF6787-0569-4C0B-A8EC-C03867FA7E66}" type="slidenum">
+              <a:rPr lang="en-US" smtClean="0"/>
+              <a:t>16</a:t>
+            </a:fld>
+            <a:endParaRPr lang="en-US"/>
+          </a:p>
+        </p:txBody>
+      </p:sp>
+    </p:spTree>
+    <p:extLst>
+      <p:ext uri="{BB962C8B-B14F-4D97-AF65-F5344CB8AC3E}">
+        <p14:creationId xmlns:p14="http://schemas.microsoft.com/office/powerpoint/2010/main" val="2335176251"/>
+      </p:ext>
+    </p:extLst>
+  </p:cSld>
+  <p:clrMapOvr>
+    <a:masterClrMapping/>
+  </p:clrMapOvr>
+</p:notes>
+</file>
+
+<file path=ppt/notesSlides/notesSlide5.xml><?xml version="1.0" encoding="utf-8"?>
+<p:notes xmlns:a="http://schemas.openxmlformats.org/drawingml/2006/main" xmlns:r="http://schemas.openxmlformats.org/officeDocument/2006/relationships" xmlns:p="http://schemas.openxmlformats.org/presentationml/2006/main">
+  <p:cSld>
+    <p:spTree>
+      <p:nvGrpSpPr>
+        <p:cNvPr id="1" name=""/>
+        <p:cNvGrpSpPr/>
+        <p:nvPr/>
+      </p:nvGrpSpPr>
+      <p:grpSpPr>
+        <a:xfrm>
+          <a:off x="0" y="0"/>
+          <a:ext cx="0" cy="0"/>
+          <a:chOff x="0" y="0"/>
+          <a:chExt cx="0" cy="0"/>
+        </a:xfrm>
+      </p:grpSpPr>
+      <p:sp>
+        <p:nvSpPr>
+          <p:cNvPr id="2" name="Slide Image Placeholder 1"/>
+          <p:cNvSpPr>
+            <a:spLocks noGrp="1" noRot="1" noChangeAspect="1"/>
+          </p:cNvSpPr>
+          <p:nvPr>
+            <p:ph type="sldImg"/>
+          </p:nvPr>
+        </p:nvSpPr>
+        <p:spPr/>
+      </p:sp>
+      <p:sp>
+        <p:nvSpPr>
+          <p:cNvPr id="3" name="Notes Placeholder 2"/>
+          <p:cNvSpPr>
+            <a:spLocks noGrp="1"/>
+          </p:cNvSpPr>
+          <p:nvPr>
+            <p:ph type="body" idx="1"/>
+          </p:nvPr>
+        </p:nvSpPr>
+        <p:spPr/>
+        <p:txBody>
+          <a:bodyPr/>
+          <a:lstStyle/>
+          <a:p>
+            <a:r>
+              <a:rPr lang="en-US" dirty="0" smtClean="0"/>
+              <a:t>class </a:t>
+            </a:r>
+            <a:r>
+              <a:rPr lang="en-US" dirty="0" err="1" smtClean="0"/>
+              <a:t>LoginInterceptor</a:t>
+            </a:r>
+            <a:r>
+              <a:rPr lang="en-US" dirty="0" smtClean="0"/>
+              <a:t> {</a:t>
+            </a:r>
+          </a:p>
+          <a:p>
+            <a:r>
+              <a:rPr lang="en-US" dirty="0" smtClean="0"/>
+              <a:t>    </a:t>
+            </a:r>
+            <a:r>
+              <a:rPr lang="en-US" dirty="0" err="1" smtClean="0"/>
+              <a:t>LoginInterceptor</a:t>
+            </a:r>
+            <a:r>
+              <a:rPr lang="en-US" dirty="0" smtClean="0"/>
+              <a:t> () {</a:t>
+            </a:r>
+          </a:p>
+          <a:p>
+            <a:r>
+              <a:rPr lang="en-US" dirty="0" smtClean="0"/>
+              <a:t>        match controller: "app"</a:t>
+            </a:r>
+          </a:p>
+          <a:p>
+            <a:r>
+              <a:rPr lang="en-US" dirty="0" smtClean="0"/>
+              <a:t>    }</a:t>
+            </a:r>
+          </a:p>
+          <a:p>
+            <a:endParaRPr lang="en-US" dirty="0" smtClean="0"/>
+          </a:p>
+          <a:p>
+            <a:r>
+              <a:rPr lang="en-US" dirty="0" smtClean="0"/>
+              <a:t>    </a:t>
+            </a:r>
+            <a:r>
+              <a:rPr lang="en-US" dirty="0" err="1" smtClean="0"/>
+              <a:t>boolean</a:t>
+            </a:r>
+            <a:r>
+              <a:rPr lang="en-US" dirty="0" smtClean="0"/>
+              <a:t> before() { </a:t>
+            </a:r>
+          </a:p>
+          <a:p>
+            <a:r>
+              <a:rPr lang="en-US" dirty="0" smtClean="0"/>
+              <a:t>        if (!</a:t>
+            </a:r>
+            <a:r>
+              <a:rPr lang="en-US" dirty="0" err="1" smtClean="0"/>
+              <a:t>session.email</a:t>
+            </a:r>
+            <a:r>
+              <a:rPr lang="en-US" dirty="0" smtClean="0"/>
+              <a:t>) {</a:t>
+            </a:r>
+          </a:p>
+          <a:p>
+            <a:r>
+              <a:rPr lang="en-US" dirty="0" smtClean="0"/>
+              <a:t>            redirect controller: 'login'</a:t>
+            </a:r>
+          </a:p>
+          <a:p>
+            <a:r>
+              <a:rPr lang="en-US" dirty="0" smtClean="0"/>
+              <a:t>            return false</a:t>
+            </a:r>
+          </a:p>
+          <a:p>
+            <a:r>
+              <a:rPr lang="en-US" dirty="0" smtClean="0"/>
+              <a:t>        }</a:t>
+            </a:r>
+          </a:p>
+          <a:p>
+            <a:r>
+              <a:rPr lang="en-US" dirty="0" smtClean="0"/>
+              <a:t>        true </a:t>
+            </a:r>
+          </a:p>
+          <a:p>
+            <a:r>
+              <a:rPr lang="en-US" dirty="0" smtClean="0"/>
+              <a:t>    }</a:t>
+            </a:r>
+          </a:p>
+          <a:p>
+            <a:endParaRPr lang="en-US" dirty="0" smtClean="0"/>
+          </a:p>
+          <a:p>
+            <a:r>
+              <a:rPr lang="en-US" dirty="0" smtClean="0"/>
+              <a:t>    </a:t>
+            </a:r>
+            <a:r>
+              <a:rPr lang="en-US" dirty="0" err="1" smtClean="0"/>
+              <a:t>boolean</a:t>
+            </a:r>
+            <a:r>
+              <a:rPr lang="en-US" dirty="0" smtClean="0"/>
+              <a:t> after() { true }</a:t>
+            </a:r>
+          </a:p>
+          <a:p>
+            <a:endParaRPr lang="en-US" dirty="0" smtClean="0"/>
+          </a:p>
+          <a:p>
+            <a:r>
+              <a:rPr lang="en-US" dirty="0" smtClean="0"/>
+              <a:t>    void </a:t>
+            </a:r>
+            <a:r>
+              <a:rPr lang="en-US" dirty="0" err="1" smtClean="0"/>
+              <a:t>afterView</a:t>
+            </a:r>
+            <a:r>
+              <a:rPr lang="en-US" dirty="0" smtClean="0"/>
+              <a:t>() {</a:t>
+            </a:r>
+          </a:p>
+          <a:p>
+            <a:r>
+              <a:rPr lang="en-US" dirty="0" smtClean="0"/>
+              <a:t>        // no-op</a:t>
+            </a:r>
+          </a:p>
+          <a:p>
+            <a:r>
+              <a:rPr lang="en-US" dirty="0" smtClean="0"/>
+              <a:t>    }</a:t>
+            </a:r>
+          </a:p>
+          <a:p>
+            <a:r>
+              <a:rPr lang="en-US" dirty="0" smtClean="0"/>
+              <a:t>}</a:t>
+            </a:r>
+          </a:p>
+          <a:p>
+            <a:endParaRPr lang="en-US" dirty="0"/>
+          </a:p>
+        </p:txBody>
+      </p:sp>
+      <p:sp>
+        <p:nvSpPr>
+          <p:cNvPr id="4" name="Slide Number Placeholder 3"/>
+          <p:cNvSpPr>
+            <a:spLocks noGrp="1"/>
+          </p:cNvSpPr>
+          <p:nvPr>
+            <p:ph type="sldNum" sz="quarter" idx="10"/>
+          </p:nvPr>
+        </p:nvSpPr>
+        <p:spPr/>
+        <p:txBody>
+          <a:bodyPr/>
+          <a:lstStyle/>
+          <a:p>
+            <a:fld id="{AEFF6787-0569-4C0B-A8EC-C03867FA7E66}" type="slidenum">
+              <a:rPr lang="en-US" smtClean="0"/>
+              <a:t>17</a:t>
+            </a:fld>
+            <a:endParaRPr lang="en-US"/>
+          </a:p>
+        </p:txBody>
+      </p:sp>
+    </p:spTree>
+    <p:extLst>
+      <p:ext uri="{BB962C8B-B14F-4D97-AF65-F5344CB8AC3E}">
+        <p14:creationId xmlns:p14="http://schemas.microsoft.com/office/powerpoint/2010/main" val="1380611611"/>
+      </p:ext>
+    </p:extLst>
+  </p:cSld>
+  <p:clrMapOvr>
+    <a:masterClrMapping/>
+  </p:clrMapOvr>
+</p:notes>
+</file>
+
+<file path=ppt/notesSlides/notesSlide6.xml><?xml version="1.0" encoding="utf-8"?>
+<p:notes xmlns:a="http://schemas.openxmlformats.org/drawingml/2006/main" xmlns:r="http://schemas.openxmlformats.org/officeDocument/2006/relationships" xmlns:p="http://schemas.openxmlformats.org/presentationml/2006/main">
+  <p:cSld>
+    <p:spTree>
+      <p:nvGrpSpPr>
+        <p:cNvPr id="1" name=""/>
+        <p:cNvGrpSpPr/>
+        <p:nvPr/>
+      </p:nvGrpSpPr>
+      <p:grpSpPr>
+        <a:xfrm>
+          <a:off x="0" y="0"/>
+          <a:ext cx="0" cy="0"/>
+          <a:chOff x="0" y="0"/>
+          <a:chExt cx="0" cy="0"/>
+        </a:xfrm>
+      </p:grpSpPr>
+      <p:sp>
+        <p:nvSpPr>
+          <p:cNvPr id="2" name="Slide Image Placeholder 1"/>
+          <p:cNvSpPr>
+            <a:spLocks noGrp="1" noRot="1" noChangeAspect="1"/>
+          </p:cNvSpPr>
+          <p:nvPr>
+            <p:ph type="sldImg"/>
+          </p:nvPr>
+        </p:nvSpPr>
+        <p:spPr/>
+      </p:sp>
+      <p:sp>
+        <p:nvSpPr>
+          <p:cNvPr id="3" name="Notes Placeholder 2"/>
+          <p:cNvSpPr>
+            <a:spLocks noGrp="1"/>
+          </p:cNvSpPr>
+          <p:nvPr>
+            <p:ph type="body" idx="1"/>
+          </p:nvPr>
+        </p:nvSpPr>
+        <p:spPr/>
+        <p:txBody>
+          <a:bodyPr/>
+          <a:lstStyle/>
+          <a:p>
+            <a:r>
+              <a:rPr lang="en-US" dirty="0" smtClean="0"/>
+              <a:t>&lt;!</a:t>
+            </a:r>
+            <a:r>
+              <a:rPr lang="en-US" dirty="0" err="1" smtClean="0"/>
+              <a:t>Doctype</a:t>
+            </a:r>
+            <a:r>
+              <a:rPr lang="en-US" dirty="0" smtClean="0"/>
+              <a:t> html&gt;</a:t>
+            </a:r>
+          </a:p>
+          <a:p>
+            <a:endParaRPr lang="en-US" dirty="0" smtClean="0"/>
+          </a:p>
+          <a:p>
+            <a:r>
+              <a:rPr lang="en-US" dirty="0" smtClean="0"/>
+              <a:t>&lt;html&gt;</a:t>
+            </a:r>
+          </a:p>
+          <a:p>
+            <a:endParaRPr lang="en-US" dirty="0" smtClean="0"/>
+          </a:p>
+          <a:p>
+            <a:r>
+              <a:rPr lang="en-US" dirty="0" smtClean="0"/>
+              <a:t>&lt;head&gt;</a:t>
+            </a:r>
+          </a:p>
+          <a:p>
+            <a:r>
+              <a:rPr lang="en-US" dirty="0" smtClean="0"/>
+              <a:t>    &lt;</a:t>
+            </a:r>
+            <a:r>
+              <a:rPr lang="en-US" dirty="0" err="1" smtClean="0"/>
+              <a:t>asset:javascript</a:t>
+            </a:r>
+            <a:r>
+              <a:rPr lang="en-US" dirty="0" smtClean="0"/>
+              <a:t> </a:t>
+            </a:r>
+            <a:r>
+              <a:rPr lang="en-US" dirty="0" err="1" smtClean="0"/>
+              <a:t>src</a:t>
+            </a:r>
+            <a:r>
+              <a:rPr lang="en-US" dirty="0" smtClean="0"/>
+              <a:t>="app/createPost.js" /&gt;</a:t>
+            </a:r>
+          </a:p>
+          <a:p>
+            <a:r>
+              <a:rPr lang="en-US" dirty="0" smtClean="0"/>
+              <a:t>    &lt;</a:t>
+            </a:r>
+            <a:r>
+              <a:rPr lang="en-US" dirty="0" err="1" smtClean="0"/>
+              <a:t>asset:stylesheet</a:t>
+            </a:r>
+            <a:r>
+              <a:rPr lang="en-US" dirty="0" smtClean="0"/>
+              <a:t> </a:t>
+            </a:r>
+            <a:r>
+              <a:rPr lang="en-US" dirty="0" err="1" smtClean="0"/>
+              <a:t>src</a:t>
+            </a:r>
+            <a:r>
+              <a:rPr lang="en-US" dirty="0" smtClean="0"/>
+              <a:t>="app/index.css" /&gt;</a:t>
+            </a:r>
+          </a:p>
+          <a:p>
+            <a:r>
+              <a:rPr lang="en-US" dirty="0" smtClean="0"/>
+              <a:t>&lt;/head&gt;</a:t>
+            </a:r>
+          </a:p>
+          <a:p>
+            <a:endParaRPr lang="en-US" dirty="0" smtClean="0"/>
+          </a:p>
+          <a:p>
+            <a:r>
+              <a:rPr lang="en-US" dirty="0" smtClean="0"/>
+              <a:t>&lt;body&gt;</a:t>
+            </a:r>
+          </a:p>
+          <a:p>
+            <a:r>
+              <a:rPr lang="en-US" dirty="0" smtClean="0"/>
+              <a:t>    &lt;</a:t>
+            </a:r>
+            <a:r>
+              <a:rPr lang="en-US" dirty="0" err="1" smtClean="0"/>
+              <a:t>g:uploadForm</a:t>
+            </a:r>
+            <a:r>
+              <a:rPr lang="en-US" dirty="0" smtClean="0"/>
+              <a:t> action="</a:t>
+            </a:r>
+            <a:r>
+              <a:rPr lang="en-US" dirty="0" err="1" smtClean="0"/>
+              <a:t>savePost</a:t>
+            </a:r>
+            <a:r>
+              <a:rPr lang="en-US" dirty="0" smtClean="0"/>
+              <a:t>" class="post-create-form"&gt;</a:t>
+            </a:r>
+          </a:p>
+          <a:p>
+            <a:r>
+              <a:rPr lang="en-US" dirty="0" smtClean="0"/>
+              <a:t>        &lt;div class="post-preview" name="preview"&gt;&lt;/div&gt;</a:t>
+            </a:r>
+          </a:p>
+          <a:p>
+            <a:r>
+              <a:rPr lang="en-US" dirty="0" smtClean="0"/>
+              <a:t>        &lt;label class="error-message" name="</a:t>
+            </a:r>
+            <a:r>
+              <a:rPr lang="en-US" dirty="0" err="1" smtClean="0"/>
+              <a:t>errmsg</a:t>
+            </a:r>
+            <a:r>
+              <a:rPr lang="en-US" dirty="0" smtClean="0"/>
+              <a:t>"&gt;&lt;/label&gt;</a:t>
+            </a:r>
+          </a:p>
+          <a:p>
+            <a:r>
+              <a:rPr lang="en-US" dirty="0" smtClean="0"/>
+              <a:t>        &lt;</a:t>
+            </a:r>
+            <a:r>
+              <a:rPr lang="en-US" dirty="0" err="1" smtClean="0"/>
+              <a:t>g:if</a:t>
+            </a:r>
+            <a:r>
+              <a:rPr lang="en-US" dirty="0" smtClean="0"/>
+              <a:t> test="${</a:t>
+            </a:r>
+            <a:r>
+              <a:rPr lang="en-US" dirty="0" err="1" smtClean="0"/>
+              <a:t>flash.message</a:t>
+            </a:r>
+            <a:r>
+              <a:rPr lang="en-US" dirty="0" smtClean="0"/>
+              <a:t>}"&gt;&lt;label class='flash-message'&gt;${</a:t>
+            </a:r>
+            <a:r>
+              <a:rPr lang="en-US" dirty="0" err="1" smtClean="0"/>
+              <a:t>flash.message</a:t>
+            </a:r>
+            <a:r>
+              <a:rPr lang="en-US" dirty="0" smtClean="0"/>
+              <a:t>}&lt;/label&gt;&lt;/</a:t>
+            </a:r>
+            <a:r>
+              <a:rPr lang="en-US" dirty="0" err="1" smtClean="0"/>
+              <a:t>g:if</a:t>
+            </a:r>
+            <a:r>
+              <a:rPr lang="en-US" dirty="0" smtClean="0"/>
+              <a:t>&gt;</a:t>
+            </a:r>
+          </a:p>
+          <a:p>
+            <a:r>
+              <a:rPr lang="en-US" dirty="0" smtClean="0"/>
+              <a:t>        &lt;input type="file" name="image" class='file-entry'/&gt;</a:t>
+            </a:r>
+          </a:p>
+          <a:p>
+            <a:r>
+              <a:rPr lang="en-US" dirty="0" smtClean="0"/>
+              <a:t>        &lt;</a:t>
+            </a:r>
+            <a:r>
+              <a:rPr lang="en-US" dirty="0" err="1" smtClean="0"/>
+              <a:t>g:submitButton</a:t>
+            </a:r>
+            <a:r>
+              <a:rPr lang="en-US" dirty="0" smtClean="0"/>
+              <a:t> name='upload' value="Create"/&gt;</a:t>
+            </a:r>
+          </a:p>
+          <a:p>
+            <a:r>
+              <a:rPr lang="en-US" dirty="0" smtClean="0"/>
+              <a:t>    &lt;/</a:t>
+            </a:r>
+            <a:r>
+              <a:rPr lang="en-US" dirty="0" err="1" smtClean="0"/>
+              <a:t>g:uploadForm</a:t>
+            </a:r>
+            <a:r>
+              <a:rPr lang="en-US" dirty="0" smtClean="0"/>
+              <a:t>&gt;</a:t>
+            </a:r>
+          </a:p>
+          <a:p>
+            <a:r>
+              <a:rPr lang="en-US" dirty="0" smtClean="0"/>
+              <a:t>&lt;/body&gt;</a:t>
+            </a:r>
+          </a:p>
+          <a:p>
+            <a:endParaRPr lang="en-US" dirty="0" smtClean="0"/>
+          </a:p>
+          <a:p>
+            <a:r>
+              <a:rPr lang="en-US" dirty="0" smtClean="0"/>
+              <a:t>&lt;/html&gt;</a:t>
+            </a:r>
+          </a:p>
+          <a:p>
+            <a:endParaRPr lang="en-US" dirty="0" smtClean="0"/>
+          </a:p>
+          <a:p>
+            <a:endParaRPr lang="en-US" dirty="0" smtClean="0"/>
+          </a:p>
+          <a:p>
+            <a:endParaRPr lang="en-US" dirty="0" smtClean="0"/>
+          </a:p>
+          <a:p>
+            <a:endParaRPr lang="en-US" dirty="0" smtClean="0"/>
+          </a:p>
+          <a:p>
+            <a:r>
+              <a:rPr lang="en-US" baseline="0" dirty="0" smtClean="0"/>
+              <a:t>    </a:t>
+            </a:r>
+            <a:r>
+              <a:rPr lang="en-US" dirty="0" err="1" smtClean="0"/>
+              <a:t>def</a:t>
+            </a:r>
+            <a:r>
+              <a:rPr lang="en-US" dirty="0" smtClean="0"/>
+              <a:t> </a:t>
+            </a:r>
+            <a:r>
+              <a:rPr lang="en-US" dirty="0" err="1" smtClean="0"/>
+              <a:t>savePost</a:t>
+            </a:r>
+            <a:r>
+              <a:rPr lang="en-US" dirty="0" smtClean="0"/>
+              <a:t>() {</a:t>
+            </a:r>
+          </a:p>
+          <a:p>
+            <a:r>
+              <a:rPr lang="en-US" dirty="0" smtClean="0"/>
+              <a:t>        </a:t>
+            </a:r>
+            <a:r>
+              <a:rPr lang="en-US" dirty="0" err="1" smtClean="0"/>
+              <a:t>def</a:t>
+            </a:r>
+            <a:r>
+              <a:rPr lang="en-US" dirty="0" smtClean="0"/>
+              <a:t> file = </a:t>
+            </a:r>
+            <a:r>
+              <a:rPr lang="en-US" dirty="0" err="1" smtClean="0"/>
+              <a:t>request.getFile</a:t>
+            </a:r>
+            <a:r>
+              <a:rPr lang="en-US" dirty="0" smtClean="0"/>
+              <a:t>('image')</a:t>
+            </a:r>
+          </a:p>
+          <a:p>
+            <a:endParaRPr lang="en-US" dirty="0" smtClean="0"/>
+          </a:p>
+          <a:p>
+            <a:r>
+              <a:rPr lang="en-US" dirty="0" smtClean="0"/>
+              <a:t>        new Post(creator: </a:t>
+            </a:r>
+            <a:r>
+              <a:rPr lang="en-US" dirty="0" err="1" smtClean="0"/>
+              <a:t>User.findByEmail</a:t>
+            </a:r>
+            <a:r>
+              <a:rPr lang="en-US" dirty="0" smtClean="0"/>
+              <a:t>(</a:t>
+            </a:r>
+            <a:r>
+              <a:rPr lang="en-US" dirty="0" err="1" smtClean="0"/>
+              <a:t>session.email</a:t>
+            </a:r>
+            <a:r>
+              <a:rPr lang="en-US" dirty="0" smtClean="0"/>
+              <a:t>), image:</a:t>
+            </a:r>
+          </a:p>
+          <a:p>
+            <a:r>
+              <a:rPr lang="en-US" dirty="0" smtClean="0"/>
+              <a:t>            new </a:t>
+            </a:r>
+            <a:r>
+              <a:rPr lang="en-US" dirty="0" err="1" smtClean="0"/>
+              <a:t>ImageFile</a:t>
+            </a:r>
+            <a:r>
+              <a:rPr lang="en-US" dirty="0" smtClean="0"/>
+              <a:t>(name: </a:t>
+            </a:r>
+            <a:r>
+              <a:rPr lang="en-US" dirty="0" err="1" smtClean="0"/>
+              <a:t>file.originalFilename</a:t>
+            </a:r>
+            <a:r>
+              <a:rPr lang="en-US" dirty="0" smtClean="0"/>
+              <a:t>, </a:t>
+            </a:r>
+            <a:r>
+              <a:rPr lang="en-US" dirty="0" err="1" smtClean="0"/>
+              <a:t>contentType</a:t>
+            </a:r>
+            <a:r>
+              <a:rPr lang="en-US" dirty="0" smtClean="0"/>
+              <a:t>: </a:t>
+            </a:r>
+            <a:r>
+              <a:rPr lang="en-US" dirty="0" err="1" smtClean="0"/>
+              <a:t>file.contentType</a:t>
+            </a:r>
+            <a:r>
+              <a:rPr lang="en-US" dirty="0" smtClean="0"/>
+              <a:t>, </a:t>
+            </a:r>
+            <a:r>
+              <a:rPr lang="en-US" dirty="0" err="1" smtClean="0"/>
+              <a:t>imageData</a:t>
+            </a:r>
+            <a:r>
+              <a:rPr lang="en-US" dirty="0" smtClean="0"/>
+              <a:t>: </a:t>
+            </a:r>
+            <a:r>
+              <a:rPr lang="en-US" dirty="0" err="1" smtClean="0"/>
+              <a:t>file.bytes</a:t>
+            </a:r>
+            <a:r>
+              <a:rPr lang="en-US" dirty="0" smtClean="0"/>
+              <a:t>)</a:t>
+            </a:r>
+          </a:p>
+          <a:p>
+            <a:r>
+              <a:rPr lang="en-US" dirty="0" smtClean="0"/>
+              <a:t>        ).save(flush: true)</a:t>
+            </a:r>
+          </a:p>
+          <a:p>
+            <a:endParaRPr lang="en-US" dirty="0" smtClean="0"/>
+          </a:p>
+          <a:p>
+            <a:r>
+              <a:rPr lang="en-US" dirty="0" smtClean="0"/>
+              <a:t>        redirect action: 'index'</a:t>
+            </a:r>
+          </a:p>
+          <a:p>
+            <a:r>
+              <a:rPr lang="en-US" dirty="0" smtClean="0"/>
+              <a:t>    }</a:t>
+            </a:r>
+          </a:p>
+          <a:p>
+            <a:endParaRPr lang="en-US" dirty="0" smtClean="0"/>
+          </a:p>
+          <a:p>
+            <a:endParaRPr lang="en-US" dirty="0" smtClean="0"/>
+          </a:p>
+          <a:p>
+            <a:endParaRPr lang="en-US" dirty="0" smtClean="0"/>
+          </a:p>
+          <a:p>
+            <a:endParaRPr lang="en-US" dirty="0" smtClean="0"/>
+          </a:p>
+          <a:p>
+            <a:endParaRPr lang="en-US" dirty="0" smtClean="0"/>
+          </a:p>
+          <a:p>
+            <a:r>
+              <a:rPr lang="en-US" dirty="0" err="1" smtClean="0"/>
+              <a:t>document.addEventListener</a:t>
+            </a:r>
+            <a:r>
+              <a:rPr lang="en-US" dirty="0" smtClean="0"/>
+              <a:t>('</a:t>
+            </a:r>
+            <a:r>
+              <a:rPr lang="en-US" dirty="0" err="1" smtClean="0"/>
+              <a:t>DOMContentLoaded</a:t>
+            </a:r>
+            <a:r>
+              <a:rPr lang="en-US" dirty="0" smtClean="0"/>
+              <a:t>', () =&gt; {</a:t>
+            </a:r>
+          </a:p>
+          <a:p>
+            <a:r>
+              <a:rPr lang="en-US" dirty="0" smtClean="0"/>
+              <a:t>    </a:t>
+            </a:r>
+            <a:r>
+              <a:rPr lang="en-US" dirty="0" err="1" smtClean="0"/>
+              <a:t>document.querySelector</a:t>
+            </a:r>
+            <a:r>
+              <a:rPr lang="en-US" dirty="0" smtClean="0"/>
+              <a:t>('.file-entry').</a:t>
+            </a:r>
+            <a:r>
+              <a:rPr lang="en-US" dirty="0" err="1" smtClean="0"/>
+              <a:t>onchange</a:t>
+            </a:r>
+            <a:r>
+              <a:rPr lang="en-US" dirty="0" smtClean="0"/>
+              <a:t> = function (</a:t>
+            </a:r>
+            <a:r>
+              <a:rPr lang="en-US" dirty="0" err="1" smtClean="0"/>
+              <a:t>evt</a:t>
+            </a:r>
+            <a:r>
+              <a:rPr lang="en-US" dirty="0" smtClean="0"/>
+              <a:t>) {</a:t>
+            </a:r>
+          </a:p>
+          <a:p>
+            <a:r>
+              <a:rPr lang="en-US" dirty="0" smtClean="0"/>
+              <a:t>        </a:t>
+            </a:r>
+            <a:r>
+              <a:rPr lang="en-US" dirty="0" err="1" smtClean="0"/>
+              <a:t>document.querySelector</a:t>
+            </a:r>
+            <a:r>
+              <a:rPr lang="en-US" dirty="0" smtClean="0"/>
+              <a:t>('.error-message').</a:t>
+            </a:r>
+            <a:r>
+              <a:rPr lang="en-US" dirty="0" err="1" smtClean="0"/>
+              <a:t>textContent</a:t>
+            </a:r>
+            <a:r>
+              <a:rPr lang="en-US" dirty="0" smtClean="0"/>
+              <a:t> = null;</a:t>
+            </a:r>
+          </a:p>
+          <a:p>
+            <a:r>
+              <a:rPr lang="en-US" dirty="0" smtClean="0"/>
+              <a:t>        </a:t>
+            </a:r>
+            <a:r>
+              <a:rPr lang="en-US" dirty="0" err="1" smtClean="0"/>
+              <a:t>var</a:t>
+            </a:r>
+            <a:r>
+              <a:rPr lang="en-US" dirty="0" smtClean="0"/>
+              <a:t> entry = </a:t>
+            </a:r>
+            <a:r>
+              <a:rPr lang="en-US" dirty="0" err="1" smtClean="0"/>
+              <a:t>evt.target</a:t>
+            </a:r>
+            <a:r>
+              <a:rPr lang="en-US" dirty="0" smtClean="0"/>
+              <a:t>;</a:t>
+            </a:r>
+          </a:p>
+          <a:p>
+            <a:r>
+              <a:rPr lang="en-US" dirty="0" smtClean="0"/>
+              <a:t>        console.log(</a:t>
+            </a:r>
+            <a:r>
+              <a:rPr lang="en-US" dirty="0" err="1" smtClean="0"/>
+              <a:t>evt</a:t>
+            </a:r>
+            <a:r>
+              <a:rPr lang="en-US" dirty="0" smtClean="0"/>
+              <a:t>);</a:t>
+            </a:r>
+          </a:p>
+          <a:p>
+            <a:endParaRPr lang="en-US" dirty="0" smtClean="0"/>
+          </a:p>
+          <a:p>
+            <a:r>
+              <a:rPr lang="en-US" dirty="0" smtClean="0"/>
+              <a:t>        </a:t>
+            </a:r>
+            <a:r>
+              <a:rPr lang="en-US" dirty="0" err="1" smtClean="0"/>
+              <a:t>var</a:t>
+            </a:r>
+            <a:r>
+              <a:rPr lang="en-US" dirty="0" smtClean="0"/>
+              <a:t> file = </a:t>
+            </a:r>
+            <a:r>
+              <a:rPr lang="en-US" dirty="0" err="1" smtClean="0"/>
+              <a:t>entry.files</a:t>
+            </a:r>
+            <a:r>
+              <a:rPr lang="en-US" dirty="0" smtClean="0"/>
+              <a:t>[0];</a:t>
+            </a:r>
+          </a:p>
+          <a:p>
+            <a:r>
+              <a:rPr lang="en-US" dirty="0" smtClean="0"/>
+              <a:t>        </a:t>
+            </a:r>
+            <a:r>
+              <a:rPr lang="en-US" dirty="0" err="1" smtClean="0"/>
+              <a:t>var</a:t>
+            </a:r>
+            <a:r>
+              <a:rPr lang="en-US" dirty="0" smtClean="0"/>
+              <a:t> reader = new </a:t>
+            </a:r>
+            <a:r>
+              <a:rPr lang="en-US" dirty="0" err="1" smtClean="0"/>
+              <a:t>FileReader</a:t>
+            </a:r>
+            <a:r>
+              <a:rPr lang="en-US" dirty="0" smtClean="0"/>
+              <a:t>();</a:t>
+            </a:r>
+          </a:p>
+          <a:p>
+            <a:endParaRPr lang="en-US" dirty="0" smtClean="0"/>
+          </a:p>
+          <a:p>
+            <a:r>
+              <a:rPr lang="en-US" dirty="0" smtClean="0"/>
+              <a:t>        </a:t>
+            </a:r>
+            <a:r>
+              <a:rPr lang="en-US" dirty="0" err="1" smtClean="0"/>
+              <a:t>reader.addEventListener</a:t>
+            </a:r>
+            <a:r>
+              <a:rPr lang="en-US" dirty="0" smtClean="0"/>
+              <a:t>("load", function () {</a:t>
+            </a:r>
+          </a:p>
+          <a:p>
+            <a:r>
+              <a:rPr lang="en-US" dirty="0" smtClean="0"/>
+              <a:t>            </a:t>
+            </a:r>
+            <a:r>
+              <a:rPr lang="en-US" dirty="0" err="1" smtClean="0"/>
+              <a:t>var</a:t>
+            </a:r>
+            <a:r>
+              <a:rPr lang="en-US" dirty="0" smtClean="0"/>
+              <a:t> result = </a:t>
+            </a:r>
+            <a:r>
+              <a:rPr lang="en-US" dirty="0" err="1" smtClean="0"/>
+              <a:t>reader.result</a:t>
+            </a:r>
+            <a:r>
+              <a:rPr lang="en-US" dirty="0" smtClean="0"/>
+              <a:t>;</a:t>
+            </a:r>
+          </a:p>
+          <a:p>
+            <a:r>
+              <a:rPr lang="en-US" dirty="0" smtClean="0"/>
+              <a:t>            </a:t>
+            </a:r>
+            <a:r>
+              <a:rPr lang="en-US" dirty="0" err="1" smtClean="0"/>
+              <a:t>var</a:t>
+            </a:r>
+            <a:r>
+              <a:rPr lang="en-US" dirty="0" smtClean="0"/>
+              <a:t> mime = </a:t>
+            </a:r>
+            <a:r>
+              <a:rPr lang="en-US" dirty="0" err="1" smtClean="0"/>
+              <a:t>result.substring</a:t>
+            </a:r>
+            <a:r>
+              <a:rPr lang="en-US" dirty="0" smtClean="0"/>
+              <a:t>(</a:t>
+            </a:r>
+            <a:r>
+              <a:rPr lang="en-US" dirty="0" err="1" smtClean="0"/>
+              <a:t>result.indexOf</a:t>
+            </a:r>
+            <a:r>
+              <a:rPr lang="en-US" dirty="0" smtClean="0"/>
+              <a:t>(':') + 1, </a:t>
+            </a:r>
+            <a:r>
+              <a:rPr lang="en-US" dirty="0" err="1" smtClean="0"/>
+              <a:t>result.indexOf</a:t>
+            </a:r>
+            <a:r>
+              <a:rPr lang="en-US" dirty="0" smtClean="0"/>
+              <a:t>(';'));</a:t>
+            </a:r>
+          </a:p>
+          <a:p>
+            <a:r>
+              <a:rPr lang="en-US" dirty="0" smtClean="0"/>
+              <a:t>            if (</a:t>
+            </a:r>
+            <a:r>
+              <a:rPr lang="en-US" dirty="0" err="1" smtClean="0"/>
+              <a:t>mime.substring</a:t>
+            </a:r>
+            <a:r>
+              <a:rPr lang="en-US" dirty="0" smtClean="0"/>
+              <a:t>(0, '</a:t>
+            </a:r>
+            <a:r>
+              <a:rPr lang="en-US" dirty="0" err="1" smtClean="0"/>
+              <a:t>image'.length</a:t>
+            </a:r>
+            <a:r>
+              <a:rPr lang="en-US" dirty="0" smtClean="0"/>
+              <a:t>) !== 'image') {</a:t>
+            </a:r>
+          </a:p>
+          <a:p>
+            <a:r>
+              <a:rPr lang="en-US" dirty="0" smtClean="0"/>
+              <a:t>                </a:t>
+            </a:r>
+            <a:r>
+              <a:rPr lang="en-US" dirty="0" err="1" smtClean="0"/>
+              <a:t>entry.value</a:t>
+            </a:r>
+            <a:r>
+              <a:rPr lang="en-US" dirty="0" smtClean="0"/>
+              <a:t> = "";</a:t>
+            </a:r>
+          </a:p>
+          <a:p>
+            <a:endParaRPr lang="en-US" dirty="0" smtClean="0"/>
+          </a:p>
+          <a:p>
+            <a:r>
+              <a:rPr lang="en-US" dirty="0" smtClean="0"/>
+              <a:t>                </a:t>
+            </a:r>
+            <a:r>
+              <a:rPr lang="en-US" dirty="0" err="1" smtClean="0"/>
+              <a:t>document.querySelector</a:t>
+            </a:r>
+            <a:r>
+              <a:rPr lang="en-US" dirty="0" smtClean="0"/>
+              <a:t>('.error-message').</a:t>
+            </a:r>
+            <a:r>
+              <a:rPr lang="en-US" dirty="0" err="1" smtClean="0"/>
+              <a:t>textContent</a:t>
+            </a:r>
+            <a:r>
+              <a:rPr lang="en-US" dirty="0" smtClean="0"/>
+              <a:t> = "Error: bad file type: " + mime</a:t>
+            </a:r>
+          </a:p>
+          <a:p>
+            <a:r>
+              <a:rPr lang="en-US" dirty="0" smtClean="0"/>
+              <a:t>                return;</a:t>
+            </a:r>
+          </a:p>
+          <a:p>
+            <a:r>
+              <a:rPr lang="en-US" dirty="0" smtClean="0"/>
+              <a:t>            }</a:t>
+            </a:r>
+          </a:p>
+          <a:p>
+            <a:r>
+              <a:rPr lang="en-US" dirty="0" smtClean="0"/>
+              <a:t>            console.log(mime);</a:t>
+            </a:r>
+          </a:p>
+          <a:p>
+            <a:endParaRPr lang="en-US" dirty="0" smtClean="0"/>
+          </a:p>
+          <a:p>
+            <a:r>
+              <a:rPr lang="en-US" dirty="0" smtClean="0"/>
+              <a:t>            </a:t>
+            </a:r>
+            <a:r>
+              <a:rPr lang="en-US" dirty="0" err="1" smtClean="0"/>
+              <a:t>document.querySelector</a:t>
+            </a:r>
+            <a:r>
+              <a:rPr lang="en-US" dirty="0" smtClean="0"/>
+              <a:t>('.post-preview').style['background-image'] = "</a:t>
+            </a:r>
+            <a:r>
+              <a:rPr lang="en-US" dirty="0" err="1" smtClean="0"/>
+              <a:t>url</a:t>
+            </a:r>
+            <a:r>
+              <a:rPr lang="en-US" dirty="0" smtClean="0"/>
+              <a:t>(\"" + </a:t>
+            </a:r>
+            <a:r>
+              <a:rPr lang="en-US" dirty="0" err="1" smtClean="0"/>
+              <a:t>reader.result</a:t>
+            </a:r>
+            <a:r>
+              <a:rPr lang="en-US" dirty="0" smtClean="0"/>
+              <a:t> + "\")";</a:t>
+            </a:r>
+          </a:p>
+          <a:p>
+            <a:r>
+              <a:rPr lang="en-US" dirty="0" smtClean="0"/>
+              <a:t>        }, false);</a:t>
+            </a:r>
+          </a:p>
+          <a:p>
+            <a:endParaRPr lang="en-US" dirty="0" smtClean="0"/>
+          </a:p>
+          <a:p>
+            <a:r>
+              <a:rPr lang="en-US" dirty="0" smtClean="0"/>
+              <a:t>        if (file) {</a:t>
+            </a:r>
+          </a:p>
+          <a:p>
+            <a:r>
+              <a:rPr lang="en-US" dirty="0" smtClean="0"/>
+              <a:t>            </a:t>
+            </a:r>
+            <a:r>
+              <a:rPr lang="en-US" dirty="0" err="1" smtClean="0"/>
+              <a:t>reader.readAsDataURL</a:t>
+            </a:r>
+            <a:r>
+              <a:rPr lang="en-US" dirty="0" smtClean="0"/>
+              <a:t>(file);</a:t>
+            </a:r>
+          </a:p>
+          <a:p>
+            <a:r>
+              <a:rPr lang="en-US" dirty="0" smtClean="0"/>
+              <a:t>        }</a:t>
+            </a:r>
+          </a:p>
+          <a:p>
+            <a:r>
+              <a:rPr lang="en-US" dirty="0" smtClean="0"/>
+              <a:t>    };</a:t>
+            </a:r>
+          </a:p>
+          <a:p>
+            <a:r>
+              <a:rPr lang="en-US" dirty="0" smtClean="0"/>
+              <a:t>});</a:t>
+            </a:r>
+            <a:endParaRPr lang="en-US" dirty="0"/>
+          </a:p>
+        </p:txBody>
+      </p:sp>
+      <p:sp>
+        <p:nvSpPr>
+          <p:cNvPr id="4" name="Slide Number Placeholder 3"/>
+          <p:cNvSpPr>
+            <a:spLocks noGrp="1"/>
+          </p:cNvSpPr>
+          <p:nvPr>
+            <p:ph type="sldNum" sz="quarter" idx="10"/>
+          </p:nvPr>
+        </p:nvSpPr>
+        <p:spPr/>
+        <p:txBody>
+          <a:bodyPr/>
+          <a:lstStyle/>
+          <a:p>
+            <a:fld id="{AEFF6787-0569-4C0B-A8EC-C03867FA7E66}" type="slidenum">
+              <a:rPr lang="en-US" smtClean="0"/>
+              <a:t>18</a:t>
+            </a:fld>
+            <a:endParaRPr lang="en-US"/>
+          </a:p>
+        </p:txBody>
+      </p:sp>
+    </p:spTree>
+    <p:extLst>
+      <p:ext uri="{BB962C8B-B14F-4D97-AF65-F5344CB8AC3E}">
+        <p14:creationId xmlns:p14="http://schemas.microsoft.com/office/powerpoint/2010/main" val="772974529"/>
+      </p:ext>
+    </p:extLst>
+  </p:cSld>
+  <p:clrMapOvr>
+    <a:masterClrMapping/>
+  </p:clrMapOvr>
+</p:notes>
+</file>
+
+<file path=ppt/notesSlides/notesSlide7.xml><?xml version="1.0" encoding="utf-8"?>
+<p:notes xmlns:a="http://schemas.openxmlformats.org/drawingml/2006/main" xmlns:r="http://schemas.openxmlformats.org/officeDocument/2006/relationships" xmlns:p="http://schemas.openxmlformats.org/presentationml/2006/main">
+  <p:cSld>
+    <p:spTree>
+      <p:nvGrpSpPr>
+        <p:cNvPr id="1" name=""/>
+        <p:cNvGrpSpPr/>
+        <p:nvPr/>
+      </p:nvGrpSpPr>
+      <p:grpSpPr>
+        <a:xfrm>
+          <a:off x="0" y="0"/>
+          <a:ext cx="0" cy="0"/>
+          <a:chOff x="0" y="0"/>
+          <a:chExt cx="0" cy="0"/>
+        </a:xfrm>
+      </p:grpSpPr>
+      <p:sp>
+        <p:nvSpPr>
+          <p:cNvPr id="2" name="Slide Image Placeholder 1"/>
+          <p:cNvSpPr>
+            <a:spLocks noGrp="1" noRot="1" noChangeAspect="1"/>
+          </p:cNvSpPr>
+          <p:nvPr>
+            <p:ph type="sldImg"/>
+          </p:nvPr>
+        </p:nvSpPr>
+        <p:spPr/>
+      </p:sp>
+      <p:sp>
+        <p:nvSpPr>
+          <p:cNvPr id="3" name="Notes Placeholder 2"/>
+          <p:cNvSpPr>
+            <a:spLocks noGrp="1"/>
+          </p:cNvSpPr>
+          <p:nvPr>
+            <p:ph type="body" idx="1"/>
+          </p:nvPr>
+        </p:nvSpPr>
+        <p:spPr/>
+        <p:txBody>
+          <a:bodyPr/>
+          <a:lstStyle/>
+          <a:p>
+            <a:endParaRPr lang="en-US" dirty="0" smtClean="0"/>
+          </a:p>
+          <a:p>
+            <a:r>
+              <a:rPr lang="en-US" dirty="0" smtClean="0"/>
+              <a:t>    assets "com.bertramlabs.plugins:jsx-asset-pipeline:3.0.7"</a:t>
+            </a:r>
+          </a:p>
+          <a:p>
+            <a:r>
+              <a:rPr lang="en-US" dirty="0" smtClean="0"/>
+              <a:t>    assets "com.bertramlabs.plugins:sass-asset-pipeline:3.0.7"</a:t>
+            </a:r>
+          </a:p>
+          <a:p>
+            <a:endParaRPr lang="en-US" dirty="0" smtClean="0"/>
+          </a:p>
+          <a:p>
+            <a:r>
+              <a:rPr lang="en-US" dirty="0" smtClean="0"/>
+              <a:t>    includes = ['*', 'app/**/*', 'login/**/*']</a:t>
+            </a:r>
+          </a:p>
+          <a:p>
+            <a:r>
+              <a:rPr lang="en-US" dirty="0" smtClean="0"/>
+              <a:t>    excludes = ['**/*']</a:t>
+            </a:r>
+          </a:p>
+          <a:p>
+            <a:endParaRPr lang="en-US" dirty="0" smtClean="0"/>
+          </a:p>
+          <a:p>
+            <a:endParaRPr lang="en-US" dirty="0" smtClean="0"/>
+          </a:p>
+          <a:p>
+            <a:r>
+              <a:rPr lang="en-US" dirty="0" smtClean="0"/>
+              <a:t>        </a:t>
+            </a:r>
+            <a:r>
+              <a:rPr lang="en-US" dirty="0" err="1" smtClean="0"/>
+              <a:t>classpath</a:t>
+            </a:r>
+            <a:r>
+              <a:rPr lang="en-US" dirty="0" smtClean="0"/>
+              <a:t> 'com.craigburke.gradle:client-dependencies:1.4.1‘</a:t>
+            </a:r>
+          </a:p>
+          <a:p>
+            <a:endParaRPr lang="en-US" dirty="0" smtClean="0"/>
+          </a:p>
+          <a:p>
+            <a:endParaRPr lang="en-US" dirty="0" smtClean="0"/>
+          </a:p>
+          <a:p>
+            <a:endParaRPr lang="en-US" dirty="0" smtClean="0"/>
+          </a:p>
+          <a:p>
+            <a:r>
+              <a:rPr lang="en-US" dirty="0" smtClean="0"/>
+              <a:t>apply plugin: '</a:t>
+            </a:r>
+            <a:r>
+              <a:rPr lang="en-US" dirty="0" err="1" smtClean="0"/>
+              <a:t>com.craigburke.client</a:t>
+            </a:r>
+            <a:r>
+              <a:rPr lang="en-US" dirty="0" smtClean="0"/>
+              <a:t>-dependencies‘</a:t>
+            </a:r>
+          </a:p>
+          <a:p>
+            <a:endParaRPr lang="en-US" dirty="0" smtClean="0"/>
+          </a:p>
+          <a:p>
+            <a:r>
+              <a:rPr lang="en-US" dirty="0" err="1" smtClean="0"/>
+              <a:t>clientDependencies</a:t>
+            </a:r>
+            <a:r>
+              <a:rPr lang="en-US" dirty="0" smtClean="0"/>
+              <a:t> {</a:t>
+            </a:r>
+          </a:p>
+          <a:p>
+            <a:r>
+              <a:rPr lang="en-US" dirty="0" smtClean="0"/>
+              <a:t>    </a:t>
+            </a:r>
+            <a:r>
+              <a:rPr lang="en-US" dirty="0" err="1" smtClean="0"/>
+              <a:t>npm</a:t>
+            </a:r>
+            <a:r>
+              <a:rPr lang="en-US" dirty="0" smtClean="0"/>
+              <a:t> {</a:t>
+            </a:r>
+          </a:p>
+          <a:p>
+            <a:r>
+              <a:rPr lang="en-US" dirty="0" smtClean="0"/>
+              <a:t>        react('16.7.0') {}</a:t>
+            </a:r>
+          </a:p>
+          <a:p>
+            <a:r>
+              <a:rPr lang="en-US" dirty="0" smtClean="0"/>
+              <a:t>        'react-</a:t>
+            </a:r>
+            <a:r>
+              <a:rPr lang="en-US" dirty="0" err="1" smtClean="0"/>
+              <a:t>dom</a:t>
+            </a:r>
+            <a:r>
+              <a:rPr lang="en-US" dirty="0" smtClean="0"/>
+              <a:t>'('16.7.0') {}</a:t>
+            </a:r>
+          </a:p>
+          <a:p>
+            <a:r>
+              <a:rPr lang="en-US" dirty="0" smtClean="0"/>
+              <a:t>    }</a:t>
+            </a:r>
+          </a:p>
+          <a:p>
+            <a:r>
+              <a:rPr lang="en-US" dirty="0" smtClean="0"/>
+              <a:t>}</a:t>
+            </a:r>
+          </a:p>
+          <a:p>
+            <a:endParaRPr lang="en-US" dirty="0" smtClean="0"/>
+          </a:p>
+          <a:p>
+            <a:endParaRPr lang="en-US" dirty="0" smtClean="0"/>
+          </a:p>
+          <a:p>
+            <a:r>
+              <a:rPr lang="en-US" dirty="0" smtClean="0"/>
+              <a:t>grails-app/assets/vendor</a:t>
+            </a:r>
+          </a:p>
+          <a:p>
+            <a:endParaRPr lang="en-US" dirty="0" smtClean="0"/>
+          </a:p>
+          <a:p>
+            <a:endParaRPr lang="en-US" dirty="0" smtClean="0"/>
+          </a:p>
+          <a:p>
+            <a:endParaRPr lang="en-US" dirty="0" smtClean="0"/>
+          </a:p>
+          <a:p>
+            <a:endParaRPr lang="en-US" dirty="0" smtClean="0"/>
+          </a:p>
+          <a:p>
+            <a:endParaRPr lang="en-US" dirty="0" smtClean="0"/>
+          </a:p>
+          <a:p>
+            <a:endParaRPr lang="en-US" dirty="0" smtClean="0"/>
+          </a:p>
+          <a:p>
+            <a:r>
+              <a:rPr lang="en-US" sz="1200" b="0" kern="1200" dirty="0" err="1" smtClean="0">
+                <a:solidFill>
+                  <a:schemeClr val="tx1"/>
+                </a:solidFill>
+                <a:effectLst/>
+                <a:latin typeface="+mn-lt"/>
+                <a:ea typeface="+mn-ea"/>
+                <a:cs typeface="+mn-cs"/>
+              </a:rPr>
+              <a:t>var</a:t>
+            </a:r>
+            <a:r>
+              <a:rPr lang="en-US" sz="1200" b="0" kern="1200" dirty="0" smtClean="0">
+                <a:solidFill>
+                  <a:schemeClr val="tx1"/>
+                </a:solidFill>
+                <a:effectLst/>
+                <a:latin typeface="+mn-lt"/>
+                <a:ea typeface="+mn-ea"/>
+                <a:cs typeface="+mn-cs"/>
+              </a:rPr>
+              <a:t> React = require('react')</a:t>
+            </a:r>
+          </a:p>
+          <a:p>
+            <a:r>
+              <a:rPr lang="en-US" sz="1200" b="0" kern="1200" dirty="0" err="1" smtClean="0">
+                <a:solidFill>
+                  <a:schemeClr val="tx1"/>
+                </a:solidFill>
+                <a:effectLst/>
+                <a:latin typeface="+mn-lt"/>
+                <a:ea typeface="+mn-ea"/>
+                <a:cs typeface="+mn-cs"/>
+              </a:rPr>
+              <a:t>var</a:t>
+            </a:r>
+            <a:r>
+              <a:rPr lang="en-US" sz="1200" b="0" kern="1200" dirty="0" smtClean="0">
+                <a:solidFill>
+                  <a:schemeClr val="tx1"/>
+                </a:solidFill>
+                <a:effectLst/>
+                <a:latin typeface="+mn-lt"/>
+                <a:ea typeface="+mn-ea"/>
+                <a:cs typeface="+mn-cs"/>
+              </a:rPr>
+              <a:t> </a:t>
+            </a:r>
+            <a:r>
+              <a:rPr lang="en-US" sz="1200" b="0" kern="1200" dirty="0" err="1" smtClean="0">
+                <a:solidFill>
+                  <a:schemeClr val="tx1"/>
+                </a:solidFill>
+                <a:effectLst/>
+                <a:latin typeface="+mn-lt"/>
+                <a:ea typeface="+mn-ea"/>
+                <a:cs typeface="+mn-cs"/>
+              </a:rPr>
+              <a:t>ReactDOM</a:t>
+            </a:r>
+            <a:r>
+              <a:rPr lang="en-US" sz="1200" b="0" kern="1200" dirty="0" smtClean="0">
+                <a:solidFill>
+                  <a:schemeClr val="tx1"/>
+                </a:solidFill>
+                <a:effectLst/>
+                <a:latin typeface="+mn-lt"/>
+                <a:ea typeface="+mn-ea"/>
+                <a:cs typeface="+mn-cs"/>
+              </a:rPr>
+              <a:t> = require('react-</a:t>
+            </a:r>
+            <a:r>
+              <a:rPr lang="en-US" sz="1200" b="0" kern="1200" dirty="0" err="1" smtClean="0">
+                <a:solidFill>
+                  <a:schemeClr val="tx1"/>
+                </a:solidFill>
+                <a:effectLst/>
+                <a:latin typeface="+mn-lt"/>
+                <a:ea typeface="+mn-ea"/>
+                <a:cs typeface="+mn-cs"/>
+              </a:rPr>
+              <a:t>dom</a:t>
+            </a:r>
+            <a:r>
+              <a:rPr lang="en-US" sz="1200" b="0" kern="1200" dirty="0" smtClean="0">
+                <a:solidFill>
+                  <a:schemeClr val="tx1"/>
+                </a:solidFill>
+                <a:effectLst/>
+                <a:latin typeface="+mn-lt"/>
+                <a:ea typeface="+mn-ea"/>
+                <a:cs typeface="+mn-cs"/>
+              </a:rPr>
+              <a:t>')</a:t>
+            </a:r>
+          </a:p>
+          <a:p>
+            <a:endParaRPr lang="en-US" sz="1200" b="0" kern="1200" dirty="0" smtClean="0">
+              <a:solidFill>
+                <a:schemeClr val="tx1"/>
+              </a:solidFill>
+              <a:effectLst/>
+              <a:latin typeface="+mn-lt"/>
+              <a:ea typeface="+mn-ea"/>
+              <a:cs typeface="+mn-cs"/>
+            </a:endParaRPr>
+          </a:p>
+          <a:p>
+            <a:endParaRPr lang="en-US" sz="1200" b="0" kern="1200" dirty="0" smtClean="0">
+              <a:solidFill>
+                <a:schemeClr val="tx1"/>
+              </a:solidFill>
+              <a:effectLst/>
+              <a:latin typeface="+mn-lt"/>
+              <a:ea typeface="+mn-ea"/>
+              <a:cs typeface="+mn-cs"/>
+            </a:endParaRPr>
+          </a:p>
+          <a:p>
+            <a:r>
+              <a:rPr lang="en-US" sz="1200" b="0" kern="1200" dirty="0" err="1" smtClean="0">
+                <a:solidFill>
+                  <a:schemeClr val="tx1"/>
+                </a:solidFill>
+                <a:effectLst/>
+                <a:latin typeface="+mn-lt"/>
+                <a:ea typeface="+mn-ea"/>
+                <a:cs typeface="+mn-cs"/>
+              </a:rPr>
+              <a:t>document.addEventListener</a:t>
+            </a:r>
+            <a:r>
+              <a:rPr lang="en-US" sz="1200" b="0" kern="1200" dirty="0" smtClean="0">
+                <a:solidFill>
+                  <a:schemeClr val="tx1"/>
+                </a:solidFill>
+                <a:effectLst/>
+                <a:latin typeface="+mn-lt"/>
+                <a:ea typeface="+mn-ea"/>
+                <a:cs typeface="+mn-cs"/>
+              </a:rPr>
+              <a:t>('</a:t>
+            </a:r>
+            <a:r>
+              <a:rPr lang="en-US" sz="1200" b="0" kern="1200" dirty="0" err="1" smtClean="0">
+                <a:solidFill>
+                  <a:schemeClr val="tx1"/>
+                </a:solidFill>
+                <a:effectLst/>
+                <a:latin typeface="+mn-lt"/>
+                <a:ea typeface="+mn-ea"/>
+                <a:cs typeface="+mn-cs"/>
+              </a:rPr>
+              <a:t>DOMContentLoaded</a:t>
+            </a:r>
+            <a:r>
+              <a:rPr lang="en-US" sz="1200" b="0" kern="1200" dirty="0" smtClean="0">
+                <a:solidFill>
+                  <a:schemeClr val="tx1"/>
+                </a:solidFill>
+                <a:effectLst/>
+                <a:latin typeface="+mn-lt"/>
+                <a:ea typeface="+mn-ea"/>
+                <a:cs typeface="+mn-cs"/>
+              </a:rPr>
+              <a:t>', () =&gt; {</a:t>
+            </a:r>
+          </a:p>
+          <a:p>
+            <a:r>
+              <a:rPr lang="en-US" sz="1200" b="0" kern="1200" dirty="0" smtClean="0">
+                <a:solidFill>
+                  <a:schemeClr val="tx1"/>
+                </a:solidFill>
+                <a:effectLst/>
+                <a:latin typeface="+mn-lt"/>
+                <a:ea typeface="+mn-ea"/>
+                <a:cs typeface="+mn-cs"/>
+              </a:rPr>
+              <a:t>    fetch('</a:t>
+            </a:r>
+            <a:r>
+              <a:rPr lang="en-US" sz="1200" b="0" kern="1200" dirty="0" err="1" smtClean="0">
+                <a:solidFill>
+                  <a:schemeClr val="tx1"/>
+                </a:solidFill>
+                <a:effectLst/>
+                <a:latin typeface="+mn-lt"/>
+                <a:ea typeface="+mn-ea"/>
+                <a:cs typeface="+mn-cs"/>
+              </a:rPr>
+              <a:t>getPosts</a:t>
+            </a:r>
+            <a:r>
+              <a:rPr lang="en-US" sz="1200" b="0" kern="1200" dirty="0" smtClean="0">
+                <a:solidFill>
+                  <a:schemeClr val="tx1"/>
+                </a:solidFill>
+                <a:effectLst/>
+                <a:latin typeface="+mn-lt"/>
+                <a:ea typeface="+mn-ea"/>
+                <a:cs typeface="+mn-cs"/>
+              </a:rPr>
+              <a:t>', {credentials: 'include'}).then(r =&gt; </a:t>
+            </a:r>
+            <a:r>
+              <a:rPr lang="en-US" sz="1200" b="0" kern="1200" dirty="0" err="1" smtClean="0">
+                <a:solidFill>
+                  <a:schemeClr val="tx1"/>
+                </a:solidFill>
+                <a:effectLst/>
+                <a:latin typeface="+mn-lt"/>
+                <a:ea typeface="+mn-ea"/>
+                <a:cs typeface="+mn-cs"/>
+              </a:rPr>
+              <a:t>r.json</a:t>
+            </a:r>
+            <a:r>
+              <a:rPr lang="en-US" sz="1200" b="0" kern="1200" dirty="0" smtClean="0">
+                <a:solidFill>
+                  <a:schemeClr val="tx1"/>
+                </a:solidFill>
+                <a:effectLst/>
+                <a:latin typeface="+mn-lt"/>
+                <a:ea typeface="+mn-ea"/>
+                <a:cs typeface="+mn-cs"/>
+              </a:rPr>
+              <a:t>()).then(data =&gt; {</a:t>
+            </a:r>
+          </a:p>
+          <a:p>
+            <a:r>
+              <a:rPr lang="en-US" sz="1200" b="0" kern="1200" dirty="0" smtClean="0">
+                <a:solidFill>
+                  <a:schemeClr val="tx1"/>
+                </a:solidFill>
+                <a:effectLst/>
+                <a:latin typeface="+mn-lt"/>
+                <a:ea typeface="+mn-ea"/>
+                <a:cs typeface="+mn-cs"/>
+              </a:rPr>
+              <a:t>        console.log(data);</a:t>
+            </a:r>
+          </a:p>
+          <a:p>
+            <a:endParaRPr lang="en-US" sz="1200" b="0" kern="1200" dirty="0" smtClean="0">
+              <a:solidFill>
+                <a:schemeClr val="tx1"/>
+              </a:solidFill>
+              <a:effectLst/>
+              <a:latin typeface="+mn-lt"/>
+              <a:ea typeface="+mn-ea"/>
+              <a:cs typeface="+mn-cs"/>
+            </a:endParaRPr>
+          </a:p>
+          <a:p>
+            <a:r>
+              <a:rPr lang="en-US" sz="1200" b="0" kern="1200" dirty="0" smtClean="0">
+                <a:solidFill>
+                  <a:schemeClr val="tx1"/>
+                </a:solidFill>
+                <a:effectLst/>
+                <a:latin typeface="+mn-lt"/>
+                <a:ea typeface="+mn-ea"/>
+                <a:cs typeface="+mn-cs"/>
+              </a:rPr>
+              <a:t>        //</a:t>
+            </a:r>
+            <a:r>
+              <a:rPr lang="en-US" sz="1200" b="0" kern="1200" dirty="0" err="1" smtClean="0">
+                <a:solidFill>
+                  <a:schemeClr val="tx1"/>
+                </a:solidFill>
+                <a:effectLst/>
+                <a:latin typeface="+mn-lt"/>
+                <a:ea typeface="+mn-ea"/>
+                <a:cs typeface="+mn-cs"/>
+              </a:rPr>
+              <a:t>ReactDOM.render</a:t>
+            </a:r>
+            <a:r>
+              <a:rPr lang="en-US" sz="1200" b="0" kern="1200" dirty="0" smtClean="0">
+                <a:solidFill>
+                  <a:schemeClr val="tx1"/>
+                </a:solidFill>
+                <a:effectLst/>
+                <a:latin typeface="+mn-lt"/>
+                <a:ea typeface="+mn-ea"/>
+                <a:cs typeface="+mn-cs"/>
+              </a:rPr>
+              <a:t>(&lt;Posts {...data} /&gt;, </a:t>
+            </a:r>
+            <a:r>
+              <a:rPr lang="en-US" sz="1200" b="0" kern="1200" dirty="0" err="1" smtClean="0">
+                <a:solidFill>
+                  <a:schemeClr val="tx1"/>
+                </a:solidFill>
+                <a:effectLst/>
+                <a:latin typeface="+mn-lt"/>
+                <a:ea typeface="+mn-ea"/>
+                <a:cs typeface="+mn-cs"/>
+              </a:rPr>
+              <a:t>document.getElementById</a:t>
+            </a:r>
+            <a:r>
+              <a:rPr lang="en-US" sz="1200" b="0" kern="1200" dirty="0" smtClean="0">
+                <a:solidFill>
+                  <a:schemeClr val="tx1"/>
+                </a:solidFill>
+                <a:effectLst/>
+                <a:latin typeface="+mn-lt"/>
+                <a:ea typeface="+mn-ea"/>
+                <a:cs typeface="+mn-cs"/>
+              </a:rPr>
+              <a:t>('root'));</a:t>
+            </a:r>
+          </a:p>
+          <a:p>
+            <a:r>
+              <a:rPr lang="en-US" sz="1200" b="0" kern="1200" dirty="0" smtClean="0">
+                <a:solidFill>
+                  <a:schemeClr val="tx1"/>
+                </a:solidFill>
+                <a:effectLst/>
+                <a:latin typeface="+mn-lt"/>
+                <a:ea typeface="+mn-ea"/>
+                <a:cs typeface="+mn-cs"/>
+              </a:rPr>
+              <a:t>    });</a:t>
+            </a:r>
+          </a:p>
+          <a:p>
+            <a:endParaRPr lang="en-US" sz="1200" b="0" kern="1200" dirty="0" smtClean="0">
+              <a:solidFill>
+                <a:schemeClr val="tx1"/>
+              </a:solidFill>
+              <a:effectLst/>
+              <a:latin typeface="+mn-lt"/>
+              <a:ea typeface="+mn-ea"/>
+              <a:cs typeface="+mn-cs"/>
+            </a:endParaRPr>
+          </a:p>
+          <a:p>
+            <a:r>
+              <a:rPr lang="en-US" sz="1200" b="0" kern="1200" dirty="0" smtClean="0">
+                <a:solidFill>
+                  <a:schemeClr val="tx1"/>
+                </a:solidFill>
+                <a:effectLst/>
+                <a:latin typeface="+mn-lt"/>
+                <a:ea typeface="+mn-ea"/>
+                <a:cs typeface="+mn-cs"/>
+              </a:rPr>
+              <a:t>});</a:t>
+            </a:r>
+          </a:p>
+          <a:p>
+            <a:endParaRPr lang="en-US" sz="1200" b="0" kern="1200" dirty="0" smtClean="0">
+              <a:solidFill>
+                <a:schemeClr val="tx1"/>
+              </a:solidFill>
+              <a:effectLst/>
+              <a:latin typeface="+mn-lt"/>
+              <a:ea typeface="+mn-ea"/>
+              <a:cs typeface="+mn-cs"/>
+            </a:endParaRPr>
+          </a:p>
+          <a:p>
+            <a:pPr marL="0" marR="0" lvl="0" indent="0" algn="l" defTabSz="914400" rtl="0" eaLnBrk="1" fontAlgn="auto" latinLnBrk="0" hangingPunct="1">
+              <a:lnSpc>
+                <a:spcPct val="100000"/>
+              </a:lnSpc>
+              <a:spcBef>
+                <a:spcPts val="0"/>
+              </a:spcBef>
+              <a:spcAft>
+                <a:spcPts val="0"/>
+              </a:spcAft>
+              <a:buClrTx/>
+              <a:buSzTx/>
+              <a:buFontTx/>
+              <a:buNone/>
+              <a:tabLst/>
+              <a:defRPr/>
+            </a:pPr>
+            <a:r>
+              <a:rPr lang="en-US" sz="1200" b="0" kern="1200" dirty="0" smtClean="0">
+                <a:solidFill>
+                  <a:schemeClr val="tx1"/>
+                </a:solidFill>
+                <a:effectLst/>
+                <a:latin typeface="+mn-lt"/>
+                <a:ea typeface="+mn-ea"/>
+                <a:cs typeface="+mn-cs"/>
+              </a:rPr>
+              <a:t/>
+            </a:r>
+            <a:br>
+              <a:rPr lang="en-US" sz="1200" b="0" kern="1200" dirty="0" smtClean="0">
+                <a:solidFill>
+                  <a:schemeClr val="tx1"/>
+                </a:solidFill>
+                <a:effectLst/>
+                <a:latin typeface="+mn-lt"/>
+                <a:ea typeface="+mn-ea"/>
+                <a:cs typeface="+mn-cs"/>
+              </a:rPr>
+            </a:br>
+            <a:r>
+              <a:rPr lang="en-US" sz="1200" b="0" kern="1200" dirty="0" err="1" smtClean="0">
+                <a:solidFill>
+                  <a:schemeClr val="tx1"/>
+                </a:solidFill>
+                <a:effectLst/>
+                <a:latin typeface="+mn-lt"/>
+                <a:ea typeface="+mn-ea"/>
+                <a:cs typeface="+mn-cs"/>
+              </a:rPr>
+              <a:t>var</a:t>
+            </a:r>
+            <a:r>
+              <a:rPr lang="en-US" sz="1200" b="0" kern="1200" dirty="0" smtClean="0">
+                <a:solidFill>
+                  <a:schemeClr val="tx1"/>
+                </a:solidFill>
+                <a:effectLst/>
+                <a:latin typeface="+mn-lt"/>
+                <a:ea typeface="+mn-ea"/>
+                <a:cs typeface="+mn-cs"/>
+              </a:rPr>
+              <a:t> Post = require('post.js')</a:t>
+            </a:r>
+          </a:p>
+          <a:p>
+            <a:r>
+              <a:rPr lang="en-US" sz="1200" b="0" kern="1200" dirty="0" smtClean="0">
+                <a:solidFill>
+                  <a:schemeClr val="tx1"/>
+                </a:solidFill>
+                <a:effectLst/>
+                <a:latin typeface="+mn-lt"/>
+                <a:ea typeface="+mn-ea"/>
+                <a:cs typeface="+mn-cs"/>
+              </a:rPr>
+              <a:t>class Posts extends </a:t>
+            </a:r>
+            <a:r>
+              <a:rPr lang="en-US" sz="1200" b="0" kern="1200" dirty="0" err="1" smtClean="0">
+                <a:solidFill>
+                  <a:schemeClr val="tx1"/>
+                </a:solidFill>
+                <a:effectLst/>
+                <a:latin typeface="+mn-lt"/>
+                <a:ea typeface="+mn-ea"/>
+                <a:cs typeface="+mn-cs"/>
+              </a:rPr>
+              <a:t>React.Component</a:t>
+            </a:r>
+            <a:r>
+              <a:rPr lang="en-US" sz="1200" b="0" kern="1200" dirty="0" smtClean="0">
+                <a:solidFill>
+                  <a:schemeClr val="tx1"/>
+                </a:solidFill>
+                <a:effectLst/>
+                <a:latin typeface="+mn-lt"/>
+                <a:ea typeface="+mn-ea"/>
+                <a:cs typeface="+mn-cs"/>
+              </a:rPr>
+              <a:t> {</a:t>
+            </a:r>
+          </a:p>
+          <a:p>
+            <a:r>
+              <a:rPr lang="en-US" sz="1200" b="0" kern="1200" dirty="0" smtClean="0">
+                <a:solidFill>
+                  <a:schemeClr val="tx1"/>
+                </a:solidFill>
+                <a:effectLst/>
+                <a:latin typeface="+mn-lt"/>
+                <a:ea typeface="+mn-ea"/>
+                <a:cs typeface="+mn-cs"/>
+              </a:rPr>
+              <a:t>    constructor(props) {</a:t>
+            </a:r>
+          </a:p>
+          <a:p>
+            <a:r>
+              <a:rPr lang="en-US" sz="1200" b="0" kern="1200" dirty="0" smtClean="0">
+                <a:solidFill>
+                  <a:schemeClr val="tx1"/>
+                </a:solidFill>
+                <a:effectLst/>
+                <a:latin typeface="+mn-lt"/>
+                <a:ea typeface="+mn-ea"/>
+                <a:cs typeface="+mn-cs"/>
+              </a:rPr>
+              <a:t>        super(props);</a:t>
+            </a:r>
+          </a:p>
+          <a:p>
+            <a:r>
+              <a:rPr lang="en-US" sz="1200" b="0" kern="1200" dirty="0" smtClean="0">
+                <a:solidFill>
+                  <a:schemeClr val="tx1"/>
+                </a:solidFill>
+                <a:effectLst/>
+                <a:latin typeface="+mn-lt"/>
+                <a:ea typeface="+mn-ea"/>
+                <a:cs typeface="+mn-cs"/>
+              </a:rPr>
+              <a:t>        </a:t>
+            </a:r>
+            <a:r>
+              <a:rPr lang="en-US" sz="1200" b="0" kern="1200" dirty="0" err="1" smtClean="0">
+                <a:solidFill>
+                  <a:schemeClr val="tx1"/>
+                </a:solidFill>
+                <a:effectLst/>
+                <a:latin typeface="+mn-lt"/>
+                <a:ea typeface="+mn-ea"/>
+                <a:cs typeface="+mn-cs"/>
+              </a:rPr>
+              <a:t>this.state</a:t>
+            </a:r>
+            <a:r>
+              <a:rPr lang="en-US" sz="1200" b="0" kern="1200" dirty="0" smtClean="0">
+                <a:solidFill>
+                  <a:schemeClr val="tx1"/>
+                </a:solidFill>
+                <a:effectLst/>
+                <a:latin typeface="+mn-lt"/>
+                <a:ea typeface="+mn-ea"/>
+                <a:cs typeface="+mn-cs"/>
+              </a:rPr>
+              <a:t> = {posts: </a:t>
+            </a:r>
+            <a:r>
+              <a:rPr lang="en-US" sz="1200" b="0" kern="1200" dirty="0" err="1" smtClean="0">
+                <a:solidFill>
+                  <a:schemeClr val="tx1"/>
+                </a:solidFill>
+                <a:effectLst/>
+                <a:latin typeface="+mn-lt"/>
+                <a:ea typeface="+mn-ea"/>
+                <a:cs typeface="+mn-cs"/>
+              </a:rPr>
+              <a:t>props.posts</a:t>
+            </a:r>
+            <a:r>
+              <a:rPr lang="en-US" sz="1200" b="0" kern="1200" dirty="0" smtClean="0">
+                <a:solidFill>
+                  <a:schemeClr val="tx1"/>
+                </a:solidFill>
+                <a:effectLst/>
+                <a:latin typeface="+mn-lt"/>
+                <a:ea typeface="+mn-ea"/>
+                <a:cs typeface="+mn-cs"/>
+              </a:rPr>
+              <a:t>}</a:t>
+            </a:r>
+          </a:p>
+          <a:p>
+            <a:r>
+              <a:rPr lang="en-US" sz="1200" b="0" kern="1200" dirty="0" smtClean="0">
+                <a:solidFill>
+                  <a:schemeClr val="tx1"/>
+                </a:solidFill>
+                <a:effectLst/>
+                <a:latin typeface="+mn-lt"/>
+                <a:ea typeface="+mn-ea"/>
+                <a:cs typeface="+mn-cs"/>
+              </a:rPr>
+              <a:t>    }</a:t>
+            </a:r>
+          </a:p>
+          <a:p>
+            <a:endParaRPr lang="en-US" sz="1200" b="0" kern="1200" dirty="0" smtClean="0">
+              <a:solidFill>
+                <a:schemeClr val="tx1"/>
+              </a:solidFill>
+              <a:effectLst/>
+              <a:latin typeface="+mn-lt"/>
+              <a:ea typeface="+mn-ea"/>
+              <a:cs typeface="+mn-cs"/>
+            </a:endParaRPr>
+          </a:p>
+          <a:p>
+            <a:r>
+              <a:rPr lang="en-US" sz="1200" b="0" kern="1200" dirty="0" smtClean="0">
+                <a:solidFill>
+                  <a:schemeClr val="tx1"/>
+                </a:solidFill>
+                <a:effectLst/>
+                <a:latin typeface="+mn-lt"/>
+                <a:ea typeface="+mn-ea"/>
+                <a:cs typeface="+mn-cs"/>
+              </a:rPr>
+              <a:t>    render() {</a:t>
+            </a:r>
+          </a:p>
+          <a:p>
+            <a:r>
+              <a:rPr lang="en-US" sz="1200" b="0" kern="1200" dirty="0" smtClean="0">
+                <a:solidFill>
+                  <a:schemeClr val="tx1"/>
+                </a:solidFill>
+                <a:effectLst/>
+                <a:latin typeface="+mn-lt"/>
+                <a:ea typeface="+mn-ea"/>
+                <a:cs typeface="+mn-cs"/>
+              </a:rPr>
+              <a:t>        return &lt;div </a:t>
+            </a:r>
+            <a:r>
+              <a:rPr lang="en-US" sz="1200" b="0" kern="1200" dirty="0" err="1" smtClean="0">
+                <a:solidFill>
+                  <a:schemeClr val="tx1"/>
+                </a:solidFill>
+                <a:effectLst/>
+                <a:latin typeface="+mn-lt"/>
+                <a:ea typeface="+mn-ea"/>
+                <a:cs typeface="+mn-cs"/>
+              </a:rPr>
+              <a:t>className</a:t>
+            </a:r>
+            <a:r>
+              <a:rPr lang="en-US" sz="1200" b="0" kern="1200" dirty="0" smtClean="0">
+                <a:solidFill>
+                  <a:schemeClr val="tx1"/>
+                </a:solidFill>
+                <a:effectLst/>
+                <a:latin typeface="+mn-lt"/>
+                <a:ea typeface="+mn-ea"/>
+                <a:cs typeface="+mn-cs"/>
+              </a:rPr>
+              <a:t>='posts-root'&gt;</a:t>
+            </a:r>
+          </a:p>
+          <a:p>
+            <a:r>
+              <a:rPr lang="en-US" sz="1200" b="0" kern="1200" dirty="0" smtClean="0">
+                <a:solidFill>
+                  <a:schemeClr val="tx1"/>
+                </a:solidFill>
+                <a:effectLst/>
+                <a:latin typeface="+mn-lt"/>
+                <a:ea typeface="+mn-ea"/>
+                <a:cs typeface="+mn-cs"/>
+              </a:rPr>
+              <a:t>            &lt;div </a:t>
+            </a:r>
+            <a:r>
+              <a:rPr lang="en-US" sz="1200" b="0" kern="1200" dirty="0" err="1" smtClean="0">
+                <a:solidFill>
+                  <a:schemeClr val="tx1"/>
+                </a:solidFill>
+                <a:effectLst/>
+                <a:latin typeface="+mn-lt"/>
+                <a:ea typeface="+mn-ea"/>
+                <a:cs typeface="+mn-cs"/>
+              </a:rPr>
+              <a:t>className</a:t>
+            </a:r>
+            <a:r>
+              <a:rPr lang="en-US" sz="1200" b="0" kern="1200" dirty="0" smtClean="0">
+                <a:solidFill>
+                  <a:schemeClr val="tx1"/>
+                </a:solidFill>
+                <a:effectLst/>
+                <a:latin typeface="+mn-lt"/>
+                <a:ea typeface="+mn-ea"/>
+                <a:cs typeface="+mn-cs"/>
+              </a:rPr>
+              <a:t>='posts-create' </a:t>
+            </a:r>
+            <a:r>
+              <a:rPr lang="en-US" sz="1200" b="0" kern="1200" dirty="0" err="1" smtClean="0">
+                <a:solidFill>
+                  <a:schemeClr val="tx1"/>
+                </a:solidFill>
+                <a:effectLst/>
+                <a:latin typeface="+mn-lt"/>
+                <a:ea typeface="+mn-ea"/>
+                <a:cs typeface="+mn-cs"/>
+              </a:rPr>
+              <a:t>onClick</a:t>
+            </a:r>
+            <a:r>
+              <a:rPr lang="en-US" sz="1200" b="0" kern="1200" dirty="0" smtClean="0">
+                <a:solidFill>
+                  <a:schemeClr val="tx1"/>
+                </a:solidFill>
+                <a:effectLst/>
+                <a:latin typeface="+mn-lt"/>
+                <a:ea typeface="+mn-ea"/>
+                <a:cs typeface="+mn-cs"/>
+              </a:rPr>
+              <a:t>={() =&gt; {</a:t>
+            </a:r>
+            <a:r>
+              <a:rPr lang="en-US" sz="1200" b="0" kern="1200" dirty="0" err="1" smtClean="0">
+                <a:solidFill>
+                  <a:schemeClr val="tx1"/>
+                </a:solidFill>
+                <a:effectLst/>
+                <a:latin typeface="+mn-lt"/>
+                <a:ea typeface="+mn-ea"/>
+                <a:cs typeface="+mn-cs"/>
+              </a:rPr>
+              <a:t>window.location</a:t>
+            </a:r>
+            <a:r>
+              <a:rPr lang="en-US" sz="1200" b="0" kern="1200" dirty="0" smtClean="0">
+                <a:solidFill>
+                  <a:schemeClr val="tx1"/>
+                </a:solidFill>
+                <a:effectLst/>
+                <a:latin typeface="+mn-lt"/>
+                <a:ea typeface="+mn-ea"/>
+                <a:cs typeface="+mn-cs"/>
+              </a:rPr>
+              <a:t> = '</a:t>
+            </a:r>
+            <a:r>
+              <a:rPr lang="en-US" sz="1200" b="0" kern="1200" dirty="0" err="1" smtClean="0">
+                <a:solidFill>
+                  <a:schemeClr val="tx1"/>
+                </a:solidFill>
+                <a:effectLst/>
+                <a:latin typeface="+mn-lt"/>
+                <a:ea typeface="+mn-ea"/>
+                <a:cs typeface="+mn-cs"/>
+              </a:rPr>
+              <a:t>createPost</a:t>
+            </a:r>
+            <a:r>
+              <a:rPr lang="en-US" sz="1200" b="0" kern="1200" dirty="0" smtClean="0">
+                <a:solidFill>
+                  <a:schemeClr val="tx1"/>
+                </a:solidFill>
+                <a:effectLst/>
+                <a:latin typeface="+mn-lt"/>
+                <a:ea typeface="+mn-ea"/>
+                <a:cs typeface="+mn-cs"/>
+              </a:rPr>
+              <a:t>'}}&gt;&lt;/div&gt;</a:t>
+            </a:r>
+          </a:p>
+          <a:p>
+            <a:r>
+              <a:rPr lang="en-US" sz="1200" b="0" kern="1200" dirty="0" smtClean="0">
+                <a:solidFill>
+                  <a:schemeClr val="tx1"/>
+                </a:solidFill>
+                <a:effectLst/>
+                <a:latin typeface="+mn-lt"/>
+                <a:ea typeface="+mn-ea"/>
+                <a:cs typeface="+mn-cs"/>
+              </a:rPr>
+              <a:t>            {</a:t>
+            </a:r>
+          </a:p>
+          <a:p>
+            <a:r>
+              <a:rPr lang="en-US" sz="1200" b="0" kern="1200" dirty="0" smtClean="0">
+                <a:solidFill>
+                  <a:schemeClr val="tx1"/>
+                </a:solidFill>
+                <a:effectLst/>
+                <a:latin typeface="+mn-lt"/>
+                <a:ea typeface="+mn-ea"/>
+                <a:cs typeface="+mn-cs"/>
+              </a:rPr>
+              <a:t>                </a:t>
+            </a:r>
+            <a:r>
+              <a:rPr lang="en-US" sz="1200" b="0" kern="1200" dirty="0" err="1" smtClean="0">
+                <a:solidFill>
+                  <a:schemeClr val="tx1"/>
+                </a:solidFill>
+                <a:effectLst/>
+                <a:latin typeface="+mn-lt"/>
+                <a:ea typeface="+mn-ea"/>
+                <a:cs typeface="+mn-cs"/>
+              </a:rPr>
+              <a:t>this.state.posts.map</a:t>
+            </a:r>
+            <a:r>
+              <a:rPr lang="en-US" sz="1200" b="0" kern="1200" dirty="0" smtClean="0">
+                <a:solidFill>
+                  <a:schemeClr val="tx1"/>
+                </a:solidFill>
+                <a:effectLst/>
+                <a:latin typeface="+mn-lt"/>
+                <a:ea typeface="+mn-ea"/>
+                <a:cs typeface="+mn-cs"/>
+              </a:rPr>
+              <a:t>(x =&gt;</a:t>
+            </a:r>
+          </a:p>
+          <a:p>
+            <a:r>
+              <a:rPr lang="en-US" sz="1200" b="0" kern="1200" dirty="0" smtClean="0">
+                <a:solidFill>
+                  <a:schemeClr val="tx1"/>
+                </a:solidFill>
+                <a:effectLst/>
+                <a:latin typeface="+mn-lt"/>
+                <a:ea typeface="+mn-ea"/>
+                <a:cs typeface="+mn-cs"/>
+              </a:rPr>
+              <a:t>                    &lt;Post key={x.id} </a:t>
+            </a:r>
+            <a:r>
+              <a:rPr lang="en-US" sz="1200" b="0" kern="1200" dirty="0" err="1" smtClean="0">
+                <a:solidFill>
+                  <a:schemeClr val="tx1"/>
+                </a:solidFill>
+                <a:effectLst/>
+                <a:latin typeface="+mn-lt"/>
+                <a:ea typeface="+mn-ea"/>
+                <a:cs typeface="+mn-cs"/>
+              </a:rPr>
+              <a:t>postId</a:t>
+            </a:r>
+            <a:r>
+              <a:rPr lang="en-US" sz="1200" b="0" kern="1200" dirty="0" smtClean="0">
+                <a:solidFill>
+                  <a:schemeClr val="tx1"/>
+                </a:solidFill>
+                <a:effectLst/>
+                <a:latin typeface="+mn-lt"/>
+                <a:ea typeface="+mn-ea"/>
+                <a:cs typeface="+mn-cs"/>
+              </a:rPr>
+              <a:t>={x.id} image={</a:t>
+            </a:r>
+            <a:r>
+              <a:rPr lang="en-US" sz="1200" b="0" kern="1200" dirty="0" err="1" smtClean="0">
+                <a:solidFill>
+                  <a:schemeClr val="tx1"/>
+                </a:solidFill>
+                <a:effectLst/>
+                <a:latin typeface="+mn-lt"/>
+                <a:ea typeface="+mn-ea"/>
+                <a:cs typeface="+mn-cs"/>
+              </a:rPr>
+              <a:t>x.image</a:t>
+            </a:r>
+            <a:r>
+              <a:rPr lang="en-US" sz="1200" b="0" kern="1200" dirty="0" smtClean="0">
+                <a:solidFill>
+                  <a:schemeClr val="tx1"/>
+                </a:solidFill>
+                <a:effectLst/>
+                <a:latin typeface="+mn-lt"/>
+                <a:ea typeface="+mn-ea"/>
+                <a:cs typeface="+mn-cs"/>
+              </a:rPr>
+              <a:t>} comments={</a:t>
+            </a:r>
+            <a:r>
+              <a:rPr lang="en-US" sz="1200" b="0" kern="1200" dirty="0" err="1" smtClean="0">
+                <a:solidFill>
+                  <a:schemeClr val="tx1"/>
+                </a:solidFill>
+                <a:effectLst/>
+                <a:latin typeface="+mn-lt"/>
+                <a:ea typeface="+mn-ea"/>
+                <a:cs typeface="+mn-cs"/>
+              </a:rPr>
+              <a:t>x.comments</a:t>
+            </a:r>
+            <a:r>
+              <a:rPr lang="en-US" sz="1200" b="0" kern="1200" dirty="0" smtClean="0">
+                <a:solidFill>
+                  <a:schemeClr val="tx1"/>
+                </a:solidFill>
+                <a:effectLst/>
+                <a:latin typeface="+mn-lt"/>
+                <a:ea typeface="+mn-ea"/>
+                <a:cs typeface="+mn-cs"/>
+              </a:rPr>
+              <a:t>} creator={</a:t>
+            </a:r>
+            <a:r>
+              <a:rPr lang="en-US" sz="1200" b="0" kern="1200" dirty="0" err="1" smtClean="0">
+                <a:solidFill>
+                  <a:schemeClr val="tx1"/>
+                </a:solidFill>
+                <a:effectLst/>
+                <a:latin typeface="+mn-lt"/>
+                <a:ea typeface="+mn-ea"/>
+                <a:cs typeface="+mn-cs"/>
+              </a:rPr>
+              <a:t>x.creator</a:t>
+            </a:r>
+            <a:r>
+              <a:rPr lang="en-US" sz="1200" b="0" kern="1200" dirty="0" smtClean="0">
+                <a:solidFill>
+                  <a:schemeClr val="tx1"/>
+                </a:solidFill>
+                <a:effectLst/>
+                <a:latin typeface="+mn-lt"/>
+                <a:ea typeface="+mn-ea"/>
+                <a:cs typeface="+mn-cs"/>
+              </a:rPr>
+              <a:t>} /&gt;</a:t>
+            </a:r>
+          </a:p>
+          <a:p>
+            <a:r>
+              <a:rPr lang="en-US" sz="1200" b="0" kern="1200" dirty="0" smtClean="0">
+                <a:solidFill>
+                  <a:schemeClr val="tx1"/>
+                </a:solidFill>
+                <a:effectLst/>
+                <a:latin typeface="+mn-lt"/>
+                <a:ea typeface="+mn-ea"/>
+                <a:cs typeface="+mn-cs"/>
+              </a:rPr>
+              <a:t>                )</a:t>
+            </a:r>
+          </a:p>
+          <a:p>
+            <a:r>
+              <a:rPr lang="en-US" sz="1200" b="0" kern="1200" dirty="0" smtClean="0">
+                <a:solidFill>
+                  <a:schemeClr val="tx1"/>
+                </a:solidFill>
+                <a:effectLst/>
+                <a:latin typeface="+mn-lt"/>
+                <a:ea typeface="+mn-ea"/>
+                <a:cs typeface="+mn-cs"/>
+              </a:rPr>
+              <a:t>            }</a:t>
+            </a:r>
+          </a:p>
+          <a:p>
+            <a:r>
+              <a:rPr lang="en-US" sz="1200" b="0" kern="1200" dirty="0" smtClean="0">
+                <a:solidFill>
+                  <a:schemeClr val="tx1"/>
+                </a:solidFill>
+                <a:effectLst/>
+                <a:latin typeface="+mn-lt"/>
+                <a:ea typeface="+mn-ea"/>
+                <a:cs typeface="+mn-cs"/>
+              </a:rPr>
+              <a:t>        &lt;/div&gt;</a:t>
+            </a:r>
+          </a:p>
+          <a:p>
+            <a:r>
+              <a:rPr lang="en-US" sz="1200" b="0" kern="1200" dirty="0" smtClean="0">
+                <a:solidFill>
+                  <a:schemeClr val="tx1"/>
+                </a:solidFill>
+                <a:effectLst/>
+                <a:latin typeface="+mn-lt"/>
+                <a:ea typeface="+mn-ea"/>
+                <a:cs typeface="+mn-cs"/>
+              </a:rPr>
+              <a:t>    }</a:t>
+            </a:r>
+          </a:p>
+          <a:p>
+            <a:r>
+              <a:rPr lang="en-US" sz="1200" b="0" kern="1200" dirty="0" smtClean="0">
+                <a:solidFill>
+                  <a:schemeClr val="tx1"/>
+                </a:solidFill>
+                <a:effectLst/>
+                <a:latin typeface="+mn-lt"/>
+                <a:ea typeface="+mn-ea"/>
+                <a:cs typeface="+mn-cs"/>
+              </a:rPr>
+              <a:t>}</a:t>
+            </a:r>
+          </a:p>
+          <a:p>
+            <a:endParaRPr lang="en-US" sz="1200" b="0" kern="1200" dirty="0" smtClean="0">
+              <a:solidFill>
+                <a:schemeClr val="tx1"/>
+              </a:solidFill>
+              <a:effectLst/>
+              <a:latin typeface="+mn-lt"/>
+              <a:ea typeface="+mn-ea"/>
+              <a:cs typeface="+mn-cs"/>
+            </a:endParaRPr>
+          </a:p>
+          <a:p>
+            <a:endParaRPr lang="en-US" sz="1200" b="0" kern="1200" dirty="0" smtClean="0">
+              <a:solidFill>
+                <a:schemeClr val="tx1"/>
+              </a:solidFill>
+              <a:effectLst/>
+              <a:latin typeface="+mn-lt"/>
+              <a:ea typeface="+mn-ea"/>
+              <a:cs typeface="+mn-cs"/>
+            </a:endParaRPr>
+          </a:p>
+          <a:p>
+            <a:endParaRPr lang="en-US" sz="1200" b="0" kern="1200" dirty="0" smtClean="0">
+              <a:solidFill>
+                <a:schemeClr val="tx1"/>
+              </a:solidFill>
+              <a:effectLst/>
+              <a:latin typeface="+mn-lt"/>
+              <a:ea typeface="+mn-ea"/>
+              <a:cs typeface="+mn-cs"/>
+            </a:endParaRPr>
+          </a:p>
+          <a:p>
+            <a:endParaRPr lang="en-US" dirty="0" smtClean="0"/>
+          </a:p>
+          <a:p>
+            <a:endParaRPr lang="en-US" dirty="0"/>
+          </a:p>
+        </p:txBody>
+      </p:sp>
+      <p:sp>
+        <p:nvSpPr>
+          <p:cNvPr id="4" name="Slide Number Placeholder 3"/>
+          <p:cNvSpPr>
+            <a:spLocks noGrp="1"/>
+          </p:cNvSpPr>
+          <p:nvPr>
+            <p:ph type="sldNum" sz="quarter" idx="10"/>
+          </p:nvPr>
+        </p:nvSpPr>
+        <p:spPr/>
+        <p:txBody>
+          <a:bodyPr/>
+          <a:lstStyle/>
+          <a:p>
+            <a:fld id="{AEFF6787-0569-4C0B-A8EC-C03867FA7E66}" type="slidenum">
+              <a:rPr lang="en-US" smtClean="0"/>
+              <a:t>20</a:t>
+            </a:fld>
+            <a:endParaRPr lang="en-US"/>
+          </a:p>
+        </p:txBody>
+      </p:sp>
+    </p:spTree>
+    <p:extLst>
+      <p:ext uri="{BB962C8B-B14F-4D97-AF65-F5344CB8AC3E}">
+        <p14:creationId xmlns:p14="http://schemas.microsoft.com/office/powerpoint/2010/main" val="2584275049"/>
+      </p:ext>
+    </p:extLst>
+  </p:cSld>
+  <p:clrMapOvr>
+    <a:masterClrMapping/>
+  </p:clrMapOvr>
+</p:notes>
+</file>
+
+<file path=ppt/notesSlides/notesSlide8.xml><?xml version="1.0" encoding="utf-8"?>
+<p:notes xmlns:a="http://schemas.openxmlformats.org/drawingml/2006/main" xmlns:r="http://schemas.openxmlformats.org/officeDocument/2006/relationships" xmlns:p="http://schemas.openxmlformats.org/presentationml/2006/main">
+  <p:cSld>
+    <p:spTree>
+      <p:nvGrpSpPr>
+        <p:cNvPr id="1" name=""/>
+        <p:cNvGrpSpPr/>
+        <p:nvPr/>
+      </p:nvGrpSpPr>
+      <p:grpSpPr>
+        <a:xfrm>
+          <a:off x="0" y="0"/>
+          <a:ext cx="0" cy="0"/>
+          <a:chOff x="0" y="0"/>
+          <a:chExt cx="0" cy="0"/>
+        </a:xfrm>
+      </p:grpSpPr>
+      <p:sp>
+        <p:nvSpPr>
+          <p:cNvPr id="2" name="Slide Image Placeholder 1"/>
+          <p:cNvSpPr>
+            <a:spLocks noGrp="1" noRot="1" noChangeAspect="1"/>
+          </p:cNvSpPr>
+          <p:nvPr>
+            <p:ph type="sldImg"/>
+          </p:nvPr>
+        </p:nvSpPr>
+        <p:spPr/>
+      </p:sp>
+      <p:sp>
+        <p:nvSpPr>
+          <p:cNvPr id="3" name="Notes Placeholder 2"/>
+          <p:cNvSpPr>
+            <a:spLocks noGrp="1"/>
+          </p:cNvSpPr>
+          <p:nvPr>
+            <p:ph type="body" idx="1"/>
+          </p:nvPr>
+        </p:nvSpPr>
+        <p:spPr/>
+        <p:txBody>
+          <a:bodyPr/>
+          <a:lstStyle/>
+          <a:p>
+            <a:endParaRPr lang="en-US" dirty="0" smtClean="0"/>
+          </a:p>
+          <a:p>
+            <a:r>
+              <a:rPr lang="en-US" dirty="0" smtClean="0"/>
+              <a:t>    runtime 'mysql:mysql-connector-java:8.0.11‘</a:t>
+            </a:r>
+          </a:p>
+          <a:p>
+            <a:endParaRPr lang="en-US" dirty="0" smtClean="0"/>
+          </a:p>
+          <a:p>
+            <a:endParaRPr lang="en-US" dirty="0" smtClean="0"/>
+          </a:p>
+          <a:p>
+            <a:endParaRPr lang="en-US" dirty="0" smtClean="0"/>
+          </a:p>
+          <a:p>
+            <a:r>
+              <a:rPr lang="en-US" dirty="0" err="1" smtClean="0"/>
+              <a:t>dataSource</a:t>
+            </a:r>
+            <a:r>
+              <a:rPr lang="en-US" dirty="0" smtClean="0"/>
+              <a:t>:</a:t>
+            </a:r>
+          </a:p>
+          <a:p>
+            <a:r>
+              <a:rPr lang="en-US" dirty="0" smtClean="0"/>
+              <a:t>    pooled: true</a:t>
+            </a:r>
+          </a:p>
+          <a:p>
+            <a:r>
+              <a:rPr lang="en-US" dirty="0" smtClean="0"/>
+              <a:t>    </a:t>
+            </a:r>
+            <a:r>
+              <a:rPr lang="en-US" dirty="0" err="1" smtClean="0"/>
+              <a:t>jmxExport</a:t>
+            </a:r>
+            <a:r>
+              <a:rPr lang="en-US" dirty="0" smtClean="0"/>
+              <a:t>: true</a:t>
+            </a:r>
+          </a:p>
+          <a:p>
+            <a:endParaRPr lang="en-US" dirty="0" smtClean="0"/>
+          </a:p>
+          <a:p>
+            <a:r>
+              <a:rPr lang="en-US" dirty="0" smtClean="0"/>
+              <a:t>environments:</a:t>
+            </a:r>
+          </a:p>
+          <a:p>
+            <a:r>
+              <a:rPr lang="en-US" dirty="0" smtClean="0"/>
+              <a:t>    development:</a:t>
+            </a:r>
+          </a:p>
+          <a:p>
+            <a:r>
+              <a:rPr lang="en-US" dirty="0" smtClean="0"/>
+              <a:t>        </a:t>
+            </a:r>
+            <a:r>
+              <a:rPr lang="en-US" dirty="0" err="1" smtClean="0"/>
+              <a:t>dataSource</a:t>
+            </a:r>
+            <a:r>
+              <a:rPr lang="en-US" dirty="0" smtClean="0"/>
+              <a:t>:</a:t>
+            </a:r>
+          </a:p>
+          <a:p>
+            <a:r>
+              <a:rPr lang="en-US" dirty="0" smtClean="0"/>
+              <a:t>            username: </a:t>
+            </a:r>
+            <a:r>
+              <a:rPr lang="en-US" dirty="0" err="1" smtClean="0"/>
+              <a:t>sa</a:t>
+            </a:r>
+            <a:endParaRPr lang="en-US" dirty="0" smtClean="0"/>
+          </a:p>
+          <a:p>
+            <a:r>
+              <a:rPr lang="en-US" dirty="0" smtClean="0"/>
+              <a:t>            password: ''</a:t>
+            </a:r>
+          </a:p>
+          <a:p>
+            <a:r>
+              <a:rPr lang="en-US" dirty="0" smtClean="0"/>
+              <a:t>            </a:t>
+            </a:r>
+            <a:r>
+              <a:rPr lang="en-US" dirty="0" err="1" smtClean="0"/>
+              <a:t>dbCreate</a:t>
+            </a:r>
+            <a:r>
+              <a:rPr lang="en-US" dirty="0" smtClean="0"/>
+              <a:t>: create-drop</a:t>
+            </a:r>
+          </a:p>
+          <a:p>
+            <a:r>
+              <a:rPr lang="en-US" dirty="0" smtClean="0"/>
+              <a:t>            </a:t>
+            </a:r>
+            <a:r>
+              <a:rPr lang="en-US" dirty="0" err="1" smtClean="0"/>
+              <a:t>driverClassName</a:t>
+            </a:r>
+            <a:r>
+              <a:rPr lang="en-US" dirty="0" smtClean="0"/>
+              <a:t>: org.h2.Driver</a:t>
+            </a:r>
+          </a:p>
+          <a:p>
+            <a:r>
+              <a:rPr lang="en-US" dirty="0" smtClean="0"/>
+              <a:t>            url: jdbc:h2:mem:devDb;MVCC=TRUE;LOCK_TIMEOUT=10000;DB_CLOSE_ON_EXIT=FALSE</a:t>
+            </a:r>
+          </a:p>
+          <a:p>
+            <a:r>
+              <a:rPr lang="en-US" dirty="0" smtClean="0"/>
+              <a:t>    production:</a:t>
+            </a:r>
+          </a:p>
+          <a:p>
+            <a:r>
+              <a:rPr lang="en-US" dirty="0" smtClean="0"/>
+              <a:t>        </a:t>
+            </a:r>
+            <a:r>
+              <a:rPr lang="en-US" dirty="0" err="1" smtClean="0"/>
+              <a:t>dataSource</a:t>
+            </a:r>
+            <a:r>
+              <a:rPr lang="en-US" dirty="0" smtClean="0"/>
+              <a:t>:</a:t>
+            </a:r>
+          </a:p>
+          <a:p>
+            <a:r>
+              <a:rPr lang="en-US" dirty="0" smtClean="0"/>
+              <a:t>            dialect: org.hibernate.dialect.MySQL5InnoDBDialect</a:t>
+            </a:r>
+          </a:p>
+          <a:p>
+            <a:r>
+              <a:rPr lang="en-US" dirty="0" smtClean="0"/>
+              <a:t>            </a:t>
+            </a:r>
+            <a:r>
+              <a:rPr lang="en-US" dirty="0" err="1" smtClean="0"/>
+              <a:t>driverClassName</a:t>
+            </a:r>
+            <a:r>
+              <a:rPr lang="en-US" dirty="0" smtClean="0"/>
+              <a:t>: </a:t>
+            </a:r>
+            <a:r>
+              <a:rPr lang="en-US" dirty="0" err="1" smtClean="0"/>
+              <a:t>com.mysql.jdbc.Driver</a:t>
+            </a:r>
+            <a:endParaRPr lang="en-US" dirty="0" smtClean="0"/>
+          </a:p>
+          <a:p>
+            <a:r>
+              <a:rPr lang="en-US" dirty="0" smtClean="0"/>
+              <a:t>            </a:t>
+            </a:r>
+            <a:r>
+              <a:rPr lang="en-US" dirty="0" err="1" smtClean="0"/>
+              <a:t>dbCreate</a:t>
+            </a:r>
+            <a:r>
+              <a:rPr lang="en-US" dirty="0" smtClean="0"/>
+              <a:t>: update</a:t>
+            </a:r>
+            <a:endParaRPr lang="en-US" dirty="0"/>
+          </a:p>
+        </p:txBody>
+      </p:sp>
+      <p:sp>
+        <p:nvSpPr>
+          <p:cNvPr id="4" name="Slide Number Placeholder 3"/>
+          <p:cNvSpPr>
+            <a:spLocks noGrp="1"/>
+          </p:cNvSpPr>
+          <p:nvPr>
+            <p:ph type="sldNum" sz="quarter" idx="10"/>
+          </p:nvPr>
+        </p:nvSpPr>
+        <p:spPr/>
+        <p:txBody>
+          <a:bodyPr/>
+          <a:lstStyle/>
+          <a:p>
+            <a:fld id="{AEFF6787-0569-4C0B-A8EC-C03867FA7E66}" type="slidenum">
+              <a:rPr lang="en-US" smtClean="0"/>
+              <a:t>22</a:t>
+            </a:fld>
+            <a:endParaRPr lang="en-US"/>
+          </a:p>
+        </p:txBody>
+      </p:sp>
+    </p:spTree>
+    <p:extLst>
+      <p:ext uri="{BB962C8B-B14F-4D97-AF65-F5344CB8AC3E}">
+        <p14:creationId xmlns:p14="http://schemas.microsoft.com/office/powerpoint/2010/main" val="4160243895"/>
       </p:ext>
     </p:extLst>
   </p:cSld>
@@ -7101,13 +10197,7 @@
       </p:grpSpPr>
       <p:sp>
         <p:nvSpPr>
-          <p:cNvPr id="2" name="Title 1">
-            <a:extLst>
-              <a:ext uri="{FF2B5EF4-FFF2-40B4-BE49-F238E27FC236}">
-                <a16:creationId xmlns:a16="http://schemas.microsoft.com/office/drawing/2014/main" id="{C39CBD8B-C99F-48DF-B9D6-08BE118281A8}"/>
-              </a:ext>
-            </a:extLst>
-          </p:cNvPr>
+          <p:cNvPr id="2" name="Title 1"/>
           <p:cNvSpPr>
             <a:spLocks noGrp="1"/>
           </p:cNvSpPr>
@@ -7121,34 +10211,21 @@
           <a:lstStyle/>
           <a:p>
             <a:r>
-              <a:rPr lang="en-US" dirty="0"/>
-              <a:t>The </a:t>
-            </a:r>
-            <a:r>
-              <a:rPr lang="en-US" dirty="0" smtClean="0"/>
-              <a:t>Frontend: </a:t>
-            </a:r>
-            <a:r>
-              <a:rPr lang="en-US" dirty="0"/>
-              <a:t>React.js</a:t>
-            </a:r>
-          </a:p>
-        </p:txBody>
-      </p:sp>
-      <p:sp>
-        <p:nvSpPr>
-          <p:cNvPr id="3" name="Content Placeholder 2">
-            <a:extLst>
-              <a:ext uri="{FF2B5EF4-FFF2-40B4-BE49-F238E27FC236}">
-                <a16:creationId xmlns:a16="http://schemas.microsoft.com/office/drawing/2014/main" id="{0DA6032D-6BB5-4CB8-9861-49A3A6D0C31F}"/>
-              </a:ext>
-            </a:extLst>
-          </p:cNvPr>
-          <p:cNvSpPr>
-            <a:spLocks noGrp="1"/>
-          </p:cNvSpPr>
-          <p:nvPr>
-            <p:ph type="body" idx="1"/>
+              <a:rPr lang="en-US" dirty="0" smtClean="0"/>
+              <a:t>The login page &amp; GSP</a:t>
+            </a:r>
+            <a:endParaRPr lang="en-US" dirty="0"/>
+          </a:p>
+        </p:txBody>
+      </p:sp>
+      <p:sp>
+        <p:nvSpPr>
+          <p:cNvPr id="3" name="Content Placeholder 2"/>
+          <p:cNvSpPr>
+            <a:spLocks noGrp="1"/>
+          </p:cNvSpPr>
+          <p:nvPr>
+            <p:ph idx="1"/>
           </p:nvPr>
         </p:nvSpPr>
         <p:spPr/>
@@ -7156,14 +10233,90 @@
           <a:bodyPr/>
           <a:lstStyle/>
           <a:p>
-            <a:endParaRPr lang="en-US"/>
+            <a:r>
+              <a:rPr lang="en-US" dirty="0" smtClean="0"/>
+              <a:t>New controller</a:t>
+            </a:r>
+          </a:p>
+          <a:p>
+            <a:pPr lvl="1"/>
+            <a:r>
+              <a:rPr lang="en-US" dirty="0" smtClean="0"/>
+              <a:t>Showing the login page</a:t>
+            </a:r>
+          </a:p>
+          <a:p>
+            <a:pPr lvl="1"/>
+            <a:r>
+              <a:rPr lang="en-US" dirty="0" smtClean="0"/>
+              <a:t>Check if user exists</a:t>
+            </a:r>
+          </a:p>
+          <a:p>
+            <a:pPr lvl="1"/>
+            <a:r>
+              <a:rPr lang="en-US" dirty="0" smtClean="0"/>
+              <a:t>Create a new user if not</a:t>
+            </a:r>
+          </a:p>
+          <a:p>
+            <a:pPr lvl="1"/>
+            <a:r>
+              <a:rPr lang="en-US" dirty="0" smtClean="0"/>
+              <a:t>Redirect to the app controller</a:t>
+            </a:r>
+          </a:p>
+          <a:p>
+            <a:r>
+              <a:rPr lang="en-US" dirty="0" smtClean="0"/>
+              <a:t>Use the built-in </a:t>
+            </a:r>
+            <a:r>
+              <a:rPr lang="en-US" dirty="0" smtClean="0">
+                <a:latin typeface="Courier New" panose="02070309020205020404" pitchFamily="49" charset="0"/>
+                <a:cs typeface="Courier New" panose="02070309020205020404" pitchFamily="49" charset="0"/>
+              </a:rPr>
+              <a:t>session</a:t>
+            </a:r>
+            <a:r>
+              <a:rPr lang="en-US" dirty="0" smtClean="0"/>
+              <a:t> Map </a:t>
+            </a:r>
+          </a:p>
+          <a:p>
+            <a:r>
+              <a:rPr lang="en-US" dirty="0" smtClean="0"/>
+              <a:t>Build a login UI with GSP</a:t>
+            </a:r>
+          </a:p>
+          <a:p>
+            <a:pPr lvl="1"/>
+            <a:r>
+              <a:rPr lang="en-US" dirty="0" smtClean="0"/>
+              <a:t>Hit a controller + action not a URL</a:t>
+            </a:r>
+          </a:p>
+          <a:p>
+            <a:pPr lvl="1"/>
+            <a:r>
+              <a:rPr lang="en-US" dirty="0" smtClean="0"/>
+              <a:t>Conditionally display an error message</a:t>
+            </a:r>
+          </a:p>
+          <a:p>
+            <a:pPr lvl="1"/>
+            <a:endParaRPr lang="en-US" dirty="0" smtClean="0"/>
+          </a:p>
+          <a:p>
+            <a:pPr lvl="1"/>
+            <a:endParaRPr lang="en-US" dirty="0"/>
           </a:p>
         </p:txBody>
       </p:sp>
     </p:spTree>
     <p:extLst>
       <p:ext uri="{BB962C8B-B14F-4D97-AF65-F5344CB8AC3E}">
-        <p14:creationId xmlns:p14="http://schemas.microsoft.com/office/powerpoint/2010/main" val="3880952751"/>
+        <p14:creationId xmlns:p14="http://schemas.microsoft.com/office/powerpoint/2010/main" val="487011799"/>
       </p:ext>
     </p:extLst>
   </p:cSld>
@@ -7199,6 +10352,251 @@
       </p:grpSpPr>
       <p:sp>
         <p:nvSpPr>
+          <p:cNvPr id="2" name="Title 1"/>
+          <p:cNvSpPr>
+            <a:spLocks noGrp="1"/>
+          </p:cNvSpPr>
+          <p:nvPr>
+            <p:ph type="title"/>
+          </p:nvPr>
+        </p:nvSpPr>
+        <p:spPr/>
+        <p:txBody>
+          <a:bodyPr/>
+          <a:lstStyle/>
+          <a:p>
+            <a:r>
+              <a:rPr lang="en-US" dirty="0" smtClean="0"/>
+              <a:t>Restrict the login page</a:t>
+            </a:r>
+            <a:endParaRPr lang="en-US" dirty="0"/>
+          </a:p>
+        </p:txBody>
+      </p:sp>
+      <p:sp>
+        <p:nvSpPr>
+          <p:cNvPr id="3" name="Content Placeholder 2"/>
+          <p:cNvSpPr>
+            <a:spLocks noGrp="1"/>
+          </p:cNvSpPr>
+          <p:nvPr>
+            <p:ph idx="1"/>
+          </p:nvPr>
+        </p:nvSpPr>
+        <p:spPr/>
+        <p:txBody>
+          <a:bodyPr/>
+          <a:lstStyle/>
+          <a:p>
+            <a:r>
+              <a:rPr lang="en-US" dirty="0" smtClean="0"/>
+              <a:t>Create an interceptor</a:t>
+            </a:r>
+          </a:p>
+          <a:p>
+            <a:pPr lvl="1"/>
+            <a:r>
+              <a:rPr lang="en-US" dirty="0" smtClean="0"/>
+              <a:t>Lets you wrap controllers + actions with before and after </a:t>
+            </a:r>
+          </a:p>
+          <a:p>
+            <a:r>
+              <a:rPr lang="en-US" dirty="0" smtClean="0"/>
+              <a:t>Match on the app controller</a:t>
+            </a:r>
+          </a:p>
+          <a:p>
+            <a:r>
+              <a:rPr lang="en-US" dirty="0" smtClean="0"/>
+              <a:t>Check the session</a:t>
+            </a:r>
+          </a:p>
+          <a:p>
+            <a:r>
+              <a:rPr lang="en-US" dirty="0" smtClean="0"/>
+              <a:t>Redirect and return false if needed</a:t>
+            </a:r>
+          </a:p>
+          <a:p>
+            <a:endParaRPr lang="en-US" dirty="0"/>
+          </a:p>
+        </p:txBody>
+      </p:sp>
+    </p:spTree>
+    <p:extLst>
+      <p:ext uri="{BB962C8B-B14F-4D97-AF65-F5344CB8AC3E}">
+        <p14:creationId xmlns:p14="http://schemas.microsoft.com/office/powerpoint/2010/main" val="2393933580"/>
+      </p:ext>
+    </p:extLst>
+  </p:cSld>
+  <p:clrMapOvr>
+    <a:masterClrMapping/>
+  </p:clrMapOvr>
+  <p:timing>
+    <p:tnLst>
+      <p:par>
+        <p:cTn id="1" dur="indefinite" restart="never" nodeType="tmRoot"/>
+      </p:par>
+    </p:tnLst>
+  </p:timing>
+</p:sld>
+</file>
+
+<file path=ppt/slides/slide18.xml><?xml version="1.0" encoding="utf-8"?>
+<p:sld xmlns:a="http://schemas.openxmlformats.org/drawingml/2006/main" xmlns:r="http://schemas.openxmlformats.org/officeDocument/2006/relationships" xmlns:p="http://schemas.openxmlformats.org/presentationml/2006/main">
+  <p:cSld>
+    <p:spTree>
+      <p:nvGrpSpPr>
+        <p:cNvPr id="1" name=""/>
+        <p:cNvGrpSpPr/>
+        <p:nvPr/>
+      </p:nvGrpSpPr>
+      <p:grpSpPr>
+        <a:xfrm>
+          <a:off x="0" y="0"/>
+          <a:ext cx="0" cy="0"/>
+          <a:chOff x="0" y="0"/>
+          <a:chExt cx="0" cy="0"/>
+        </a:xfrm>
+      </p:grpSpPr>
+      <p:sp>
+        <p:nvSpPr>
+          <p:cNvPr id="2" name="Title 1"/>
+          <p:cNvSpPr>
+            <a:spLocks noGrp="1"/>
+          </p:cNvSpPr>
+          <p:nvPr>
+            <p:ph type="title"/>
+          </p:nvPr>
+        </p:nvSpPr>
+        <p:spPr/>
+        <p:txBody>
+          <a:bodyPr/>
+          <a:lstStyle/>
+          <a:p>
+            <a:r>
+              <a:rPr lang="en-US" dirty="0" smtClean="0"/>
+              <a:t>Another Form to Upload Images</a:t>
+            </a:r>
+            <a:endParaRPr lang="en-US" dirty="0"/>
+          </a:p>
+        </p:txBody>
+      </p:sp>
+      <p:sp>
+        <p:nvSpPr>
+          <p:cNvPr id="3" name="Content Placeholder 2"/>
+          <p:cNvSpPr>
+            <a:spLocks noGrp="1"/>
+          </p:cNvSpPr>
+          <p:nvPr>
+            <p:ph idx="1"/>
+          </p:nvPr>
+        </p:nvSpPr>
+        <p:spPr/>
+        <p:txBody>
+          <a:bodyPr/>
+          <a:lstStyle/>
+          <a:p>
+            <a:r>
+              <a:rPr lang="en-US" dirty="0" smtClean="0"/>
+              <a:t>This time we have a file entry</a:t>
+            </a:r>
+          </a:p>
+          <a:p>
+            <a:r>
+              <a:rPr lang="en-US" dirty="0" smtClean="0"/>
+              <a:t>&lt;</a:t>
+            </a:r>
+            <a:r>
+              <a:rPr lang="en-US" dirty="0" err="1" smtClean="0"/>
+              <a:t>g:uploadForm</a:t>
+            </a:r>
+            <a:r>
+              <a:rPr lang="en-US" dirty="0" smtClean="0"/>
+              <a:t> /&gt; to handle the file upload</a:t>
+            </a:r>
+            <a:endParaRPr lang="en-US" dirty="0"/>
+          </a:p>
+          <a:p>
+            <a:r>
+              <a:rPr lang="en-US" dirty="0" smtClean="0"/>
+              <a:t>Use </a:t>
+            </a:r>
+            <a:r>
+              <a:rPr lang="en-US" dirty="0" err="1" smtClean="0"/>
+              <a:t>request.getFile</a:t>
+            </a:r>
+            <a:r>
+              <a:rPr lang="en-US" dirty="0"/>
+              <a:t> </a:t>
+            </a:r>
+            <a:r>
+              <a:rPr lang="en-US" dirty="0" smtClean="0"/>
+              <a:t>on the controller to get the file data we need</a:t>
+            </a:r>
+          </a:p>
+          <a:p>
+            <a:endParaRPr lang="en-US" dirty="0"/>
+          </a:p>
+          <a:p>
+            <a:endParaRPr lang="en-US" dirty="0" smtClean="0"/>
+          </a:p>
+          <a:p>
+            <a:r>
+              <a:rPr lang="en-US" dirty="0" smtClean="0"/>
+              <a:t>Bonus: Some </a:t>
+            </a:r>
+            <a:r>
+              <a:rPr lang="en-US" dirty="0" err="1" smtClean="0"/>
+              <a:t>javascript</a:t>
+            </a:r>
+            <a:r>
+              <a:rPr lang="en-US" dirty="0" smtClean="0"/>
+              <a:t> to display the selected image</a:t>
+            </a:r>
+          </a:p>
+        </p:txBody>
+      </p:sp>
+    </p:spTree>
+    <p:extLst>
+      <p:ext uri="{BB962C8B-B14F-4D97-AF65-F5344CB8AC3E}">
+        <p14:creationId xmlns:p14="http://schemas.microsoft.com/office/powerpoint/2010/main" val="2547674187"/>
+      </p:ext>
+    </p:extLst>
+  </p:cSld>
+  <p:clrMapOvr>
+    <a:masterClrMapping/>
+  </p:clrMapOvr>
+  <p:timing>
+    <p:tnLst>
+      <p:par>
+        <p:cTn id="1" dur="indefinite" restart="never" nodeType="tmRoot"/>
+      </p:par>
+    </p:tnLst>
+  </p:timing>
+</p:sld>
+</file>
+
+<file path=ppt/slides/slide19.xml><?xml version="1.0" encoding="utf-8"?>
+<p:sld xmlns:a="http://schemas.openxmlformats.org/drawingml/2006/main" xmlns:r="http://schemas.openxmlformats.org/officeDocument/2006/relationships" xmlns:p="http://schemas.openxmlformats.org/presentationml/2006/main">
+  <p:cSld>
+    <p:spTree>
+      <p:nvGrpSpPr>
+        <p:cNvPr id="1" name=""/>
+        <p:cNvGrpSpPr/>
+        <p:nvPr/>
+      </p:nvGrpSpPr>
+      <p:grpSpPr>
+        <a:xfrm>
+          <a:off x="0" y="0"/>
+          <a:ext cx="0" cy="0"/>
+          <a:chOff x="0" y="0"/>
+          <a:chExt cx="0" cy="0"/>
+        </a:xfrm>
+      </p:grpSpPr>
+      <p:sp>
+        <p:nvSpPr>
           <p:cNvPr id="2" name="Title 1">
             <a:extLst>
               <a:ext uri="{FF2B5EF4-FFF2-40B4-BE49-F238E27FC236}">
@@ -7220,7 +10618,15 @@
           <a:p>
             <a:r>
               <a:rPr lang="en-US" dirty="0"/>
-              <a:t>Deploying to Heroku</a:t>
+              <a:t>The </a:t>
+            </a:r>
+            <a:r>
+              <a:rPr lang="en-US" dirty="0" smtClean="0"/>
+              <a:t>Frontend: </a:t>
+            </a:r>
+            <a:r>
+              <a:rPr lang="en-US" dirty="0"/>
+              <a:t>React.js</a:t>
             </a:r>
           </a:p>
         </p:txBody>
@@ -7253,7 +10659,7 @@
     </p:spTree>
     <p:extLst>
       <p:ext uri="{BB962C8B-B14F-4D97-AF65-F5344CB8AC3E}">
-        <p14:creationId xmlns:p14="http://schemas.microsoft.com/office/powerpoint/2010/main" val="3287990316"/>
+        <p14:creationId xmlns:p14="http://schemas.microsoft.com/office/powerpoint/2010/main" val="3880952751"/>
       </p:ext>
     </p:extLst>
   </p:cSld>
@@ -7350,6 +10756,610 @@
   <p:clrMapOvr>
     <a:masterClrMapping/>
   </p:clrMapOvr>
+</p:sld>
+</file>
+
+<file path=ppt/slides/slide20.xml><?xml version="1.0" encoding="utf-8"?>
+<p:sld xmlns:a="http://schemas.openxmlformats.org/drawingml/2006/main" xmlns:r="http://schemas.openxmlformats.org/officeDocument/2006/relationships" xmlns:p="http://schemas.openxmlformats.org/presentationml/2006/main">
+  <p:cSld>
+    <p:spTree>
+      <p:nvGrpSpPr>
+        <p:cNvPr id="1" name=""/>
+        <p:cNvGrpSpPr/>
+        <p:nvPr/>
+      </p:nvGrpSpPr>
+      <p:grpSpPr>
+        <a:xfrm>
+          <a:off x="0" y="0"/>
+          <a:ext cx="0" cy="0"/>
+          <a:chOff x="0" y="0"/>
+          <a:chExt cx="0" cy="0"/>
+        </a:xfrm>
+      </p:grpSpPr>
+      <p:sp>
+        <p:nvSpPr>
+          <p:cNvPr id="2" name="Title 1"/>
+          <p:cNvSpPr>
+            <a:spLocks noGrp="1"/>
+          </p:cNvSpPr>
+          <p:nvPr>
+            <p:ph type="title"/>
+          </p:nvPr>
+        </p:nvSpPr>
+        <p:spPr/>
+        <p:txBody>
+          <a:bodyPr/>
+          <a:lstStyle/>
+          <a:p>
+            <a:r>
+              <a:rPr lang="en-US" dirty="0" smtClean="0"/>
+              <a:t>Finally Some </a:t>
+            </a:r>
+            <a:r>
+              <a:rPr lang="en-US" dirty="0" err="1" smtClean="0"/>
+              <a:t>Config</a:t>
+            </a:r>
+            <a:r>
+              <a:rPr lang="en-US" dirty="0" smtClean="0"/>
+              <a:t>! (Libraries)</a:t>
+            </a:r>
+            <a:endParaRPr lang="en-US" dirty="0"/>
+          </a:p>
+        </p:txBody>
+      </p:sp>
+      <p:sp>
+        <p:nvSpPr>
+          <p:cNvPr id="3" name="Content Placeholder 2"/>
+          <p:cNvSpPr>
+            <a:spLocks noGrp="1"/>
+          </p:cNvSpPr>
+          <p:nvPr>
+            <p:ph idx="1"/>
+          </p:nvPr>
+        </p:nvSpPr>
+        <p:spPr/>
+        <p:txBody>
+          <a:bodyPr/>
+          <a:lstStyle/>
+          <a:p>
+            <a:r>
+              <a:rPr lang="en-US" dirty="0" smtClean="0"/>
+              <a:t>asset-pipeline – Compiles your </a:t>
+            </a:r>
+            <a:r>
+              <a:rPr lang="en-US" dirty="0" err="1" smtClean="0"/>
+              <a:t>js</a:t>
+            </a:r>
+            <a:r>
+              <a:rPr lang="en-US" dirty="0"/>
+              <a:t> </a:t>
+            </a:r>
+            <a:r>
+              <a:rPr lang="en-US" dirty="0" smtClean="0"/>
+              <a:t>&amp; </a:t>
+            </a:r>
+            <a:r>
+              <a:rPr lang="en-US" dirty="0" err="1" smtClean="0"/>
+              <a:t>css</a:t>
+            </a:r>
+            <a:endParaRPr lang="en-US" dirty="0" smtClean="0"/>
+          </a:p>
+          <a:p>
+            <a:pPr lvl="1"/>
+            <a:r>
+              <a:rPr lang="en-US" dirty="0" smtClean="0"/>
+              <a:t>Upgrade to 3.0.7 </a:t>
+            </a:r>
+          </a:p>
+          <a:p>
+            <a:pPr lvl="1"/>
+            <a:r>
+              <a:rPr lang="en-US" dirty="0" smtClean="0"/>
+              <a:t>Add </a:t>
+            </a:r>
+            <a:r>
+              <a:rPr lang="en-US" dirty="0" err="1" smtClean="0"/>
+              <a:t>jsx</a:t>
+            </a:r>
+            <a:r>
+              <a:rPr lang="en-US" dirty="0" smtClean="0"/>
+              <a:t> &amp; sass</a:t>
+            </a:r>
+          </a:p>
+          <a:p>
+            <a:r>
+              <a:rPr lang="en-US" dirty="0" err="1" smtClean="0"/>
+              <a:t>clientDependencies</a:t>
+            </a:r>
+            <a:endParaRPr lang="en-US" dirty="0" smtClean="0"/>
+          </a:p>
+          <a:p>
+            <a:pPr lvl="1"/>
+            <a:r>
+              <a:rPr lang="en-US" dirty="0" smtClean="0"/>
+              <a:t>Downloads libs from </a:t>
+            </a:r>
+            <a:r>
+              <a:rPr lang="en-US" dirty="0" err="1" smtClean="0"/>
+              <a:t>npm</a:t>
+            </a:r>
+            <a:r>
+              <a:rPr lang="en-US" dirty="0" smtClean="0"/>
+              <a:t>/yarn/bower</a:t>
+            </a:r>
+          </a:p>
+          <a:p>
+            <a:pPr lvl="1"/>
+            <a:r>
+              <a:rPr lang="en-US" dirty="0" smtClean="0"/>
+              <a:t>Setup to download </a:t>
+            </a:r>
+            <a:r>
+              <a:rPr lang="en-US" dirty="0" err="1" smtClean="0"/>
+              <a:t>React.Js</a:t>
+            </a:r>
+            <a:endParaRPr lang="en-US" dirty="0"/>
+          </a:p>
+          <a:p>
+            <a:pPr lvl="2"/>
+            <a:r>
+              <a:rPr lang="en-US" dirty="0" smtClean="0"/>
+              <a:t>Don’t forget to ignore the vendor folder</a:t>
+            </a:r>
+          </a:p>
+          <a:p>
+            <a:pPr lvl="2"/>
+            <a:endParaRPr lang="en-US" dirty="0"/>
+          </a:p>
+          <a:p>
+            <a:pPr lvl="2"/>
+            <a:endParaRPr lang="en-US" dirty="0" smtClean="0"/>
+          </a:p>
+          <a:p>
+            <a:r>
+              <a:rPr lang="en-US" dirty="0" smtClean="0"/>
+              <a:t>Copy in your react frontend files</a:t>
+            </a:r>
+          </a:p>
+        </p:txBody>
+      </p:sp>
+    </p:spTree>
+    <p:extLst>
+      <p:ext uri="{BB962C8B-B14F-4D97-AF65-F5344CB8AC3E}">
+        <p14:creationId xmlns:p14="http://schemas.microsoft.com/office/powerpoint/2010/main" val="2835647571"/>
+      </p:ext>
+    </p:extLst>
+  </p:cSld>
+  <p:clrMapOvr>
+    <a:masterClrMapping/>
+  </p:clrMapOvr>
+  <p:timing>
+    <p:tnLst>
+      <p:par>
+        <p:cTn id="1" dur="indefinite" restart="never" nodeType="tmRoot"/>
+      </p:par>
+    </p:tnLst>
+  </p:timing>
+</p:sld>
+</file>
+
+<file path=ppt/slides/slide21.xml><?xml version="1.0" encoding="utf-8"?>
+<p:sld xmlns:a="http://schemas.openxmlformats.org/drawingml/2006/main" xmlns:r="http://schemas.openxmlformats.org/officeDocument/2006/relationships" xmlns:p="http://schemas.openxmlformats.org/presentationml/2006/main">
+  <p:cSld>
+    <p:spTree>
+      <p:nvGrpSpPr>
+        <p:cNvPr id="1" name=""/>
+        <p:cNvGrpSpPr/>
+        <p:nvPr/>
+      </p:nvGrpSpPr>
+      <p:grpSpPr>
+        <a:xfrm>
+          <a:off x="0" y="0"/>
+          <a:ext cx="0" cy="0"/>
+          <a:chOff x="0" y="0"/>
+          <a:chExt cx="0" cy="0"/>
+        </a:xfrm>
+      </p:grpSpPr>
+      <p:sp>
+        <p:nvSpPr>
+          <p:cNvPr id="2" name="Title 1">
+            <a:extLst>
+              <a:ext uri="{FF2B5EF4-FFF2-40B4-BE49-F238E27FC236}">
+                <a16:creationId xmlns:a16="http://schemas.microsoft.com/office/drawing/2014/main" id="{C39CBD8B-C99F-48DF-B9D6-08BE118281A8}"/>
+              </a:ext>
+            </a:extLst>
+          </p:cNvPr>
+          <p:cNvSpPr>
+            <a:spLocks noGrp="1"/>
+          </p:cNvSpPr>
+          <p:nvPr>
+            <p:ph type="title"/>
+          </p:nvPr>
+        </p:nvSpPr>
+        <p:spPr/>
+        <p:txBody>
+          <a:bodyPr/>
+          <a:lstStyle/>
+          <a:p>
+            <a:r>
+              <a:rPr lang="en-US" dirty="0"/>
+              <a:t>Deploying to Heroku</a:t>
+            </a:r>
+          </a:p>
+        </p:txBody>
+      </p:sp>
+      <p:sp>
+        <p:nvSpPr>
+          <p:cNvPr id="3" name="Content Placeholder 2">
+            <a:extLst>
+              <a:ext uri="{FF2B5EF4-FFF2-40B4-BE49-F238E27FC236}">
+                <a16:creationId xmlns:a16="http://schemas.microsoft.com/office/drawing/2014/main" id="{0DA6032D-6BB5-4CB8-9861-49A3A6D0C31F}"/>
+              </a:ext>
+            </a:extLst>
+          </p:cNvPr>
+          <p:cNvSpPr>
+            <a:spLocks noGrp="1"/>
+          </p:cNvSpPr>
+          <p:nvPr>
+            <p:ph type="body" idx="1"/>
+          </p:nvPr>
+        </p:nvSpPr>
+        <p:spPr/>
+        <p:txBody>
+          <a:bodyPr/>
+          <a:lstStyle/>
+          <a:p>
+            <a:endParaRPr lang="en-US"/>
+          </a:p>
+        </p:txBody>
+      </p:sp>
+    </p:spTree>
+    <p:extLst>
+      <p:ext uri="{BB962C8B-B14F-4D97-AF65-F5344CB8AC3E}">
+        <p14:creationId xmlns:p14="http://schemas.microsoft.com/office/powerpoint/2010/main" val="3287990316"/>
+      </p:ext>
+    </p:extLst>
+  </p:cSld>
+  <p:clrMapOvr>
+    <a:masterClrMapping/>
+  </p:clrMapOvr>
+  <p:timing>
+    <p:tnLst>
+      <p:par>
+        <p:cTn id="1" dur="indefinite" restart="never" nodeType="tmRoot"/>
+      </p:par>
+    </p:tnLst>
+  </p:timing>
+</p:sld>
+</file>
+
+<file path=ppt/slides/slide22.xml><?xml version="1.0" encoding="utf-8"?>
+<p:sld xmlns:a="http://schemas.openxmlformats.org/drawingml/2006/main" xmlns:r="http://schemas.openxmlformats.org/officeDocument/2006/relationships" xmlns:p="http://schemas.openxmlformats.org/presentationml/2006/main">
+  <p:cSld>
+    <p:spTree>
+      <p:nvGrpSpPr>
+        <p:cNvPr id="1" name=""/>
+        <p:cNvGrpSpPr/>
+        <p:nvPr/>
+      </p:nvGrpSpPr>
+      <p:grpSpPr>
+        <a:xfrm>
+          <a:off x="0" y="0"/>
+          <a:ext cx="0" cy="0"/>
+          <a:chOff x="0" y="0"/>
+          <a:chExt cx="0" cy="0"/>
+        </a:xfrm>
+      </p:grpSpPr>
+      <p:sp>
+        <p:nvSpPr>
+          <p:cNvPr id="2" name="Title 1"/>
+          <p:cNvSpPr>
+            <a:spLocks noGrp="1"/>
+          </p:cNvSpPr>
+          <p:nvPr>
+            <p:ph type="title"/>
+          </p:nvPr>
+        </p:nvSpPr>
+        <p:spPr/>
+        <p:txBody>
+          <a:bodyPr/>
+          <a:lstStyle/>
+          <a:p>
+            <a:r>
+              <a:rPr lang="en-US" dirty="0" smtClean="0"/>
+              <a:t>More </a:t>
+            </a:r>
+            <a:r>
+              <a:rPr lang="en-US" dirty="0" err="1" smtClean="0"/>
+              <a:t>Config</a:t>
+            </a:r>
+            <a:endParaRPr lang="en-US" dirty="0"/>
+          </a:p>
+        </p:txBody>
+      </p:sp>
+      <p:sp>
+        <p:nvSpPr>
+          <p:cNvPr id="3" name="Content Placeholder 2"/>
+          <p:cNvSpPr>
+            <a:spLocks noGrp="1"/>
+          </p:cNvSpPr>
+          <p:nvPr>
+            <p:ph idx="1"/>
+          </p:nvPr>
+        </p:nvSpPr>
+        <p:spPr/>
+        <p:txBody>
+          <a:bodyPr/>
+          <a:lstStyle/>
+          <a:p>
+            <a:r>
+              <a:rPr lang="en-US" dirty="0" smtClean="0"/>
+              <a:t>We are going to need a database</a:t>
+            </a:r>
+          </a:p>
+          <a:p>
+            <a:pPr lvl="1"/>
+            <a:r>
+              <a:rPr lang="en-US" dirty="0" smtClean="0"/>
+              <a:t>Add a </a:t>
+            </a:r>
+            <a:r>
+              <a:rPr lang="en-US" dirty="0" err="1" smtClean="0"/>
+              <a:t>ClearDB</a:t>
+            </a:r>
+            <a:r>
+              <a:rPr lang="en-US" dirty="0" smtClean="0"/>
+              <a:t> MYSQL instance</a:t>
+            </a:r>
+          </a:p>
+          <a:p>
+            <a:r>
+              <a:rPr lang="en-US" dirty="0" smtClean="0"/>
+              <a:t>We need to hookup the database.</a:t>
+            </a:r>
+          </a:p>
+          <a:p>
+            <a:pPr lvl="1"/>
+            <a:r>
+              <a:rPr lang="en-US" dirty="0" smtClean="0"/>
+              <a:t>The database library is constant, but the username &amp; password is not</a:t>
+            </a:r>
+          </a:p>
+          <a:p>
+            <a:r>
+              <a:rPr lang="en-US" dirty="0" err="1" smtClean="0"/>
+              <a:t>Heroku</a:t>
+            </a:r>
+            <a:r>
+              <a:rPr lang="en-US" dirty="0" smtClean="0"/>
+              <a:t> needs a </a:t>
+            </a:r>
+            <a:r>
+              <a:rPr lang="en-US" dirty="0" err="1" smtClean="0"/>
+              <a:t>procfile</a:t>
+            </a:r>
+            <a:r>
+              <a:rPr lang="en-US" dirty="0" smtClean="0"/>
+              <a:t> to know what to run</a:t>
+            </a:r>
+          </a:p>
+          <a:p>
+            <a:pPr lvl="1"/>
+            <a:r>
+              <a:rPr lang="en-US" dirty="0" smtClean="0"/>
+              <a:t>Also lets setup some of the variables</a:t>
+            </a:r>
+          </a:p>
+          <a:p>
+            <a:r>
+              <a:rPr lang="en-US" dirty="0" smtClean="0"/>
+              <a:t>Finally lets set some </a:t>
+            </a:r>
+            <a:r>
+              <a:rPr lang="en-US" dirty="0" err="1" smtClean="0"/>
+              <a:t>config</a:t>
+            </a:r>
+            <a:r>
+              <a:rPr lang="en-US" dirty="0" smtClean="0"/>
+              <a:t> variables</a:t>
+            </a:r>
+          </a:p>
+          <a:p>
+            <a:pPr lvl="1"/>
+            <a:r>
+              <a:rPr lang="en-US" dirty="0" smtClean="0"/>
+              <a:t>GRADLE_TASK assemble</a:t>
+            </a:r>
+          </a:p>
+          <a:p>
+            <a:pPr lvl="1"/>
+            <a:r>
+              <a:rPr lang="en-US" dirty="0" smtClean="0"/>
+              <a:t>JAVA_OPTS –</a:t>
+            </a:r>
+            <a:r>
+              <a:rPr lang="en-US" dirty="0" err="1" smtClean="0"/>
+              <a:t>Dgrails.env</a:t>
+            </a:r>
+            <a:r>
+              <a:rPr lang="en-US" smtClean="0"/>
+              <a:t>=production</a:t>
+            </a:r>
+            <a:endParaRPr lang="en-US" dirty="0"/>
+          </a:p>
+        </p:txBody>
+      </p:sp>
+    </p:spTree>
+    <p:extLst>
+      <p:ext uri="{BB962C8B-B14F-4D97-AF65-F5344CB8AC3E}">
+        <p14:creationId xmlns:p14="http://schemas.microsoft.com/office/powerpoint/2010/main" val="450945067"/>
+      </p:ext>
+    </p:extLst>
+  </p:cSld>
+  <p:clrMapOvr>
+    <a:masterClrMapping/>
+  </p:clrMapOvr>
+  <p:timing>
+    <p:tnLst>
+      <p:par>
+        <p:cTn id="1" dur="indefinite" restart="never" nodeType="tmRoot"/>
+      </p:par>
+    </p:tnLst>
+  </p:timing>
+</p:sld>
+</file>
+
+<file path=ppt/slides/slide23.xml><?xml version="1.0" encoding="utf-8"?>
+<p:sld xmlns:a="http://schemas.openxmlformats.org/drawingml/2006/main" xmlns:r="http://schemas.openxmlformats.org/officeDocument/2006/relationships" xmlns:p="http://schemas.openxmlformats.org/presentationml/2006/main">
+  <p:cSld>
+    <p:spTree>
+      <p:nvGrpSpPr>
+        <p:cNvPr id="1" name=""/>
+        <p:cNvGrpSpPr/>
+        <p:nvPr/>
+      </p:nvGrpSpPr>
+      <p:grpSpPr>
+        <a:xfrm>
+          <a:off x="0" y="0"/>
+          <a:ext cx="0" cy="0"/>
+          <a:chOff x="0" y="0"/>
+          <a:chExt cx="0" cy="0"/>
+        </a:xfrm>
+      </p:grpSpPr>
+      <p:sp>
+        <p:nvSpPr>
+          <p:cNvPr id="2" name="Title 1"/>
+          <p:cNvSpPr>
+            <a:spLocks noGrp="1"/>
+          </p:cNvSpPr>
+          <p:nvPr>
+            <p:ph type="title"/>
+          </p:nvPr>
+        </p:nvSpPr>
+        <p:spPr/>
+        <p:txBody>
+          <a:bodyPr/>
+          <a:lstStyle/>
+          <a:p>
+            <a:r>
+              <a:rPr lang="en-US" dirty="0" smtClean="0"/>
+              <a:t>That’s all folks… </a:t>
+            </a:r>
+            <a:r>
+              <a:rPr lang="en-US" dirty="0" err="1" smtClean="0"/>
+              <a:t>Heres</a:t>
+            </a:r>
+            <a:r>
+              <a:rPr lang="en-US" dirty="0" smtClean="0"/>
+              <a:t> some TODOs</a:t>
+            </a:r>
+            <a:endParaRPr lang="en-US" dirty="0"/>
+          </a:p>
+        </p:txBody>
+      </p:sp>
+      <p:sp>
+        <p:nvSpPr>
+          <p:cNvPr id="3" name="Content Placeholder 2"/>
+          <p:cNvSpPr>
+            <a:spLocks noGrp="1"/>
+          </p:cNvSpPr>
+          <p:nvPr>
+            <p:ph idx="1"/>
+          </p:nvPr>
+        </p:nvSpPr>
+        <p:spPr/>
+        <p:txBody>
+          <a:bodyPr/>
+          <a:lstStyle/>
+          <a:p>
+            <a:r>
+              <a:rPr lang="en-US" dirty="0" smtClean="0"/>
+              <a:t>Persist the session across machines (using the cookie-session plugin)</a:t>
+            </a:r>
+          </a:p>
+          <a:p>
+            <a:r>
+              <a:rPr lang="en-US" dirty="0" smtClean="0"/>
+              <a:t>Use something better than email to login </a:t>
+            </a:r>
+          </a:p>
+          <a:p>
+            <a:r>
+              <a:rPr lang="en-US" dirty="0" smtClean="0"/>
+              <a:t>Features</a:t>
+            </a:r>
+          </a:p>
+          <a:p>
+            <a:pPr lvl="1"/>
+            <a:r>
+              <a:rPr lang="en-US" dirty="0" smtClean="0"/>
+              <a:t>Delete Posts</a:t>
+            </a:r>
+          </a:p>
+          <a:p>
+            <a:pPr lvl="1"/>
+            <a:r>
+              <a:rPr lang="en-US" dirty="0" smtClean="0"/>
+              <a:t>Likes</a:t>
+            </a:r>
+          </a:p>
+          <a:p>
+            <a:pPr lvl="1"/>
+            <a:r>
+              <a:rPr lang="en-US" dirty="0" smtClean="0"/>
+              <a:t>View </a:t>
+            </a:r>
+            <a:r>
+              <a:rPr lang="en-US" dirty="0" err="1" smtClean="0"/>
+              <a:t>permssions</a:t>
+            </a:r>
+            <a:endParaRPr lang="en-US" dirty="0" smtClean="0"/>
+          </a:p>
+          <a:p>
+            <a:r>
+              <a:rPr lang="en-US" dirty="0" smtClean="0"/>
+              <a:t>What does the </a:t>
+            </a:r>
+            <a:r>
+              <a:rPr lang="en-US" dirty="0" err="1" smtClean="0"/>
+              <a:t>css</a:t>
+            </a:r>
+            <a:r>
+              <a:rPr lang="en-US" dirty="0" smtClean="0"/>
+              <a:t> (</a:t>
+            </a:r>
+            <a:r>
+              <a:rPr lang="en-US" dirty="0" err="1" smtClean="0"/>
+              <a:t>scss</a:t>
+            </a:r>
+            <a:r>
+              <a:rPr lang="en-US" dirty="0" smtClean="0"/>
+              <a:t>) look like? </a:t>
+            </a:r>
+          </a:p>
+          <a:p>
+            <a:pPr lvl="1"/>
+            <a:endParaRPr lang="en-US" dirty="0"/>
+          </a:p>
+        </p:txBody>
+      </p:sp>
+    </p:spTree>
+    <p:extLst>
+      <p:ext uri="{BB962C8B-B14F-4D97-AF65-F5344CB8AC3E}">
+        <p14:creationId xmlns:p14="http://schemas.microsoft.com/office/powerpoint/2010/main" val="3351605867"/>
+      </p:ext>
+    </p:extLst>
+  </p:cSld>
+  <p:clrMapOvr>
+    <a:masterClrMapping/>
+  </p:clrMapOvr>
+  <p:timing>
+    <p:tnLst>
+      <p:par>
+        <p:cTn id="1" dur="indefinite" restart="never" nodeType="tmRoot"/>
+      </p:par>
+    </p:tnLst>
+  </p:timing>
 </p:sld>
 </file>
 

--- a/Presentation.pptx
+++ b/Presentation.pptx
@@ -3486,7 +3486,107 @@
             <a:endParaRPr lang="en-US" dirty="0" smtClean="0"/>
           </a:p>
           <a:p>
+            <a:r>
+              <a:rPr lang="en-US" dirty="0" smtClean="0"/>
+              <a:t>&lt;!</a:t>
+            </a:r>
+            <a:r>
+              <a:rPr lang="en-US" dirty="0" err="1" smtClean="0"/>
+              <a:t>Doctype</a:t>
+            </a:r>
+            <a:r>
+              <a:rPr lang="en-US" dirty="0" smtClean="0"/>
+              <a:t> html&gt;</a:t>
+            </a:r>
+          </a:p>
+          <a:p>
             <a:endParaRPr lang="en-US" dirty="0" smtClean="0"/>
+          </a:p>
+          <a:p>
+            <a:r>
+              <a:rPr lang="en-US" dirty="0" smtClean="0"/>
+              <a:t>&lt;html&gt;</a:t>
+            </a:r>
+          </a:p>
+          <a:p>
+            <a:r>
+              <a:rPr lang="en-US" dirty="0" smtClean="0"/>
+              <a:t>    &lt;head&gt;</a:t>
+            </a:r>
+          </a:p>
+          <a:p>
+            <a:r>
+              <a:rPr lang="en-US" dirty="0" smtClean="0"/>
+              <a:t>        &lt;</a:t>
+            </a:r>
+            <a:r>
+              <a:rPr lang="en-US" dirty="0" err="1" smtClean="0"/>
+              <a:t>asset:javascript</a:t>
+            </a:r>
+            <a:r>
+              <a:rPr lang="en-US" dirty="0" smtClean="0"/>
+              <a:t> </a:t>
+            </a:r>
+            <a:r>
+              <a:rPr lang="en-US" dirty="0" err="1" smtClean="0"/>
+              <a:t>src</a:t>
+            </a:r>
+            <a:r>
+              <a:rPr lang="en-US" dirty="0" smtClean="0"/>
+              <a:t>="app/index.js"/&gt;</a:t>
+            </a:r>
+          </a:p>
+          <a:p>
+            <a:r>
+              <a:rPr lang="en-US" dirty="0" smtClean="0"/>
+              <a:t>        &lt;</a:t>
+            </a:r>
+            <a:r>
+              <a:rPr lang="en-US" dirty="0" err="1" smtClean="0"/>
+              <a:t>asset:stylesheet</a:t>
+            </a:r>
+            <a:r>
+              <a:rPr lang="en-US" dirty="0" smtClean="0"/>
+              <a:t> </a:t>
+            </a:r>
+            <a:r>
+              <a:rPr lang="en-US" dirty="0" err="1" smtClean="0"/>
+              <a:t>src</a:t>
+            </a:r>
+            <a:r>
+              <a:rPr lang="en-US" dirty="0" smtClean="0"/>
+              <a:t>="app/index.css"/&gt;</a:t>
+            </a:r>
+          </a:p>
+          <a:p>
+            <a:r>
+              <a:rPr lang="en-US" dirty="0" smtClean="0"/>
+              <a:t>    &lt;/head&gt;</a:t>
+            </a:r>
+          </a:p>
+          <a:p>
+            <a:r>
+              <a:rPr lang="en-US" dirty="0" smtClean="0"/>
+              <a:t>    &lt;body&gt;</a:t>
+            </a:r>
+          </a:p>
+          <a:p>
+            <a:r>
+              <a:rPr lang="en-US" dirty="0" smtClean="0"/>
+              <a:t>        &lt;div id="root" /&gt;</a:t>
+            </a:r>
+          </a:p>
+          <a:p>
+            <a:r>
+              <a:rPr lang="en-US" dirty="0" smtClean="0"/>
+              <a:t>    &lt;/body&gt;</a:t>
+            </a:r>
+          </a:p>
+          <a:p>
+            <a:r>
+              <a:rPr lang="en-US" dirty="0" smtClean="0"/>
+              <a:t>&lt;/html&gt;</a:t>
+            </a:r>
           </a:p>
           <a:p>
             <a:endParaRPr lang="en-US" dirty="0" smtClean="0"/>
@@ -8114,6 +8214,13 @@
   <p:clrMapOvr>
     <a:masterClrMapping/>
   </p:clrMapOvr>
+  <p:timing>
+    <p:tnLst>
+      <p:par>
+        <p:cTn id="1" dur="indefinite" restart="never" nodeType="tmRoot"/>
+      </p:par>
+    </p:tnLst>
+  </p:timing>
 </p:sld>
 </file>
 
@@ -8189,7 +8296,15 @@
           <a:p>
             <a:r>
               <a:rPr lang="en-US" dirty="0"/>
-              <a:t>New rout /app/index</a:t>
+              <a:t>New </a:t>
+            </a:r>
+            <a:r>
+              <a:rPr lang="en-US" dirty="0" smtClean="0"/>
+              <a:t>route </a:t>
+            </a:r>
+            <a:r>
+              <a:rPr lang="en-US" dirty="0"/>
+              <a:t>/app/index</a:t>
             </a:r>
           </a:p>
           <a:p>
@@ -10721,28 +10836,57 @@
           </a:p>
         </p:txBody>
       </p:sp>
-      <p:sp>
-        <p:nvSpPr>
-          <p:cNvPr id="3" name="Content Placeholder 2">
-            <a:extLst>
-              <a:ext uri="{FF2B5EF4-FFF2-40B4-BE49-F238E27FC236}">
-                <a16:creationId xmlns:a16="http://schemas.microsoft.com/office/drawing/2014/main" id="{C8ACA1C0-981E-444A-952F-74FC72EE8336}"/>
-              </a:ext>
-            </a:extLst>
-          </p:cNvPr>
-          <p:cNvSpPr>
-            <a:spLocks noGrp="1"/>
-          </p:cNvSpPr>
+      <p:pic>
+        <p:nvPicPr>
+          <p:cNvPr id="4" name="Content Placeholder 3"/>
+          <p:cNvPicPr>
+            <a:picLocks noGrp="1" noChangeAspect="1"/>
+          </p:cNvPicPr>
           <p:nvPr>
             <p:ph idx="1"/>
           </p:nvPr>
-        </p:nvSpPr>
-        <p:spPr/>
-        <p:txBody>
-          <a:bodyPr/>
+        </p:nvPicPr>
+        <p:blipFill>
+          <a:blip r:embed="rId2"/>
+          <a:stretch>
+            <a:fillRect/>
+          </a:stretch>
+        </p:blipFill>
+        <p:spPr>
+          <a:xfrm>
+            <a:off x="2772340" y="1825625"/>
+            <a:ext cx="6647320" cy="4351338"/>
+          </a:xfrm>
+          <a:prstGeom prst="rect">
+            <a:avLst/>
+          </a:prstGeom>
+        </p:spPr>
+      </p:pic>
+      <p:sp>
+        <p:nvSpPr>
+          <p:cNvPr id="5" name="Rectangle 4"/>
+          <p:cNvSpPr/>
+          <p:nvPr/>
+        </p:nvSpPr>
+        <p:spPr>
+          <a:xfrm>
+            <a:off x="1409114" y="3631962"/>
+            <a:ext cx="2726452" cy="369332"/>
+          </a:xfrm>
+          <a:prstGeom prst="rect">
+            <a:avLst/>
+          </a:prstGeom>
+        </p:spPr>
+        <p:txBody>
+          <a:bodyPr wrap="none">
+            <a:spAutoFit/>
+          </a:bodyPr>
           <a:lstStyle/>
           <a:p>
-            <a:endParaRPr lang="en-US" dirty="0"/>
+            <a:r>
+              <a:rPr lang="en-US" dirty="0"/>
+              <a:t>demo6148.herokuapp.com</a:t>
+            </a:r>
           </a:p>
         </p:txBody>
       </p:sp>
@@ -10756,6 +10900,13 @@
   <p:clrMapOvr>
     <a:masterClrMapping/>
   </p:clrMapOvr>
+  <p:timing>
+    <p:tnLst>
+      <p:par>
+        <p:cTn id="1" dur="indefinite" restart="never" nodeType="tmRoot"/>
+      </p:par>
+    </p:tnLst>
+  </p:timing>
 </p:sld>
 </file>
 
@@ -10904,7 +11055,15 @@
             <a:pPr lvl="2"/>
             <a:r>
               <a:rPr lang="en-US" dirty="0" smtClean="0"/>
-              <a:t>Don’t forget to ignore the vendor folder</a:t>
+              <a:t>Don’t forget to </a:t>
+            </a:r>
+            <a:r>
+              <a:rPr lang="en-US" smtClean="0"/>
+              <a:t>git </a:t>
+            </a:r>
+            <a:r>
+              <a:rPr lang="en-US" dirty="0" smtClean="0"/>
+              <a:t>ignore the vendor folder</a:t>
             </a:r>
           </a:p>
           <a:p>
@@ -11089,7 +11248,9 @@
         </p:nvSpPr>
         <p:spPr/>
         <p:txBody>
-          <a:bodyPr/>
+          <a:bodyPr>
+            <a:normAutofit lnSpcReduction="10000"/>
+          </a:bodyPr>
           <a:lstStyle/>
           <a:p>
             <a:r>
@@ -11182,8 +11343,14 @@
               <a:t>Dgrails.env</a:t>
             </a:r>
             <a:r>
-              <a:rPr lang="en-US" smtClean="0"/>
+              <a:rPr lang="en-US" dirty="0" smtClean="0"/>
               <a:t>=production</a:t>
+            </a:r>
+          </a:p>
+          <a:p>
+            <a:r>
+              <a:rPr lang="en-US" dirty="0" smtClean="0"/>
+              <a:t>Run the Deploy</a:t>
             </a:r>
             <a:endParaRPr lang="en-US" dirty="0"/>
           </a:p>
@@ -11269,7 +11436,9 @@
         </p:nvSpPr>
         <p:spPr/>
         <p:txBody>
-          <a:bodyPr/>
+          <a:bodyPr>
+            <a:normAutofit lnSpcReduction="10000"/>
+          </a:bodyPr>
           <a:lstStyle/>
           <a:p>
             <a:r>
@@ -11336,6 +11505,48 @@
               <a:rPr lang="en-US" dirty="0" smtClean="0"/>
               <a:t>) look like? </a:t>
             </a:r>
+          </a:p>
+          <a:p>
+            <a:endParaRPr lang="en-US" dirty="0" smtClean="0"/>
+          </a:p>
+          <a:p>
+            <a:r>
+              <a:rPr lang="en-US" dirty="0" smtClean="0"/>
+              <a:t>P.S. Everything </a:t>
+            </a:r>
+            <a:r>
+              <a:rPr lang="en-US" dirty="0" err="1" smtClean="0"/>
+              <a:t>youv’e</a:t>
+            </a:r>
+            <a:r>
+              <a:rPr lang="en-US" dirty="0" smtClean="0"/>
+              <a:t> seen today is here</a:t>
+            </a:r>
+            <a:endParaRPr lang="en-US" dirty="0"/>
+          </a:p>
+          <a:p>
+            <a:pPr marL="0" indent="0">
+              <a:buNone/>
+            </a:pPr>
+            <a:r>
+              <a:rPr lang="en-US" dirty="0">
+                <a:hlinkClick r:id="rId2"/>
+              </a:rPr>
+              <a:t>https://</a:t>
+            </a:r>
+            <a:r>
+              <a:rPr lang="en-US" dirty="0" smtClean="0">
+                <a:hlinkClick r:id="rId2"/>
+              </a:rPr>
+              <a:t>github.com/aibolit/sixonefoureight</a:t>
+            </a:r>
+            <a:endParaRPr lang="en-US" dirty="0" smtClean="0"/>
+          </a:p>
+          <a:p>
+            <a:pPr marL="0" indent="0">
+              <a:buNone/>
+            </a:pPr>
+            <a:endParaRPr lang="en-US" dirty="0" smtClean="0"/>
           </a:p>
           <a:p>
             <a:pPr lvl="1"/>
@@ -11538,6 +11749,13 @@
   <p:clrMapOvr>
     <a:masterClrMapping/>
   </p:clrMapOvr>
+  <p:timing>
+    <p:tnLst>
+      <p:par>
+        <p:cTn id="1" dur="indefinite" restart="never" nodeType="tmRoot"/>
+      </p:par>
+    </p:tnLst>
+  </p:timing>
 </p:sld>
 </file>
 
@@ -11655,6 +11873,13 @@
   <p:clrMapOvr>
     <a:masterClrMapping/>
   </p:clrMapOvr>
+  <p:timing>
+    <p:tnLst>
+      <p:par>
+        <p:cTn id="1" dur="indefinite" restart="never" nodeType="tmRoot"/>
+      </p:par>
+    </p:tnLst>
+  </p:timing>
 </p:sld>
 </file>
 
@@ -11738,6 +11963,13 @@
   <p:clrMapOvr>
     <a:masterClrMapping/>
   </p:clrMapOvr>
+  <p:timing>
+    <p:tnLst>
+      <p:par>
+        <p:cTn id="1" dur="indefinite" restart="never" nodeType="tmRoot"/>
+      </p:par>
+    </p:tnLst>
+  </p:timing>
 </p:sld>
 </file>
 
@@ -12141,6 +12373,13 @@
   <p:clrMapOvr>
     <a:masterClrMapping/>
   </p:clrMapOvr>
+  <p:timing>
+    <p:tnLst>
+      <p:par>
+        <p:cTn id="1" dur="indefinite" restart="never" nodeType="tmRoot"/>
+      </p:par>
+    </p:tnLst>
+  </p:timing>
 </p:sld>
 </file>
 

--- a/Presentation.pptx
+++ b/Presentation.pptx
@@ -129,6 +129,11 @@
       </a:defRPr>
     </a:lvl9pPr>
   </p:defaultTextStyle>
+  <p:extLst>
+    <p:ext uri="{EFAFB233-063F-42B5-8137-9DF3F51BA10A}">
+      <p15:sldGuideLst xmlns:p15="http://schemas.microsoft.com/office/powerpoint/2012/main"/>
+    </p:ext>
+  </p:extLst>
 </p:presentation>
 </file>
 
@@ -214,7 +219,7 @@
           <a:p>
             <a:fld id="{58863DB7-4360-4E00-9CBF-48F7E12A23B7}" type="datetimeFigureOut">
               <a:rPr lang="en-US" smtClean="0"/>
-              <a:t>1/15/2019</a:t>
+              <a:t>1/18/2019</a:t>
             </a:fld>
             <a:endParaRPr lang="en-US"/>
           </a:p>
@@ -278,38 +283,37 @@
           <a:p>
             <a:pPr lvl="0"/>
             <a:r>
-              <a:rPr lang="en-US" smtClean="0"/>
+              <a:rPr lang="en-US"/>
               <a:t>Edit Master text styles</a:t>
             </a:r>
           </a:p>
           <a:p>
             <a:pPr lvl="1"/>
             <a:r>
-              <a:rPr lang="en-US" smtClean="0"/>
+              <a:rPr lang="en-US"/>
               <a:t>Second level</a:t>
             </a:r>
           </a:p>
           <a:p>
             <a:pPr lvl="2"/>
             <a:r>
-              <a:rPr lang="en-US" smtClean="0"/>
+              <a:rPr lang="en-US"/>
               <a:t>Third level</a:t>
             </a:r>
           </a:p>
           <a:p>
             <a:pPr lvl="3"/>
             <a:r>
-              <a:rPr lang="en-US" smtClean="0"/>
+              <a:rPr lang="en-US"/>
               <a:t>Fourth level</a:t>
             </a:r>
           </a:p>
           <a:p>
             <a:pPr lvl="4"/>
             <a:r>
-              <a:rPr lang="en-US" smtClean="0"/>
+              <a:rPr lang="en-US"/>
               <a:t>Fifth level</a:t>
             </a:r>
-            <a:endParaRPr lang="en-US"/>
           </a:p>
         </p:txBody>
       </p:sp>
@@ -611,294 +615,294 @@
           <a:lstStyle/>
           <a:p>
             <a:r>
-              <a:rPr lang="en-US" dirty="0" smtClean="0"/>
+              <a:rPr lang="en-US" dirty="0"/>
               <a:t>class User {</a:t>
             </a:r>
           </a:p>
           <a:p>
             <a:r>
-              <a:rPr lang="en-US" dirty="0" smtClean="0"/>
+              <a:rPr lang="en-US" dirty="0"/>
               <a:t>    String email</a:t>
             </a:r>
           </a:p>
           <a:p>
-            <a:endParaRPr lang="en-US" dirty="0" smtClean="0"/>
-          </a:p>
-          <a:p>
-            <a:r>
-              <a:rPr lang="en-US" dirty="0" smtClean="0"/>
+            <a:endParaRPr lang="en-US" dirty="0"/>
+          </a:p>
+          <a:p>
+            <a:r>
+              <a:rPr lang="en-US" dirty="0"/>
               <a:t>    static mapping = {</a:t>
             </a:r>
           </a:p>
           <a:p>
             <a:r>
-              <a:rPr lang="en-US" dirty="0" smtClean="0"/>
+              <a:rPr lang="en-US" dirty="0"/>
               <a:t>        id name: 'email', generator: 'assigned'</a:t>
             </a:r>
           </a:p>
           <a:p>
             <a:r>
-              <a:rPr lang="en-US" dirty="0" smtClean="0"/>
+              <a:rPr lang="en-US" dirty="0"/>
               <a:t>    }</a:t>
             </a:r>
           </a:p>
           <a:p>
             <a:r>
-              <a:rPr lang="en-US" dirty="0" smtClean="0"/>
+              <a:rPr lang="en-US" dirty="0"/>
               <a:t>}</a:t>
             </a:r>
           </a:p>
           <a:p>
-            <a:endParaRPr lang="en-US" dirty="0" smtClean="0"/>
-          </a:p>
-          <a:p>
-            <a:r>
-              <a:rPr lang="en-US" dirty="0" smtClean="0"/>
+            <a:endParaRPr lang="en-US" dirty="0"/>
+          </a:p>
+          <a:p>
+            <a:r>
+              <a:rPr lang="en-US" dirty="0"/>
               <a:t>class </a:t>
             </a:r>
             <a:r>
-              <a:rPr lang="en-US" dirty="0" err="1" smtClean="0"/>
+              <a:rPr lang="en-US" dirty="0" err="1"/>
               <a:t>ImageFile</a:t>
             </a:r>
             <a:r>
-              <a:rPr lang="en-US" dirty="0" smtClean="0"/>
+              <a:rPr lang="en-US" dirty="0"/>
               <a:t> {</a:t>
             </a:r>
           </a:p>
           <a:p>
             <a:r>
-              <a:rPr lang="en-US" dirty="0" smtClean="0"/>
+              <a:rPr lang="en-US" dirty="0"/>
               <a:t>    byte[] </a:t>
             </a:r>
             <a:r>
-              <a:rPr lang="en-US" dirty="0" err="1" smtClean="0"/>
+              <a:rPr lang="en-US" dirty="0" err="1"/>
               <a:t>imageData</a:t>
             </a:r>
-            <a:endParaRPr lang="en-US" dirty="0" smtClean="0"/>
-          </a:p>
-          <a:p>
-            <a:r>
-              <a:rPr lang="en-US" dirty="0" smtClean="0"/>
+            <a:endParaRPr lang="en-US" dirty="0"/>
+          </a:p>
+          <a:p>
+            <a:r>
+              <a:rPr lang="en-US" dirty="0"/>
               <a:t>    String name</a:t>
             </a:r>
           </a:p>
           <a:p>
             <a:r>
-              <a:rPr lang="en-US" dirty="0" smtClean="0"/>
+              <a:rPr lang="en-US" dirty="0"/>
               <a:t>    String </a:t>
             </a:r>
             <a:r>
-              <a:rPr lang="en-US" dirty="0" err="1" smtClean="0"/>
+              <a:rPr lang="en-US" dirty="0" err="1"/>
               <a:t>contentType</a:t>
             </a:r>
-            <a:endParaRPr lang="en-US" dirty="0" smtClean="0"/>
-          </a:p>
-          <a:p>
-            <a:endParaRPr lang="en-US" dirty="0" smtClean="0"/>
-          </a:p>
-          <a:p>
-            <a:r>
-              <a:rPr lang="en-US" dirty="0" smtClean="0"/>
+            <a:endParaRPr lang="en-US" dirty="0"/>
+          </a:p>
+          <a:p>
+            <a:endParaRPr lang="en-US" dirty="0"/>
+          </a:p>
+          <a:p>
+            <a:r>
+              <a:rPr lang="en-US" dirty="0"/>
               <a:t>    static mapping = {</a:t>
             </a:r>
           </a:p>
           <a:p>
             <a:r>
-              <a:rPr lang="en-US" dirty="0" smtClean="0"/>
+              <a:rPr lang="en-US" dirty="0"/>
               <a:t>        </a:t>
             </a:r>
             <a:r>
-              <a:rPr lang="en-US" dirty="0" err="1" smtClean="0"/>
+              <a:rPr lang="en-US" dirty="0" err="1"/>
               <a:t>imageData</a:t>
             </a:r>
             <a:r>
-              <a:rPr lang="en-US" dirty="0" smtClean="0"/>
+              <a:rPr lang="en-US" dirty="0"/>
               <a:t> </a:t>
             </a:r>
             <a:r>
-              <a:rPr lang="en-US" dirty="0" err="1" smtClean="0"/>
+              <a:rPr lang="en-US" dirty="0" err="1"/>
               <a:t>sqlType</a:t>
             </a:r>
             <a:r>
-              <a:rPr lang="en-US" dirty="0" smtClean="0"/>
+              <a:rPr lang="en-US" dirty="0"/>
               <a:t>: '</a:t>
             </a:r>
             <a:r>
-              <a:rPr lang="en-US" dirty="0" err="1" smtClean="0"/>
+              <a:rPr lang="en-US" dirty="0" err="1"/>
               <a:t>longblob</a:t>
             </a:r>
             <a:r>
-              <a:rPr lang="en-US" dirty="0" smtClean="0"/>
+              <a:rPr lang="en-US" dirty="0"/>
               <a:t>'</a:t>
             </a:r>
           </a:p>
           <a:p>
             <a:r>
-              <a:rPr lang="en-US" dirty="0" smtClean="0"/>
+              <a:rPr lang="en-US" dirty="0"/>
               <a:t>    }</a:t>
             </a:r>
           </a:p>
           <a:p>
             <a:r>
-              <a:rPr lang="en-US" dirty="0" smtClean="0"/>
+              <a:rPr lang="en-US" dirty="0"/>
               <a:t>    </a:t>
             </a:r>
           </a:p>
           <a:p>
             <a:r>
-              <a:rPr lang="en-US" dirty="0" smtClean="0"/>
+              <a:rPr lang="en-US" dirty="0"/>
               <a:t>    static </a:t>
             </a:r>
             <a:r>
-              <a:rPr lang="en-US" dirty="0" err="1" smtClean="0"/>
+              <a:rPr lang="en-US" dirty="0" err="1"/>
               <a:t>belongsTo</a:t>
             </a:r>
             <a:r>
-              <a:rPr lang="en-US" dirty="0" smtClean="0"/>
+              <a:rPr lang="en-US" dirty="0"/>
               <a:t> = Post</a:t>
             </a:r>
           </a:p>
           <a:p>
             <a:r>
-              <a:rPr lang="en-US" dirty="0" smtClean="0"/>
+              <a:rPr lang="en-US" dirty="0"/>
               <a:t>}</a:t>
             </a:r>
           </a:p>
           <a:p>
-            <a:endParaRPr lang="en-US" dirty="0" smtClean="0"/>
-          </a:p>
-          <a:p>
-            <a:r>
-              <a:rPr lang="en-US" dirty="0" smtClean="0"/>
+            <a:endParaRPr lang="en-US" dirty="0"/>
+          </a:p>
+          <a:p>
+            <a:r>
+              <a:rPr lang="en-US" dirty="0"/>
               <a:t>class Comment {</a:t>
             </a:r>
           </a:p>
           <a:p>
             <a:r>
-              <a:rPr lang="en-US" dirty="0" smtClean="0"/>
+              <a:rPr lang="en-US" dirty="0"/>
               <a:t>    User creator </a:t>
             </a:r>
           </a:p>
           <a:p>
             <a:r>
-              <a:rPr lang="en-US" dirty="0" smtClean="0"/>
+              <a:rPr lang="en-US" dirty="0"/>
               <a:t>    String content</a:t>
             </a:r>
           </a:p>
           <a:p>
             <a:r>
-              <a:rPr lang="en-US" dirty="0" smtClean="0"/>
+              <a:rPr lang="en-US" dirty="0"/>
               <a:t>    long timestamp = </a:t>
             </a:r>
             <a:r>
-              <a:rPr lang="en-US" dirty="0" err="1" smtClean="0"/>
+              <a:rPr lang="en-US" dirty="0" err="1"/>
               <a:t>System.currentTimeMillis</a:t>
             </a:r>
             <a:r>
-              <a:rPr lang="en-US" dirty="0" smtClean="0"/>
+              <a:rPr lang="en-US" dirty="0"/>
               <a:t>()</a:t>
             </a:r>
           </a:p>
           <a:p>
-            <a:endParaRPr lang="en-US" dirty="0" smtClean="0"/>
-          </a:p>
-          <a:p>
-            <a:r>
-              <a:rPr lang="en-US" dirty="0" smtClean="0"/>
+            <a:endParaRPr lang="en-US" dirty="0"/>
+          </a:p>
+          <a:p>
+            <a:r>
+              <a:rPr lang="en-US" dirty="0"/>
               <a:t>    static </a:t>
             </a:r>
             <a:r>
-              <a:rPr lang="en-US" dirty="0" err="1" smtClean="0"/>
+              <a:rPr lang="en-US" dirty="0" err="1"/>
               <a:t>belongsTo</a:t>
             </a:r>
             <a:r>
-              <a:rPr lang="en-US" dirty="0" smtClean="0"/>
+              <a:rPr lang="en-US" dirty="0"/>
               <a:t> = Post</a:t>
             </a:r>
           </a:p>
           <a:p>
             <a:r>
-              <a:rPr lang="en-US" dirty="0" smtClean="0"/>
+              <a:rPr lang="en-US" dirty="0"/>
               <a:t>}</a:t>
             </a:r>
           </a:p>
           <a:p>
-            <a:endParaRPr lang="en-US" dirty="0" smtClean="0"/>
-          </a:p>
-          <a:p>
-            <a:endParaRPr lang="en-US" dirty="0" smtClean="0"/>
-          </a:p>
-          <a:p>
-            <a:r>
-              <a:rPr lang="en-US" dirty="0" smtClean="0"/>
+            <a:endParaRPr lang="en-US" dirty="0"/>
+          </a:p>
+          <a:p>
+            <a:endParaRPr lang="en-US" dirty="0"/>
+          </a:p>
+          <a:p>
+            <a:r>
+              <a:rPr lang="en-US" dirty="0"/>
               <a:t>class Post {</a:t>
             </a:r>
           </a:p>
           <a:p>
             <a:r>
-              <a:rPr lang="en-US" dirty="0" smtClean="0"/>
+              <a:rPr lang="en-US" dirty="0"/>
               <a:t>    User creator</a:t>
             </a:r>
           </a:p>
           <a:p>
             <a:r>
-              <a:rPr lang="en-US" dirty="0" smtClean="0"/>
+              <a:rPr lang="en-US" dirty="0"/>
               <a:t>    </a:t>
             </a:r>
             <a:r>
-              <a:rPr lang="en-US" dirty="0" err="1" smtClean="0"/>
+              <a:rPr lang="en-US" dirty="0" err="1"/>
               <a:t>ImageFile</a:t>
             </a:r>
             <a:r>
-              <a:rPr lang="en-US" dirty="0" smtClean="0"/>
+              <a:rPr lang="en-US" dirty="0"/>
               <a:t> image</a:t>
             </a:r>
           </a:p>
           <a:p>
             <a:r>
-              <a:rPr lang="en-US" dirty="0" smtClean="0"/>
+              <a:rPr lang="en-US" dirty="0"/>
               <a:t>    List&lt;Comment&gt; comments</a:t>
             </a:r>
           </a:p>
           <a:p>
             <a:r>
-              <a:rPr lang="en-US" dirty="0" smtClean="0"/>
+              <a:rPr lang="en-US" dirty="0"/>
               <a:t>    long timestamp = </a:t>
             </a:r>
             <a:r>
-              <a:rPr lang="en-US" dirty="0" err="1" smtClean="0"/>
+              <a:rPr lang="en-US" dirty="0" err="1"/>
               <a:t>System.currentTimeMillis</a:t>
             </a:r>
             <a:r>
-              <a:rPr lang="en-US" dirty="0" smtClean="0"/>
+              <a:rPr lang="en-US" dirty="0"/>
               <a:t>()</a:t>
             </a:r>
           </a:p>
           <a:p>
-            <a:endParaRPr lang="en-US" dirty="0" smtClean="0"/>
-          </a:p>
-          <a:p>
-            <a:r>
-              <a:rPr lang="en-US" dirty="0" smtClean="0"/>
+            <a:endParaRPr lang="en-US" dirty="0"/>
+          </a:p>
+          <a:p>
+            <a:r>
+              <a:rPr lang="en-US" dirty="0"/>
               <a:t>    static </a:t>
             </a:r>
             <a:r>
-              <a:rPr lang="en-US" dirty="0" err="1" smtClean="0"/>
+              <a:rPr lang="en-US" dirty="0" err="1"/>
               <a:t>belongsTo</a:t>
             </a:r>
             <a:r>
-              <a:rPr lang="en-US" dirty="0" smtClean="0"/>
+              <a:rPr lang="en-US" dirty="0"/>
               <a:t> = User</a:t>
             </a:r>
           </a:p>
           <a:p>
             <a:r>
-              <a:rPr lang="en-US" dirty="0" smtClean="0"/>
+              <a:rPr lang="en-US" dirty="0"/>
               <a:t>}</a:t>
             </a:r>
           </a:p>
           <a:p>
-            <a:endParaRPr lang="en-US" dirty="0" smtClean="0"/>
+            <a:endParaRPr lang="en-US" dirty="0"/>
           </a:p>
           <a:p>
             <a:endParaRPr lang="en-US" dirty="0"/>
@@ -1003,7 +1007,7 @@
               <a:defRPr/>
             </a:pPr>
             <a:r>
-              <a:rPr lang="en-US" sz="1200" b="0" kern="1200" dirty="0" smtClean="0">
+              <a:rPr lang="en-US" sz="1200" b="0" kern="1200" dirty="0">
                 <a:solidFill>
                   <a:schemeClr val="tx1"/>
                 </a:solidFill>
@@ -1015,7 +1019,7 @@
               <a:t>import </a:t>
             </a:r>
             <a:r>
-              <a:rPr lang="en-US" sz="1200" b="0" kern="1200" dirty="0" err="1" smtClean="0">
+              <a:rPr lang="en-US" sz="1200" b="0" kern="1200" dirty="0" err="1">
                 <a:solidFill>
                   <a:schemeClr val="tx1"/>
                 </a:solidFill>
@@ -1026,7 +1030,7 @@
               </a:rPr>
               <a:t>grails.util.Environment</a:t>
             </a:r>
-            <a:endParaRPr lang="en-US" sz="1200" b="0" kern="1200" dirty="0" smtClean="0">
+            <a:endParaRPr lang="en-US" sz="1200" b="0" kern="1200" dirty="0">
               <a:solidFill>
                 <a:schemeClr val="tx1"/>
               </a:solidFill>
@@ -1040,7 +1044,7 @@
             <a:pPr marL="0" indent="0">
               <a:buNone/>
             </a:pPr>
-            <a:endParaRPr lang="en-US" b="0" dirty="0" smtClean="0">
+            <a:endParaRPr lang="en-US" b="0" dirty="0">
               <a:solidFill>
                 <a:srgbClr val="0000FF"/>
               </a:solidFill>
@@ -1053,7 +1057,7 @@
               <a:buNone/>
             </a:pPr>
             <a:r>
-              <a:rPr lang="en-US" b="0" baseline="0" dirty="0" smtClean="0">
+              <a:rPr lang="en-US" b="0" baseline="0" dirty="0">
                 <a:solidFill>
                   <a:srgbClr val="0000FF"/>
                 </a:solidFill>
@@ -1063,7 +1067,7 @@
               <a:t>        </a:t>
             </a:r>
             <a:r>
-              <a:rPr lang="en-US" b="0" dirty="0" smtClean="0">
+              <a:rPr lang="en-US" b="0" dirty="0">
                 <a:solidFill>
                   <a:srgbClr val="0000FF"/>
                 </a:solidFill>
@@ -1073,7 +1077,7 @@
               <a:t>if (</a:t>
             </a:r>
             <a:r>
-              <a:rPr lang="en-US" b="0" dirty="0" err="1" smtClean="0">
+              <a:rPr lang="en-US" b="0" dirty="0" err="1">
                 <a:solidFill>
                   <a:srgbClr val="0000FF"/>
                 </a:solidFill>
@@ -1083,7 +1087,7 @@
               <a:t>Environment.getCurrent</a:t>
             </a:r>
             <a:r>
-              <a:rPr lang="en-US" b="0" dirty="0" smtClean="0">
+              <a:rPr lang="en-US" b="0" dirty="0">
                 <a:solidFill>
                   <a:srgbClr val="0000FF"/>
                 </a:solidFill>
@@ -1093,7 +1097,7 @@
               <a:t>() != </a:t>
             </a:r>
             <a:r>
-              <a:rPr lang="en-US" b="0" dirty="0" err="1" smtClean="0">
+              <a:rPr lang="en-US" b="0" dirty="0" err="1">
                 <a:solidFill>
                   <a:srgbClr val="0000FF"/>
                 </a:solidFill>
@@ -1103,7 +1107,7 @@
               <a:t>Environment.DEVELOPMENT</a:t>
             </a:r>
             <a:r>
-              <a:rPr lang="en-US" b="0" dirty="0" smtClean="0">
+              <a:rPr lang="en-US" b="0" dirty="0">
                 <a:solidFill>
                   <a:srgbClr val="0000FF"/>
                 </a:solidFill>
@@ -1117,7 +1121,7 @@
             <a:pPr marL="0" indent="0">
               <a:buNone/>
             </a:pPr>
-            <a:endParaRPr lang="en-US" b="0" dirty="0" smtClean="0">
+            <a:endParaRPr lang="en-US" b="0" dirty="0">
               <a:solidFill>
                 <a:srgbClr val="0000FF"/>
               </a:solidFill>
@@ -1130,7 +1134,7 @@
               <a:buNone/>
             </a:pPr>
             <a:r>
-              <a:rPr lang="en-US" b="0" dirty="0" smtClean="0">
+              <a:rPr lang="en-US" b="0" dirty="0">
                 <a:solidFill>
                   <a:srgbClr val="0000FF"/>
                 </a:solidFill>
@@ -1140,7 +1144,7 @@
               <a:t>        </a:t>
             </a:r>
             <a:r>
-              <a:rPr lang="en-US" b="0" dirty="0" err="1" smtClean="0">
+              <a:rPr lang="en-US" b="0" dirty="0" err="1">
                 <a:solidFill>
                   <a:srgbClr val="0000FF"/>
                 </a:solidFill>
@@ -1150,7 +1154,7 @@
               <a:t>def</a:t>
             </a:r>
             <a:r>
-              <a:rPr lang="en-US" b="0" dirty="0" smtClean="0">
+              <a:rPr lang="en-US" b="0" dirty="0">
                 <a:solidFill>
                   <a:srgbClr val="0000FF"/>
                 </a:solidFill>
@@ -1160,7 +1164,7 @@
               <a:t> user = new User(email: '</a:t>
             </a:r>
             <a:r>
-              <a:rPr lang="en-US" b="0" dirty="0" err="1" smtClean="0">
+              <a:rPr lang="en-US" b="0" dirty="0" err="1">
                 <a:solidFill>
                   <a:srgbClr val="0000FF"/>
                 </a:solidFill>
@@ -1170,7 +1174,7 @@
               <a:t>test@test.test</a:t>
             </a:r>
             <a:r>
-              <a:rPr lang="en-US" b="0" dirty="0" smtClean="0">
+              <a:rPr lang="en-US" b="0" dirty="0">
                 <a:solidFill>
                   <a:srgbClr val="0000FF"/>
                 </a:solidFill>
@@ -1185,7 +1189,7 @@
               <a:buNone/>
             </a:pPr>
             <a:r>
-              <a:rPr lang="en-US" b="0" dirty="0" smtClean="0">
+              <a:rPr lang="en-US" b="0" dirty="0">
                 <a:solidFill>
                   <a:srgbClr val="0000FF"/>
                 </a:solidFill>
@@ -1195,7 +1199,7 @@
               <a:t>        </a:t>
             </a:r>
             <a:r>
-              <a:rPr lang="en-US" b="0" dirty="0" err="1" smtClean="0">
+              <a:rPr lang="en-US" b="0" dirty="0" err="1">
                 <a:solidFill>
                   <a:srgbClr val="0000FF"/>
                 </a:solidFill>
@@ -1205,7 +1209,7 @@
               <a:t>user.save</a:t>
             </a:r>
             <a:r>
-              <a:rPr lang="en-US" b="0" dirty="0" smtClean="0">
+              <a:rPr lang="en-US" b="0" dirty="0">
                 <a:solidFill>
                   <a:srgbClr val="0000FF"/>
                 </a:solidFill>
@@ -1220,7 +1224,7 @@
               <a:buNone/>
             </a:pPr>
             <a:r>
-              <a:rPr lang="en-US" b="0" dirty="0" smtClean="0">
+              <a:rPr lang="en-US" b="0" dirty="0">
                 <a:solidFill>
                   <a:srgbClr val="0000FF"/>
                 </a:solidFill>
@@ -1231,465 +1235,295 @@
             </a:r>
           </a:p>
           <a:p>
-            <a:pPr marL="0" indent="0">
-              <a:buNone/>
-            </a:pPr>
-            <a:endParaRPr lang="en-US" b="0" dirty="0" smtClean="0">
-              <a:solidFill>
-                <a:srgbClr val="0000FF"/>
-              </a:solidFill>
-              <a:effectLst/>
-              <a:latin typeface="Consolas" panose="020B0609020204030204" pitchFamily="49" charset="0"/>
-            </a:endParaRPr>
-          </a:p>
-          <a:p>
-            <a:pPr marL="0" indent="0">
-              <a:buNone/>
-            </a:pPr>
-            <a:r>
-              <a:rPr lang="en-US" b="0" dirty="0" smtClean="0">
-                <a:solidFill>
-                  <a:srgbClr val="0000FF"/>
-                </a:solidFill>
-                <a:effectLst/>
-                <a:latin typeface="Consolas" panose="020B0609020204030204" pitchFamily="49" charset="0"/>
-              </a:rPr>
+            <a:r>
+              <a:rPr lang="en-US" dirty="0"/>
+              <a:t>        def post = new Post(</a:t>
+            </a:r>
+          </a:p>
+          <a:p>
+            <a:r>
+              <a:rPr lang="en-US" dirty="0"/>
+              <a:t>            creator: user,</a:t>
+            </a:r>
+          </a:p>
+          <a:p>
+            <a:r>
+              <a:rPr lang="en-US" dirty="0"/>
+              <a:t>            image: new </a:t>
+            </a:r>
+            <a:r>
+              <a:rPr lang="en-US" dirty="0" err="1"/>
+              <a:t>ImageFile</a:t>
+            </a:r>
+            <a:r>
+              <a:rPr lang="en-US" dirty="0"/>
+              <a:t>(name: 'c.jpeg', </a:t>
+            </a:r>
+            <a:r>
+              <a:rPr lang="en-US" dirty="0" err="1"/>
+              <a:t>contentType</a:t>
+            </a:r>
+            <a:r>
+              <a:rPr lang="en-US" dirty="0"/>
+              <a:t>:"image/jpeg", </a:t>
+            </a:r>
+            <a:r>
+              <a:rPr lang="en-US" dirty="0" err="1"/>
+              <a:t>imageData</a:t>
+            </a:r>
+            <a:r>
+              <a:rPr lang="en-US" dirty="0"/>
+              <a:t>: new File("sample/c.jpeg").bytes),</a:t>
+            </a:r>
+          </a:p>
+          <a:p>
+            <a:r>
+              <a:rPr lang="en-US" dirty="0"/>
+              <a:t>            comments: [</a:t>
+            </a:r>
+          </a:p>
+          <a:p>
+            <a:r>
+              <a:rPr lang="en-US" dirty="0"/>
+              <a:t>                new Comment(creator: user, content: 'very cool!'),</a:t>
+            </a:r>
+          </a:p>
+          <a:p>
+            <a:r>
+              <a:rPr lang="en-US" dirty="0"/>
+              <a:t>                new Comment(creator: user, content: 'agreed')</a:t>
+            </a:r>
+          </a:p>
+          <a:p>
+            <a:r>
+              <a:rPr lang="en-US" dirty="0"/>
+              <a:t>            ])</a:t>
+            </a:r>
+          </a:p>
+          <a:p>
+            <a:r>
+              <a:rPr lang="en-US" dirty="0"/>
               <a:t>        </a:t>
             </a:r>
             <a:r>
-              <a:rPr lang="en-US" b="0" dirty="0" err="1" smtClean="0">
-                <a:solidFill>
-                  <a:srgbClr val="0000FF"/>
-                </a:solidFill>
-                <a:effectLst/>
-                <a:latin typeface="Consolas" panose="020B0609020204030204" pitchFamily="49" charset="0"/>
-              </a:rPr>
+              <a:rPr lang="en-US" dirty="0" err="1"/>
+              <a:t>post.save</a:t>
+            </a:r>
+            <a:r>
+              <a:rPr lang="en-US" dirty="0"/>
+              <a:t>(flush: true)</a:t>
+            </a:r>
+          </a:p>
+          <a:p>
+            <a:endParaRPr lang="en-US" dirty="0"/>
+          </a:p>
+          <a:p>
+            <a:endParaRPr lang="en-US" dirty="0"/>
+          </a:p>
+          <a:p>
+            <a:endParaRPr lang="en-US" dirty="0"/>
+          </a:p>
+          <a:p>
+            <a:r>
+              <a:rPr lang="en-US" dirty="0"/>
+              <a:t> </a:t>
+            </a:r>
+            <a:r>
+              <a:rPr lang="en-US" baseline="0" dirty="0"/>
+              <a:t>   </a:t>
+            </a:r>
+            <a:r>
+              <a:rPr lang="en-US" dirty="0" err="1"/>
               <a:t>def</a:t>
             </a:r>
             <a:r>
-              <a:rPr lang="en-US" b="0" dirty="0" smtClean="0">
-                <a:solidFill>
-                  <a:srgbClr val="0000FF"/>
-                </a:solidFill>
-                <a:effectLst/>
-                <a:latin typeface="Consolas" panose="020B0609020204030204" pitchFamily="49" charset="0"/>
-              </a:rPr>
-              <a:t> post = new Post(</a:t>
-            </a:r>
-          </a:p>
-          <a:p>
-            <a:pPr marL="0" indent="0">
-              <a:buNone/>
-            </a:pPr>
-            <a:r>
-              <a:rPr lang="en-US" b="0" dirty="0" smtClean="0">
-                <a:solidFill>
-                  <a:srgbClr val="0000FF"/>
-                </a:solidFill>
-                <a:effectLst/>
-                <a:latin typeface="Consolas" panose="020B0609020204030204" pitchFamily="49" charset="0"/>
-              </a:rPr>
-              <a:t>            creator: user,</a:t>
-            </a:r>
-          </a:p>
-          <a:p>
-            <a:pPr marL="0" indent="0">
-              <a:buNone/>
-            </a:pPr>
-            <a:r>
-              <a:rPr lang="en-US" b="0" dirty="0" smtClean="0">
-                <a:solidFill>
-                  <a:srgbClr val="0000FF"/>
-                </a:solidFill>
-                <a:effectLst/>
-                <a:latin typeface="Consolas" panose="020B0609020204030204" pitchFamily="49" charset="0"/>
-              </a:rPr>
-              <a:t>            image: new </a:t>
-            </a:r>
-            <a:r>
-              <a:rPr lang="en-US" b="0" dirty="0" err="1" smtClean="0">
-                <a:solidFill>
-                  <a:srgbClr val="0000FF"/>
-                </a:solidFill>
-                <a:effectLst/>
-                <a:latin typeface="Consolas" panose="020B0609020204030204" pitchFamily="49" charset="0"/>
-              </a:rPr>
-              <a:t>ImageFile</a:t>
-            </a:r>
-            <a:r>
-              <a:rPr lang="en-US" b="0" dirty="0" smtClean="0">
-                <a:solidFill>
-                  <a:srgbClr val="0000FF"/>
-                </a:solidFill>
-                <a:effectLst/>
-                <a:latin typeface="Consolas" panose="020B0609020204030204" pitchFamily="49" charset="0"/>
-              </a:rPr>
-              <a:t>(name: 'a.png', </a:t>
-            </a:r>
-            <a:r>
-              <a:rPr lang="en-US" b="0" dirty="0" err="1" smtClean="0">
-                <a:solidFill>
-                  <a:srgbClr val="0000FF"/>
-                </a:solidFill>
-                <a:effectLst/>
-                <a:latin typeface="Consolas" panose="020B0609020204030204" pitchFamily="49" charset="0"/>
-              </a:rPr>
+              <a:rPr lang="en-US" dirty="0"/>
+              <a:t> </a:t>
+            </a:r>
+            <a:r>
+              <a:rPr lang="en-US" dirty="0" err="1"/>
+              <a:t>getPostImage</a:t>
+            </a:r>
+            <a:r>
+              <a:rPr lang="en-US" dirty="0"/>
+              <a:t>() {</a:t>
+            </a:r>
+          </a:p>
+          <a:p>
+            <a:r>
+              <a:rPr lang="en-US" dirty="0"/>
+              <a:t>        </a:t>
+            </a:r>
+            <a:r>
+              <a:rPr lang="en-US" dirty="0" err="1"/>
+              <a:t>def</a:t>
+            </a:r>
+            <a:r>
+              <a:rPr lang="en-US" dirty="0"/>
+              <a:t> </a:t>
+            </a:r>
+            <a:r>
+              <a:rPr lang="en-US" dirty="0" err="1"/>
+              <a:t>img</a:t>
+            </a:r>
+            <a:r>
+              <a:rPr lang="en-US" dirty="0"/>
+              <a:t> = </a:t>
+            </a:r>
+            <a:r>
+              <a:rPr lang="en-US" dirty="0" err="1"/>
+              <a:t>ImageFile.findById</a:t>
+            </a:r>
+            <a:r>
+              <a:rPr lang="en-US" dirty="0"/>
+              <a:t>(params.id)</a:t>
+            </a:r>
+          </a:p>
+          <a:p>
+            <a:r>
+              <a:rPr lang="en-US" dirty="0"/>
+              <a:t>        header 'Cache-Control', "max-age=44640"</a:t>
+            </a:r>
+          </a:p>
+          <a:p>
+            <a:r>
+              <a:rPr lang="en-US" dirty="0"/>
+              <a:t>        render file: </a:t>
+            </a:r>
+            <a:r>
+              <a:rPr lang="en-US" dirty="0" err="1"/>
+              <a:t>img.imageData</a:t>
+            </a:r>
+            <a:r>
+              <a:rPr lang="en-US" dirty="0"/>
+              <a:t>, </a:t>
+            </a:r>
+            <a:r>
+              <a:rPr lang="en-US" dirty="0" err="1"/>
               <a:t>contentType</a:t>
             </a:r>
             <a:r>
-              <a:rPr lang="en-US" b="0" dirty="0" smtClean="0">
-                <a:solidFill>
-                  <a:srgbClr val="0000FF"/>
-                </a:solidFill>
-                <a:effectLst/>
-                <a:latin typeface="Consolas" panose="020B0609020204030204" pitchFamily="49" charset="0"/>
-              </a:rPr>
-              <a:t>:"image/</a:t>
-            </a:r>
-            <a:r>
-              <a:rPr lang="en-US" b="0" dirty="0" err="1" smtClean="0">
-                <a:solidFill>
-                  <a:srgbClr val="0000FF"/>
-                </a:solidFill>
-                <a:effectLst/>
-                <a:latin typeface="Consolas" panose="020B0609020204030204" pitchFamily="49" charset="0"/>
-              </a:rPr>
-              <a:t>png</a:t>
-            </a:r>
-            <a:r>
-              <a:rPr lang="en-US" b="0" dirty="0" smtClean="0">
-                <a:solidFill>
-                  <a:srgbClr val="0000FF"/>
-                </a:solidFill>
-                <a:effectLst/>
-                <a:latin typeface="Consolas" panose="020B0609020204030204" pitchFamily="49" charset="0"/>
-              </a:rPr>
-              <a:t>", </a:t>
-            </a:r>
-            <a:r>
-              <a:rPr lang="en-US" b="0" dirty="0" err="1" smtClean="0">
-                <a:solidFill>
-                  <a:srgbClr val="0000FF"/>
-                </a:solidFill>
-                <a:effectLst/>
-                <a:latin typeface="Consolas" panose="020B0609020204030204" pitchFamily="49" charset="0"/>
-              </a:rPr>
-              <a:t>imageData</a:t>
-            </a:r>
-            <a:r>
-              <a:rPr lang="en-US" b="0" dirty="0" smtClean="0">
-                <a:solidFill>
-                  <a:srgbClr val="0000FF"/>
-                </a:solidFill>
-                <a:effectLst/>
-                <a:latin typeface="Consolas" panose="020B0609020204030204" pitchFamily="49" charset="0"/>
-              </a:rPr>
-              <a:t>: new File("grails-app/assets/images/apple-touch-icon.png").bytes),</a:t>
-            </a:r>
-          </a:p>
-          <a:p>
-            <a:pPr marL="0" indent="0">
-              <a:buNone/>
-            </a:pPr>
-            <a:r>
-              <a:rPr lang="en-US" b="0" dirty="0" smtClean="0">
-                <a:solidFill>
-                  <a:srgbClr val="0000FF"/>
-                </a:solidFill>
-                <a:effectLst/>
-                <a:latin typeface="Consolas" panose="020B0609020204030204" pitchFamily="49" charset="0"/>
-              </a:rPr>
-              <a:t>            comments: [</a:t>
-            </a:r>
-          </a:p>
-          <a:p>
-            <a:pPr marL="0" indent="0">
-              <a:buNone/>
-            </a:pPr>
-            <a:r>
-              <a:rPr lang="en-US" b="0" dirty="0" smtClean="0">
-                <a:solidFill>
-                  <a:srgbClr val="0000FF"/>
-                </a:solidFill>
-                <a:effectLst/>
-                <a:latin typeface="Consolas" panose="020B0609020204030204" pitchFamily="49" charset="0"/>
-              </a:rPr>
-              <a:t>                new Comment(creator: user, content: 'very cool!'),</a:t>
-            </a:r>
-          </a:p>
-          <a:p>
-            <a:pPr marL="0" indent="0">
-              <a:buNone/>
-            </a:pPr>
-            <a:r>
-              <a:rPr lang="en-US" b="0" dirty="0" smtClean="0">
-                <a:solidFill>
-                  <a:srgbClr val="0000FF"/>
-                </a:solidFill>
-                <a:effectLst/>
-                <a:latin typeface="Consolas" panose="020B0609020204030204" pitchFamily="49" charset="0"/>
-              </a:rPr>
-              <a:t>                new Comment(creator: user, content: 'agreed')</a:t>
-            </a:r>
-          </a:p>
-          <a:p>
-            <a:pPr marL="0" indent="0">
-              <a:buNone/>
-            </a:pPr>
-            <a:r>
-              <a:rPr lang="en-US" b="0" dirty="0" smtClean="0">
-                <a:solidFill>
-                  <a:srgbClr val="0000FF"/>
-                </a:solidFill>
-                <a:effectLst/>
-                <a:latin typeface="Consolas" panose="020B0609020204030204" pitchFamily="49" charset="0"/>
-              </a:rPr>
-              <a:t>            ])</a:t>
-            </a:r>
-          </a:p>
-          <a:p>
-            <a:pPr marL="0" indent="0">
-              <a:buNone/>
-            </a:pPr>
-            <a:r>
-              <a:rPr lang="en-US" b="0" dirty="0" smtClean="0">
-                <a:solidFill>
-                  <a:srgbClr val="0000FF"/>
-                </a:solidFill>
-                <a:effectLst/>
-                <a:latin typeface="Consolas" panose="020B0609020204030204" pitchFamily="49" charset="0"/>
-              </a:rPr>
-              <a:t>        </a:t>
-            </a:r>
-            <a:r>
-              <a:rPr lang="en-US" b="0" dirty="0" err="1" smtClean="0">
-                <a:solidFill>
-                  <a:srgbClr val="0000FF"/>
-                </a:solidFill>
-                <a:effectLst/>
-                <a:latin typeface="Consolas" panose="020B0609020204030204" pitchFamily="49" charset="0"/>
-              </a:rPr>
-              <a:t>post.save</a:t>
-            </a:r>
-            <a:r>
-              <a:rPr lang="en-US" b="0" dirty="0" smtClean="0">
-                <a:solidFill>
-                  <a:srgbClr val="0000FF"/>
-                </a:solidFill>
-                <a:effectLst/>
-                <a:latin typeface="Consolas" panose="020B0609020204030204" pitchFamily="49" charset="0"/>
-              </a:rPr>
-              <a:t>(flush: true)</a:t>
-            </a:r>
-            <a:endParaRPr lang="en-US" dirty="0" smtClean="0"/>
-          </a:p>
-          <a:p>
-            <a:endParaRPr lang="en-US" dirty="0" smtClean="0"/>
-          </a:p>
-          <a:p>
-            <a:endParaRPr lang="en-US" dirty="0" smtClean="0"/>
-          </a:p>
-          <a:p>
-            <a:r>
-              <a:rPr lang="en-US" dirty="0" smtClean="0"/>
+              <a:rPr lang="en-US" dirty="0"/>
+              <a:t>: </a:t>
+            </a:r>
+            <a:r>
+              <a:rPr lang="en-US" dirty="0" err="1"/>
+              <a:t>img.contentType</a:t>
+            </a:r>
+            <a:endParaRPr lang="en-US" dirty="0"/>
+          </a:p>
+          <a:p>
+            <a:r>
+              <a:rPr lang="en-US" dirty="0"/>
+              <a:t>    }</a:t>
+            </a:r>
+          </a:p>
+          <a:p>
+            <a:endParaRPr lang="en-US" dirty="0"/>
+          </a:p>
+          <a:p>
+            <a:r>
+              <a:rPr lang="en-US" dirty="0"/>
+              <a:t>    </a:t>
+            </a:r>
+            <a:r>
+              <a:rPr lang="en-US" dirty="0" err="1"/>
+              <a:t>def</a:t>
+            </a:r>
+            <a:r>
+              <a:rPr lang="en-US" dirty="0"/>
               <a:t> </a:t>
             </a:r>
             <a:r>
-              <a:rPr lang="en-US" baseline="0" dirty="0" smtClean="0"/>
-              <a:t>   </a:t>
-            </a:r>
-            <a:r>
-              <a:rPr lang="en-US" dirty="0" err="1" smtClean="0"/>
-              <a:t>def</a:t>
-            </a:r>
-            <a:r>
-              <a:rPr lang="en-US" dirty="0" smtClean="0"/>
-              <a:t> </a:t>
-            </a:r>
-            <a:r>
-              <a:rPr lang="en-US" dirty="0" err="1" smtClean="0"/>
-              <a:t>getPostImage</a:t>
-            </a:r>
-            <a:r>
-              <a:rPr lang="en-US" dirty="0" smtClean="0"/>
+              <a:rPr lang="en-US" dirty="0" err="1"/>
+              <a:t>getPosts</a:t>
+            </a:r>
+            <a:r>
+              <a:rPr lang="en-US" dirty="0"/>
               <a:t>() {</a:t>
             </a:r>
           </a:p>
           <a:p>
             <a:r>
-              <a:rPr lang="en-US" dirty="0" smtClean="0"/>
-              <a:t>        </a:t>
-            </a:r>
-            <a:r>
-              <a:rPr lang="en-US" dirty="0" err="1" smtClean="0"/>
-              <a:t>def</a:t>
-            </a:r>
-            <a:r>
-              <a:rPr lang="en-US" dirty="0" smtClean="0"/>
-              <a:t> </a:t>
-            </a:r>
-            <a:r>
-              <a:rPr lang="en-US" dirty="0" err="1" smtClean="0"/>
-              <a:t>img</a:t>
-            </a:r>
-            <a:r>
-              <a:rPr lang="en-US" dirty="0" smtClean="0"/>
-              <a:t> = </a:t>
-            </a:r>
-            <a:r>
-              <a:rPr lang="en-US" dirty="0" err="1" smtClean="0"/>
-              <a:t>ImageFile.findById</a:t>
-            </a:r>
-            <a:r>
-              <a:rPr lang="en-US" dirty="0" smtClean="0"/>
-              <a:t>(params.id)</a:t>
-            </a:r>
-          </a:p>
-          <a:p>
-            <a:r>
-              <a:rPr lang="en-US" dirty="0" smtClean="0"/>
-              <a:t>        header 'Cache-Control', "max-age=44640"</a:t>
-            </a:r>
-          </a:p>
-          <a:p>
-            <a:r>
-              <a:rPr lang="en-US" dirty="0" smtClean="0"/>
-              <a:t>        render file: </a:t>
-            </a:r>
-            <a:r>
-              <a:rPr lang="en-US" dirty="0" err="1" smtClean="0"/>
-              <a:t>img.imageData</a:t>
-            </a:r>
-            <a:r>
-              <a:rPr lang="en-US" dirty="0" smtClean="0"/>
-              <a:t>, </a:t>
-            </a:r>
-            <a:r>
-              <a:rPr lang="en-US" dirty="0" err="1" smtClean="0"/>
-              <a:t>contentType</a:t>
-            </a:r>
-            <a:r>
-              <a:rPr lang="en-US" dirty="0" smtClean="0"/>
-              <a:t>: </a:t>
-            </a:r>
-            <a:r>
-              <a:rPr lang="en-US" dirty="0" err="1" smtClean="0"/>
-              <a:t>img.contentType</a:t>
-            </a:r>
-            <a:endParaRPr lang="en-US" dirty="0" smtClean="0"/>
-          </a:p>
-          <a:p>
-            <a:r>
-              <a:rPr lang="en-US" dirty="0" smtClean="0"/>
-              <a:t>    }</a:t>
-            </a:r>
-          </a:p>
-          <a:p>
-            <a:endParaRPr lang="en-US" dirty="0" smtClean="0"/>
-          </a:p>
-          <a:p>
-            <a:r>
-              <a:rPr lang="en-US" dirty="0" smtClean="0"/>
-              <a:t>    </a:t>
-            </a:r>
-            <a:r>
-              <a:rPr lang="en-US" dirty="0" err="1" smtClean="0"/>
-              <a:t>def</a:t>
-            </a:r>
-            <a:r>
-              <a:rPr lang="en-US" dirty="0" smtClean="0"/>
-              <a:t> </a:t>
-            </a:r>
-            <a:r>
-              <a:rPr lang="en-US" dirty="0" err="1" smtClean="0"/>
-              <a:t>getPosts</a:t>
-            </a:r>
-            <a:r>
-              <a:rPr lang="en-US" dirty="0" smtClean="0"/>
-              <a:t>() {</a:t>
-            </a:r>
-          </a:p>
-          <a:p>
-            <a:r>
-              <a:rPr lang="en-US" dirty="0" smtClean="0"/>
+              <a:rPr lang="en-US" dirty="0"/>
               <a:t>        render([posts: </a:t>
             </a:r>
             <a:r>
-              <a:rPr lang="en-US" dirty="0" err="1" smtClean="0"/>
+              <a:rPr lang="en-US" dirty="0" err="1"/>
               <a:t>Post.list</a:t>
             </a:r>
             <a:r>
-              <a:rPr lang="en-US" dirty="0" smtClean="0"/>
+              <a:rPr lang="en-US" dirty="0"/>
               <a:t>(sort: 'timestamp', order: '</a:t>
             </a:r>
             <a:r>
-              <a:rPr lang="en-US" dirty="0" err="1" smtClean="0"/>
+              <a:rPr lang="en-US" dirty="0" err="1"/>
               <a:t>desc</a:t>
             </a:r>
             <a:r>
-              <a:rPr lang="en-US" dirty="0" smtClean="0"/>
+              <a:rPr lang="en-US" dirty="0"/>
               <a:t>').collect {</a:t>
             </a:r>
           </a:p>
           <a:p>
             <a:r>
-              <a:rPr lang="en-US" dirty="0" smtClean="0"/>
+              <a:rPr lang="en-US" dirty="0"/>
               <a:t>            [id: it.id, creator: </a:t>
             </a:r>
             <a:r>
-              <a:rPr lang="en-US" dirty="0" err="1" smtClean="0"/>
+              <a:rPr lang="en-US" dirty="0" err="1"/>
               <a:t>it.creator.email</a:t>
             </a:r>
             <a:r>
-              <a:rPr lang="en-US" dirty="0" smtClean="0"/>
+              <a:rPr lang="en-US" dirty="0"/>
               <a:t>, image: it.image.id, comments: </a:t>
             </a:r>
             <a:r>
-              <a:rPr lang="en-US" dirty="0" err="1" smtClean="0"/>
+              <a:rPr lang="en-US" dirty="0" err="1"/>
               <a:t>it.comments.collect</a:t>
             </a:r>
             <a:r>
-              <a:rPr lang="en-US" dirty="0" smtClean="0"/>
+              <a:rPr lang="en-US" dirty="0"/>
               <a:t> { </a:t>
             </a:r>
           </a:p>
           <a:p>
             <a:r>
-              <a:rPr lang="en-US" dirty="0" smtClean="0"/>
+              <a:rPr lang="en-US" dirty="0"/>
               <a:t>                [content: </a:t>
             </a:r>
             <a:r>
-              <a:rPr lang="en-US" dirty="0" err="1" smtClean="0"/>
+              <a:rPr lang="en-US" dirty="0" err="1"/>
               <a:t>it.content</a:t>
             </a:r>
             <a:r>
-              <a:rPr lang="en-US" dirty="0" smtClean="0"/>
+              <a:rPr lang="en-US" dirty="0"/>
               <a:t>, creator: </a:t>
             </a:r>
             <a:r>
-              <a:rPr lang="en-US" dirty="0" err="1" smtClean="0"/>
+              <a:rPr lang="en-US" dirty="0" err="1"/>
               <a:t>it.creator.email</a:t>
             </a:r>
             <a:r>
-              <a:rPr lang="en-US" dirty="0" smtClean="0"/>
+              <a:rPr lang="en-US" dirty="0"/>
               <a:t>, id: it.id]</a:t>
             </a:r>
           </a:p>
           <a:p>
             <a:r>
-              <a:rPr lang="en-US" dirty="0" smtClean="0"/>
+              <a:rPr lang="en-US" dirty="0"/>
               <a:t>            }]</a:t>
             </a:r>
           </a:p>
           <a:p>
             <a:r>
-              <a:rPr lang="en-US" dirty="0" smtClean="0"/>
+              <a:rPr lang="en-US" dirty="0"/>
               <a:t>        }] as JSON)</a:t>
             </a:r>
           </a:p>
           <a:p>
             <a:r>
-              <a:rPr lang="en-US" dirty="0" smtClean="0"/>
+              <a:rPr lang="en-US" dirty="0"/>
               <a:t>    }</a:t>
             </a:r>
           </a:p>
@@ -1779,375 +1613,375 @@
           <a:lstStyle/>
           <a:p>
             <a:r>
-              <a:rPr lang="en-US" dirty="0" smtClean="0"/>
+              <a:rPr lang="en-US" dirty="0"/>
               <a:t>&lt;!</a:t>
             </a:r>
             <a:r>
-              <a:rPr lang="en-US" dirty="0" err="1" smtClean="0"/>
+              <a:rPr lang="en-US" dirty="0" err="1"/>
               <a:t>Doctype</a:t>
             </a:r>
             <a:r>
-              <a:rPr lang="en-US" dirty="0" smtClean="0"/>
+              <a:rPr lang="en-US" dirty="0"/>
               <a:t> html&gt;</a:t>
             </a:r>
           </a:p>
           <a:p>
-            <a:endParaRPr lang="en-US" dirty="0" smtClean="0"/>
-          </a:p>
-          <a:p>
-            <a:r>
-              <a:rPr lang="en-US" dirty="0" smtClean="0"/>
+            <a:endParaRPr lang="en-US" dirty="0"/>
+          </a:p>
+          <a:p>
+            <a:r>
+              <a:rPr lang="en-US" dirty="0"/>
               <a:t>&lt;html&gt;</a:t>
             </a:r>
           </a:p>
           <a:p>
-            <a:endParaRPr lang="en-US" dirty="0" smtClean="0"/>
-          </a:p>
-          <a:p>
-            <a:r>
-              <a:rPr lang="en-US" dirty="0" smtClean="0"/>
+            <a:endParaRPr lang="en-US" dirty="0"/>
+          </a:p>
+          <a:p>
+            <a:r>
+              <a:rPr lang="en-US" dirty="0"/>
               <a:t>&lt;head&gt;</a:t>
             </a:r>
           </a:p>
           <a:p>
             <a:r>
-              <a:rPr lang="en-US" dirty="0" smtClean="0"/>
+              <a:rPr lang="en-US" dirty="0"/>
               <a:t>    &lt;</a:t>
             </a:r>
             <a:r>
-              <a:rPr lang="en-US" dirty="0" err="1" smtClean="0"/>
+              <a:rPr lang="en-US" dirty="0" err="1"/>
               <a:t>asset:stylesheet</a:t>
             </a:r>
             <a:r>
-              <a:rPr lang="en-US" dirty="0" smtClean="0"/>
+              <a:rPr lang="en-US" dirty="0"/>
               <a:t> </a:t>
             </a:r>
             <a:r>
-              <a:rPr lang="en-US" dirty="0" err="1" smtClean="0"/>
+              <a:rPr lang="en-US" dirty="0" err="1"/>
               <a:t>src</a:t>
             </a:r>
             <a:r>
-              <a:rPr lang="en-US" dirty="0" smtClean="0"/>
+              <a:rPr lang="en-US" dirty="0"/>
               <a:t>="login/index.css" /&gt;</a:t>
             </a:r>
           </a:p>
           <a:p>
             <a:r>
-              <a:rPr lang="en-US" dirty="0" smtClean="0"/>
+              <a:rPr lang="en-US" dirty="0"/>
               <a:t>&lt;/head&gt;</a:t>
             </a:r>
           </a:p>
           <a:p>
-            <a:endParaRPr lang="en-US" dirty="0" smtClean="0"/>
-          </a:p>
-          <a:p>
-            <a:r>
-              <a:rPr lang="en-US" dirty="0" smtClean="0"/>
+            <a:endParaRPr lang="en-US" dirty="0"/>
+          </a:p>
+          <a:p>
+            <a:r>
+              <a:rPr lang="en-US" dirty="0"/>
               <a:t>&lt;body&gt;</a:t>
             </a:r>
           </a:p>
           <a:p>
             <a:r>
-              <a:rPr lang="en-US" dirty="0" smtClean="0"/>
+              <a:rPr lang="en-US" dirty="0"/>
               <a:t>    &lt;</a:t>
             </a:r>
             <a:r>
-              <a:rPr lang="en-US" dirty="0" err="1" smtClean="0"/>
+              <a:rPr lang="en-US" dirty="0" err="1"/>
               <a:t>g:form</a:t>
             </a:r>
             <a:r>
-              <a:rPr lang="en-US" dirty="0" smtClean="0"/>
+              <a:rPr lang="en-US" dirty="0"/>
               <a:t> action="login" class="login-form"&gt;</a:t>
             </a:r>
           </a:p>
           <a:p>
             <a:r>
-              <a:rPr lang="en-US" dirty="0" smtClean="0"/>
+              <a:rPr lang="en-US" dirty="0"/>
               <a:t>        &lt;</a:t>
             </a:r>
             <a:r>
-              <a:rPr lang="en-US" dirty="0" err="1" smtClean="0"/>
+              <a:rPr lang="en-US" dirty="0" err="1"/>
               <a:t>g:if</a:t>
             </a:r>
             <a:r>
-              <a:rPr lang="en-US" dirty="0" smtClean="0"/>
+              <a:rPr lang="en-US" dirty="0"/>
               <a:t> test="${</a:t>
             </a:r>
             <a:r>
-              <a:rPr lang="en-US" dirty="0" err="1" smtClean="0"/>
+              <a:rPr lang="en-US" dirty="0" err="1"/>
               <a:t>flash.message</a:t>
             </a:r>
             <a:r>
-              <a:rPr lang="en-US" dirty="0" smtClean="0"/>
+              <a:rPr lang="en-US" dirty="0"/>
               <a:t>}"&gt;&lt;label&gt;${</a:t>
             </a:r>
             <a:r>
-              <a:rPr lang="en-US" dirty="0" err="1" smtClean="0"/>
+              <a:rPr lang="en-US" dirty="0" err="1"/>
               <a:t>flash.message</a:t>
             </a:r>
             <a:r>
-              <a:rPr lang="en-US" dirty="0" smtClean="0"/>
+              <a:rPr lang="en-US" dirty="0"/>
               <a:t>}&lt;/label&gt;&lt;/</a:t>
             </a:r>
             <a:r>
-              <a:rPr lang="en-US" dirty="0" err="1" smtClean="0"/>
+              <a:rPr lang="en-US" dirty="0" err="1"/>
               <a:t>g:if</a:t>
             </a:r>
             <a:r>
-              <a:rPr lang="en-US" dirty="0" smtClean="0"/>
+              <a:rPr lang="en-US" dirty="0"/>
               <a:t>&gt;</a:t>
             </a:r>
           </a:p>
           <a:p>
             <a:r>
-              <a:rPr lang="en-US" dirty="0" smtClean="0"/>
+              <a:rPr lang="en-US" dirty="0"/>
               <a:t>        &lt;input type="email" name="email" /&gt;</a:t>
             </a:r>
           </a:p>
           <a:p>
             <a:r>
-              <a:rPr lang="en-US" dirty="0" smtClean="0"/>
+              <a:rPr lang="en-US" dirty="0"/>
               <a:t>        &lt;</a:t>
             </a:r>
             <a:r>
-              <a:rPr lang="en-US" dirty="0" err="1" smtClean="0"/>
+              <a:rPr lang="en-US" dirty="0" err="1"/>
               <a:t>g:submitButton</a:t>
             </a:r>
             <a:r>
-              <a:rPr lang="en-US" dirty="0" smtClean="0"/>
+              <a:rPr lang="en-US" dirty="0"/>
               <a:t> name="submit" value="Login" /&gt;</a:t>
             </a:r>
           </a:p>
           <a:p>
             <a:r>
-              <a:rPr lang="en-US" dirty="0" smtClean="0"/>
+              <a:rPr lang="en-US" dirty="0"/>
               <a:t>    &lt;/</a:t>
             </a:r>
             <a:r>
-              <a:rPr lang="en-US" dirty="0" err="1" smtClean="0"/>
+              <a:rPr lang="en-US" dirty="0" err="1"/>
               <a:t>g:form</a:t>
             </a:r>
             <a:r>
-              <a:rPr lang="en-US" dirty="0" smtClean="0"/>
+              <a:rPr lang="en-US" dirty="0"/>
               <a:t>&gt;</a:t>
             </a:r>
           </a:p>
           <a:p>
             <a:r>
-              <a:rPr lang="en-US" dirty="0" smtClean="0"/>
+              <a:rPr lang="en-US" dirty="0"/>
               <a:t>&lt;/body&gt;</a:t>
             </a:r>
           </a:p>
           <a:p>
-            <a:endParaRPr lang="en-US" dirty="0" smtClean="0"/>
-          </a:p>
-          <a:p>
-            <a:r>
-              <a:rPr lang="en-US" dirty="0" smtClean="0"/>
+            <a:endParaRPr lang="en-US" dirty="0"/>
+          </a:p>
+          <a:p>
+            <a:r>
+              <a:rPr lang="en-US" dirty="0"/>
               <a:t>&lt;/html&gt;</a:t>
             </a:r>
           </a:p>
           <a:p>
-            <a:endParaRPr lang="en-US" dirty="0" smtClean="0"/>
-          </a:p>
-          <a:p>
-            <a:endParaRPr lang="en-US" dirty="0" smtClean="0"/>
-          </a:p>
-          <a:p>
-            <a:endParaRPr lang="en-US" dirty="0" smtClean="0"/>
-          </a:p>
-          <a:p>
-            <a:r>
-              <a:rPr lang="en-US" dirty="0" smtClean="0"/>
+            <a:endParaRPr lang="en-US" dirty="0"/>
+          </a:p>
+          <a:p>
+            <a:endParaRPr lang="en-US" dirty="0"/>
+          </a:p>
+          <a:p>
+            <a:endParaRPr lang="en-US" dirty="0"/>
+          </a:p>
+          <a:p>
+            <a:r>
+              <a:rPr lang="en-US" dirty="0"/>
               <a:t>class </a:t>
             </a:r>
             <a:r>
-              <a:rPr lang="en-US" dirty="0" err="1" smtClean="0"/>
+              <a:rPr lang="en-US" dirty="0" err="1"/>
               <a:t>LoginController</a:t>
             </a:r>
             <a:r>
-              <a:rPr lang="en-US" dirty="0" smtClean="0"/>
+              <a:rPr lang="en-US" dirty="0"/>
               <a:t> {</a:t>
             </a:r>
           </a:p>
           <a:p>
-            <a:endParaRPr lang="en-US" dirty="0" smtClean="0"/>
-          </a:p>
-          <a:p>
-            <a:r>
-              <a:rPr lang="en-US" dirty="0" smtClean="0"/>
+            <a:endParaRPr lang="en-US" dirty="0"/>
+          </a:p>
+          <a:p>
+            <a:r>
+              <a:rPr lang="en-US" dirty="0"/>
               <a:t>    </a:t>
             </a:r>
             <a:r>
-              <a:rPr lang="en-US" dirty="0" err="1" smtClean="0"/>
+              <a:rPr lang="en-US" dirty="0" err="1"/>
               <a:t>def</a:t>
             </a:r>
             <a:r>
-              <a:rPr lang="en-US" dirty="0" smtClean="0"/>
+              <a:rPr lang="en-US" dirty="0"/>
               <a:t> index() { }</a:t>
             </a:r>
           </a:p>
           <a:p>
-            <a:endParaRPr lang="en-US" dirty="0" smtClean="0"/>
-          </a:p>
-          <a:p>
-            <a:r>
-              <a:rPr lang="en-US" dirty="0" smtClean="0"/>
+            <a:endParaRPr lang="en-US" dirty="0"/>
+          </a:p>
+          <a:p>
+            <a:r>
+              <a:rPr lang="en-US" dirty="0"/>
               <a:t>    </a:t>
             </a:r>
             <a:r>
-              <a:rPr lang="en-US" dirty="0" err="1" smtClean="0"/>
+              <a:rPr lang="en-US" dirty="0" err="1"/>
               <a:t>def</a:t>
             </a:r>
             <a:r>
-              <a:rPr lang="en-US" dirty="0" smtClean="0"/>
+              <a:rPr lang="en-US" dirty="0"/>
               <a:t> login() {</a:t>
             </a:r>
           </a:p>
           <a:p>
             <a:r>
-              <a:rPr lang="en-US" dirty="0" smtClean="0"/>
+              <a:rPr lang="en-US" dirty="0"/>
               <a:t>        if (</a:t>
             </a:r>
             <a:r>
-              <a:rPr lang="en-US" dirty="0" err="1" smtClean="0"/>
+              <a:rPr lang="en-US" dirty="0" err="1"/>
               <a:t>params.email</a:t>
             </a:r>
             <a:r>
-              <a:rPr lang="en-US" dirty="0" smtClean="0"/>
+              <a:rPr lang="en-US" dirty="0"/>
               <a:t>) {</a:t>
             </a:r>
           </a:p>
           <a:p>
             <a:r>
-              <a:rPr lang="en-US" dirty="0" smtClean="0"/>
+              <a:rPr lang="en-US" dirty="0"/>
               <a:t>            </a:t>
             </a:r>
             <a:r>
-              <a:rPr lang="en-US" dirty="0" err="1" smtClean="0"/>
+              <a:rPr lang="en-US" dirty="0" err="1"/>
               <a:t>def</a:t>
             </a:r>
             <a:r>
-              <a:rPr lang="en-US" dirty="0" smtClean="0"/>
+              <a:rPr lang="en-US" dirty="0"/>
               <a:t> user = </a:t>
             </a:r>
             <a:r>
-              <a:rPr lang="en-US" dirty="0" err="1" smtClean="0"/>
+              <a:rPr lang="en-US" dirty="0" err="1"/>
               <a:t>User.findByEmail</a:t>
             </a:r>
             <a:r>
-              <a:rPr lang="en-US" dirty="0" smtClean="0"/>
+              <a:rPr lang="en-US" dirty="0"/>
               <a:t>(</a:t>
             </a:r>
             <a:r>
-              <a:rPr lang="en-US" dirty="0" err="1" smtClean="0"/>
+              <a:rPr lang="en-US" dirty="0" err="1"/>
               <a:t>params.email</a:t>
             </a:r>
             <a:r>
-              <a:rPr lang="en-US" dirty="0" smtClean="0"/>
+              <a:rPr lang="en-US" dirty="0"/>
               <a:t>)</a:t>
             </a:r>
           </a:p>
           <a:p>
             <a:r>
-              <a:rPr lang="en-US" dirty="0" smtClean="0"/>
+              <a:rPr lang="en-US" dirty="0"/>
               <a:t>            if (!user) {</a:t>
             </a:r>
           </a:p>
           <a:p>
             <a:r>
-              <a:rPr lang="en-US" dirty="0" smtClean="0"/>
+              <a:rPr lang="en-US" dirty="0"/>
               <a:t>                new User(email: </a:t>
             </a:r>
             <a:r>
-              <a:rPr lang="en-US" dirty="0" err="1" smtClean="0"/>
+              <a:rPr lang="en-US" dirty="0" err="1"/>
               <a:t>params.email</a:t>
             </a:r>
             <a:r>
-              <a:rPr lang="en-US" dirty="0" smtClean="0"/>
+              <a:rPr lang="en-US" dirty="0"/>
               <a:t>).save(flush: true)</a:t>
             </a:r>
           </a:p>
           <a:p>
             <a:r>
-              <a:rPr lang="en-US" dirty="0" smtClean="0"/>
+              <a:rPr lang="en-US" dirty="0"/>
               <a:t>            }</a:t>
             </a:r>
           </a:p>
           <a:p>
             <a:r>
-              <a:rPr lang="en-US" dirty="0" smtClean="0"/>
+              <a:rPr lang="en-US" dirty="0"/>
               <a:t>            </a:t>
             </a:r>
             <a:r>
-              <a:rPr lang="en-US" dirty="0" err="1" smtClean="0"/>
+              <a:rPr lang="en-US" dirty="0" err="1"/>
               <a:t>session.email</a:t>
             </a:r>
             <a:r>
-              <a:rPr lang="en-US" dirty="0" smtClean="0"/>
+              <a:rPr lang="en-US" dirty="0"/>
               <a:t> = </a:t>
             </a:r>
             <a:r>
-              <a:rPr lang="en-US" dirty="0" err="1" smtClean="0"/>
+              <a:rPr lang="en-US" dirty="0" err="1"/>
               <a:t>params.email</a:t>
             </a:r>
-            <a:endParaRPr lang="en-US" dirty="0" smtClean="0"/>
-          </a:p>
-          <a:p>
-            <a:r>
-              <a:rPr lang="en-US" dirty="0" smtClean="0"/>
+            <a:endParaRPr lang="en-US" dirty="0"/>
+          </a:p>
+          <a:p>
+            <a:r>
+              <a:rPr lang="en-US" dirty="0"/>
               <a:t>            redirect controller: 'app'</a:t>
             </a:r>
           </a:p>
           <a:p>
             <a:r>
-              <a:rPr lang="en-US" dirty="0" smtClean="0"/>
+              <a:rPr lang="en-US" dirty="0"/>
               <a:t>        } else {</a:t>
             </a:r>
           </a:p>
           <a:p>
             <a:r>
-              <a:rPr lang="en-US" dirty="0" smtClean="0"/>
+              <a:rPr lang="en-US" dirty="0"/>
               <a:t>            </a:t>
             </a:r>
             <a:r>
-              <a:rPr lang="en-US" dirty="0" err="1" smtClean="0"/>
+              <a:rPr lang="en-US" dirty="0" err="1"/>
               <a:t>flash.message</a:t>
             </a:r>
             <a:r>
-              <a:rPr lang="en-US" dirty="0" smtClean="0"/>
+              <a:rPr lang="en-US" dirty="0"/>
               <a:t>= "Email Cannot Be Blank"</a:t>
             </a:r>
           </a:p>
           <a:p>
             <a:r>
-              <a:rPr lang="en-US" dirty="0" smtClean="0"/>
+              <a:rPr lang="en-US" dirty="0"/>
               <a:t>            redirect action: 'index'</a:t>
             </a:r>
           </a:p>
           <a:p>
             <a:r>
-              <a:rPr lang="en-US" dirty="0" smtClean="0"/>
+              <a:rPr lang="en-US" dirty="0"/>
               <a:t>        }</a:t>
             </a:r>
           </a:p>
           <a:p>
             <a:r>
-              <a:rPr lang="en-US" dirty="0" smtClean="0"/>
+              <a:rPr lang="en-US" dirty="0"/>
               <a:t>    }</a:t>
             </a:r>
           </a:p>
           <a:p>
             <a:r>
-              <a:rPr lang="en-US" dirty="0" smtClean="0"/>
+              <a:rPr lang="en-US" dirty="0"/>
               <a:t>}</a:t>
             </a:r>
           </a:p>
           <a:p>
-            <a:endParaRPr lang="en-US" dirty="0" smtClean="0"/>
-          </a:p>
-          <a:p>
-            <a:endParaRPr lang="en-US" dirty="0" smtClean="0"/>
+            <a:endParaRPr lang="en-US" dirty="0"/>
+          </a:p>
+          <a:p>
+            <a:endParaRPr lang="en-US" dirty="0"/>
           </a:p>
           <a:p>
             <a:endParaRPr lang="en-US" dirty="0"/>
@@ -2235,154 +2069,154 @@
           <a:lstStyle/>
           <a:p>
             <a:r>
-              <a:rPr lang="en-US" dirty="0" smtClean="0"/>
+              <a:rPr lang="en-US" dirty="0"/>
               <a:t>class </a:t>
             </a:r>
             <a:r>
-              <a:rPr lang="en-US" dirty="0" err="1" smtClean="0"/>
+              <a:rPr lang="en-US" dirty="0" err="1"/>
               <a:t>LoginInterceptor</a:t>
             </a:r>
             <a:r>
-              <a:rPr lang="en-US" dirty="0" smtClean="0"/>
+              <a:rPr lang="en-US" dirty="0"/>
               <a:t> {</a:t>
             </a:r>
           </a:p>
           <a:p>
             <a:r>
-              <a:rPr lang="en-US" dirty="0" smtClean="0"/>
+              <a:rPr lang="en-US" dirty="0"/>
               <a:t>    </a:t>
             </a:r>
             <a:r>
-              <a:rPr lang="en-US" dirty="0" err="1" smtClean="0"/>
+              <a:rPr lang="en-US" dirty="0" err="1"/>
               <a:t>LoginInterceptor</a:t>
             </a:r>
             <a:r>
-              <a:rPr lang="en-US" dirty="0" smtClean="0"/>
+              <a:rPr lang="en-US" dirty="0"/>
               <a:t> () {</a:t>
             </a:r>
           </a:p>
           <a:p>
             <a:r>
-              <a:rPr lang="en-US" dirty="0" smtClean="0"/>
+              <a:rPr lang="en-US" dirty="0"/>
               <a:t>        match controller: "app"</a:t>
             </a:r>
           </a:p>
           <a:p>
             <a:r>
-              <a:rPr lang="en-US" dirty="0" smtClean="0"/>
+              <a:rPr lang="en-US" dirty="0"/>
               <a:t>    }</a:t>
             </a:r>
           </a:p>
           <a:p>
-            <a:endParaRPr lang="en-US" dirty="0" smtClean="0"/>
-          </a:p>
-          <a:p>
-            <a:r>
-              <a:rPr lang="en-US" dirty="0" smtClean="0"/>
+            <a:endParaRPr lang="en-US" dirty="0"/>
+          </a:p>
+          <a:p>
+            <a:r>
+              <a:rPr lang="en-US" dirty="0"/>
               <a:t>    </a:t>
             </a:r>
             <a:r>
-              <a:rPr lang="en-US" dirty="0" err="1" smtClean="0"/>
+              <a:rPr lang="en-US" dirty="0" err="1"/>
               <a:t>boolean</a:t>
             </a:r>
             <a:r>
-              <a:rPr lang="en-US" dirty="0" smtClean="0"/>
+              <a:rPr lang="en-US" dirty="0"/>
               <a:t> before() { </a:t>
             </a:r>
           </a:p>
           <a:p>
             <a:r>
-              <a:rPr lang="en-US" dirty="0" smtClean="0"/>
+              <a:rPr lang="en-US" dirty="0"/>
               <a:t>        if (!</a:t>
             </a:r>
             <a:r>
-              <a:rPr lang="en-US" dirty="0" err="1" smtClean="0"/>
+              <a:rPr lang="en-US" dirty="0" err="1"/>
               <a:t>session.email</a:t>
             </a:r>
             <a:r>
-              <a:rPr lang="en-US" dirty="0" smtClean="0"/>
+              <a:rPr lang="en-US" dirty="0"/>
               <a:t>) {</a:t>
             </a:r>
           </a:p>
           <a:p>
             <a:r>
-              <a:rPr lang="en-US" dirty="0" smtClean="0"/>
+              <a:rPr lang="en-US" dirty="0"/>
               <a:t>            redirect controller: 'login'</a:t>
             </a:r>
           </a:p>
           <a:p>
             <a:r>
-              <a:rPr lang="en-US" dirty="0" smtClean="0"/>
+              <a:rPr lang="en-US" dirty="0"/>
               <a:t>            return false</a:t>
             </a:r>
           </a:p>
           <a:p>
             <a:r>
-              <a:rPr lang="en-US" dirty="0" smtClean="0"/>
+              <a:rPr lang="en-US" dirty="0"/>
               <a:t>        }</a:t>
             </a:r>
           </a:p>
           <a:p>
             <a:r>
-              <a:rPr lang="en-US" dirty="0" smtClean="0"/>
+              <a:rPr lang="en-US" dirty="0"/>
               <a:t>        true </a:t>
             </a:r>
           </a:p>
           <a:p>
             <a:r>
-              <a:rPr lang="en-US" dirty="0" smtClean="0"/>
+              <a:rPr lang="en-US" dirty="0"/>
               <a:t>    }</a:t>
             </a:r>
           </a:p>
           <a:p>
-            <a:endParaRPr lang="en-US" dirty="0" smtClean="0"/>
-          </a:p>
-          <a:p>
-            <a:r>
-              <a:rPr lang="en-US" dirty="0" smtClean="0"/>
+            <a:endParaRPr lang="en-US" dirty="0"/>
+          </a:p>
+          <a:p>
+            <a:r>
+              <a:rPr lang="en-US" dirty="0"/>
               <a:t>    </a:t>
             </a:r>
             <a:r>
-              <a:rPr lang="en-US" dirty="0" err="1" smtClean="0"/>
+              <a:rPr lang="en-US" dirty="0" err="1"/>
               <a:t>boolean</a:t>
             </a:r>
             <a:r>
-              <a:rPr lang="en-US" dirty="0" smtClean="0"/>
+              <a:rPr lang="en-US" dirty="0"/>
               <a:t> after() { true }</a:t>
             </a:r>
           </a:p>
           <a:p>
-            <a:endParaRPr lang="en-US" dirty="0" smtClean="0"/>
-          </a:p>
-          <a:p>
-            <a:r>
-              <a:rPr lang="en-US" dirty="0" smtClean="0"/>
+            <a:endParaRPr lang="en-US" dirty="0"/>
+          </a:p>
+          <a:p>
+            <a:r>
+              <a:rPr lang="en-US" dirty="0"/>
               <a:t>    void </a:t>
             </a:r>
             <a:r>
-              <a:rPr lang="en-US" dirty="0" err="1" smtClean="0"/>
+              <a:rPr lang="en-US" dirty="0" err="1"/>
               <a:t>afterView</a:t>
             </a:r>
             <a:r>
-              <a:rPr lang="en-US" dirty="0" smtClean="0"/>
+              <a:rPr lang="en-US" dirty="0"/>
               <a:t>() {</a:t>
             </a:r>
           </a:p>
           <a:p>
             <a:r>
-              <a:rPr lang="en-US" dirty="0" smtClean="0"/>
+              <a:rPr lang="en-US" dirty="0"/>
               <a:t>        // no-op</a:t>
             </a:r>
           </a:p>
           <a:p>
             <a:r>
-              <a:rPr lang="en-US" dirty="0" smtClean="0"/>
+              <a:rPr lang="en-US" dirty="0"/>
               <a:t>    }</a:t>
             </a:r>
           </a:p>
           <a:p>
             <a:r>
-              <a:rPr lang="en-US" dirty="0" smtClean="0"/>
+              <a:rPr lang="en-US" dirty="0"/>
               <a:t>}</a:t>
             </a:r>
           </a:p>
@@ -2472,784 +2306,947 @@
           <a:lstStyle/>
           <a:p>
             <a:r>
-              <a:rPr lang="en-US" dirty="0" smtClean="0"/>
+              <a:rPr lang="en-US" dirty="0"/>
               <a:t>&lt;!</a:t>
             </a:r>
             <a:r>
-              <a:rPr lang="en-US" dirty="0" err="1" smtClean="0"/>
+              <a:rPr lang="en-US" dirty="0" err="1"/>
               <a:t>Doctype</a:t>
             </a:r>
             <a:r>
-              <a:rPr lang="en-US" dirty="0" smtClean="0"/>
+              <a:rPr lang="en-US" dirty="0"/>
               <a:t> html&gt;</a:t>
             </a:r>
           </a:p>
           <a:p>
-            <a:endParaRPr lang="en-US" dirty="0" smtClean="0"/>
-          </a:p>
-          <a:p>
-            <a:r>
-              <a:rPr lang="en-US" dirty="0" smtClean="0"/>
+            <a:endParaRPr lang="en-US" dirty="0"/>
+          </a:p>
+          <a:p>
+            <a:r>
+              <a:rPr lang="en-US" dirty="0"/>
               <a:t>&lt;html&gt;</a:t>
             </a:r>
           </a:p>
           <a:p>
-            <a:endParaRPr lang="en-US" dirty="0" smtClean="0"/>
-          </a:p>
-          <a:p>
-            <a:r>
-              <a:rPr lang="en-US" dirty="0" smtClean="0"/>
+            <a:endParaRPr lang="en-US" dirty="0"/>
+          </a:p>
+          <a:p>
+            <a:r>
+              <a:rPr lang="en-US" dirty="0"/>
               <a:t>&lt;head&gt;</a:t>
             </a:r>
           </a:p>
           <a:p>
             <a:r>
-              <a:rPr lang="en-US" dirty="0" smtClean="0"/>
+              <a:rPr lang="en-US" dirty="0"/>
               <a:t>    &lt;</a:t>
             </a:r>
             <a:r>
-              <a:rPr lang="en-US" dirty="0" err="1" smtClean="0"/>
+              <a:rPr lang="en-US" dirty="0" err="1"/>
               <a:t>asset:javascript</a:t>
             </a:r>
             <a:r>
-              <a:rPr lang="en-US" dirty="0" smtClean="0"/>
+              <a:rPr lang="en-US" dirty="0"/>
               <a:t> </a:t>
             </a:r>
             <a:r>
-              <a:rPr lang="en-US" dirty="0" err="1" smtClean="0"/>
+              <a:rPr lang="en-US" dirty="0" err="1"/>
               <a:t>src</a:t>
             </a:r>
             <a:r>
-              <a:rPr lang="en-US" dirty="0" smtClean="0"/>
+              <a:rPr lang="en-US" dirty="0"/>
               <a:t>="app/createPost.js" /&gt;</a:t>
             </a:r>
           </a:p>
           <a:p>
             <a:r>
-              <a:rPr lang="en-US" dirty="0" smtClean="0"/>
+              <a:rPr lang="en-US" dirty="0"/>
               <a:t>    &lt;</a:t>
             </a:r>
             <a:r>
-              <a:rPr lang="en-US" dirty="0" err="1" smtClean="0"/>
+              <a:rPr lang="en-US" dirty="0" err="1"/>
               <a:t>asset:stylesheet</a:t>
             </a:r>
             <a:r>
-              <a:rPr lang="en-US" dirty="0" smtClean="0"/>
+              <a:rPr lang="en-US" dirty="0"/>
               <a:t> </a:t>
             </a:r>
             <a:r>
-              <a:rPr lang="en-US" dirty="0" err="1" smtClean="0"/>
+              <a:rPr lang="en-US" dirty="0" err="1"/>
               <a:t>src</a:t>
             </a:r>
             <a:r>
-              <a:rPr lang="en-US" dirty="0" smtClean="0"/>
+              <a:rPr lang="en-US" dirty="0"/>
               <a:t>="app/index.css" /&gt;</a:t>
             </a:r>
           </a:p>
           <a:p>
             <a:r>
-              <a:rPr lang="en-US" dirty="0" smtClean="0"/>
+              <a:rPr lang="en-US" dirty="0"/>
               <a:t>&lt;/head&gt;</a:t>
             </a:r>
           </a:p>
           <a:p>
-            <a:endParaRPr lang="en-US" dirty="0" smtClean="0"/>
-          </a:p>
-          <a:p>
-            <a:r>
-              <a:rPr lang="en-US" dirty="0" smtClean="0"/>
+            <a:endParaRPr lang="en-US" dirty="0"/>
+          </a:p>
+          <a:p>
+            <a:r>
+              <a:rPr lang="en-US" dirty="0"/>
               <a:t>&lt;body&gt;</a:t>
             </a:r>
           </a:p>
           <a:p>
             <a:r>
-              <a:rPr lang="en-US" dirty="0" smtClean="0"/>
+              <a:rPr lang="en-US" dirty="0"/>
               <a:t>    &lt;</a:t>
             </a:r>
             <a:r>
-              <a:rPr lang="en-US" dirty="0" err="1" smtClean="0"/>
+              <a:rPr lang="en-US" dirty="0" err="1"/>
               <a:t>g:uploadForm</a:t>
             </a:r>
             <a:r>
-              <a:rPr lang="en-US" dirty="0" smtClean="0"/>
+              <a:rPr lang="en-US" dirty="0"/>
               <a:t> action="</a:t>
             </a:r>
             <a:r>
-              <a:rPr lang="en-US" dirty="0" err="1" smtClean="0"/>
+              <a:rPr lang="en-US" dirty="0" err="1"/>
               <a:t>savePost</a:t>
             </a:r>
             <a:r>
-              <a:rPr lang="en-US" dirty="0" smtClean="0"/>
+              <a:rPr lang="en-US" dirty="0"/>
               <a:t>" class="post-create-form"&gt;</a:t>
             </a:r>
           </a:p>
           <a:p>
             <a:r>
-              <a:rPr lang="en-US" dirty="0" smtClean="0"/>
+              <a:rPr lang="en-US" dirty="0"/>
               <a:t>        &lt;div class="post-preview" name="preview"&gt;&lt;/div&gt;</a:t>
             </a:r>
           </a:p>
           <a:p>
             <a:r>
-              <a:rPr lang="en-US" dirty="0" smtClean="0"/>
+              <a:rPr lang="en-US" dirty="0"/>
               <a:t>        &lt;label class="error-message" name="</a:t>
             </a:r>
             <a:r>
-              <a:rPr lang="en-US" dirty="0" err="1" smtClean="0"/>
+              <a:rPr lang="en-US" dirty="0" err="1"/>
               <a:t>errmsg</a:t>
             </a:r>
             <a:r>
-              <a:rPr lang="en-US" dirty="0" smtClean="0"/>
+              <a:rPr lang="en-US" dirty="0"/>
               <a:t>"&gt;&lt;/label&gt;</a:t>
             </a:r>
           </a:p>
           <a:p>
             <a:r>
-              <a:rPr lang="en-US" dirty="0" smtClean="0"/>
+              <a:rPr lang="en-US" dirty="0"/>
               <a:t>        &lt;</a:t>
             </a:r>
             <a:r>
-              <a:rPr lang="en-US" dirty="0" err="1" smtClean="0"/>
+              <a:rPr lang="en-US" dirty="0" err="1"/>
               <a:t>g:if</a:t>
             </a:r>
             <a:r>
-              <a:rPr lang="en-US" dirty="0" smtClean="0"/>
+              <a:rPr lang="en-US" dirty="0"/>
               <a:t> test="${</a:t>
             </a:r>
             <a:r>
-              <a:rPr lang="en-US" dirty="0" err="1" smtClean="0"/>
+              <a:rPr lang="en-US" dirty="0" err="1"/>
               <a:t>flash.message</a:t>
             </a:r>
             <a:r>
-              <a:rPr lang="en-US" dirty="0" smtClean="0"/>
+              <a:rPr lang="en-US" dirty="0"/>
               <a:t>}"&gt;&lt;label class='flash-message'&gt;${</a:t>
             </a:r>
             <a:r>
-              <a:rPr lang="en-US" dirty="0" err="1" smtClean="0"/>
+              <a:rPr lang="en-US" dirty="0" err="1"/>
               <a:t>flash.message</a:t>
             </a:r>
             <a:r>
-              <a:rPr lang="en-US" dirty="0" smtClean="0"/>
+              <a:rPr lang="en-US" dirty="0"/>
               <a:t>}&lt;/label&gt;&lt;/</a:t>
             </a:r>
             <a:r>
-              <a:rPr lang="en-US" dirty="0" err="1" smtClean="0"/>
+              <a:rPr lang="en-US" dirty="0" err="1"/>
               <a:t>g:if</a:t>
             </a:r>
             <a:r>
-              <a:rPr lang="en-US" dirty="0" smtClean="0"/>
+              <a:rPr lang="en-US" dirty="0"/>
               <a:t>&gt;</a:t>
             </a:r>
           </a:p>
           <a:p>
             <a:r>
-              <a:rPr lang="en-US" dirty="0" smtClean="0"/>
+              <a:rPr lang="en-US" dirty="0"/>
               <a:t>        &lt;input type="file" name="image" class='file-entry'/&gt;</a:t>
             </a:r>
           </a:p>
           <a:p>
             <a:r>
-              <a:rPr lang="en-US" dirty="0" smtClean="0"/>
+              <a:rPr lang="en-US" dirty="0"/>
               <a:t>        &lt;</a:t>
             </a:r>
             <a:r>
-              <a:rPr lang="en-US" dirty="0" err="1" smtClean="0"/>
+              <a:rPr lang="en-US" dirty="0" err="1"/>
               <a:t>g:submitButton</a:t>
             </a:r>
             <a:r>
-              <a:rPr lang="en-US" dirty="0" smtClean="0"/>
+              <a:rPr lang="en-US" dirty="0"/>
               <a:t> name='upload' value="Create"/&gt;</a:t>
             </a:r>
           </a:p>
           <a:p>
             <a:r>
-              <a:rPr lang="en-US" dirty="0" smtClean="0"/>
+              <a:rPr lang="en-US" dirty="0"/>
               <a:t>    &lt;/</a:t>
             </a:r>
             <a:r>
-              <a:rPr lang="en-US" dirty="0" err="1" smtClean="0"/>
+              <a:rPr lang="en-US" dirty="0" err="1"/>
               <a:t>g:uploadForm</a:t>
             </a:r>
             <a:r>
-              <a:rPr lang="en-US" dirty="0" smtClean="0"/>
+              <a:rPr lang="en-US" dirty="0"/>
               <a:t>&gt;</a:t>
             </a:r>
           </a:p>
           <a:p>
             <a:r>
-              <a:rPr lang="en-US" dirty="0" smtClean="0"/>
+              <a:rPr lang="en-US" dirty="0"/>
               <a:t>&lt;/body&gt;</a:t>
             </a:r>
           </a:p>
           <a:p>
-            <a:endParaRPr lang="en-US" dirty="0" smtClean="0"/>
-          </a:p>
-          <a:p>
-            <a:r>
-              <a:rPr lang="en-US" dirty="0" smtClean="0"/>
+            <a:endParaRPr lang="en-US" dirty="0"/>
+          </a:p>
+          <a:p>
+            <a:r>
+              <a:rPr lang="en-US" dirty="0"/>
               <a:t>&lt;/html&gt;</a:t>
             </a:r>
           </a:p>
           <a:p>
-            <a:endParaRPr lang="en-US" dirty="0" smtClean="0"/>
-          </a:p>
-          <a:p>
-            <a:endParaRPr lang="en-US" dirty="0" smtClean="0"/>
-          </a:p>
-          <a:p>
-            <a:endParaRPr lang="en-US" dirty="0" smtClean="0"/>
-          </a:p>
-          <a:p>
-            <a:endParaRPr lang="en-US" dirty="0" smtClean="0"/>
-          </a:p>
-          <a:p>
-            <a:r>
-              <a:rPr lang="en-US" baseline="0" dirty="0" smtClean="0"/>
+            <a:endParaRPr lang="en-US" dirty="0"/>
+          </a:p>
+          <a:p>
+            <a:endParaRPr lang="en-US" dirty="0"/>
+          </a:p>
+          <a:p>
+            <a:endParaRPr lang="en-US" dirty="0"/>
+          </a:p>
+          <a:p>
+            <a:endParaRPr lang="en-US" dirty="0"/>
+          </a:p>
+          <a:p>
+            <a:r>
+              <a:rPr lang="en-US" baseline="0" dirty="0"/>
               <a:t>    </a:t>
             </a:r>
             <a:r>
-              <a:rPr lang="en-US" dirty="0" err="1" smtClean="0"/>
+              <a:rPr lang="en-US" dirty="0" err="1"/>
               <a:t>def</a:t>
             </a:r>
             <a:r>
-              <a:rPr lang="en-US" dirty="0" smtClean="0"/>
+              <a:rPr lang="en-US" dirty="0"/>
               <a:t> </a:t>
             </a:r>
             <a:r>
-              <a:rPr lang="en-US" dirty="0" err="1" smtClean="0"/>
+              <a:rPr lang="en-US" dirty="0" err="1"/>
               <a:t>savePost</a:t>
             </a:r>
             <a:r>
-              <a:rPr lang="en-US" dirty="0" smtClean="0"/>
+              <a:rPr lang="en-US" dirty="0"/>
               <a:t>() {</a:t>
             </a:r>
           </a:p>
           <a:p>
             <a:r>
-              <a:rPr lang="en-US" dirty="0" smtClean="0"/>
+              <a:rPr lang="en-US" dirty="0"/>
               <a:t>        </a:t>
             </a:r>
             <a:r>
-              <a:rPr lang="en-US" dirty="0" err="1" smtClean="0"/>
+              <a:rPr lang="en-US" dirty="0" err="1"/>
               <a:t>def</a:t>
             </a:r>
             <a:r>
-              <a:rPr lang="en-US" dirty="0" smtClean="0"/>
+              <a:rPr lang="en-US" dirty="0"/>
               <a:t> file = </a:t>
             </a:r>
             <a:r>
-              <a:rPr lang="en-US" dirty="0" err="1" smtClean="0"/>
+              <a:rPr lang="en-US" dirty="0" err="1"/>
               <a:t>request.getFile</a:t>
             </a:r>
             <a:r>
-              <a:rPr lang="en-US" dirty="0" smtClean="0"/>
+              <a:rPr lang="en-US" dirty="0"/>
               <a:t>('image')</a:t>
             </a:r>
           </a:p>
           <a:p>
-            <a:endParaRPr lang="en-US" dirty="0" smtClean="0"/>
-          </a:p>
-          <a:p>
-            <a:r>
-              <a:rPr lang="en-US" dirty="0" smtClean="0"/>
+            <a:endParaRPr lang="en-US" dirty="0"/>
+          </a:p>
+          <a:p>
+            <a:r>
+              <a:rPr lang="en-US" dirty="0"/>
               <a:t>        new Post(creator: </a:t>
             </a:r>
             <a:r>
-              <a:rPr lang="en-US" dirty="0" err="1" smtClean="0"/>
+              <a:rPr lang="en-US" dirty="0" err="1"/>
               <a:t>User.findByEmail</a:t>
             </a:r>
             <a:r>
-              <a:rPr lang="en-US" dirty="0" smtClean="0"/>
+              <a:rPr lang="en-US" dirty="0"/>
               <a:t>(</a:t>
             </a:r>
             <a:r>
-              <a:rPr lang="en-US" dirty="0" err="1" smtClean="0"/>
+              <a:rPr lang="en-US" dirty="0" err="1"/>
               <a:t>session.email</a:t>
             </a:r>
             <a:r>
-              <a:rPr lang="en-US" dirty="0" smtClean="0"/>
+              <a:rPr lang="en-US" dirty="0"/>
               <a:t>), image:</a:t>
             </a:r>
           </a:p>
           <a:p>
             <a:r>
-              <a:rPr lang="en-US" dirty="0" smtClean="0"/>
+              <a:rPr lang="en-US" dirty="0"/>
               <a:t>            new </a:t>
             </a:r>
             <a:r>
-              <a:rPr lang="en-US" dirty="0" err="1" smtClean="0"/>
+              <a:rPr lang="en-US" dirty="0" err="1"/>
               <a:t>ImageFile</a:t>
             </a:r>
             <a:r>
-              <a:rPr lang="en-US" dirty="0" smtClean="0"/>
+              <a:rPr lang="en-US" dirty="0"/>
               <a:t>(name: </a:t>
             </a:r>
             <a:r>
-              <a:rPr lang="en-US" dirty="0" err="1" smtClean="0"/>
+              <a:rPr lang="en-US" dirty="0" err="1"/>
               <a:t>file.originalFilename</a:t>
             </a:r>
             <a:r>
-              <a:rPr lang="en-US" dirty="0" smtClean="0"/>
+              <a:rPr lang="en-US" dirty="0"/>
               <a:t>, </a:t>
             </a:r>
             <a:r>
-              <a:rPr lang="en-US" dirty="0" err="1" smtClean="0"/>
+              <a:rPr lang="en-US" dirty="0" err="1"/>
               <a:t>contentType</a:t>
             </a:r>
             <a:r>
-              <a:rPr lang="en-US" dirty="0" smtClean="0"/>
+              <a:rPr lang="en-US" dirty="0"/>
               <a:t>: </a:t>
             </a:r>
             <a:r>
-              <a:rPr lang="en-US" dirty="0" err="1" smtClean="0"/>
+              <a:rPr lang="en-US" dirty="0" err="1"/>
               <a:t>file.contentType</a:t>
             </a:r>
             <a:r>
-              <a:rPr lang="en-US" dirty="0" smtClean="0"/>
+              <a:rPr lang="en-US" dirty="0"/>
               <a:t>, </a:t>
             </a:r>
             <a:r>
-              <a:rPr lang="en-US" dirty="0" err="1" smtClean="0"/>
+              <a:rPr lang="en-US" dirty="0" err="1"/>
               <a:t>imageData</a:t>
             </a:r>
             <a:r>
-              <a:rPr lang="en-US" dirty="0" smtClean="0"/>
+              <a:rPr lang="en-US" dirty="0"/>
               <a:t>: </a:t>
             </a:r>
             <a:r>
-              <a:rPr lang="en-US" dirty="0" err="1" smtClean="0"/>
+              <a:rPr lang="en-US" dirty="0" err="1"/>
               <a:t>file.bytes</a:t>
             </a:r>
             <a:r>
-              <a:rPr lang="en-US" dirty="0" smtClean="0"/>
+              <a:rPr lang="en-US" dirty="0"/>
               <a:t>)</a:t>
             </a:r>
           </a:p>
           <a:p>
             <a:r>
-              <a:rPr lang="en-US" dirty="0" smtClean="0"/>
+              <a:rPr lang="en-US" dirty="0"/>
               <a:t>        ).save(flush: true)</a:t>
             </a:r>
           </a:p>
           <a:p>
-            <a:endParaRPr lang="en-US" dirty="0" smtClean="0"/>
-          </a:p>
-          <a:p>
-            <a:r>
-              <a:rPr lang="en-US" dirty="0" smtClean="0"/>
+            <a:endParaRPr lang="en-US" dirty="0"/>
+          </a:p>
+          <a:p>
+            <a:r>
+              <a:rPr lang="en-US" dirty="0"/>
               <a:t>        redirect action: 'index'</a:t>
             </a:r>
           </a:p>
           <a:p>
             <a:r>
-              <a:rPr lang="en-US" dirty="0" smtClean="0"/>
+              <a:rPr lang="en-US" dirty="0"/>
               <a:t>    }</a:t>
             </a:r>
           </a:p>
           <a:p>
-            <a:endParaRPr lang="en-US" dirty="0" smtClean="0"/>
-          </a:p>
-          <a:p>
-            <a:endParaRPr lang="en-US" dirty="0" smtClean="0"/>
-          </a:p>
-          <a:p>
-            <a:endParaRPr lang="en-US" dirty="0" smtClean="0"/>
-          </a:p>
-          <a:p>
-            <a:endParaRPr lang="en-US" dirty="0" smtClean="0"/>
-          </a:p>
-          <a:p>
-            <a:endParaRPr lang="en-US" dirty="0" smtClean="0"/>
-          </a:p>
-          <a:p>
-            <a:r>
-              <a:rPr lang="en-US" dirty="0" err="1" smtClean="0"/>
+            <a:endParaRPr lang="en-US" dirty="0"/>
+          </a:p>
+          <a:p>
+            <a:r>
+              <a:rPr lang="en-US" dirty="0"/>
+              <a:t>    def </a:t>
+            </a:r>
+            <a:r>
+              <a:rPr lang="en-US" dirty="0" err="1"/>
+              <a:t>addComment</a:t>
+            </a:r>
+            <a:r>
+              <a:rPr lang="en-US" dirty="0"/>
+              <a:t>() {</a:t>
+            </a:r>
+          </a:p>
+          <a:p>
+            <a:r>
+              <a:rPr lang="en-US" dirty="0"/>
+              <a:t>        Post </a:t>
+            </a:r>
+            <a:r>
+              <a:rPr lang="en-US" dirty="0" err="1"/>
+              <a:t>post</a:t>
+            </a:r>
+            <a:r>
+              <a:rPr lang="en-US" dirty="0"/>
+              <a:t> = </a:t>
+            </a:r>
+            <a:r>
+              <a:rPr lang="en-US" dirty="0" err="1"/>
+              <a:t>Post.findById</a:t>
+            </a:r>
+            <a:r>
+              <a:rPr lang="en-US" dirty="0"/>
+              <a:t>(params.id)</a:t>
+            </a:r>
+          </a:p>
+          <a:p>
+            <a:r>
+              <a:rPr lang="en-US" dirty="0"/>
+              <a:t>        Comment </a:t>
+            </a:r>
+            <a:r>
+              <a:rPr lang="en-US" dirty="0" err="1"/>
+              <a:t>comment</a:t>
+            </a:r>
+            <a:r>
+              <a:rPr lang="en-US" dirty="0"/>
+              <a:t> = new Comment(creator: </a:t>
+            </a:r>
+            <a:r>
+              <a:rPr lang="en-US" dirty="0" err="1"/>
+              <a:t>session.email</a:t>
+            </a:r>
+            <a:r>
+              <a:rPr lang="en-US" dirty="0"/>
+              <a:t>, content: </a:t>
+            </a:r>
+            <a:r>
+              <a:rPr lang="en-US" dirty="0" err="1"/>
+              <a:t>params.content</a:t>
+            </a:r>
+            <a:r>
+              <a:rPr lang="en-US" dirty="0"/>
+              <a:t>)</a:t>
+            </a:r>
+          </a:p>
+          <a:p>
+            <a:r>
+              <a:rPr lang="en-US" dirty="0"/>
+              <a:t>        </a:t>
+            </a:r>
+            <a:r>
+              <a:rPr lang="en-US" dirty="0" err="1"/>
+              <a:t>post.comments</a:t>
+            </a:r>
+            <a:r>
+              <a:rPr lang="en-US" dirty="0"/>
+              <a:t> &lt;&lt; comment </a:t>
+            </a:r>
+          </a:p>
+          <a:p>
+            <a:r>
+              <a:rPr lang="en-US" dirty="0"/>
+              <a:t>        if (</a:t>
+            </a:r>
+            <a:r>
+              <a:rPr lang="en-US" dirty="0" err="1"/>
+              <a:t>post.save</a:t>
+            </a:r>
+            <a:r>
+              <a:rPr lang="en-US" dirty="0"/>
+              <a:t>(flush: true)) {</a:t>
+            </a:r>
+          </a:p>
+          <a:p>
+            <a:r>
+              <a:rPr lang="en-US" dirty="0"/>
+              <a:t>            render ([</a:t>
+            </a:r>
+            <a:r>
+              <a:rPr lang="en-US" dirty="0" err="1"/>
+              <a:t>created:true</a:t>
+            </a:r>
+            <a:r>
+              <a:rPr lang="en-US" dirty="0"/>
+              <a:t>, id: comment.id, user: </a:t>
+            </a:r>
+            <a:r>
+              <a:rPr lang="en-US" dirty="0" err="1"/>
+              <a:t>session.email</a:t>
+            </a:r>
+            <a:r>
+              <a:rPr lang="en-US" dirty="0"/>
+              <a:t>] as JSON)</a:t>
+            </a:r>
+          </a:p>
+          <a:p>
+            <a:r>
+              <a:rPr lang="en-US" dirty="0"/>
+              <a:t>        } else {</a:t>
+            </a:r>
+          </a:p>
+          <a:p>
+            <a:r>
+              <a:rPr lang="en-US" dirty="0"/>
+              <a:t>            </a:t>
+            </a:r>
+            <a:r>
+              <a:rPr lang="en-US" dirty="0" err="1"/>
+              <a:t>println</a:t>
+            </a:r>
+            <a:r>
+              <a:rPr lang="en-US" dirty="0"/>
+              <a:t> </a:t>
+            </a:r>
+            <a:r>
+              <a:rPr lang="en-US" dirty="0" err="1"/>
+              <a:t>post.errors</a:t>
+            </a:r>
+            <a:endParaRPr lang="en-US" dirty="0"/>
+          </a:p>
+          <a:p>
+            <a:r>
+              <a:rPr lang="en-US" dirty="0"/>
+              <a:t>            render ([</a:t>
+            </a:r>
+            <a:r>
+              <a:rPr lang="en-US" dirty="0" err="1"/>
+              <a:t>created:false</a:t>
+            </a:r>
+            <a:r>
+              <a:rPr lang="en-US" dirty="0"/>
+              <a:t>] as JSON)</a:t>
+            </a:r>
+          </a:p>
+          <a:p>
+            <a:r>
+              <a:rPr lang="en-US" dirty="0"/>
+              <a:t>        }</a:t>
+            </a:r>
+          </a:p>
+          <a:p>
+            <a:r>
+              <a:rPr lang="en-US" dirty="0"/>
+              <a:t>    }</a:t>
+            </a:r>
+          </a:p>
+          <a:p>
+            <a:endParaRPr lang="en-US" dirty="0"/>
+          </a:p>
+          <a:p>
+            <a:endParaRPr lang="en-US" dirty="0"/>
+          </a:p>
+          <a:p>
+            <a:endParaRPr lang="en-US" dirty="0"/>
+          </a:p>
+          <a:p>
+            <a:r>
+              <a:rPr lang="en-US" dirty="0" err="1"/>
               <a:t>document.addEventListener</a:t>
             </a:r>
             <a:r>
-              <a:rPr lang="en-US" dirty="0" smtClean="0"/>
+              <a:rPr lang="en-US" dirty="0"/>
               <a:t>('</a:t>
             </a:r>
             <a:r>
-              <a:rPr lang="en-US" dirty="0" err="1" smtClean="0"/>
+              <a:rPr lang="en-US" dirty="0" err="1"/>
               <a:t>DOMContentLoaded</a:t>
             </a:r>
             <a:r>
-              <a:rPr lang="en-US" dirty="0" smtClean="0"/>
+              <a:rPr lang="en-US" dirty="0"/>
               <a:t>', () =&gt; {</a:t>
             </a:r>
           </a:p>
           <a:p>
             <a:r>
-              <a:rPr lang="en-US" dirty="0" smtClean="0"/>
+              <a:rPr lang="en-US" dirty="0"/>
               <a:t>    </a:t>
             </a:r>
             <a:r>
-              <a:rPr lang="en-US" dirty="0" err="1" smtClean="0"/>
+              <a:rPr lang="en-US" dirty="0" err="1"/>
               <a:t>document.querySelector</a:t>
             </a:r>
             <a:r>
-              <a:rPr lang="en-US" dirty="0" smtClean="0"/>
+              <a:rPr lang="en-US" dirty="0"/>
               <a:t>('.file-entry').</a:t>
             </a:r>
             <a:r>
-              <a:rPr lang="en-US" dirty="0" err="1" smtClean="0"/>
+              <a:rPr lang="en-US" dirty="0" err="1"/>
               <a:t>onchange</a:t>
             </a:r>
             <a:r>
-              <a:rPr lang="en-US" dirty="0" smtClean="0"/>
+              <a:rPr lang="en-US" dirty="0"/>
               <a:t> = function (</a:t>
             </a:r>
             <a:r>
-              <a:rPr lang="en-US" dirty="0" err="1" smtClean="0"/>
+              <a:rPr lang="en-US" dirty="0" err="1"/>
               <a:t>evt</a:t>
             </a:r>
             <a:r>
-              <a:rPr lang="en-US" dirty="0" smtClean="0"/>
+              <a:rPr lang="en-US" dirty="0"/>
               <a:t>) {</a:t>
             </a:r>
           </a:p>
           <a:p>
             <a:r>
-              <a:rPr lang="en-US" dirty="0" smtClean="0"/>
+              <a:rPr lang="en-US" dirty="0"/>
               <a:t>        </a:t>
             </a:r>
             <a:r>
-              <a:rPr lang="en-US" dirty="0" err="1" smtClean="0"/>
+              <a:rPr lang="en-US" dirty="0" err="1"/>
               <a:t>document.querySelector</a:t>
             </a:r>
             <a:r>
-              <a:rPr lang="en-US" dirty="0" smtClean="0"/>
+              <a:rPr lang="en-US" dirty="0"/>
               <a:t>('.error-message').</a:t>
             </a:r>
             <a:r>
-              <a:rPr lang="en-US" dirty="0" err="1" smtClean="0"/>
+              <a:rPr lang="en-US" dirty="0" err="1"/>
               <a:t>textContent</a:t>
             </a:r>
             <a:r>
-              <a:rPr lang="en-US" dirty="0" smtClean="0"/>
+              <a:rPr lang="en-US" dirty="0"/>
               <a:t> = null;</a:t>
             </a:r>
           </a:p>
           <a:p>
             <a:r>
-              <a:rPr lang="en-US" dirty="0" smtClean="0"/>
+              <a:rPr lang="en-US" dirty="0"/>
               <a:t>        </a:t>
             </a:r>
             <a:r>
-              <a:rPr lang="en-US" dirty="0" err="1" smtClean="0"/>
+              <a:rPr lang="en-US" dirty="0" err="1"/>
               <a:t>var</a:t>
             </a:r>
             <a:r>
-              <a:rPr lang="en-US" dirty="0" smtClean="0"/>
+              <a:rPr lang="en-US" dirty="0"/>
               <a:t> entry = </a:t>
             </a:r>
             <a:r>
-              <a:rPr lang="en-US" dirty="0" err="1" smtClean="0"/>
+              <a:rPr lang="en-US" dirty="0" err="1"/>
               <a:t>evt.target</a:t>
             </a:r>
             <a:r>
-              <a:rPr lang="en-US" dirty="0" smtClean="0"/>
+              <a:rPr lang="en-US" dirty="0"/>
               <a:t>;</a:t>
             </a:r>
           </a:p>
           <a:p>
             <a:r>
-              <a:rPr lang="en-US" dirty="0" smtClean="0"/>
+              <a:rPr lang="en-US" dirty="0"/>
               <a:t>        console.log(</a:t>
             </a:r>
             <a:r>
-              <a:rPr lang="en-US" dirty="0" err="1" smtClean="0"/>
+              <a:rPr lang="en-US" dirty="0" err="1"/>
               <a:t>evt</a:t>
             </a:r>
             <a:r>
-              <a:rPr lang="en-US" dirty="0" smtClean="0"/>
+              <a:rPr lang="en-US" dirty="0"/>
               <a:t>);</a:t>
             </a:r>
           </a:p>
           <a:p>
-            <a:endParaRPr lang="en-US" dirty="0" smtClean="0"/>
-          </a:p>
-          <a:p>
-            <a:r>
-              <a:rPr lang="en-US" dirty="0" smtClean="0"/>
+            <a:endParaRPr lang="en-US" dirty="0"/>
+          </a:p>
+          <a:p>
+            <a:r>
+              <a:rPr lang="en-US" dirty="0"/>
               <a:t>        </a:t>
             </a:r>
             <a:r>
-              <a:rPr lang="en-US" dirty="0" err="1" smtClean="0"/>
+              <a:rPr lang="en-US" dirty="0" err="1"/>
               <a:t>var</a:t>
             </a:r>
             <a:r>
-              <a:rPr lang="en-US" dirty="0" smtClean="0"/>
+              <a:rPr lang="en-US" dirty="0"/>
               <a:t> file = </a:t>
             </a:r>
             <a:r>
-              <a:rPr lang="en-US" dirty="0" err="1" smtClean="0"/>
+              <a:rPr lang="en-US" dirty="0" err="1"/>
               <a:t>entry.files</a:t>
             </a:r>
             <a:r>
-              <a:rPr lang="en-US" dirty="0" smtClean="0"/>
+              <a:rPr lang="en-US" dirty="0"/>
               <a:t>[0];</a:t>
             </a:r>
           </a:p>
           <a:p>
             <a:r>
-              <a:rPr lang="en-US" dirty="0" smtClean="0"/>
+              <a:rPr lang="en-US" dirty="0"/>
               <a:t>        </a:t>
             </a:r>
             <a:r>
-              <a:rPr lang="en-US" dirty="0" err="1" smtClean="0"/>
+              <a:rPr lang="en-US" dirty="0" err="1"/>
               <a:t>var</a:t>
             </a:r>
             <a:r>
-              <a:rPr lang="en-US" dirty="0" smtClean="0"/>
+              <a:rPr lang="en-US" dirty="0"/>
               <a:t> reader = new </a:t>
             </a:r>
             <a:r>
-              <a:rPr lang="en-US" dirty="0" err="1" smtClean="0"/>
+              <a:rPr lang="en-US" dirty="0" err="1"/>
               <a:t>FileReader</a:t>
             </a:r>
             <a:r>
-              <a:rPr lang="en-US" dirty="0" smtClean="0"/>
+              <a:rPr lang="en-US" dirty="0"/>
               <a:t>();</a:t>
             </a:r>
           </a:p>
           <a:p>
-            <a:endParaRPr lang="en-US" dirty="0" smtClean="0"/>
-          </a:p>
-          <a:p>
-            <a:r>
-              <a:rPr lang="en-US" dirty="0" smtClean="0"/>
+            <a:endParaRPr lang="en-US" dirty="0"/>
+          </a:p>
+          <a:p>
+            <a:r>
+              <a:rPr lang="en-US" dirty="0"/>
               <a:t>        </a:t>
             </a:r>
             <a:r>
-              <a:rPr lang="en-US" dirty="0" err="1" smtClean="0"/>
+              <a:rPr lang="en-US" dirty="0" err="1"/>
               <a:t>reader.addEventListener</a:t>
             </a:r>
             <a:r>
-              <a:rPr lang="en-US" dirty="0" smtClean="0"/>
+              <a:rPr lang="en-US" dirty="0"/>
               <a:t>("load", function () {</a:t>
             </a:r>
           </a:p>
           <a:p>
             <a:r>
-              <a:rPr lang="en-US" dirty="0" smtClean="0"/>
+              <a:rPr lang="en-US" dirty="0"/>
               <a:t>            </a:t>
             </a:r>
             <a:r>
-              <a:rPr lang="en-US" dirty="0" err="1" smtClean="0"/>
+              <a:rPr lang="en-US" dirty="0" err="1"/>
               <a:t>var</a:t>
             </a:r>
             <a:r>
-              <a:rPr lang="en-US" dirty="0" smtClean="0"/>
+              <a:rPr lang="en-US" dirty="0"/>
               <a:t> result = </a:t>
             </a:r>
             <a:r>
-              <a:rPr lang="en-US" dirty="0" err="1" smtClean="0"/>
+              <a:rPr lang="en-US" dirty="0" err="1"/>
               <a:t>reader.result</a:t>
             </a:r>
             <a:r>
-              <a:rPr lang="en-US" dirty="0" smtClean="0"/>
+              <a:rPr lang="en-US" dirty="0"/>
               <a:t>;</a:t>
             </a:r>
           </a:p>
           <a:p>
             <a:r>
-              <a:rPr lang="en-US" dirty="0" smtClean="0"/>
+              <a:rPr lang="en-US" dirty="0"/>
               <a:t>            </a:t>
             </a:r>
             <a:r>
-              <a:rPr lang="en-US" dirty="0" err="1" smtClean="0"/>
+              <a:rPr lang="en-US" dirty="0" err="1"/>
               <a:t>var</a:t>
             </a:r>
             <a:r>
-              <a:rPr lang="en-US" dirty="0" smtClean="0"/>
+              <a:rPr lang="en-US" dirty="0"/>
               <a:t> mime = </a:t>
             </a:r>
             <a:r>
-              <a:rPr lang="en-US" dirty="0" err="1" smtClean="0"/>
+              <a:rPr lang="en-US" dirty="0" err="1"/>
               <a:t>result.substring</a:t>
             </a:r>
             <a:r>
-              <a:rPr lang="en-US" dirty="0" smtClean="0"/>
+              <a:rPr lang="en-US" dirty="0"/>
               <a:t>(</a:t>
             </a:r>
             <a:r>
-              <a:rPr lang="en-US" dirty="0" err="1" smtClean="0"/>
+              <a:rPr lang="en-US" dirty="0" err="1"/>
               <a:t>result.indexOf</a:t>
             </a:r>
             <a:r>
-              <a:rPr lang="en-US" dirty="0" smtClean="0"/>
+              <a:rPr lang="en-US" dirty="0"/>
               <a:t>(':') + 1, </a:t>
             </a:r>
             <a:r>
-              <a:rPr lang="en-US" dirty="0" err="1" smtClean="0"/>
+              <a:rPr lang="en-US" dirty="0" err="1"/>
               <a:t>result.indexOf</a:t>
             </a:r>
             <a:r>
-              <a:rPr lang="en-US" dirty="0" smtClean="0"/>
+              <a:rPr lang="en-US" dirty="0"/>
               <a:t>(';'));</a:t>
             </a:r>
           </a:p>
           <a:p>
             <a:r>
-              <a:rPr lang="en-US" dirty="0" smtClean="0"/>
+              <a:rPr lang="en-US" dirty="0"/>
               <a:t>            if (</a:t>
             </a:r>
             <a:r>
-              <a:rPr lang="en-US" dirty="0" err="1" smtClean="0"/>
+              <a:rPr lang="en-US" dirty="0" err="1"/>
               <a:t>mime.substring</a:t>
             </a:r>
             <a:r>
-              <a:rPr lang="en-US" dirty="0" smtClean="0"/>
+              <a:rPr lang="en-US" dirty="0"/>
               <a:t>(0, '</a:t>
             </a:r>
             <a:r>
-              <a:rPr lang="en-US" dirty="0" err="1" smtClean="0"/>
+              <a:rPr lang="en-US" dirty="0" err="1"/>
               <a:t>image'.length</a:t>
             </a:r>
             <a:r>
-              <a:rPr lang="en-US" dirty="0" smtClean="0"/>
+              <a:rPr lang="en-US" dirty="0"/>
               <a:t>) !== 'image') {</a:t>
             </a:r>
           </a:p>
           <a:p>
             <a:r>
-              <a:rPr lang="en-US" dirty="0" smtClean="0"/>
+              <a:rPr lang="en-US" dirty="0"/>
               <a:t>                </a:t>
             </a:r>
             <a:r>
-              <a:rPr lang="en-US" dirty="0" err="1" smtClean="0"/>
+              <a:rPr lang="en-US" dirty="0" err="1"/>
               <a:t>entry.value</a:t>
             </a:r>
             <a:r>
-              <a:rPr lang="en-US" dirty="0" smtClean="0"/>
+              <a:rPr lang="en-US" dirty="0"/>
               <a:t> = "";</a:t>
             </a:r>
           </a:p>
           <a:p>
-            <a:endParaRPr lang="en-US" dirty="0" smtClean="0"/>
-          </a:p>
-          <a:p>
-            <a:r>
-              <a:rPr lang="en-US" dirty="0" smtClean="0"/>
+            <a:endParaRPr lang="en-US" dirty="0"/>
+          </a:p>
+          <a:p>
+            <a:r>
+              <a:rPr lang="en-US" dirty="0"/>
               <a:t>                </a:t>
             </a:r>
             <a:r>
-              <a:rPr lang="en-US" dirty="0" err="1" smtClean="0"/>
+              <a:rPr lang="en-US" dirty="0" err="1"/>
               <a:t>document.querySelector</a:t>
             </a:r>
             <a:r>
-              <a:rPr lang="en-US" dirty="0" smtClean="0"/>
+              <a:rPr lang="en-US" dirty="0"/>
               <a:t>('.error-message').</a:t>
             </a:r>
             <a:r>
-              <a:rPr lang="en-US" dirty="0" err="1" smtClean="0"/>
+              <a:rPr lang="en-US" dirty="0" err="1"/>
               <a:t>textContent</a:t>
             </a:r>
             <a:r>
-              <a:rPr lang="en-US" dirty="0" smtClean="0"/>
+              <a:rPr lang="en-US" dirty="0"/>
               <a:t> = "Error: bad file type: " + mime</a:t>
             </a:r>
           </a:p>
           <a:p>
             <a:r>
-              <a:rPr lang="en-US" dirty="0" smtClean="0"/>
+              <a:rPr lang="en-US" dirty="0"/>
               <a:t>                return;</a:t>
             </a:r>
           </a:p>
           <a:p>
             <a:r>
-              <a:rPr lang="en-US" dirty="0" smtClean="0"/>
+              <a:rPr lang="en-US" dirty="0"/>
               <a:t>            }</a:t>
             </a:r>
           </a:p>
           <a:p>
             <a:r>
-              <a:rPr lang="en-US" dirty="0" smtClean="0"/>
+              <a:rPr lang="en-US" dirty="0"/>
               <a:t>            console.log(mime);</a:t>
             </a:r>
           </a:p>
           <a:p>
-            <a:endParaRPr lang="en-US" dirty="0" smtClean="0"/>
-          </a:p>
-          <a:p>
-            <a:r>
-              <a:rPr lang="en-US" dirty="0" smtClean="0"/>
+            <a:endParaRPr lang="en-US" dirty="0"/>
+          </a:p>
+          <a:p>
+            <a:r>
+              <a:rPr lang="en-US" dirty="0"/>
               <a:t>            </a:t>
             </a:r>
             <a:r>
-              <a:rPr lang="en-US" dirty="0" err="1" smtClean="0"/>
+              <a:rPr lang="en-US" dirty="0" err="1"/>
               <a:t>document.querySelector</a:t>
             </a:r>
             <a:r>
-              <a:rPr lang="en-US" dirty="0" smtClean="0"/>
+              <a:rPr lang="en-US" dirty="0"/>
               <a:t>('.post-preview').style['background-image'] = "</a:t>
             </a:r>
             <a:r>
-              <a:rPr lang="en-US" dirty="0" err="1" smtClean="0"/>
+              <a:rPr lang="en-US" dirty="0" err="1"/>
               <a:t>url</a:t>
             </a:r>
             <a:r>
-              <a:rPr lang="en-US" dirty="0" smtClean="0"/>
+              <a:rPr lang="en-US" dirty="0"/>
               <a:t>(\"" + </a:t>
             </a:r>
             <a:r>
-              <a:rPr lang="en-US" dirty="0" err="1" smtClean="0"/>
+              <a:rPr lang="en-US" dirty="0" err="1"/>
               <a:t>reader.result</a:t>
             </a:r>
             <a:r>
-              <a:rPr lang="en-US" dirty="0" smtClean="0"/>
+              <a:rPr lang="en-US" dirty="0"/>
               <a:t> + "\")";</a:t>
             </a:r>
           </a:p>
           <a:p>
             <a:r>
-              <a:rPr lang="en-US" dirty="0" smtClean="0"/>
+              <a:rPr lang="en-US" dirty="0"/>
               <a:t>        }, false);</a:t>
             </a:r>
           </a:p>
           <a:p>
-            <a:endParaRPr lang="en-US" dirty="0" smtClean="0"/>
-          </a:p>
-          <a:p>
-            <a:r>
-              <a:rPr lang="en-US" dirty="0" smtClean="0"/>
+            <a:endParaRPr lang="en-US" dirty="0"/>
+          </a:p>
+          <a:p>
+            <a:r>
+              <a:rPr lang="en-US" dirty="0"/>
               <a:t>        if (file) {</a:t>
             </a:r>
           </a:p>
           <a:p>
             <a:r>
-              <a:rPr lang="en-US" dirty="0" smtClean="0"/>
+              <a:rPr lang="en-US" dirty="0"/>
               <a:t>            </a:t>
             </a:r>
             <a:r>
-              <a:rPr lang="en-US" dirty="0" err="1" smtClean="0"/>
+              <a:rPr lang="en-US" dirty="0" err="1"/>
               <a:t>reader.readAsDataURL</a:t>
             </a:r>
             <a:r>
-              <a:rPr lang="en-US" dirty="0" smtClean="0"/>
+              <a:rPr lang="en-US" dirty="0"/>
               <a:t>(file);</a:t>
             </a:r>
           </a:p>
           <a:p>
             <a:r>
-              <a:rPr lang="en-US" dirty="0" smtClean="0"/>
+              <a:rPr lang="en-US" dirty="0"/>
               <a:t>        }</a:t>
             </a:r>
           </a:p>
           <a:p>
             <a:r>
-              <a:rPr lang="en-US" dirty="0" smtClean="0"/>
+              <a:rPr lang="en-US" dirty="0"/>
               <a:t>    };</a:t>
             </a:r>
           </a:p>
           <a:p>
             <a:r>
-              <a:rPr lang="en-US" dirty="0" smtClean="0"/>
+              <a:rPr lang="en-US" dirty="0"/>
               <a:t>});</a:t>
             </a:r>
-            <a:endParaRPr lang="en-US" dirty="0"/>
           </a:p>
         </p:txBody>
       </p:sp>
@@ -3333,270 +3330,270 @@
           <a:bodyPr/>
           <a:lstStyle/>
           <a:p>
-            <a:endParaRPr lang="en-US" dirty="0" smtClean="0"/>
-          </a:p>
-          <a:p>
-            <a:r>
-              <a:rPr lang="en-US" dirty="0" smtClean="0"/>
+            <a:endParaRPr lang="en-US" dirty="0"/>
+          </a:p>
+          <a:p>
+            <a:r>
+              <a:rPr lang="en-US" dirty="0"/>
               <a:t>    assets "com.bertramlabs.plugins:jsx-asset-pipeline:3.0.7"</a:t>
             </a:r>
           </a:p>
           <a:p>
             <a:r>
-              <a:rPr lang="en-US" dirty="0" smtClean="0"/>
+              <a:rPr lang="en-US" dirty="0"/>
               <a:t>    assets "com.bertramlabs.plugins:sass-asset-pipeline:3.0.7"</a:t>
             </a:r>
           </a:p>
           <a:p>
-            <a:endParaRPr lang="en-US" dirty="0" smtClean="0"/>
-          </a:p>
-          <a:p>
-            <a:r>
-              <a:rPr lang="en-US" dirty="0" smtClean="0"/>
+            <a:endParaRPr lang="en-US" dirty="0"/>
+          </a:p>
+          <a:p>
+            <a:r>
+              <a:rPr lang="en-US" dirty="0"/>
               <a:t>    includes = ['*', 'app/**/*', 'login/**/*']</a:t>
             </a:r>
           </a:p>
           <a:p>
             <a:r>
-              <a:rPr lang="en-US" dirty="0" smtClean="0"/>
+              <a:rPr lang="en-US" dirty="0"/>
               <a:t>    excludes = ['**/*']</a:t>
             </a:r>
           </a:p>
           <a:p>
-            <a:endParaRPr lang="en-US" dirty="0" smtClean="0"/>
-          </a:p>
-          <a:p>
-            <a:endParaRPr lang="en-US" dirty="0" smtClean="0"/>
-          </a:p>
-          <a:p>
-            <a:r>
-              <a:rPr lang="en-US" dirty="0" smtClean="0"/>
+            <a:endParaRPr lang="en-US" dirty="0"/>
+          </a:p>
+          <a:p>
+            <a:endParaRPr lang="en-US" dirty="0"/>
+          </a:p>
+          <a:p>
+            <a:r>
+              <a:rPr lang="en-US" dirty="0"/>
               <a:t>        </a:t>
             </a:r>
             <a:r>
-              <a:rPr lang="en-US" dirty="0" err="1" smtClean="0"/>
+              <a:rPr lang="en-US" dirty="0" err="1"/>
               <a:t>classpath</a:t>
             </a:r>
             <a:r>
-              <a:rPr lang="en-US" dirty="0" smtClean="0"/>
+              <a:rPr lang="en-US" dirty="0"/>
               <a:t> 'com.craigburke.gradle:client-dependencies:1.4.1‘</a:t>
             </a:r>
           </a:p>
           <a:p>
-            <a:endParaRPr lang="en-US" dirty="0" smtClean="0"/>
-          </a:p>
-          <a:p>
-            <a:endParaRPr lang="en-US" dirty="0" smtClean="0"/>
-          </a:p>
-          <a:p>
-            <a:endParaRPr lang="en-US" dirty="0" smtClean="0"/>
-          </a:p>
-          <a:p>
-            <a:r>
-              <a:rPr lang="en-US" dirty="0" smtClean="0"/>
+            <a:endParaRPr lang="en-US" dirty="0"/>
+          </a:p>
+          <a:p>
+            <a:endParaRPr lang="en-US" dirty="0"/>
+          </a:p>
+          <a:p>
+            <a:endParaRPr lang="en-US" dirty="0"/>
+          </a:p>
+          <a:p>
+            <a:r>
+              <a:rPr lang="en-US" dirty="0"/>
               <a:t>apply plugin: '</a:t>
             </a:r>
             <a:r>
-              <a:rPr lang="en-US" dirty="0" err="1" smtClean="0"/>
+              <a:rPr lang="en-US" dirty="0" err="1"/>
               <a:t>com.craigburke.client</a:t>
             </a:r>
             <a:r>
-              <a:rPr lang="en-US" dirty="0" smtClean="0"/>
+              <a:rPr lang="en-US" dirty="0"/>
               <a:t>-dependencies‘</a:t>
             </a:r>
           </a:p>
           <a:p>
-            <a:endParaRPr lang="en-US" dirty="0" smtClean="0"/>
-          </a:p>
-          <a:p>
-            <a:r>
-              <a:rPr lang="en-US" dirty="0" err="1" smtClean="0"/>
+            <a:endParaRPr lang="en-US" dirty="0"/>
+          </a:p>
+          <a:p>
+            <a:r>
+              <a:rPr lang="en-US" dirty="0" err="1"/>
               <a:t>clientDependencies</a:t>
             </a:r>
             <a:r>
-              <a:rPr lang="en-US" dirty="0" smtClean="0"/>
+              <a:rPr lang="en-US" dirty="0"/>
               <a:t> {</a:t>
             </a:r>
           </a:p>
           <a:p>
             <a:r>
-              <a:rPr lang="en-US" dirty="0" smtClean="0"/>
+              <a:rPr lang="en-US" dirty="0"/>
               <a:t>    </a:t>
             </a:r>
             <a:r>
-              <a:rPr lang="en-US" dirty="0" err="1" smtClean="0"/>
+              <a:rPr lang="en-US" dirty="0" err="1"/>
               <a:t>npm</a:t>
             </a:r>
             <a:r>
-              <a:rPr lang="en-US" dirty="0" smtClean="0"/>
+              <a:rPr lang="en-US" dirty="0"/>
               <a:t> {</a:t>
             </a:r>
           </a:p>
           <a:p>
             <a:r>
-              <a:rPr lang="en-US" dirty="0" smtClean="0"/>
+              <a:rPr lang="en-US" dirty="0"/>
               <a:t>        react('16.7.0') {}</a:t>
             </a:r>
           </a:p>
           <a:p>
             <a:r>
-              <a:rPr lang="en-US" dirty="0" smtClean="0"/>
+              <a:rPr lang="en-US" dirty="0"/>
               <a:t>        'react-</a:t>
             </a:r>
             <a:r>
-              <a:rPr lang="en-US" dirty="0" err="1" smtClean="0"/>
+              <a:rPr lang="en-US" dirty="0" err="1"/>
               <a:t>dom</a:t>
             </a:r>
             <a:r>
-              <a:rPr lang="en-US" dirty="0" smtClean="0"/>
+              <a:rPr lang="en-US" dirty="0"/>
               <a:t>'('16.7.0') {}</a:t>
             </a:r>
           </a:p>
           <a:p>
             <a:r>
-              <a:rPr lang="en-US" dirty="0" smtClean="0"/>
+              <a:rPr lang="en-US" dirty="0"/>
               <a:t>    }</a:t>
             </a:r>
           </a:p>
           <a:p>
             <a:r>
-              <a:rPr lang="en-US" dirty="0" smtClean="0"/>
+              <a:rPr lang="en-US" dirty="0"/>
               <a:t>}</a:t>
             </a:r>
           </a:p>
           <a:p>
-            <a:endParaRPr lang="en-US" dirty="0" smtClean="0"/>
-          </a:p>
-          <a:p>
-            <a:endParaRPr lang="en-US" dirty="0" smtClean="0"/>
-          </a:p>
-          <a:p>
-            <a:r>
-              <a:rPr lang="en-US" dirty="0" smtClean="0"/>
+            <a:endParaRPr lang="en-US" dirty="0"/>
+          </a:p>
+          <a:p>
+            <a:endParaRPr lang="en-US" dirty="0"/>
+          </a:p>
+          <a:p>
+            <a:r>
+              <a:rPr lang="en-US" dirty="0"/>
               <a:t>grails-app/assets/vendor</a:t>
             </a:r>
           </a:p>
           <a:p>
-            <a:endParaRPr lang="en-US" dirty="0" smtClean="0"/>
-          </a:p>
-          <a:p>
-            <a:endParaRPr lang="en-US" dirty="0" smtClean="0"/>
-          </a:p>
-          <a:p>
-            <a:endParaRPr lang="en-US" dirty="0" smtClean="0"/>
-          </a:p>
-          <a:p>
-            <a:r>
-              <a:rPr lang="en-US" dirty="0" smtClean="0"/>
+            <a:endParaRPr lang="en-US" dirty="0"/>
+          </a:p>
+          <a:p>
+            <a:endParaRPr lang="en-US" dirty="0"/>
+          </a:p>
+          <a:p>
+            <a:endParaRPr lang="en-US" dirty="0"/>
+          </a:p>
+          <a:p>
+            <a:r>
+              <a:rPr lang="en-US" dirty="0"/>
               <a:t>&lt;!</a:t>
             </a:r>
             <a:r>
-              <a:rPr lang="en-US" dirty="0" err="1" smtClean="0"/>
+              <a:rPr lang="en-US" dirty="0" err="1"/>
               <a:t>Doctype</a:t>
             </a:r>
             <a:r>
-              <a:rPr lang="en-US" dirty="0" smtClean="0"/>
+              <a:rPr lang="en-US" dirty="0"/>
               <a:t> html&gt;</a:t>
             </a:r>
           </a:p>
           <a:p>
-            <a:endParaRPr lang="en-US" dirty="0" smtClean="0"/>
-          </a:p>
-          <a:p>
-            <a:r>
-              <a:rPr lang="en-US" dirty="0" smtClean="0"/>
+            <a:endParaRPr lang="en-US" dirty="0"/>
+          </a:p>
+          <a:p>
+            <a:r>
+              <a:rPr lang="en-US" dirty="0"/>
               <a:t>&lt;html&gt;</a:t>
             </a:r>
           </a:p>
           <a:p>
             <a:r>
-              <a:rPr lang="en-US" dirty="0" smtClean="0"/>
+              <a:rPr lang="en-US" dirty="0"/>
               <a:t>    &lt;head&gt;</a:t>
             </a:r>
           </a:p>
           <a:p>
             <a:r>
-              <a:rPr lang="en-US" dirty="0" smtClean="0"/>
+              <a:rPr lang="en-US" dirty="0"/>
               <a:t>        &lt;</a:t>
             </a:r>
             <a:r>
-              <a:rPr lang="en-US" dirty="0" err="1" smtClean="0"/>
+              <a:rPr lang="en-US" dirty="0" err="1"/>
               <a:t>asset:javascript</a:t>
             </a:r>
             <a:r>
-              <a:rPr lang="en-US" dirty="0" smtClean="0"/>
+              <a:rPr lang="en-US" dirty="0"/>
               <a:t> </a:t>
             </a:r>
             <a:r>
-              <a:rPr lang="en-US" dirty="0" err="1" smtClean="0"/>
+              <a:rPr lang="en-US" dirty="0" err="1"/>
               <a:t>src</a:t>
             </a:r>
             <a:r>
-              <a:rPr lang="en-US" dirty="0" smtClean="0"/>
+              <a:rPr lang="en-US" dirty="0"/>
               <a:t>="app/index.js"/&gt;</a:t>
             </a:r>
           </a:p>
           <a:p>
             <a:r>
-              <a:rPr lang="en-US" dirty="0" smtClean="0"/>
+              <a:rPr lang="en-US" dirty="0"/>
               <a:t>        &lt;</a:t>
             </a:r>
             <a:r>
-              <a:rPr lang="en-US" dirty="0" err="1" smtClean="0"/>
+              <a:rPr lang="en-US" dirty="0" err="1"/>
               <a:t>asset:stylesheet</a:t>
             </a:r>
             <a:r>
-              <a:rPr lang="en-US" dirty="0" smtClean="0"/>
+              <a:rPr lang="en-US" dirty="0"/>
               <a:t> </a:t>
             </a:r>
             <a:r>
-              <a:rPr lang="en-US" dirty="0" err="1" smtClean="0"/>
+              <a:rPr lang="en-US" dirty="0" err="1"/>
               <a:t>src</a:t>
             </a:r>
             <a:r>
-              <a:rPr lang="en-US" dirty="0" smtClean="0"/>
+              <a:rPr lang="en-US" dirty="0"/>
               <a:t>="app/index.css"/&gt;</a:t>
             </a:r>
           </a:p>
           <a:p>
             <a:r>
-              <a:rPr lang="en-US" dirty="0" smtClean="0"/>
+              <a:rPr lang="en-US" dirty="0"/>
               <a:t>    &lt;/head&gt;</a:t>
             </a:r>
           </a:p>
           <a:p>
             <a:r>
-              <a:rPr lang="en-US" dirty="0" smtClean="0"/>
+              <a:rPr lang="en-US" dirty="0"/>
               <a:t>    &lt;body&gt;</a:t>
             </a:r>
           </a:p>
           <a:p>
             <a:r>
-              <a:rPr lang="en-US" dirty="0" smtClean="0"/>
+              <a:rPr lang="en-US" dirty="0"/>
               <a:t>        &lt;div id="root" /&gt;</a:t>
             </a:r>
           </a:p>
           <a:p>
             <a:r>
-              <a:rPr lang="en-US" dirty="0" smtClean="0"/>
+              <a:rPr lang="en-US" dirty="0"/>
               <a:t>    &lt;/body&gt;</a:t>
             </a:r>
           </a:p>
           <a:p>
             <a:r>
-              <a:rPr lang="en-US" dirty="0" smtClean="0"/>
+              <a:rPr lang="en-US" dirty="0"/>
               <a:t>&lt;/html&gt;</a:t>
             </a:r>
           </a:p>
           <a:p>
-            <a:endParaRPr lang="en-US" dirty="0" smtClean="0"/>
-          </a:p>
-          <a:p>
-            <a:endParaRPr lang="en-US" dirty="0" smtClean="0"/>
-          </a:p>
-          <a:p>
-            <a:r>
-              <a:rPr lang="en-US" sz="1200" b="0" kern="1200" dirty="0" err="1" smtClean="0">
+            <a:endParaRPr lang="en-US" dirty="0"/>
+          </a:p>
+          <a:p>
+            <a:endParaRPr lang="en-US" dirty="0"/>
+          </a:p>
+          <a:p>
+            <a:r>
+              <a:rPr lang="en-US" sz="1200" b="0" kern="1200" dirty="0" err="1">
                 <a:solidFill>
                   <a:schemeClr val="tx1"/>
                 </a:solidFill>
@@ -3608,7 +3605,7 @@
               <a:t>var</a:t>
             </a:r>
             <a:r>
-              <a:rPr lang="en-US" sz="1200" b="0" kern="1200" dirty="0" smtClean="0">
+              <a:rPr lang="en-US" sz="1200" b="0" kern="1200" dirty="0">
                 <a:solidFill>
                   <a:schemeClr val="tx1"/>
                 </a:solidFill>
@@ -3622,7 +3619,7 @@
           </a:p>
           <a:p>
             <a:r>
-              <a:rPr lang="en-US" sz="1200" b="0" kern="1200" dirty="0" err="1" smtClean="0">
+              <a:rPr lang="en-US" sz="1200" b="0" kern="1200" dirty="0" err="1">
                 <a:solidFill>
                   <a:schemeClr val="tx1"/>
                 </a:solidFill>
@@ -3634,7 +3631,7 @@
               <a:t>var</a:t>
             </a:r>
             <a:r>
-              <a:rPr lang="en-US" sz="1200" b="0" kern="1200" dirty="0" smtClean="0">
+              <a:rPr lang="en-US" sz="1200" b="0" kern="1200" dirty="0">
                 <a:solidFill>
                   <a:schemeClr val="tx1"/>
                 </a:solidFill>
@@ -3646,7 +3643,7 @@
               <a:t> </a:t>
             </a:r>
             <a:r>
-              <a:rPr lang="en-US" sz="1200" b="0" kern="1200" dirty="0" err="1" smtClean="0">
+              <a:rPr lang="en-US" sz="1200" b="0" kern="1200" dirty="0" err="1">
                 <a:solidFill>
                   <a:schemeClr val="tx1"/>
                 </a:solidFill>
@@ -3658,7 +3655,7 @@
               <a:t>ReactDOM</a:t>
             </a:r>
             <a:r>
-              <a:rPr lang="en-US" sz="1200" b="0" kern="1200" dirty="0" smtClean="0">
+              <a:rPr lang="en-US" sz="1200" b="0" kern="1200" dirty="0">
                 <a:solidFill>
                   <a:schemeClr val="tx1"/>
                 </a:solidFill>
@@ -3670,7 +3667,7 @@
               <a:t> = require('react-</a:t>
             </a:r>
             <a:r>
-              <a:rPr lang="en-US" sz="1200" b="0" kern="1200" dirty="0" err="1" smtClean="0">
+              <a:rPr lang="en-US" sz="1200" b="0" kern="1200" dirty="0" err="1">
                 <a:solidFill>
                   <a:schemeClr val="tx1"/>
                 </a:solidFill>
@@ -3682,7 +3679,7 @@
               <a:t>dom</a:t>
             </a:r>
             <a:r>
-              <a:rPr lang="en-US" sz="1200" b="0" kern="1200" dirty="0" smtClean="0">
+              <a:rPr lang="en-US" sz="1200" b="0" kern="1200" dirty="0">
                 <a:solidFill>
                   <a:schemeClr val="tx1"/>
                 </a:solidFill>
@@ -3695,7 +3692,7 @@
             </a:r>
           </a:p>
           <a:p>
-            <a:endParaRPr lang="en-US" sz="1200" b="0" kern="1200" dirty="0" smtClean="0">
+            <a:endParaRPr lang="en-US" sz="1200" b="0" kern="1200" dirty="0">
               <a:solidFill>
                 <a:schemeClr val="tx1"/>
               </a:solidFill>
@@ -3706,7 +3703,7 @@
             </a:endParaRPr>
           </a:p>
           <a:p>
-            <a:endParaRPr lang="en-US" sz="1200" b="0" kern="1200" dirty="0" smtClean="0">
+            <a:endParaRPr lang="en-US" sz="1200" b="0" kern="1200" dirty="0">
               <a:solidFill>
                 <a:schemeClr val="tx1"/>
               </a:solidFill>
@@ -3718,7 +3715,7 @@
           </a:p>
           <a:p>
             <a:r>
-              <a:rPr lang="en-US" sz="1200" b="0" kern="1200" dirty="0" err="1" smtClean="0">
+              <a:rPr lang="en-US" sz="1200" b="0" kern="1200" dirty="0" err="1">
                 <a:solidFill>
                   <a:schemeClr val="tx1"/>
                 </a:solidFill>
@@ -3730,7 +3727,7 @@
               <a:t>document.addEventListener</a:t>
             </a:r>
             <a:r>
-              <a:rPr lang="en-US" sz="1200" b="0" kern="1200" dirty="0" smtClean="0">
+              <a:rPr lang="en-US" sz="1200" b="0" kern="1200" dirty="0">
                 <a:solidFill>
                   <a:schemeClr val="tx1"/>
                 </a:solidFill>
@@ -3742,7 +3739,7 @@
               <a:t>('</a:t>
             </a:r>
             <a:r>
-              <a:rPr lang="en-US" sz="1200" b="0" kern="1200" dirty="0" err="1" smtClean="0">
+              <a:rPr lang="en-US" sz="1200" b="0" kern="1200" dirty="0" err="1">
                 <a:solidFill>
                   <a:schemeClr val="tx1"/>
                 </a:solidFill>
@@ -3754,7 +3751,7 @@
               <a:t>DOMContentLoaded</a:t>
             </a:r>
             <a:r>
-              <a:rPr lang="en-US" sz="1200" b="0" kern="1200" dirty="0" smtClean="0">
+              <a:rPr lang="en-US" sz="1200" b="0" kern="1200" dirty="0">
                 <a:solidFill>
                   <a:schemeClr val="tx1"/>
                 </a:solidFill>
@@ -3768,7 +3765,7 @@
           </a:p>
           <a:p>
             <a:r>
-              <a:rPr lang="en-US" sz="1200" b="0" kern="1200" dirty="0" smtClean="0">
+              <a:rPr lang="en-US" sz="1200" b="0" kern="1200" dirty="0">
                 <a:solidFill>
                   <a:schemeClr val="tx1"/>
                 </a:solidFill>
@@ -3780,7 +3777,7 @@
               <a:t>    fetch('</a:t>
             </a:r>
             <a:r>
-              <a:rPr lang="en-US" sz="1200" b="0" kern="1200" dirty="0" err="1" smtClean="0">
+              <a:rPr lang="en-US" sz="1200" b="0" kern="1200" dirty="0" err="1">
                 <a:solidFill>
                   <a:schemeClr val="tx1"/>
                 </a:solidFill>
@@ -3792,7 +3789,7 @@
               <a:t>getPosts</a:t>
             </a:r>
             <a:r>
-              <a:rPr lang="en-US" sz="1200" b="0" kern="1200" dirty="0" smtClean="0">
+              <a:rPr lang="en-US" sz="1200" b="0" kern="1200" dirty="0">
                 <a:solidFill>
                   <a:schemeClr val="tx1"/>
                 </a:solidFill>
@@ -3804,7 +3801,7 @@
               <a:t>', {credentials: 'include'}).then(r =&gt; </a:t>
             </a:r>
             <a:r>
-              <a:rPr lang="en-US" sz="1200" b="0" kern="1200" dirty="0" err="1" smtClean="0">
+              <a:rPr lang="en-US" sz="1200" b="0" kern="1200" dirty="0" err="1">
                 <a:solidFill>
                   <a:schemeClr val="tx1"/>
                 </a:solidFill>
@@ -3816,7 +3813,7 @@
               <a:t>r.json</a:t>
             </a:r>
             <a:r>
-              <a:rPr lang="en-US" sz="1200" b="0" kern="1200" dirty="0" smtClean="0">
+              <a:rPr lang="en-US" sz="1200" b="0" kern="1200" dirty="0">
                 <a:solidFill>
                   <a:schemeClr val="tx1"/>
                 </a:solidFill>
@@ -3830,7 +3827,7 @@
           </a:p>
           <a:p>
             <a:r>
-              <a:rPr lang="en-US" sz="1200" b="0" kern="1200" dirty="0" smtClean="0">
+              <a:rPr lang="en-US" sz="1200" b="0" kern="1200" dirty="0">
                 <a:solidFill>
                   <a:schemeClr val="tx1"/>
                 </a:solidFill>
@@ -3843,7 +3840,7 @@
             </a:r>
           </a:p>
           <a:p>
-            <a:endParaRPr lang="en-US" sz="1200" b="0" kern="1200" dirty="0" smtClean="0">
+            <a:endParaRPr lang="en-US" sz="1200" b="0" kern="1200" dirty="0">
               <a:solidFill>
                 <a:schemeClr val="tx1"/>
               </a:solidFill>
@@ -3855,7 +3852,7 @@
           </a:p>
           <a:p>
             <a:r>
-              <a:rPr lang="en-US" sz="1200" b="0" kern="1200" dirty="0" smtClean="0">
+              <a:rPr lang="en-US" sz="1200" b="0" kern="1200" dirty="0">
                 <a:solidFill>
                   <a:schemeClr val="tx1"/>
                 </a:solidFill>
@@ -3867,7 +3864,7 @@
               <a:t>        //</a:t>
             </a:r>
             <a:r>
-              <a:rPr lang="en-US" sz="1200" b="0" kern="1200" dirty="0" err="1" smtClean="0">
+              <a:rPr lang="en-US" sz="1200" b="0" kern="1200" dirty="0" err="1">
                 <a:solidFill>
                   <a:schemeClr val="tx1"/>
                 </a:solidFill>
@@ -3879,7 +3876,7 @@
               <a:t>ReactDOM.render</a:t>
             </a:r>
             <a:r>
-              <a:rPr lang="en-US" sz="1200" b="0" kern="1200" dirty="0" smtClean="0">
+              <a:rPr lang="en-US" sz="1200" b="0" kern="1200" dirty="0">
                 <a:solidFill>
                   <a:schemeClr val="tx1"/>
                 </a:solidFill>
@@ -3891,7 +3888,7 @@
               <a:t>(&lt;Posts {...data} /&gt;, </a:t>
             </a:r>
             <a:r>
-              <a:rPr lang="en-US" sz="1200" b="0" kern="1200" dirty="0" err="1" smtClean="0">
+              <a:rPr lang="en-US" sz="1200" b="0" kern="1200" dirty="0" err="1">
                 <a:solidFill>
                   <a:schemeClr val="tx1"/>
                 </a:solidFill>
@@ -3903,7 +3900,7 @@
               <a:t>document.getElementById</a:t>
             </a:r>
             <a:r>
-              <a:rPr lang="en-US" sz="1200" b="0" kern="1200" dirty="0" smtClean="0">
+              <a:rPr lang="en-US" sz="1200" b="0" kern="1200" dirty="0">
                 <a:solidFill>
                   <a:schemeClr val="tx1"/>
                 </a:solidFill>
@@ -3917,7 +3914,7 @@
           </a:p>
           <a:p>
             <a:r>
-              <a:rPr lang="en-US" sz="1200" b="0" kern="1200" dirty="0" smtClean="0">
+              <a:rPr lang="en-US" sz="1200" b="0" kern="1200" dirty="0">
                 <a:solidFill>
                   <a:schemeClr val="tx1"/>
                 </a:solidFill>
@@ -3930,7 +3927,7 @@
             </a:r>
           </a:p>
           <a:p>
-            <a:endParaRPr lang="en-US" sz="1200" b="0" kern="1200" dirty="0" smtClean="0">
+            <a:endParaRPr lang="en-US" sz="1200" b="0" kern="1200" dirty="0">
               <a:solidFill>
                 <a:schemeClr val="tx1"/>
               </a:solidFill>
@@ -3942,7 +3939,7 @@
           </a:p>
           <a:p>
             <a:r>
-              <a:rPr lang="en-US" sz="1200" b="0" kern="1200" dirty="0" smtClean="0">
+              <a:rPr lang="en-US" sz="1200" b="0" kern="1200" dirty="0">
                 <a:solidFill>
                   <a:schemeClr val="tx1"/>
                 </a:solidFill>
@@ -3955,7 +3952,7 @@
             </a:r>
           </a:p>
           <a:p>
-            <a:endParaRPr lang="en-US" sz="1200" b="0" kern="1200" dirty="0" smtClean="0">
+            <a:endParaRPr lang="en-US" sz="1200" b="0" kern="1200" dirty="0">
               <a:solidFill>
                 <a:schemeClr val="tx1"/>
               </a:solidFill>
@@ -3983,20 +3980,8 @@
               <a:tabLst/>
               <a:defRPr/>
             </a:pPr>
-            <a:r>
-              <a:rPr lang="en-US" sz="1200" b="0" kern="1200" dirty="0" smtClean="0">
-                <a:solidFill>
-                  <a:schemeClr val="tx1"/>
-                </a:solidFill>
-                <a:effectLst/>
-                <a:latin typeface="+mn-lt"/>
-                <a:ea typeface="+mn-ea"/>
-                <a:cs typeface="+mn-cs"/>
-              </a:rPr>
-              <a:t/>
-            </a:r>
             <a:br>
-              <a:rPr lang="en-US" sz="1200" b="0" kern="1200" dirty="0" smtClean="0">
+              <a:rPr lang="en-US" sz="1200" b="0" kern="1200" dirty="0">
                 <a:solidFill>
                   <a:schemeClr val="tx1"/>
                 </a:solidFill>
@@ -4007,7 +3992,7 @@
               </a:rPr>
             </a:br>
             <a:r>
-              <a:rPr lang="en-US" sz="1200" b="0" kern="1200" dirty="0" err="1" smtClean="0">
+              <a:rPr lang="en-US" sz="1200" b="0" kern="1200" dirty="0" err="1">
                 <a:solidFill>
                   <a:schemeClr val="tx1"/>
                 </a:solidFill>
@@ -4019,7 +4004,7 @@
               <a:t>var</a:t>
             </a:r>
             <a:r>
-              <a:rPr lang="en-US" sz="1200" b="0" kern="1200" dirty="0" smtClean="0">
+              <a:rPr lang="en-US" sz="1200" b="0" kern="1200" dirty="0">
                 <a:solidFill>
                   <a:schemeClr val="tx1"/>
                 </a:solidFill>
@@ -4033,7 +4018,7 @@
           </a:p>
           <a:p>
             <a:r>
-              <a:rPr lang="en-US" sz="1200" b="0" kern="1200" dirty="0" smtClean="0">
+              <a:rPr lang="en-US" sz="1200" b="0" kern="1200" dirty="0">
                 <a:solidFill>
                   <a:schemeClr val="tx1"/>
                 </a:solidFill>
@@ -4045,7 +4030,7 @@
               <a:t>class Posts extends </a:t>
             </a:r>
             <a:r>
-              <a:rPr lang="en-US" sz="1200" b="0" kern="1200" dirty="0" err="1" smtClean="0">
+              <a:rPr lang="en-US" sz="1200" b="0" kern="1200" dirty="0" err="1">
                 <a:solidFill>
                   <a:schemeClr val="tx1"/>
                 </a:solidFill>
@@ -4057,7 +4042,7 @@
               <a:t>React.Component</a:t>
             </a:r>
             <a:r>
-              <a:rPr lang="en-US" sz="1200" b="0" kern="1200" dirty="0" smtClean="0">
+              <a:rPr lang="en-US" sz="1200" b="0" kern="1200" dirty="0">
                 <a:solidFill>
                   <a:schemeClr val="tx1"/>
                 </a:solidFill>
@@ -4071,7 +4056,7 @@
           </a:p>
           <a:p>
             <a:r>
-              <a:rPr lang="en-US" sz="1200" b="0" kern="1200" dirty="0" smtClean="0">
+              <a:rPr lang="en-US" sz="1200" b="0" kern="1200" dirty="0">
                 <a:solidFill>
                   <a:schemeClr val="tx1"/>
                 </a:solidFill>
@@ -4085,7 +4070,7 @@
           </a:p>
           <a:p>
             <a:r>
-              <a:rPr lang="en-US" sz="1200" b="0" kern="1200" dirty="0" smtClean="0">
+              <a:rPr lang="en-US" sz="1200" b="0" kern="1200" dirty="0">
                 <a:solidFill>
                   <a:schemeClr val="tx1"/>
                 </a:solidFill>
@@ -4099,7 +4084,7 @@
           </a:p>
           <a:p>
             <a:r>
-              <a:rPr lang="en-US" sz="1200" b="0" kern="1200" dirty="0" smtClean="0">
+              <a:rPr lang="en-US" sz="1200" b="0" kern="1200" dirty="0">
                 <a:solidFill>
                   <a:schemeClr val="tx1"/>
                 </a:solidFill>
@@ -4111,7 +4096,7 @@
               <a:t>        </a:t>
             </a:r>
             <a:r>
-              <a:rPr lang="en-US" sz="1200" b="0" kern="1200" dirty="0" err="1" smtClean="0">
+              <a:rPr lang="en-US" sz="1200" b="0" kern="1200" dirty="0" err="1">
                 <a:solidFill>
                   <a:schemeClr val="tx1"/>
                 </a:solidFill>
@@ -4123,7 +4108,7 @@
               <a:t>this.state</a:t>
             </a:r>
             <a:r>
-              <a:rPr lang="en-US" sz="1200" b="0" kern="1200" dirty="0" smtClean="0">
+              <a:rPr lang="en-US" sz="1200" b="0" kern="1200" dirty="0">
                 <a:solidFill>
                   <a:schemeClr val="tx1"/>
                 </a:solidFill>
@@ -4135,7 +4120,7 @@
               <a:t> = {posts: </a:t>
             </a:r>
             <a:r>
-              <a:rPr lang="en-US" sz="1200" b="0" kern="1200" dirty="0" err="1" smtClean="0">
+              <a:rPr lang="en-US" sz="1200" b="0" kern="1200" dirty="0" err="1">
                 <a:solidFill>
                   <a:schemeClr val="tx1"/>
                 </a:solidFill>
@@ -4147,7 +4132,7 @@
               <a:t>props.posts</a:t>
             </a:r>
             <a:r>
-              <a:rPr lang="en-US" sz="1200" b="0" kern="1200" dirty="0" smtClean="0">
+              <a:rPr lang="en-US" sz="1200" b="0" kern="1200" dirty="0">
                 <a:solidFill>
                   <a:schemeClr val="tx1"/>
                 </a:solidFill>
@@ -4161,7 +4146,7 @@
           </a:p>
           <a:p>
             <a:r>
-              <a:rPr lang="en-US" sz="1200" b="0" kern="1200" dirty="0" smtClean="0">
+              <a:rPr lang="en-US" sz="1200" b="0" kern="1200" dirty="0">
                 <a:solidFill>
                   <a:schemeClr val="tx1"/>
                 </a:solidFill>
@@ -4174,7 +4159,7 @@
             </a:r>
           </a:p>
           <a:p>
-            <a:endParaRPr lang="en-US" sz="1200" b="0" kern="1200" dirty="0" smtClean="0">
+            <a:endParaRPr lang="en-US" sz="1200" b="0" kern="1200" dirty="0">
               <a:solidFill>
                 <a:schemeClr val="tx1"/>
               </a:solidFill>
@@ -4186,7 +4171,7 @@
           </a:p>
           <a:p>
             <a:r>
-              <a:rPr lang="en-US" sz="1200" b="0" kern="1200" dirty="0" smtClean="0">
+              <a:rPr lang="en-US" sz="1200" b="0" kern="1200" dirty="0">
                 <a:solidFill>
                   <a:schemeClr val="tx1"/>
                 </a:solidFill>
@@ -4200,7 +4185,7 @@
           </a:p>
           <a:p>
             <a:r>
-              <a:rPr lang="en-US" sz="1200" b="0" kern="1200" dirty="0" smtClean="0">
+              <a:rPr lang="en-US" sz="1200" b="0" kern="1200" dirty="0">
                 <a:solidFill>
                   <a:schemeClr val="tx1"/>
                 </a:solidFill>
@@ -4212,7 +4197,7 @@
               <a:t>        return &lt;div </a:t>
             </a:r>
             <a:r>
-              <a:rPr lang="en-US" sz="1200" b="0" kern="1200" dirty="0" err="1" smtClean="0">
+              <a:rPr lang="en-US" sz="1200" b="0" kern="1200" dirty="0" err="1">
                 <a:solidFill>
                   <a:schemeClr val="tx1"/>
                 </a:solidFill>
@@ -4224,7 +4209,7 @@
               <a:t>className</a:t>
             </a:r>
             <a:r>
-              <a:rPr lang="en-US" sz="1200" b="0" kern="1200" dirty="0" smtClean="0">
+              <a:rPr lang="en-US" sz="1200" b="0" kern="1200" dirty="0">
                 <a:solidFill>
                   <a:schemeClr val="tx1"/>
                 </a:solidFill>
@@ -4238,7 +4223,7 @@
           </a:p>
           <a:p>
             <a:r>
-              <a:rPr lang="en-US" sz="1200" b="0" kern="1200" dirty="0" smtClean="0">
+              <a:rPr lang="en-US" sz="1200" b="0" kern="1200" dirty="0">
                 <a:solidFill>
                   <a:schemeClr val="tx1"/>
                 </a:solidFill>
@@ -4250,7 +4235,7 @@
               <a:t>            &lt;div </a:t>
             </a:r>
             <a:r>
-              <a:rPr lang="en-US" sz="1200" b="0" kern="1200" dirty="0" err="1" smtClean="0">
+              <a:rPr lang="en-US" sz="1200" b="0" kern="1200" dirty="0" err="1">
                 <a:solidFill>
                   <a:schemeClr val="tx1"/>
                 </a:solidFill>
@@ -4262,7 +4247,7 @@
               <a:t>className</a:t>
             </a:r>
             <a:r>
-              <a:rPr lang="en-US" sz="1200" b="0" kern="1200" dirty="0" smtClean="0">
+              <a:rPr lang="en-US" sz="1200" b="0" kern="1200" dirty="0">
                 <a:solidFill>
                   <a:schemeClr val="tx1"/>
                 </a:solidFill>
@@ -4274,7 +4259,7 @@
               <a:t>='posts-create' </a:t>
             </a:r>
             <a:r>
-              <a:rPr lang="en-US" sz="1200" b="0" kern="1200" dirty="0" err="1" smtClean="0">
+              <a:rPr lang="en-US" sz="1200" b="0" kern="1200" dirty="0" err="1">
                 <a:solidFill>
                   <a:schemeClr val="tx1"/>
                 </a:solidFill>
@@ -4286,7 +4271,7 @@
               <a:t>onClick</a:t>
             </a:r>
             <a:r>
-              <a:rPr lang="en-US" sz="1200" b="0" kern="1200" dirty="0" smtClean="0">
+              <a:rPr lang="en-US" sz="1200" b="0" kern="1200" dirty="0">
                 <a:solidFill>
                   <a:schemeClr val="tx1"/>
                 </a:solidFill>
@@ -4298,7 +4283,7 @@
               <a:t>={() =&gt; {</a:t>
             </a:r>
             <a:r>
-              <a:rPr lang="en-US" sz="1200" b="0" kern="1200" dirty="0" err="1" smtClean="0">
+              <a:rPr lang="en-US" sz="1200" b="0" kern="1200" dirty="0" err="1">
                 <a:solidFill>
                   <a:schemeClr val="tx1"/>
                 </a:solidFill>
@@ -4310,7 +4295,7 @@
               <a:t>window.location</a:t>
             </a:r>
             <a:r>
-              <a:rPr lang="en-US" sz="1200" b="0" kern="1200" dirty="0" smtClean="0">
+              <a:rPr lang="en-US" sz="1200" b="0" kern="1200" dirty="0">
                 <a:solidFill>
                   <a:schemeClr val="tx1"/>
                 </a:solidFill>
@@ -4322,7 +4307,7 @@
               <a:t> = '</a:t>
             </a:r>
             <a:r>
-              <a:rPr lang="en-US" sz="1200" b="0" kern="1200" dirty="0" err="1" smtClean="0">
+              <a:rPr lang="en-US" sz="1200" b="0" kern="1200" dirty="0" err="1">
                 <a:solidFill>
                   <a:schemeClr val="tx1"/>
                 </a:solidFill>
@@ -4334,7 +4319,7 @@
               <a:t>createPost</a:t>
             </a:r>
             <a:r>
-              <a:rPr lang="en-US" sz="1200" b="0" kern="1200" dirty="0" smtClean="0">
+              <a:rPr lang="en-US" sz="1200" b="0" kern="1200" dirty="0">
                 <a:solidFill>
                   <a:schemeClr val="tx1"/>
                 </a:solidFill>
@@ -4348,7 +4333,7 @@
           </a:p>
           <a:p>
             <a:r>
-              <a:rPr lang="en-US" sz="1200" b="0" kern="1200" dirty="0" smtClean="0">
+              <a:rPr lang="en-US" sz="1200" b="0" kern="1200" dirty="0">
                 <a:solidFill>
                   <a:schemeClr val="tx1"/>
                 </a:solidFill>
@@ -4362,7 +4347,7 @@
           </a:p>
           <a:p>
             <a:r>
-              <a:rPr lang="en-US" sz="1200" b="0" kern="1200" dirty="0" smtClean="0">
+              <a:rPr lang="en-US" sz="1200" b="0" kern="1200" dirty="0">
                 <a:solidFill>
                   <a:schemeClr val="tx1"/>
                 </a:solidFill>
@@ -4374,7 +4359,7 @@
               <a:t>                </a:t>
             </a:r>
             <a:r>
-              <a:rPr lang="en-US" sz="1200" b="0" kern="1200" dirty="0" err="1" smtClean="0">
+              <a:rPr lang="en-US" sz="1200" b="0" kern="1200" dirty="0" err="1">
                 <a:solidFill>
                   <a:schemeClr val="tx1"/>
                 </a:solidFill>
@@ -4386,7 +4371,7 @@
               <a:t>this.state.posts.map</a:t>
             </a:r>
             <a:r>
-              <a:rPr lang="en-US" sz="1200" b="0" kern="1200" dirty="0" smtClean="0">
+              <a:rPr lang="en-US" sz="1200" b="0" kern="1200" dirty="0">
                 <a:solidFill>
                   <a:schemeClr val="tx1"/>
                 </a:solidFill>
@@ -4400,7 +4385,7 @@
           </a:p>
           <a:p>
             <a:r>
-              <a:rPr lang="en-US" sz="1200" b="0" kern="1200" dirty="0" smtClean="0">
+              <a:rPr lang="en-US" sz="1200" b="0" kern="1200" dirty="0">
                 <a:solidFill>
                   <a:schemeClr val="tx1"/>
                 </a:solidFill>
@@ -4412,7 +4397,7 @@
               <a:t>                    &lt;Post key={x.id} </a:t>
             </a:r>
             <a:r>
-              <a:rPr lang="en-US" sz="1200" b="0" kern="1200" dirty="0" err="1" smtClean="0">
+              <a:rPr lang="en-US" sz="1200" b="0" kern="1200" dirty="0" err="1">
                 <a:solidFill>
                   <a:schemeClr val="tx1"/>
                 </a:solidFill>
@@ -4424,7 +4409,7 @@
               <a:t>postId</a:t>
             </a:r>
             <a:r>
-              <a:rPr lang="en-US" sz="1200" b="0" kern="1200" dirty="0" smtClean="0">
+              <a:rPr lang="en-US" sz="1200" b="0" kern="1200" dirty="0">
                 <a:solidFill>
                   <a:schemeClr val="tx1"/>
                 </a:solidFill>
@@ -4436,7 +4421,7 @@
               <a:t>={x.id} image={</a:t>
             </a:r>
             <a:r>
-              <a:rPr lang="en-US" sz="1200" b="0" kern="1200" dirty="0" err="1" smtClean="0">
+              <a:rPr lang="en-US" sz="1200" b="0" kern="1200" dirty="0" err="1">
                 <a:solidFill>
                   <a:schemeClr val="tx1"/>
                 </a:solidFill>
@@ -4448,7 +4433,7 @@
               <a:t>x.image</a:t>
             </a:r>
             <a:r>
-              <a:rPr lang="en-US" sz="1200" b="0" kern="1200" dirty="0" smtClean="0">
+              <a:rPr lang="en-US" sz="1200" b="0" kern="1200" dirty="0">
                 <a:solidFill>
                   <a:schemeClr val="tx1"/>
                 </a:solidFill>
@@ -4460,7 +4445,7 @@
               <a:t>} comments={</a:t>
             </a:r>
             <a:r>
-              <a:rPr lang="en-US" sz="1200" b="0" kern="1200" dirty="0" err="1" smtClean="0">
+              <a:rPr lang="en-US" sz="1200" b="0" kern="1200" dirty="0" err="1">
                 <a:solidFill>
                   <a:schemeClr val="tx1"/>
                 </a:solidFill>
@@ -4472,7 +4457,7 @@
               <a:t>x.comments</a:t>
             </a:r>
             <a:r>
-              <a:rPr lang="en-US" sz="1200" b="0" kern="1200" dirty="0" smtClean="0">
+              <a:rPr lang="en-US" sz="1200" b="0" kern="1200" dirty="0">
                 <a:solidFill>
                   <a:schemeClr val="tx1"/>
                 </a:solidFill>
@@ -4484,7 +4469,7 @@
               <a:t>} creator={</a:t>
             </a:r>
             <a:r>
-              <a:rPr lang="en-US" sz="1200" b="0" kern="1200" dirty="0" err="1" smtClean="0">
+              <a:rPr lang="en-US" sz="1200" b="0" kern="1200" dirty="0" err="1">
                 <a:solidFill>
                   <a:schemeClr val="tx1"/>
                 </a:solidFill>
@@ -4496,7 +4481,7 @@
               <a:t>x.creator</a:t>
             </a:r>
             <a:r>
-              <a:rPr lang="en-US" sz="1200" b="0" kern="1200" dirty="0" smtClean="0">
+              <a:rPr lang="en-US" sz="1200" b="0" kern="1200" dirty="0">
                 <a:solidFill>
                   <a:schemeClr val="tx1"/>
                 </a:solidFill>
@@ -4510,7 +4495,7 @@
           </a:p>
           <a:p>
             <a:r>
-              <a:rPr lang="en-US" sz="1200" b="0" kern="1200" dirty="0" smtClean="0">
+              <a:rPr lang="en-US" sz="1200" b="0" kern="1200" dirty="0">
                 <a:solidFill>
                   <a:schemeClr val="tx1"/>
                 </a:solidFill>
@@ -4524,7 +4509,7 @@
           </a:p>
           <a:p>
             <a:r>
-              <a:rPr lang="en-US" sz="1200" b="0" kern="1200" dirty="0" smtClean="0">
+              <a:rPr lang="en-US" sz="1200" b="0" kern="1200" dirty="0">
                 <a:solidFill>
                   <a:schemeClr val="tx1"/>
                 </a:solidFill>
@@ -4538,7 +4523,7 @@
           </a:p>
           <a:p>
             <a:r>
-              <a:rPr lang="en-US" sz="1200" b="0" kern="1200" dirty="0" smtClean="0">
+              <a:rPr lang="en-US" sz="1200" b="0" kern="1200" dirty="0">
                 <a:solidFill>
                   <a:schemeClr val="tx1"/>
                 </a:solidFill>
@@ -4552,7 +4537,7 @@
           </a:p>
           <a:p>
             <a:r>
-              <a:rPr lang="en-US" sz="1200" b="0" kern="1200" dirty="0" smtClean="0">
+              <a:rPr lang="en-US" sz="1200" b="0" kern="1200" dirty="0">
                 <a:solidFill>
                   <a:schemeClr val="tx1"/>
                 </a:solidFill>
@@ -4566,7 +4551,7 @@
           </a:p>
           <a:p>
             <a:r>
-              <a:rPr lang="en-US" sz="1200" b="0" kern="1200" dirty="0" smtClean="0">
+              <a:rPr lang="en-US" sz="1200" b="0" kern="1200" dirty="0">
                 <a:solidFill>
                   <a:schemeClr val="tx1"/>
                 </a:solidFill>
@@ -4579,7 +4564,7 @@
             </a:r>
           </a:p>
           <a:p>
-            <a:endParaRPr lang="en-US" sz="1200" b="0" kern="1200" dirty="0" smtClean="0">
+            <a:endParaRPr lang="en-US" sz="1200" b="0" kern="1200" dirty="0">
               <a:solidFill>
                 <a:schemeClr val="tx1"/>
               </a:solidFill>
@@ -4590,7 +4575,7 @@
             </a:endParaRPr>
           </a:p>
           <a:p>
-            <a:endParaRPr lang="en-US" sz="1200" b="0" kern="1200" dirty="0" smtClean="0">
+            <a:endParaRPr lang="en-US" sz="1200" b="0" kern="1200" dirty="0">
               <a:solidFill>
                 <a:schemeClr val="tx1"/>
               </a:solidFill>
@@ -4601,7 +4586,7 @@
             </a:endParaRPr>
           </a:p>
           <a:p>
-            <a:endParaRPr lang="en-US" sz="1200" b="0" kern="1200" dirty="0" smtClean="0">
+            <a:endParaRPr lang="en-US" sz="1200" b="0" kern="1200" dirty="0">
               <a:solidFill>
                 <a:schemeClr val="tx1"/>
               </a:solidFill>
@@ -4612,7 +4597,7 @@
             </a:endParaRPr>
           </a:p>
           <a:p>
-            <a:endParaRPr lang="en-US" dirty="0" smtClean="0"/>
+            <a:endParaRPr lang="en-US" dirty="0"/>
           </a:p>
           <a:p>
             <a:endParaRPr lang="en-US" dirty="0"/>
@@ -4699,191 +4684,44 @@
           <a:bodyPr/>
           <a:lstStyle/>
           <a:p>
-            <a:endParaRPr lang="en-US" dirty="0" smtClean="0"/>
-          </a:p>
-          <a:p>
-            <a:r>
-              <a:rPr lang="en-US" dirty="0" smtClean="0"/>
-              <a:t>    runtime 'mysql:mysql-connector-java:8.0.11‘</a:t>
-            </a:r>
-          </a:p>
-          <a:p>
-            <a:endParaRPr lang="en-US" dirty="0" smtClean="0"/>
-          </a:p>
-          <a:p>
-            <a:endParaRPr lang="en-US" dirty="0" smtClean="0"/>
-          </a:p>
-          <a:p>
-            <a:endParaRPr lang="en-US" dirty="0" smtClean="0"/>
-          </a:p>
-          <a:p>
-            <a:r>
-              <a:rPr lang="en-US" dirty="0" err="1" smtClean="0"/>
-              <a:t>dataSource</a:t>
-            </a:r>
-            <a:r>
-              <a:rPr lang="en-US" dirty="0" smtClean="0"/>
-              <a:t>:</a:t>
-            </a:r>
-          </a:p>
-          <a:p>
-            <a:r>
-              <a:rPr lang="en-US" dirty="0" smtClean="0"/>
-              <a:t>    pooled: true</a:t>
-            </a:r>
-          </a:p>
-          <a:p>
-            <a:r>
-              <a:rPr lang="en-US" dirty="0" smtClean="0"/>
-              <a:t>    </a:t>
-            </a:r>
-            <a:r>
-              <a:rPr lang="en-US" dirty="0" err="1" smtClean="0"/>
-              <a:t>jmxExport</a:t>
-            </a:r>
-            <a:r>
-              <a:rPr lang="en-US" dirty="0" smtClean="0"/>
-              <a:t>: true</a:t>
-            </a:r>
-          </a:p>
-          <a:p>
-            <a:endParaRPr lang="en-US" dirty="0" smtClean="0"/>
-          </a:p>
-          <a:p>
-            <a:r>
-              <a:rPr lang="en-US" dirty="0" smtClean="0"/>
-              <a:t>environments:</a:t>
-            </a:r>
-          </a:p>
-          <a:p>
-            <a:r>
-              <a:rPr lang="en-US" dirty="0" smtClean="0"/>
-              <a:t>    development:</a:t>
-            </a:r>
-          </a:p>
-          <a:p>
-            <a:r>
-              <a:rPr lang="en-US" dirty="0" smtClean="0"/>
-              <a:t>        </a:t>
-            </a:r>
-            <a:r>
-              <a:rPr lang="en-US" dirty="0" err="1" smtClean="0"/>
-              <a:t>dataSource</a:t>
-            </a:r>
-            <a:r>
-              <a:rPr lang="en-US" dirty="0" smtClean="0"/>
-              <a:t>:</a:t>
-            </a:r>
-          </a:p>
-          <a:p>
-            <a:r>
-              <a:rPr lang="en-US" dirty="0" smtClean="0"/>
-              <a:t>            username: </a:t>
-            </a:r>
-            <a:r>
-              <a:rPr lang="en-US" dirty="0" err="1" smtClean="0"/>
-              <a:t>sa</a:t>
-            </a:r>
-            <a:endParaRPr lang="en-US" dirty="0" smtClean="0"/>
-          </a:p>
-          <a:p>
-            <a:r>
-              <a:rPr lang="en-US" dirty="0" smtClean="0"/>
-              <a:t>            password: ''</a:t>
-            </a:r>
-          </a:p>
-          <a:p>
-            <a:r>
-              <a:rPr lang="en-US" dirty="0" smtClean="0"/>
-              <a:t>            </a:t>
-            </a:r>
-            <a:r>
-              <a:rPr lang="en-US" dirty="0" err="1" smtClean="0"/>
-              <a:t>dbCreate</a:t>
-            </a:r>
-            <a:r>
-              <a:rPr lang="en-US" dirty="0" smtClean="0"/>
-              <a:t>: create-drop</a:t>
-            </a:r>
-          </a:p>
-          <a:p>
-            <a:r>
-              <a:rPr lang="en-US" dirty="0" smtClean="0"/>
-              <a:t>            </a:t>
-            </a:r>
-            <a:r>
-              <a:rPr lang="en-US" dirty="0" err="1" smtClean="0"/>
-              <a:t>driverClassName</a:t>
-            </a:r>
-            <a:r>
-              <a:rPr lang="en-US" dirty="0" smtClean="0"/>
-              <a:t>: org.h2.Driver</a:t>
-            </a:r>
-          </a:p>
-          <a:p>
-            <a:r>
-              <a:rPr lang="en-US" dirty="0" smtClean="0"/>
-              <a:t>            url: jdbc:h2:mem:devDb;MVCC=TRUE;LOCK_TIMEOUT=10000;DB_CLOSE_ON_EXIT=FALSE</a:t>
-            </a:r>
-          </a:p>
-          <a:p>
-            <a:r>
-              <a:rPr lang="en-US" dirty="0" smtClean="0"/>
-              <a:t>    production:</a:t>
-            </a:r>
-          </a:p>
-          <a:p>
-            <a:r>
-              <a:rPr lang="en-US" dirty="0" smtClean="0"/>
-              <a:t>        </a:t>
-            </a:r>
-            <a:r>
-              <a:rPr lang="en-US" dirty="0" err="1" smtClean="0"/>
-              <a:t>dataSource</a:t>
-            </a:r>
-            <a:r>
-              <a:rPr lang="en-US" dirty="0" smtClean="0"/>
-              <a:t>:</a:t>
-            </a:r>
-          </a:p>
-          <a:p>
-            <a:r>
-              <a:rPr lang="en-US" dirty="0" smtClean="0"/>
-              <a:t>            dialect: org.hibernate.dialect.MySQL5InnoDBDialect</a:t>
-            </a:r>
-          </a:p>
-          <a:p>
-            <a:r>
-              <a:rPr lang="en-US" dirty="0" smtClean="0"/>
-              <a:t>            </a:t>
-            </a:r>
-            <a:r>
-              <a:rPr lang="en-US" dirty="0" err="1" smtClean="0"/>
-              <a:t>driverClassName</a:t>
-            </a:r>
-            <a:r>
-              <a:rPr lang="en-US" dirty="0" smtClean="0"/>
+            <a:r>
+              <a:rPr lang="en-US" dirty="0" err="1"/>
+              <a:t>Procfile</a:t>
+            </a:r>
+            <a:r>
+              <a:rPr lang="en-US" dirty="0"/>
               <a:t>: </a:t>
             </a:r>
-            <a:r>
-              <a:rPr lang="en-US" dirty="0" err="1" smtClean="0"/>
-              <a:t>com.mysql.jdbc.Driver</a:t>
-            </a:r>
-            <a:endParaRPr lang="en-US" dirty="0" smtClean="0"/>
-          </a:p>
-          <a:p>
-            <a:r>
-              <a:rPr lang="en-US" dirty="0" smtClean="0"/>
-              <a:t>            </a:t>
-            </a:r>
-            <a:r>
-              <a:rPr lang="en-US" dirty="0" err="1" smtClean="0"/>
-              <a:t>dbCreate</a:t>
-            </a:r>
-            <a:r>
-              <a:rPr lang="en-US" dirty="0" smtClean="0"/>
-              <a:t>: update</a:t>
-            </a:r>
+          </a:p>
+          <a:p>
+            <a:r>
+              <a:rPr lang="en-US" dirty="0"/>
+              <a:t>web: cd build; java $JAVA_TOOL_OPTIONS -</a:t>
+            </a:r>
+            <a:r>
+              <a:rPr lang="en-US" dirty="0" err="1"/>
+              <a:t>Dserver.port</a:t>
+            </a:r>
+            <a:r>
+              <a:rPr lang="en-US" dirty="0"/>
+              <a:t>=$PORT -</a:t>
+            </a:r>
+            <a:r>
+              <a:rPr lang="en-US" dirty="0" err="1"/>
+              <a:t>Dgrails.env</a:t>
+            </a:r>
+            <a:r>
+              <a:rPr lang="en-US" dirty="0"/>
+              <a:t>=$GRAILS_ENV $JAVA_OPTS -jar libs/*.war</a:t>
+            </a:r>
+          </a:p>
+          <a:p>
+            <a:endParaRPr lang="en-US" dirty="0"/>
+          </a:p>
+          <a:p>
+            <a:endParaRPr lang="en-US" dirty="0"/>
+          </a:p>
+          <a:p>
             <a:endParaRPr lang="en-US" dirty="0"/>
           </a:p>
         </p:txBody>
@@ -5071,7 +4909,7 @@
           <a:p>
             <a:fld id="{12C79AAF-5212-4E79-BF5B-DDD8A415313A}" type="datetimeFigureOut">
               <a:rPr lang="en-US" smtClean="0"/>
-              <a:t>1/15/2019</a:t>
+              <a:t>1/18/2019</a:t>
             </a:fld>
             <a:endParaRPr lang="en-US"/>
           </a:p>
@@ -5269,7 +5107,7 @@
           <a:p>
             <a:fld id="{12C79AAF-5212-4E79-BF5B-DDD8A415313A}" type="datetimeFigureOut">
               <a:rPr lang="en-US" smtClean="0"/>
-              <a:t>1/15/2019</a:t>
+              <a:t>1/18/2019</a:t>
             </a:fld>
             <a:endParaRPr lang="en-US"/>
           </a:p>
@@ -5477,7 +5315,7 @@
           <a:p>
             <a:fld id="{12C79AAF-5212-4E79-BF5B-DDD8A415313A}" type="datetimeFigureOut">
               <a:rPr lang="en-US" smtClean="0"/>
-              <a:t>1/15/2019</a:t>
+              <a:t>1/18/2019</a:t>
             </a:fld>
             <a:endParaRPr lang="en-US"/>
           </a:p>
@@ -5675,7 +5513,7 @@
           <a:p>
             <a:fld id="{12C79AAF-5212-4E79-BF5B-DDD8A415313A}" type="datetimeFigureOut">
               <a:rPr lang="en-US" smtClean="0"/>
-              <a:t>1/15/2019</a:t>
+              <a:t>1/18/2019</a:t>
             </a:fld>
             <a:endParaRPr lang="en-US"/>
           </a:p>
@@ -5950,7 +5788,7 @@
           <a:p>
             <a:fld id="{12C79AAF-5212-4E79-BF5B-DDD8A415313A}" type="datetimeFigureOut">
               <a:rPr lang="en-US" smtClean="0"/>
-              <a:t>1/15/2019</a:t>
+              <a:t>1/18/2019</a:t>
             </a:fld>
             <a:endParaRPr lang="en-US"/>
           </a:p>
@@ -6215,7 +6053,7 @@
           <a:p>
             <a:fld id="{12C79AAF-5212-4E79-BF5B-DDD8A415313A}" type="datetimeFigureOut">
               <a:rPr lang="en-US" smtClean="0"/>
-              <a:t>1/15/2019</a:t>
+              <a:t>1/18/2019</a:t>
             </a:fld>
             <a:endParaRPr lang="en-US"/>
           </a:p>
@@ -6627,7 +6465,7 @@
           <a:p>
             <a:fld id="{12C79AAF-5212-4E79-BF5B-DDD8A415313A}" type="datetimeFigureOut">
               <a:rPr lang="en-US" smtClean="0"/>
-              <a:t>1/15/2019</a:t>
+              <a:t>1/18/2019</a:t>
             </a:fld>
             <a:endParaRPr lang="en-US"/>
           </a:p>
@@ -6768,7 +6606,7 @@
           <a:p>
             <a:fld id="{12C79AAF-5212-4E79-BF5B-DDD8A415313A}" type="datetimeFigureOut">
               <a:rPr lang="en-US" smtClean="0"/>
-              <a:t>1/15/2019</a:t>
+              <a:t>1/18/2019</a:t>
             </a:fld>
             <a:endParaRPr lang="en-US"/>
           </a:p>
@@ -6881,7 +6719,7 @@
           <a:p>
             <a:fld id="{12C79AAF-5212-4E79-BF5B-DDD8A415313A}" type="datetimeFigureOut">
               <a:rPr lang="en-US" smtClean="0"/>
-              <a:t>1/15/2019</a:t>
+              <a:t>1/18/2019</a:t>
             </a:fld>
             <a:endParaRPr lang="en-US"/>
           </a:p>
@@ -7192,7 +7030,7 @@
           <a:p>
             <a:fld id="{12C79AAF-5212-4E79-BF5B-DDD8A415313A}" type="datetimeFigureOut">
               <a:rPr lang="en-US" smtClean="0"/>
-              <a:t>1/15/2019</a:t>
+              <a:t>1/18/2019</a:t>
             </a:fld>
             <a:endParaRPr lang="en-US"/>
           </a:p>
@@ -7480,7 +7318,7 @@
           <a:p>
             <a:fld id="{12C79AAF-5212-4E79-BF5B-DDD8A415313A}" type="datetimeFigureOut">
               <a:rPr lang="en-US" smtClean="0"/>
-              <a:t>1/15/2019</a:t>
+              <a:t>1/18/2019</a:t>
             </a:fld>
             <a:endParaRPr lang="en-US"/>
           </a:p>
@@ -7721,7 +7559,7 @@
           <a:p>
             <a:fld id="{12C79AAF-5212-4E79-BF5B-DDD8A415313A}" type="datetimeFigureOut">
               <a:rPr lang="en-US" smtClean="0"/>
-              <a:t>1/15/2019</a:t>
+              <a:t>1/18/2019</a:t>
             </a:fld>
             <a:endParaRPr lang="en-US"/>
           </a:p>
@@ -8214,13 +8052,6 @@
   <p:clrMapOvr>
     <a:masterClrMapping/>
   </p:clrMapOvr>
-  <p:timing>
-    <p:tnLst>
-      <p:par>
-        <p:cTn id="1" dur="indefinite" restart="never" nodeType="tmRoot"/>
-      </p:par>
-    </p:tnLst>
-  </p:timing>
 </p:sld>
 </file>
 
@@ -8296,15 +8127,7 @@
           <a:p>
             <a:r>
               <a:rPr lang="en-US" dirty="0"/>
-              <a:t>New </a:t>
-            </a:r>
-            <a:r>
-              <a:rPr lang="en-US" dirty="0" smtClean="0"/>
-              <a:t>route </a:t>
-            </a:r>
-            <a:r>
-              <a:rPr lang="en-US" dirty="0"/>
-              <a:t>/app/index</a:t>
+              <a:t>New route /app/index</a:t>
             </a:r>
           </a:p>
           <a:p>
@@ -8355,13 +8178,6 @@
                 <a:cs typeface="Courier New" panose="02070309020205020404" pitchFamily="49" charset="0"/>
               </a:rPr>
               <a:t>grails.converters.JSON</a:t>
-            </a:r>
-            <a:r>
-              <a:rPr lang="en-US" dirty="0">
-                <a:latin typeface="Courier New" panose="02070309020205020404" pitchFamily="49" charset="0"/>
-                <a:cs typeface="Courier New" panose="02070309020205020404" pitchFamily="49" charset="0"/>
-              </a:rPr>
-              <a:t/>
             </a:r>
             <a:br>
               <a:rPr lang="en-US" dirty="0">
@@ -8458,13 +8274,6 @@
   <p:clrMapOvr>
     <a:masterClrMapping/>
   </p:clrMapOvr>
-  <p:timing>
-    <p:tnLst>
-      <p:par>
-        <p:cTn id="1" dur="indefinite" restart="never" nodeType="tmRoot"/>
-      </p:par>
-    </p:tnLst>
-  </p:timing>
 </p:sld>
 </file>
 
@@ -8535,10 +8344,9 @@
           <a:lstStyle/>
           <a:p>
             <a:r>
-              <a:rPr lang="en-US" dirty="0" smtClean="0"/>
+              <a:rPr lang="en-US" dirty="0"/>
               <a:t>Let save some things</a:t>
             </a:r>
-            <a:endParaRPr lang="en-US" dirty="0"/>
           </a:p>
         </p:txBody>
       </p:sp>
@@ -8552,13 +8360,6 @@
   <p:clrMapOvr>
     <a:masterClrMapping/>
   </p:clrMapOvr>
-  <p:timing>
-    <p:tnLst>
-      <p:par>
-        <p:cTn id="1" dur="indefinite" restart="never" nodeType="tmRoot"/>
-      </p:par>
-    </p:tnLst>
-  </p:timing>
 </p:sld>
 </file>
 
@@ -8623,10 +8424,15 @@
             <p:ph idx="1"/>
           </p:nvPr>
         </p:nvSpPr>
-        <p:spPr/>
+        <p:spPr>
+          <a:xfrm>
+            <a:off x="838200" y="1825625"/>
+            <a:ext cx="10515600" cy="4351338"/>
+          </a:xfrm>
+        </p:spPr>
         <p:txBody>
           <a:bodyPr>
-            <a:normAutofit lnSpcReduction="10000"/>
+            <a:normAutofit/>
           </a:bodyPr>
           <a:lstStyle/>
           <a:p>
@@ -8636,8 +8442,34 @@
             </a:r>
           </a:p>
           <a:p>
-            <a:pPr lvl="1"/>
-            <a:endParaRPr lang="en-US" dirty="0" smtClean="0"/>
+            <a:endParaRPr lang="en-US" dirty="0"/>
+          </a:p>
+          <a:p>
+            <a:endParaRPr lang="en-US" dirty="0"/>
+          </a:p>
+          <a:p>
+            <a:endParaRPr lang="en-US" dirty="0"/>
+          </a:p>
+          <a:p>
+            <a:endParaRPr lang="en-US" dirty="0"/>
+          </a:p>
+          <a:p>
+            <a:pPr marL="0" indent="0">
+              <a:buNone/>
+            </a:pPr>
+            <a:endParaRPr lang="en-US" dirty="0"/>
+          </a:p>
+          <a:p>
+            <a:pPr marL="0" indent="0">
+              <a:buNone/>
+            </a:pPr>
+            <a:endParaRPr lang="en-US" dirty="0"/>
+          </a:p>
+          <a:p>
+            <a:r>
+              <a:rPr lang="en-US" dirty="0"/>
+              <a:t>Okay, how do we save these things?</a:t>
+            </a:r>
           </a:p>
           <a:p>
             <a:pPr lvl="1"/>
@@ -8645,135 +8477,22 @@
           </a:p>
           <a:p>
             <a:pPr lvl="1"/>
-            <a:endParaRPr lang="en-US" dirty="0" smtClean="0"/>
-          </a:p>
-          <a:p>
-            <a:pPr lvl="1"/>
-            <a:endParaRPr lang="en-US" dirty="0" smtClean="0"/>
+            <a:endParaRPr lang="en-US" dirty="0"/>
           </a:p>
           <a:p>
             <a:pPr lvl="1"/>
             <a:endParaRPr lang="en-US" dirty="0"/>
           </a:p>
           <a:p>
-            <a:r>
-              <a:rPr lang="en-US" dirty="0"/>
-              <a:t>Now we need to write some SQL</a:t>
-            </a:r>
-          </a:p>
-          <a:p>
             <a:pPr lvl="1"/>
-            <a:r>
-              <a:rPr lang="en-US" dirty="0"/>
-              <a:t>insert</a:t>
-            </a:r>
+            <a:endParaRPr lang="en-US" dirty="0"/>
           </a:p>
           <a:p>
             <a:pPr lvl="1"/>
-            <a:r>
-              <a:rPr lang="en-US" dirty="0"/>
-              <a:t>select</a:t>
-            </a:r>
-          </a:p>
-          <a:p>
-            <a:pPr lvl="1"/>
-            <a:r>
-              <a:rPr lang="en-US" dirty="0"/>
-              <a:t>update </a:t>
-            </a:r>
-          </a:p>
-          <a:p>
-            <a:pPr lvl="1"/>
-            <a:r>
-              <a:rPr lang="en-US" dirty="0"/>
-              <a:t>delete</a:t>
-            </a:r>
-          </a:p>
-          <a:p>
             <a:endParaRPr lang="en-US" dirty="0"/>
           </a:p>
-        </p:txBody>
-      </p:sp>
-      <p:sp>
-        <p:nvSpPr>
-          <p:cNvPr id="4" name="Multiplication Sign 3">
-            <a:extLst>
-              <a:ext uri="{FF2B5EF4-FFF2-40B4-BE49-F238E27FC236}">
-                <a16:creationId xmlns:a16="http://schemas.microsoft.com/office/drawing/2014/main" id="{5DC4484B-7DE0-48FD-8ABB-463D37B15464}"/>
-              </a:ext>
-            </a:extLst>
-          </p:cNvPr>
-          <p:cNvSpPr/>
-          <p:nvPr/>
-        </p:nvSpPr>
-        <p:spPr>
-          <a:xfrm>
-            <a:off x="526562" y="3786432"/>
-            <a:ext cx="3674208" cy="2390531"/>
-          </a:xfrm>
-          <a:prstGeom prst="mathMultiply">
-            <a:avLst/>
-          </a:prstGeom>
-          <a:solidFill>
-            <a:srgbClr val="FF0000"/>
-          </a:solidFill>
-        </p:spPr>
-        <p:style>
-          <a:lnRef idx="0">
-            <a:schemeClr val="accent2"/>
-          </a:lnRef>
-          <a:fillRef idx="3">
-            <a:schemeClr val="accent2"/>
-          </a:fillRef>
-          <a:effectRef idx="3">
-            <a:schemeClr val="accent2"/>
-          </a:effectRef>
-          <a:fontRef idx="minor">
-            <a:schemeClr val="lt1"/>
-          </a:fontRef>
-        </p:style>
-        <p:txBody>
-          <a:bodyPr rtlCol="0" anchor="ctr"/>
-          <a:lstStyle/>
-          <a:p>
-            <a:pPr algn="ctr"/>
+          <a:p>
             <a:endParaRPr lang="en-US" dirty="0"/>
-          </a:p>
-        </p:txBody>
-      </p:sp>
-      <p:sp>
-        <p:nvSpPr>
-          <p:cNvPr id="5" name="TextBox 4">
-            <a:extLst>
-              <a:ext uri="{FF2B5EF4-FFF2-40B4-BE49-F238E27FC236}">
-                <a16:creationId xmlns:a16="http://schemas.microsoft.com/office/drawing/2014/main" id="{198B02EC-0196-499A-ADC6-A8CA8DC487FF}"/>
-              </a:ext>
-            </a:extLst>
-          </p:cNvPr>
-          <p:cNvSpPr txBox="1"/>
-          <p:nvPr/>
-        </p:nvSpPr>
-        <p:spPr>
-          <a:xfrm>
-            <a:off x="3923649" y="4835034"/>
-            <a:ext cx="1828800" cy="923330"/>
-          </a:xfrm>
-          <a:prstGeom prst="rect">
-            <a:avLst/>
-          </a:prstGeom>
-          <a:noFill/>
-        </p:spPr>
-        <p:txBody>
-          <a:bodyPr wrap="square" rtlCol="0">
-            <a:spAutoFit/>
-          </a:bodyPr>
-          <a:lstStyle/>
-          <a:p>
-            <a:pPr algn="l"/>
-            <a:r>
-              <a:rPr lang="en-US" dirty="0"/>
-              <a:t>Did I mention this was a 1 hour talk?</a:t>
-            </a:r>
           </a:p>
         </p:txBody>
       </p:sp>
@@ -8785,7 +8504,7 @@
         </p:nvSpPr>
         <p:spPr>
           <a:xfrm>
-            <a:off x="1603717" y="2644726"/>
+            <a:off x="1983096" y="3218655"/>
             <a:ext cx="1477108" cy="858129"/>
           </a:xfrm>
           <a:prstGeom prst="rect">
@@ -8814,10 +8533,9 @@
           <a:p>
             <a:pPr algn="ctr"/>
             <a:r>
-              <a:rPr lang="en-US" dirty="0" smtClean="0"/>
+              <a:rPr lang="en-US" dirty="0"/>
               <a:t>User</a:t>
             </a:r>
-            <a:endParaRPr lang="en-US" dirty="0"/>
           </a:p>
         </p:txBody>
       </p:sp>
@@ -8829,7 +8547,7 @@
         </p:nvSpPr>
         <p:spPr>
           <a:xfrm>
-            <a:off x="4275341" y="2644725"/>
+            <a:off x="4654720" y="3218654"/>
             <a:ext cx="1477108" cy="858129"/>
           </a:xfrm>
           <a:prstGeom prst="rect">
@@ -8858,10 +8576,9 @@
           <a:p>
             <a:pPr algn="ctr"/>
             <a:r>
-              <a:rPr lang="en-US" dirty="0" smtClean="0"/>
+              <a:rPr lang="en-US" dirty="0"/>
               <a:t>Post</a:t>
             </a:r>
-            <a:endParaRPr lang="en-US" dirty="0"/>
           </a:p>
         </p:txBody>
       </p:sp>
@@ -8873,7 +8590,7 @@
         </p:nvSpPr>
         <p:spPr>
           <a:xfrm>
-            <a:off x="6731783" y="2509788"/>
+            <a:off x="7111162" y="2616786"/>
             <a:ext cx="1477108" cy="858129"/>
           </a:xfrm>
           <a:prstGeom prst="rect">
@@ -8902,7 +8619,7 @@
           <a:p>
             <a:pPr algn="ctr"/>
             <a:r>
-              <a:rPr lang="en-US" dirty="0" err="1" smtClean="0"/>
+              <a:rPr lang="en-US" dirty="0" err="1"/>
               <a:t>ImageFile</a:t>
             </a:r>
             <a:endParaRPr lang="en-US" dirty="0"/>
@@ -8917,7 +8634,7 @@
         </p:nvSpPr>
         <p:spPr>
           <a:xfrm>
-            <a:off x="7038731" y="3846842"/>
+            <a:off x="7418110" y="3953840"/>
             <a:ext cx="1477108" cy="858129"/>
           </a:xfrm>
           <a:prstGeom prst="rect">
@@ -8946,10 +8663,9 @@
           <a:p>
             <a:pPr algn="ctr"/>
             <a:r>
-              <a:rPr lang="en-US" dirty="0" smtClean="0"/>
+              <a:rPr lang="en-US" dirty="0"/>
               <a:t>User</a:t>
             </a:r>
-            <a:endParaRPr lang="en-US" dirty="0"/>
           </a:p>
         </p:txBody>
       </p:sp>
@@ -8961,7 +8677,7 @@
         </p:nvSpPr>
         <p:spPr>
           <a:xfrm>
-            <a:off x="6869755" y="3662788"/>
+            <a:off x="7249134" y="3769786"/>
             <a:ext cx="1477108" cy="858129"/>
           </a:xfrm>
           <a:prstGeom prst="rect">
@@ -8990,10 +8706,9 @@
           <a:p>
             <a:pPr algn="ctr"/>
             <a:r>
-              <a:rPr lang="en-US" dirty="0" smtClean="0"/>
+              <a:rPr lang="en-US" dirty="0"/>
               <a:t>User</a:t>
             </a:r>
-            <a:endParaRPr lang="en-US" dirty="0"/>
           </a:p>
         </p:txBody>
       </p:sp>
@@ -9005,7 +8720,7 @@
         </p:nvSpPr>
         <p:spPr>
           <a:xfrm>
-            <a:off x="6731783" y="3502854"/>
+            <a:off x="7111162" y="3609852"/>
             <a:ext cx="1477108" cy="858129"/>
           </a:xfrm>
           <a:prstGeom prst="rect">
@@ -9034,10 +8749,9 @@
           <a:p>
             <a:pPr algn="ctr"/>
             <a:r>
-              <a:rPr lang="en-US" dirty="0" smtClean="0"/>
+              <a:rPr lang="en-US" dirty="0"/>
               <a:t>Comment</a:t>
             </a:r>
-            <a:endParaRPr lang="en-US" dirty="0"/>
           </a:p>
         </p:txBody>
       </p:sp>
@@ -9051,7 +8765,7 @@
         </p:nvCxnSpPr>
         <p:spPr>
           <a:xfrm flipH="1" flipV="1">
-            <a:off x="3080825" y="3073789"/>
+            <a:off x="3460204" y="3647718"/>
             <a:ext cx="1194516" cy="1"/>
           </a:xfrm>
           <a:prstGeom prst="straightConnector1">
@@ -9087,8 +8801,8 @@
         </p:nvCxnSpPr>
         <p:spPr>
           <a:xfrm flipH="1" flipV="1">
-            <a:off x="5752449" y="3073790"/>
-            <a:ext cx="979334" cy="858129"/>
+            <a:off x="6131828" y="3647719"/>
+            <a:ext cx="979334" cy="391198"/>
           </a:xfrm>
           <a:prstGeom prst="straightConnector1">
             <a:avLst/>
@@ -9116,14 +8830,16 @@
         <p:nvCxnSpPr>
           <p:cNvPr id="17" name="Straight Arrow Connector 16"/>
           <p:cNvCxnSpPr>
+            <a:cxnSpLocks/>
             <a:stCxn id="9" idx="1"/>
+            <a:endCxn id="7" idx="3"/>
           </p:cNvCxnSpPr>
           <p:nvPr/>
         </p:nvCxnSpPr>
         <p:spPr>
           <a:xfrm flipH="1">
-            <a:off x="5749810" y="2938853"/>
-            <a:ext cx="981973" cy="134936"/>
+            <a:off x="6131828" y="3045851"/>
+            <a:ext cx="979334" cy="601868"/>
           </a:xfrm>
           <a:prstGeom prst="straightConnector1">
             <a:avLst/>
@@ -9157,335 +8873,6 @@
   <p:clrMapOvr>
     <a:masterClrMapping/>
   </p:clrMapOvr>
-  <p:timing>
-    <p:tnLst>
-      <p:par>
-        <p:cTn id="1" dur="indefinite" restart="never" nodeType="tmRoot">
-          <p:childTnLst>
-            <p:seq concurrent="1" nextAc="seek">
-              <p:cTn id="2" dur="indefinite" nodeType="mainSeq">
-                <p:childTnLst>
-                  <p:par>
-                    <p:cTn id="3" fill="hold">
-                      <p:stCondLst>
-                        <p:cond delay="indefinite"/>
-                      </p:stCondLst>
-                      <p:childTnLst>
-                        <p:par>
-                          <p:cTn id="4" fill="hold">
-                            <p:stCondLst>
-                              <p:cond delay="0"/>
-                            </p:stCondLst>
-                            <p:childTnLst>
-                              <p:par>
-                                <p:cTn id="5" presetID="1" presetClass="entr" presetSubtype="0" fill="hold" grpId="0" nodeType="clickEffect">
-                                  <p:stCondLst>
-                                    <p:cond delay="0"/>
-                                  </p:stCondLst>
-                                  <p:childTnLst>
-                                    <p:set>
-                                      <p:cBhvr>
-                                        <p:cTn id="6" dur="1" fill="hold">
-                                          <p:stCondLst>
-                                            <p:cond delay="0"/>
-                                          </p:stCondLst>
-                                        </p:cTn>
-                                        <p:tgtEl>
-                                          <p:spTgt spid="3">
-                                            <p:txEl>
-                                              <p:pRg st="0" end="0"/>
-                                            </p:txEl>
-                                          </p:spTgt>
-                                        </p:tgtEl>
-                                        <p:attrNameLst>
-                                          <p:attrName>style.visibility</p:attrName>
-                                        </p:attrNameLst>
-                                      </p:cBhvr>
-                                      <p:to>
-                                        <p:strVal val="visible"/>
-                                      </p:to>
-                                    </p:set>
-                                  </p:childTnLst>
-                                </p:cTn>
-                              </p:par>
-                            </p:childTnLst>
-                          </p:cTn>
-                        </p:par>
-                      </p:childTnLst>
-                    </p:cTn>
-                  </p:par>
-                  <p:par>
-                    <p:cTn id="7" fill="hold">
-                      <p:stCondLst>
-                        <p:cond delay="indefinite"/>
-                      </p:stCondLst>
-                      <p:childTnLst>
-                        <p:par>
-                          <p:cTn id="8" fill="hold">
-                            <p:stCondLst>
-                              <p:cond delay="0"/>
-                            </p:stCondLst>
-                            <p:childTnLst>
-                              <p:par>
-                                <p:cTn id="9" presetID="1" presetClass="entr" presetSubtype="0" fill="hold" grpId="0" nodeType="clickEffect">
-                                  <p:stCondLst>
-                                    <p:cond delay="0"/>
-                                  </p:stCondLst>
-                                  <p:childTnLst>
-                                    <p:set>
-                                      <p:cBhvr>
-                                        <p:cTn id="10" dur="1" fill="hold">
-                                          <p:stCondLst>
-                                            <p:cond delay="0"/>
-                                          </p:stCondLst>
-                                        </p:cTn>
-                                        <p:tgtEl>
-                                          <p:spTgt spid="3">
-                                            <p:txEl>
-                                              <p:pRg st="6" end="6"/>
-                                            </p:txEl>
-                                          </p:spTgt>
-                                        </p:tgtEl>
-                                        <p:attrNameLst>
-                                          <p:attrName>style.visibility</p:attrName>
-                                        </p:attrNameLst>
-                                      </p:cBhvr>
-                                      <p:to>
-                                        <p:strVal val="visible"/>
-                                      </p:to>
-                                    </p:set>
-                                  </p:childTnLst>
-                                </p:cTn>
-                              </p:par>
-                              <p:par>
-                                <p:cTn id="11" presetID="1" presetClass="entr" presetSubtype="0" fill="hold" grpId="0" nodeType="withEffect">
-                                  <p:stCondLst>
-                                    <p:cond delay="0"/>
-                                  </p:stCondLst>
-                                  <p:childTnLst>
-                                    <p:set>
-                                      <p:cBhvr>
-                                        <p:cTn id="12" dur="1" fill="hold">
-                                          <p:stCondLst>
-                                            <p:cond delay="0"/>
-                                          </p:stCondLst>
-                                        </p:cTn>
-                                        <p:tgtEl>
-                                          <p:spTgt spid="3">
-                                            <p:txEl>
-                                              <p:pRg st="7" end="7"/>
-                                            </p:txEl>
-                                          </p:spTgt>
-                                        </p:tgtEl>
-                                        <p:attrNameLst>
-                                          <p:attrName>style.visibility</p:attrName>
-                                        </p:attrNameLst>
-                                      </p:cBhvr>
-                                      <p:to>
-                                        <p:strVal val="visible"/>
-                                      </p:to>
-                                    </p:set>
-                                  </p:childTnLst>
-                                </p:cTn>
-                              </p:par>
-                              <p:par>
-                                <p:cTn id="13" presetID="1" presetClass="entr" presetSubtype="0" fill="hold" grpId="0" nodeType="withEffect">
-                                  <p:stCondLst>
-                                    <p:cond delay="0"/>
-                                  </p:stCondLst>
-                                  <p:childTnLst>
-                                    <p:set>
-                                      <p:cBhvr>
-                                        <p:cTn id="14" dur="1" fill="hold">
-                                          <p:stCondLst>
-                                            <p:cond delay="0"/>
-                                          </p:stCondLst>
-                                        </p:cTn>
-                                        <p:tgtEl>
-                                          <p:spTgt spid="3">
-                                            <p:txEl>
-                                              <p:pRg st="8" end="8"/>
-                                            </p:txEl>
-                                          </p:spTgt>
-                                        </p:tgtEl>
-                                        <p:attrNameLst>
-                                          <p:attrName>style.visibility</p:attrName>
-                                        </p:attrNameLst>
-                                      </p:cBhvr>
-                                      <p:to>
-                                        <p:strVal val="visible"/>
-                                      </p:to>
-                                    </p:set>
-                                  </p:childTnLst>
-                                </p:cTn>
-                              </p:par>
-                              <p:par>
-                                <p:cTn id="15" presetID="1" presetClass="entr" presetSubtype="0" fill="hold" grpId="0" nodeType="withEffect">
-                                  <p:stCondLst>
-                                    <p:cond delay="0"/>
-                                  </p:stCondLst>
-                                  <p:childTnLst>
-                                    <p:set>
-                                      <p:cBhvr>
-                                        <p:cTn id="16" dur="1" fill="hold">
-                                          <p:stCondLst>
-                                            <p:cond delay="0"/>
-                                          </p:stCondLst>
-                                        </p:cTn>
-                                        <p:tgtEl>
-                                          <p:spTgt spid="3">
-                                            <p:txEl>
-                                              <p:pRg st="9" end="9"/>
-                                            </p:txEl>
-                                          </p:spTgt>
-                                        </p:tgtEl>
-                                        <p:attrNameLst>
-                                          <p:attrName>style.visibility</p:attrName>
-                                        </p:attrNameLst>
-                                      </p:cBhvr>
-                                      <p:to>
-                                        <p:strVal val="visible"/>
-                                      </p:to>
-                                    </p:set>
-                                  </p:childTnLst>
-                                </p:cTn>
-                              </p:par>
-                              <p:par>
-                                <p:cTn id="17" presetID="1" presetClass="entr" presetSubtype="0" fill="hold" grpId="0" nodeType="withEffect">
-                                  <p:stCondLst>
-                                    <p:cond delay="0"/>
-                                  </p:stCondLst>
-                                  <p:childTnLst>
-                                    <p:set>
-                                      <p:cBhvr>
-                                        <p:cTn id="18" dur="1" fill="hold">
-                                          <p:stCondLst>
-                                            <p:cond delay="0"/>
-                                          </p:stCondLst>
-                                        </p:cTn>
-                                        <p:tgtEl>
-                                          <p:spTgt spid="3">
-                                            <p:txEl>
-                                              <p:pRg st="10" end="10"/>
-                                            </p:txEl>
-                                          </p:spTgt>
-                                        </p:tgtEl>
-                                        <p:attrNameLst>
-                                          <p:attrName>style.visibility</p:attrName>
-                                        </p:attrNameLst>
-                                      </p:cBhvr>
-                                      <p:to>
-                                        <p:strVal val="visible"/>
-                                      </p:to>
-                                    </p:set>
-                                  </p:childTnLst>
-                                </p:cTn>
-                              </p:par>
-                            </p:childTnLst>
-                          </p:cTn>
-                        </p:par>
-                      </p:childTnLst>
-                    </p:cTn>
-                  </p:par>
-                  <p:par>
-                    <p:cTn id="19" fill="hold">
-                      <p:stCondLst>
-                        <p:cond delay="indefinite"/>
-                      </p:stCondLst>
-                      <p:childTnLst>
-                        <p:par>
-                          <p:cTn id="20" fill="hold">
-                            <p:stCondLst>
-                              <p:cond delay="0"/>
-                            </p:stCondLst>
-                            <p:childTnLst>
-                              <p:par>
-                                <p:cTn id="21" presetID="1" presetClass="entr" presetSubtype="0" fill="hold" grpId="0" nodeType="clickEffect">
-                                  <p:stCondLst>
-                                    <p:cond delay="0"/>
-                                  </p:stCondLst>
-                                  <p:childTnLst>
-                                    <p:set>
-                                      <p:cBhvr>
-                                        <p:cTn id="22" dur="1" fill="hold">
-                                          <p:stCondLst>
-                                            <p:cond delay="0"/>
-                                          </p:stCondLst>
-                                        </p:cTn>
-                                        <p:tgtEl>
-                                          <p:spTgt spid="5"/>
-                                        </p:tgtEl>
-                                        <p:attrNameLst>
-                                          <p:attrName>style.visibility</p:attrName>
-                                        </p:attrNameLst>
-                                      </p:cBhvr>
-                                      <p:to>
-                                        <p:strVal val="visible"/>
-                                      </p:to>
-                                    </p:set>
-                                  </p:childTnLst>
-                                </p:cTn>
-                              </p:par>
-                              <p:par>
-                                <p:cTn id="23" presetID="1" presetClass="entr" presetSubtype="0" fill="hold" grpId="0" nodeType="withEffect">
-                                  <p:stCondLst>
-                                    <p:cond delay="0"/>
-                                  </p:stCondLst>
-                                  <p:childTnLst>
-                                    <p:set>
-                                      <p:cBhvr>
-                                        <p:cTn id="24" dur="1" fill="hold">
-                                          <p:stCondLst>
-                                            <p:cond delay="0"/>
-                                          </p:stCondLst>
-                                        </p:cTn>
-                                        <p:tgtEl>
-                                          <p:spTgt spid="4"/>
-                                        </p:tgtEl>
-                                        <p:attrNameLst>
-                                          <p:attrName>style.visibility</p:attrName>
-                                        </p:attrNameLst>
-                                      </p:cBhvr>
-                                      <p:to>
-                                        <p:strVal val="visible"/>
-                                      </p:to>
-                                    </p:set>
-                                  </p:childTnLst>
-                                </p:cTn>
-                              </p:par>
-                            </p:childTnLst>
-                          </p:cTn>
-                        </p:par>
-                      </p:childTnLst>
-                    </p:cTn>
-                  </p:par>
-                </p:childTnLst>
-              </p:cTn>
-              <p:prevCondLst>
-                <p:cond evt="onPrev" delay="0">
-                  <p:tgtEl>
-                    <p:sldTgt/>
-                  </p:tgtEl>
-                </p:cond>
-              </p:prevCondLst>
-              <p:nextCondLst>
-                <p:cond evt="onNext" delay="0">
-                  <p:tgtEl>
-                    <p:sldTgt/>
-                  </p:tgtEl>
-                </p:cond>
-              </p:nextCondLst>
-            </p:seq>
-          </p:childTnLst>
-        </p:cTn>
-      </p:par>
-    </p:tnLst>
-    <p:bldLst>
-      <p:bldP spid="3" grpId="0" build="p"/>
-      <p:bldP spid="4" grpId="0" animBg="1"/>
-      <p:bldP spid="5" grpId="0"/>
-    </p:bldLst>
-  </p:timing>
 </p:sld>
 </file>
 
@@ -9528,10 +8915,9 @@
           <a:lstStyle/>
           <a:p>
             <a:r>
-              <a:rPr lang="en-US" dirty="0" smtClean="0"/>
+              <a:rPr lang="en-US" dirty="0"/>
               <a:t>How do we work classes</a:t>
             </a:r>
-            <a:endParaRPr lang="en-US" dirty="0"/>
           </a:p>
         </p:txBody>
       </p:sp>
@@ -9559,11 +8945,11 @@
           <a:lstStyle/>
           <a:p>
             <a:r>
-              <a:rPr lang="en-US" dirty="0" smtClean="0"/>
+              <a:rPr lang="en-US" dirty="0"/>
               <a:t>Lets say we have a </a:t>
             </a:r>
             <a:r>
-              <a:rPr lang="en-US" dirty="0" smtClean="0">
+              <a:rPr lang="en-US" dirty="0">
                 <a:latin typeface="Courier New" panose="02070309020205020404" pitchFamily="49" charset="0"/>
                 <a:cs typeface="Courier New" panose="02070309020205020404" pitchFamily="49" charset="0"/>
               </a:rPr>
@@ -9576,17 +8962,10 @@
                 <a:latin typeface="Courier New" panose="02070309020205020404" pitchFamily="49" charset="0"/>
                 <a:cs typeface="Courier New" panose="02070309020205020404" pitchFamily="49" charset="0"/>
               </a:rPr>
-              <a:t>d</a:t>
-            </a:r>
-            <a:r>
-              <a:rPr lang="en-US" dirty="0" err="1" smtClean="0">
-                <a:latin typeface="Courier New" panose="02070309020205020404" pitchFamily="49" charset="0"/>
-                <a:cs typeface="Courier New" panose="02070309020205020404" pitchFamily="49" charset="0"/>
-              </a:rPr>
-              <a:t>ef</a:t>
-            </a:r>
-            <a:r>
-              <a:rPr lang="en-US" dirty="0" smtClean="0">
+              <a:t>def</a:t>
+            </a:r>
+            <a:r>
+              <a:rPr lang="en-US" dirty="0">
                 <a:latin typeface="Courier New" panose="02070309020205020404" pitchFamily="49" charset="0"/>
                 <a:cs typeface="Courier New" panose="02070309020205020404" pitchFamily="49" charset="0"/>
               </a:rPr>
@@ -9599,17 +8978,10 @@
                 <a:latin typeface="Courier New" panose="02070309020205020404" pitchFamily="49" charset="0"/>
                 <a:cs typeface="Courier New" panose="02070309020205020404" pitchFamily="49" charset="0"/>
               </a:rPr>
-              <a:t>p</a:t>
-            </a:r>
-            <a:r>
-              <a:rPr lang="en-US" dirty="0" err="1" smtClean="0">
-                <a:latin typeface="Courier New" panose="02070309020205020404" pitchFamily="49" charset="0"/>
-                <a:cs typeface="Courier New" panose="02070309020205020404" pitchFamily="49" charset="0"/>
-              </a:rPr>
-              <a:t>.save</a:t>
-            </a:r>
-            <a:r>
-              <a:rPr lang="en-US" dirty="0" smtClean="0">
+              <a:t>p.save</a:t>
+            </a:r>
+            <a:r>
+              <a:rPr lang="en-US" dirty="0">
                 <a:latin typeface="Courier New" panose="02070309020205020404" pitchFamily="49" charset="0"/>
                 <a:cs typeface="Courier New" panose="02070309020205020404" pitchFamily="49" charset="0"/>
               </a:rPr>
@@ -9622,17 +8994,10 @@
                 <a:latin typeface="Courier New" panose="02070309020205020404" pitchFamily="49" charset="0"/>
                 <a:cs typeface="Courier New" panose="02070309020205020404" pitchFamily="49" charset="0"/>
               </a:rPr>
-              <a:t>p</a:t>
-            </a:r>
-            <a:r>
-              <a:rPr lang="en-US" dirty="0" err="1" smtClean="0">
-                <a:latin typeface="Courier New" panose="02070309020205020404" pitchFamily="49" charset="0"/>
-                <a:cs typeface="Courier New" panose="02070309020205020404" pitchFamily="49" charset="0"/>
-              </a:rPr>
-              <a:t>.delete</a:t>
-            </a:r>
-            <a:r>
-              <a:rPr lang="en-US" dirty="0" smtClean="0">
+              <a:t>p.delete</a:t>
+            </a:r>
+            <a:r>
+              <a:rPr lang="en-US" dirty="0">
                 <a:latin typeface="Courier New" panose="02070309020205020404" pitchFamily="49" charset="0"/>
                 <a:cs typeface="Courier New" panose="02070309020205020404" pitchFamily="49" charset="0"/>
               </a:rPr>
@@ -9641,14 +9006,14 @@
           </a:p>
           <a:p>
             <a:r>
-              <a:rPr lang="en-US" dirty="0" err="1" smtClean="0">
+              <a:rPr lang="en-US" dirty="0" err="1">
                 <a:latin typeface="Courier New" panose="02070309020205020404" pitchFamily="49" charset="0"/>
                 <a:cs typeface="Courier New" panose="02070309020205020404" pitchFamily="49" charset="0"/>
               </a:rPr>
               <a:t>Post.list</a:t>
             </a:r>
             <a:r>
-              <a:rPr lang="en-US" dirty="0" smtClean="0">
+              <a:rPr lang="en-US" dirty="0">
                 <a:latin typeface="Courier New" panose="02070309020205020404" pitchFamily="49" charset="0"/>
                 <a:cs typeface="Courier New" panose="02070309020205020404" pitchFamily="49" charset="0"/>
               </a:rPr>
@@ -9657,14 +9022,14 @@
           </a:p>
           <a:p>
             <a:r>
-              <a:rPr lang="en-US" dirty="0" err="1" smtClean="0">
+              <a:rPr lang="en-US" dirty="0" err="1">
                 <a:latin typeface="Courier New" panose="02070309020205020404" pitchFamily="49" charset="0"/>
                 <a:cs typeface="Courier New" panose="02070309020205020404" pitchFamily="49" charset="0"/>
               </a:rPr>
               <a:t>Post.findById</a:t>
             </a:r>
             <a:r>
-              <a:rPr lang="en-US" dirty="0" smtClean="0">
+              <a:rPr lang="en-US" dirty="0">
                 <a:latin typeface="Courier New" panose="02070309020205020404" pitchFamily="49" charset="0"/>
                 <a:cs typeface="Courier New" panose="02070309020205020404" pitchFamily="49" charset="0"/>
               </a:rPr>
@@ -9673,14 +9038,14 @@
           </a:p>
           <a:p>
             <a:r>
-              <a:rPr lang="en-US" dirty="0" err="1" smtClean="0">
+              <a:rPr lang="en-US" dirty="0" err="1">
                 <a:latin typeface="Courier New" panose="02070309020205020404" pitchFamily="49" charset="0"/>
                 <a:cs typeface="Courier New" panose="02070309020205020404" pitchFamily="49" charset="0"/>
               </a:rPr>
               <a:t>Post.findAllByTimestampGreaterThan</a:t>
             </a:r>
             <a:r>
-              <a:rPr lang="en-US" dirty="0" smtClean="0">
+              <a:rPr lang="en-US" dirty="0">
                 <a:latin typeface="Courier New" panose="02070309020205020404" pitchFamily="49" charset="0"/>
                 <a:cs typeface="Courier New" panose="02070309020205020404" pitchFamily="49" charset="0"/>
               </a:rPr>
@@ -10111,10 +9476,9 @@
           <a:lstStyle/>
           <a:p>
             <a:r>
-              <a:rPr lang="en-US" dirty="0" smtClean="0"/>
+              <a:rPr lang="en-US" dirty="0"/>
               <a:t>Lets code this up</a:t>
             </a:r>
-            <a:endParaRPr lang="en-US" dirty="0"/>
           </a:p>
         </p:txBody>
       </p:sp>
@@ -10134,49 +9498,45 @@
           <a:lstStyle/>
           <a:p>
             <a:r>
-              <a:rPr lang="en-US" dirty="0" err="1" smtClean="0"/>
+              <a:rPr lang="en-US" dirty="0" err="1"/>
               <a:t>bootstrap.groovy</a:t>
             </a:r>
             <a:r>
-              <a:rPr lang="en-US" dirty="0" smtClean="0"/>
+              <a:rPr lang="en-US" dirty="0"/>
               <a:t> – save data on startup</a:t>
             </a:r>
           </a:p>
           <a:p>
             <a:r>
-              <a:rPr lang="en-US" dirty="0" smtClean="0"/>
+              <a:rPr lang="en-US" dirty="0"/>
               <a:t>Check out http://localhost:8080/dbconsole</a:t>
             </a:r>
           </a:p>
           <a:p>
             <a:r>
-              <a:rPr lang="en-US" dirty="0" smtClean="0"/>
+              <a:rPr lang="en-US" dirty="0"/>
               <a:t> </a:t>
             </a:r>
             <a:r>
-              <a:rPr lang="en-US" dirty="0" err="1" smtClean="0"/>
+              <a:rPr lang="en-US" dirty="0" err="1"/>
               <a:t>AppController</a:t>
             </a:r>
             <a:r>
               <a:rPr lang="en-US" dirty="0"/>
-              <a:t> </a:t>
-            </a:r>
-            <a:r>
-              <a:rPr lang="en-US" dirty="0" smtClean="0"/>
-              <a:t>– lets create getters for our data</a:t>
+              <a:t> – lets create getters for our data</a:t>
             </a:r>
           </a:p>
           <a:p>
             <a:pPr lvl="1"/>
             <a:r>
-              <a:rPr lang="en-US" dirty="0" smtClean="0"/>
+              <a:rPr lang="en-US" dirty="0"/>
               <a:t>View the image</a:t>
             </a:r>
           </a:p>
           <a:p>
             <a:pPr lvl="1"/>
             <a:r>
-              <a:rPr lang="en-US" dirty="0" smtClean="0"/>
+              <a:rPr lang="en-US" dirty="0"/>
               <a:t>Get a JSON representation of our state</a:t>
             </a:r>
           </a:p>
@@ -10192,13 +9552,6 @@
   <p:clrMapOvr>
     <a:masterClrMapping/>
   </p:clrMapOvr>
-  <p:timing>
-    <p:tnLst>
-      <p:par>
-        <p:cTn id="1" dur="indefinite" restart="never" nodeType="tmRoot"/>
-      </p:par>
-    </p:tnLst>
-  </p:timing>
 </p:sld>
 </file>
 
@@ -10241,10 +9594,9 @@
           <a:lstStyle/>
           <a:p>
             <a:r>
-              <a:rPr lang="en-US" dirty="0" smtClean="0"/>
+              <a:rPr lang="en-US" dirty="0"/>
               <a:t>Login/GSP/Forms</a:t>
             </a:r>
-            <a:endParaRPr lang="en-US" dirty="0"/>
           </a:p>
         </p:txBody>
       </p:sp>
@@ -10283,13 +9635,6 @@
   <p:clrMapOvr>
     <a:masterClrMapping/>
   </p:clrMapOvr>
-  <p:timing>
-    <p:tnLst>
-      <p:par>
-        <p:cTn id="1" dur="indefinite" restart="never" nodeType="tmRoot"/>
-      </p:par>
-    </p:tnLst>
-  </p:timing>
 </p:sld>
 </file>
 
@@ -10326,10 +9671,9 @@
           <a:lstStyle/>
           <a:p>
             <a:r>
-              <a:rPr lang="en-US" dirty="0" smtClean="0"/>
+              <a:rPr lang="en-US" dirty="0"/>
               <a:t>The login page &amp; GSP</a:t>
             </a:r>
-            <a:endParaRPr lang="en-US" dirty="0"/>
           </a:p>
         </p:txBody>
       </p:sp>
@@ -10349,78 +9693,78 @@
           <a:lstStyle/>
           <a:p>
             <a:r>
-              <a:rPr lang="en-US" dirty="0" smtClean="0"/>
+              <a:rPr lang="en-US" dirty="0"/>
               <a:t>New controller</a:t>
             </a:r>
           </a:p>
           <a:p>
             <a:pPr lvl="1"/>
             <a:r>
-              <a:rPr lang="en-US" dirty="0" smtClean="0"/>
+              <a:rPr lang="en-US" dirty="0"/>
               <a:t>Showing the login page</a:t>
             </a:r>
           </a:p>
           <a:p>
             <a:pPr lvl="1"/>
             <a:r>
-              <a:rPr lang="en-US" dirty="0" smtClean="0"/>
+              <a:rPr lang="en-US" dirty="0"/>
               <a:t>Check if user exists</a:t>
             </a:r>
           </a:p>
           <a:p>
             <a:pPr lvl="1"/>
             <a:r>
-              <a:rPr lang="en-US" dirty="0" smtClean="0"/>
+              <a:rPr lang="en-US" dirty="0"/>
               <a:t>Create a new user if not</a:t>
             </a:r>
           </a:p>
           <a:p>
             <a:pPr lvl="1"/>
             <a:r>
-              <a:rPr lang="en-US" dirty="0" smtClean="0"/>
+              <a:rPr lang="en-US" dirty="0"/>
               <a:t>Redirect to the app controller</a:t>
             </a:r>
           </a:p>
           <a:p>
             <a:r>
-              <a:rPr lang="en-US" dirty="0" smtClean="0"/>
+              <a:rPr lang="en-US" dirty="0"/>
               <a:t>Use the built-in </a:t>
             </a:r>
             <a:r>
-              <a:rPr lang="en-US" dirty="0" smtClean="0">
+              <a:rPr lang="en-US" dirty="0">
                 <a:latin typeface="Courier New" panose="02070309020205020404" pitchFamily="49" charset="0"/>
                 <a:cs typeface="Courier New" panose="02070309020205020404" pitchFamily="49" charset="0"/>
               </a:rPr>
               <a:t>session</a:t>
             </a:r>
             <a:r>
-              <a:rPr lang="en-US" dirty="0" smtClean="0"/>
+              <a:rPr lang="en-US" dirty="0"/>
               <a:t> Map </a:t>
             </a:r>
           </a:p>
           <a:p>
             <a:r>
-              <a:rPr lang="en-US" dirty="0" smtClean="0"/>
+              <a:rPr lang="en-US" dirty="0"/>
               <a:t>Build a login UI with GSP</a:t>
             </a:r>
           </a:p>
           <a:p>
             <a:pPr lvl="1"/>
             <a:r>
-              <a:rPr lang="en-US" dirty="0" smtClean="0"/>
+              <a:rPr lang="en-US" dirty="0"/>
               <a:t>Hit a controller + action not a URL</a:t>
             </a:r>
           </a:p>
           <a:p>
             <a:pPr lvl="1"/>
             <a:r>
-              <a:rPr lang="en-US" dirty="0" smtClean="0"/>
+              <a:rPr lang="en-US" dirty="0"/>
               <a:t>Conditionally display an error message</a:t>
             </a:r>
           </a:p>
           <a:p>
             <a:pPr lvl="1"/>
-            <a:endParaRPr lang="en-US" dirty="0" smtClean="0"/>
+            <a:endParaRPr lang="en-US" dirty="0"/>
           </a:p>
           <a:p>
             <a:pPr lvl="1"/>
@@ -10438,13 +9782,6 @@
   <p:clrMapOvr>
     <a:masterClrMapping/>
   </p:clrMapOvr>
-  <p:timing>
-    <p:tnLst>
-      <p:par>
-        <p:cTn id="1" dur="indefinite" restart="never" nodeType="tmRoot"/>
-      </p:par>
-    </p:tnLst>
-  </p:timing>
 </p:sld>
 </file>
 
@@ -10481,10 +9818,9 @@
           <a:lstStyle/>
           <a:p>
             <a:r>
-              <a:rPr lang="en-US" dirty="0" smtClean="0"/>
+              <a:rPr lang="en-US" dirty="0"/>
               <a:t>Restrict the login page</a:t>
             </a:r>
-            <a:endParaRPr lang="en-US" dirty="0"/>
           </a:p>
         </p:txBody>
       </p:sp>
@@ -10504,32 +9840,32 @@
           <a:lstStyle/>
           <a:p>
             <a:r>
-              <a:rPr lang="en-US" dirty="0" smtClean="0"/>
+              <a:rPr lang="en-US" dirty="0"/>
               <a:t>Create an interceptor</a:t>
             </a:r>
           </a:p>
           <a:p>
             <a:pPr lvl="1"/>
             <a:r>
-              <a:rPr lang="en-US" dirty="0" smtClean="0"/>
+              <a:rPr lang="en-US" dirty="0"/>
               <a:t>Lets you wrap controllers + actions with before and after </a:t>
             </a:r>
           </a:p>
           <a:p>
             <a:r>
-              <a:rPr lang="en-US" dirty="0" smtClean="0"/>
+              <a:rPr lang="en-US" dirty="0"/>
               <a:t>Match on the app controller</a:t>
             </a:r>
           </a:p>
           <a:p>
             <a:r>
-              <a:rPr lang="en-US" dirty="0" smtClean="0"/>
+              <a:rPr lang="en-US" dirty="0"/>
               <a:t>Check the session</a:t>
             </a:r>
           </a:p>
           <a:p>
             <a:r>
-              <a:rPr lang="en-US" dirty="0" smtClean="0"/>
+              <a:rPr lang="en-US" dirty="0"/>
               <a:t>Redirect and return false if needed</a:t>
             </a:r>
           </a:p>
@@ -10548,13 +9884,6 @@
   <p:clrMapOvr>
     <a:masterClrMapping/>
   </p:clrMapOvr>
-  <p:timing>
-    <p:tnLst>
-      <p:par>
-        <p:cTn id="1" dur="indefinite" restart="never" nodeType="tmRoot"/>
-      </p:par>
-    </p:tnLst>
-  </p:timing>
 </p:sld>
 </file>
 
@@ -10591,10 +9920,9 @@
           <a:lstStyle/>
           <a:p>
             <a:r>
-              <a:rPr lang="en-US" dirty="0" smtClean="0"/>
+              <a:rPr lang="en-US" dirty="0"/>
               <a:t>Another Form to Upload Images</a:t>
             </a:r>
-            <a:endParaRPr lang="en-US" dirty="0"/>
           </a:p>
         </p:txBody>
       </p:sp>
@@ -10614,60 +9942,55 @@
           <a:lstStyle/>
           <a:p>
             <a:r>
-              <a:rPr lang="en-US" dirty="0" smtClean="0"/>
+              <a:rPr lang="en-US" dirty="0"/>
               <a:t>This time we have a file entry</a:t>
             </a:r>
           </a:p>
           <a:p>
             <a:r>
-              <a:rPr lang="en-US" dirty="0" smtClean="0"/>
+              <a:rPr lang="en-US" dirty="0"/>
               <a:t>&lt;</a:t>
             </a:r>
             <a:r>
-              <a:rPr lang="en-US" dirty="0" err="1" smtClean="0"/>
+              <a:rPr lang="en-US" dirty="0" err="1"/>
               <a:t>g:uploadForm</a:t>
             </a:r>
             <a:r>
-              <a:rPr lang="en-US" dirty="0" smtClean="0"/>
+              <a:rPr lang="en-US" dirty="0"/>
               <a:t> /&gt; to handle the file upload</a:t>
             </a:r>
+          </a:p>
+          <a:p>
+            <a:r>
+              <a:rPr lang="en-US" dirty="0"/>
+              <a:t>Use </a:t>
+            </a:r>
+            <a:r>
+              <a:rPr lang="en-US" dirty="0" err="1"/>
+              <a:t>request.getFile</a:t>
+            </a:r>
+            <a:r>
+              <a:rPr lang="en-US" dirty="0"/>
+              <a:t> on the controller to get the file data we need</a:t>
+            </a:r>
+          </a:p>
+          <a:p>
             <a:endParaRPr lang="en-US" dirty="0"/>
           </a:p>
           <a:p>
-            <a:r>
-              <a:rPr lang="en-US" dirty="0" smtClean="0"/>
-              <a:t>Use </a:t>
-            </a:r>
-            <a:r>
-              <a:rPr lang="en-US" dirty="0" err="1" smtClean="0"/>
-              <a:t>request.getFile</a:t>
-            </a:r>
-            <a:r>
-              <a:rPr lang="en-US" dirty="0"/>
-              <a:t> </a:t>
-            </a:r>
-            <a:r>
-              <a:rPr lang="en-US" dirty="0" smtClean="0"/>
-              <a:t>on the controller to get the file data we need</a:t>
-            </a:r>
-          </a:p>
-          <a:p>
             <a:endParaRPr lang="en-US" dirty="0"/>
           </a:p>
           <a:p>
-            <a:endParaRPr lang="en-US" dirty="0" smtClean="0"/>
-          </a:p>
-          <a:p>
-            <a:r>
-              <a:rPr lang="en-US" dirty="0" smtClean="0"/>
+            <a:r>
+              <a:rPr lang="en-US" dirty="0"/>
               <a:t>Bonus: Some </a:t>
             </a:r>
             <a:r>
-              <a:rPr lang="en-US" dirty="0" err="1" smtClean="0"/>
+              <a:rPr lang="en-US" dirty="0" err="1"/>
               <a:t>javascript</a:t>
             </a:r>
             <a:r>
-              <a:rPr lang="en-US" dirty="0" smtClean="0"/>
+              <a:rPr lang="en-US" dirty="0"/>
               <a:t> to display the selected image</a:t>
             </a:r>
           </a:p>
@@ -10683,13 +10006,6 @@
   <p:clrMapOvr>
     <a:masterClrMapping/>
   </p:clrMapOvr>
-  <p:timing>
-    <p:tnLst>
-      <p:par>
-        <p:cTn id="1" dur="indefinite" restart="never" nodeType="tmRoot"/>
-      </p:par>
-    </p:tnLst>
-  </p:timing>
 </p:sld>
 </file>
 
@@ -10733,15 +10049,7 @@
           <a:p>
             <a:r>
               <a:rPr lang="en-US" dirty="0"/>
-              <a:t>The </a:t>
-            </a:r>
-            <a:r>
-              <a:rPr lang="en-US" dirty="0" smtClean="0"/>
-              <a:t>Frontend: </a:t>
-            </a:r>
-            <a:r>
-              <a:rPr lang="en-US" dirty="0"/>
-              <a:t>React.js</a:t>
+              <a:t>The Frontend: React.js</a:t>
             </a:r>
           </a:p>
         </p:txBody>
@@ -10781,13 +10089,6 @@
   <p:clrMapOvr>
     <a:masterClrMapping/>
   </p:clrMapOvr>
-  <p:timing>
-    <p:tnLst>
-      <p:par>
-        <p:cTn id="1" dur="indefinite" restart="never" nodeType="tmRoot"/>
-      </p:par>
-    </p:tnLst>
-  </p:timing>
 </p:sld>
 </file>
 
@@ -10900,13 +10201,6 @@
   <p:clrMapOvr>
     <a:masterClrMapping/>
   </p:clrMapOvr>
-  <p:timing>
-    <p:tnLst>
-      <p:par>
-        <p:cTn id="1" dur="indefinite" restart="never" nodeType="tmRoot"/>
-      </p:par>
-    </p:tnLst>
-  </p:timing>
 </p:sld>
 </file>
 
@@ -10943,18 +10237,17 @@
           <a:lstStyle/>
           <a:p>
             <a:r>
-              <a:rPr lang="en-US" dirty="0" smtClean="0"/>
+              <a:rPr lang="en-US" dirty="0"/>
               <a:t>Finally Some </a:t>
             </a:r>
             <a:r>
-              <a:rPr lang="en-US" dirty="0" err="1" smtClean="0"/>
+              <a:rPr lang="en-US" dirty="0" err="1"/>
               <a:t>Config</a:t>
             </a:r>
             <a:r>
-              <a:rPr lang="en-US" dirty="0" smtClean="0"/>
+              <a:rPr lang="en-US" dirty="0"/>
               <a:t>! (Libraries)</a:t>
             </a:r>
-            <a:endParaRPr lang="en-US" dirty="0"/>
           </a:p>
         </p:txBody>
       </p:sp>
@@ -10974,79 +10267,75 @@
           <a:lstStyle/>
           <a:p>
             <a:r>
-              <a:rPr lang="en-US" dirty="0" smtClean="0"/>
+              <a:rPr lang="en-US" dirty="0"/>
               <a:t>asset-pipeline – Compiles your </a:t>
             </a:r>
             <a:r>
-              <a:rPr lang="en-US" dirty="0" err="1" smtClean="0"/>
+              <a:rPr lang="en-US" dirty="0" err="1"/>
               <a:t>js</a:t>
             </a:r>
             <a:r>
               <a:rPr lang="en-US" dirty="0"/>
-              <a:t> </a:t>
-            </a:r>
-            <a:r>
-              <a:rPr lang="en-US" dirty="0" smtClean="0"/>
-              <a:t>&amp; </a:t>
-            </a:r>
-            <a:r>
-              <a:rPr lang="en-US" dirty="0" err="1" smtClean="0"/>
+              <a:t> &amp; </a:t>
+            </a:r>
+            <a:r>
+              <a:rPr lang="en-US" dirty="0" err="1"/>
               <a:t>css</a:t>
             </a:r>
-            <a:endParaRPr lang="en-US" dirty="0" smtClean="0"/>
+            <a:endParaRPr lang="en-US" dirty="0"/>
           </a:p>
           <a:p>
             <a:pPr lvl="1"/>
             <a:r>
-              <a:rPr lang="en-US" dirty="0" smtClean="0"/>
+              <a:rPr lang="en-US" dirty="0"/>
               <a:t>Upgrade to 3.0.7 </a:t>
             </a:r>
           </a:p>
           <a:p>
             <a:pPr lvl="1"/>
             <a:r>
-              <a:rPr lang="en-US" dirty="0" smtClean="0"/>
+              <a:rPr lang="en-US" dirty="0"/>
               <a:t>Add </a:t>
             </a:r>
             <a:r>
-              <a:rPr lang="en-US" dirty="0" err="1" smtClean="0"/>
+              <a:rPr lang="en-US" dirty="0" err="1"/>
               <a:t>jsx</a:t>
             </a:r>
             <a:r>
-              <a:rPr lang="en-US" dirty="0" smtClean="0"/>
+              <a:rPr lang="en-US" dirty="0"/>
               <a:t> &amp; sass</a:t>
             </a:r>
           </a:p>
           <a:p>
             <a:r>
-              <a:rPr lang="en-US" dirty="0" err="1" smtClean="0"/>
+              <a:rPr lang="en-US" dirty="0" err="1"/>
               <a:t>clientDependencies</a:t>
             </a:r>
-            <a:endParaRPr lang="en-US" dirty="0" smtClean="0"/>
+            <a:endParaRPr lang="en-US" dirty="0"/>
           </a:p>
           <a:p>
             <a:pPr lvl="1"/>
             <a:r>
-              <a:rPr lang="en-US" dirty="0" smtClean="0"/>
+              <a:rPr lang="en-US" dirty="0"/>
               <a:t>Downloads libs from </a:t>
             </a:r>
             <a:r>
-              <a:rPr lang="en-US" dirty="0" err="1" smtClean="0"/>
+              <a:rPr lang="en-US" dirty="0" err="1"/>
               <a:t>npm</a:t>
             </a:r>
             <a:r>
-              <a:rPr lang="en-US" dirty="0" smtClean="0"/>
+              <a:rPr lang="en-US" dirty="0"/>
               <a:t>/yarn/bower</a:t>
             </a:r>
           </a:p>
           <a:p>
             <a:pPr lvl="1"/>
             <a:r>
-              <a:rPr lang="en-US" dirty="0" smtClean="0"/>
+              <a:rPr lang="en-US" dirty="0"/>
               <a:t>Setup to download </a:t>
             </a:r>
             <a:r>
-              <a:rPr lang="en-US" dirty="0" err="1" smtClean="0"/>
+              <a:rPr lang="en-US" dirty="0" err="1"/>
               <a:t>React.Js</a:t>
             </a:r>
             <a:endParaRPr lang="en-US" dirty="0"/>
@@ -11054,15 +10343,15 @@
           <a:p>
             <a:pPr lvl="2"/>
             <a:r>
-              <a:rPr lang="en-US" dirty="0" smtClean="0"/>
+              <a:rPr lang="en-US" dirty="0"/>
               <a:t>Don’t forget to </a:t>
             </a:r>
             <a:r>
-              <a:rPr lang="en-US" smtClean="0"/>
+              <a:rPr lang="en-US"/>
               <a:t>git </a:t>
             </a:r>
             <a:r>
-              <a:rPr lang="en-US" dirty="0" smtClean="0"/>
+              <a:rPr lang="en-US" dirty="0"/>
               <a:t>ignore the vendor folder</a:t>
             </a:r>
           </a:p>
@@ -11072,11 +10361,11 @@
           </a:p>
           <a:p>
             <a:pPr lvl="2"/>
-            <a:endParaRPr lang="en-US" dirty="0" smtClean="0"/>
-          </a:p>
-          <a:p>
-            <a:r>
-              <a:rPr lang="en-US" dirty="0" smtClean="0"/>
+            <a:endParaRPr lang="en-US" dirty="0"/>
+          </a:p>
+          <a:p>
+            <a:r>
+              <a:rPr lang="en-US" dirty="0"/>
               <a:t>Copy in your react frontend files</a:t>
             </a:r>
           </a:p>
@@ -11092,13 +10381,6 @@
   <p:clrMapOvr>
     <a:masterClrMapping/>
   </p:clrMapOvr>
-  <p:timing>
-    <p:tnLst>
-      <p:par>
-        <p:cTn id="1" dur="indefinite" restart="never" nodeType="tmRoot"/>
-      </p:par>
-    </p:tnLst>
-  </p:timing>
 </p:sld>
 </file>
 
@@ -11182,13 +10464,6 @@
   <p:clrMapOvr>
     <a:masterClrMapping/>
   </p:clrMapOvr>
-  <p:timing>
-    <p:tnLst>
-      <p:par>
-        <p:cTn id="1" dur="indefinite" restart="never" nodeType="tmRoot"/>
-      </p:par>
-    </p:tnLst>
-  </p:timing>
 </p:sld>
 </file>
 
@@ -11225,11 +10500,11 @@
           <a:lstStyle/>
           <a:p>
             <a:r>
-              <a:rPr lang="en-US" dirty="0" smtClean="0"/>
+              <a:rPr lang="en-US" dirty="0"/>
               <a:t>More </a:t>
             </a:r>
             <a:r>
-              <a:rPr lang="en-US" dirty="0" err="1" smtClean="0"/>
+              <a:rPr lang="en-US" dirty="0" err="1"/>
               <a:t>Config</a:t>
             </a:r>
             <a:endParaRPr lang="en-US" dirty="0"/>
@@ -11249,108 +10524,102 @@
         <p:spPr/>
         <p:txBody>
           <a:bodyPr>
-            <a:normAutofit lnSpcReduction="10000"/>
+            <a:normAutofit/>
           </a:bodyPr>
           <a:lstStyle/>
           <a:p>
             <a:r>
-              <a:rPr lang="en-US" dirty="0" smtClean="0"/>
+              <a:rPr lang="en-US" dirty="0"/>
               <a:t>We are going to need a database</a:t>
             </a:r>
           </a:p>
           <a:p>
             <a:pPr lvl="1"/>
             <a:r>
-              <a:rPr lang="en-US" dirty="0" smtClean="0"/>
+              <a:rPr lang="en-US" dirty="0"/>
               <a:t>Add a </a:t>
             </a:r>
             <a:r>
-              <a:rPr lang="en-US" dirty="0" err="1" smtClean="0"/>
+              <a:rPr lang="en-US" dirty="0" err="1"/>
               <a:t>ClearDB</a:t>
             </a:r>
             <a:r>
-              <a:rPr lang="en-US" dirty="0" smtClean="0"/>
+              <a:rPr lang="en-US" dirty="0"/>
               <a:t> MYSQL instance</a:t>
             </a:r>
           </a:p>
           <a:p>
             <a:r>
-              <a:rPr lang="en-US" dirty="0" smtClean="0"/>
+              <a:rPr lang="en-US" dirty="0"/>
               <a:t>We need to hookup the database.</a:t>
             </a:r>
           </a:p>
           <a:p>
             <a:pPr lvl="1"/>
             <a:r>
-              <a:rPr lang="en-US" dirty="0" smtClean="0"/>
+              <a:rPr lang="en-US" dirty="0"/>
               <a:t>The database library is constant, but the username &amp; password is not</a:t>
             </a:r>
           </a:p>
           <a:p>
             <a:r>
-              <a:rPr lang="en-US" dirty="0" err="1" smtClean="0"/>
+              <a:rPr lang="en-US" dirty="0" err="1"/>
               <a:t>Heroku</a:t>
             </a:r>
             <a:r>
-              <a:rPr lang="en-US" dirty="0" smtClean="0"/>
+              <a:rPr lang="en-US" dirty="0"/>
               <a:t> needs a </a:t>
             </a:r>
             <a:r>
-              <a:rPr lang="en-US" dirty="0" err="1" smtClean="0"/>
+              <a:rPr lang="en-US" dirty="0" err="1"/>
               <a:t>procfile</a:t>
             </a:r>
             <a:r>
-              <a:rPr lang="en-US" dirty="0" smtClean="0"/>
+              <a:rPr lang="en-US" dirty="0"/>
               <a:t> to know what to run</a:t>
             </a:r>
           </a:p>
           <a:p>
             <a:pPr lvl="1"/>
             <a:r>
-              <a:rPr lang="en-US" dirty="0" smtClean="0"/>
+              <a:rPr lang="en-US" dirty="0"/>
               <a:t>Also lets setup some of the variables</a:t>
             </a:r>
           </a:p>
           <a:p>
             <a:r>
-              <a:rPr lang="en-US" dirty="0" smtClean="0"/>
+              <a:rPr lang="en-US" dirty="0"/>
               <a:t>Finally lets set some </a:t>
             </a:r>
             <a:r>
-              <a:rPr lang="en-US" dirty="0" err="1" smtClean="0"/>
+              <a:rPr lang="en-US" dirty="0" err="1"/>
               <a:t>config</a:t>
             </a:r>
             <a:r>
-              <a:rPr lang="en-US" dirty="0" smtClean="0"/>
+              <a:rPr lang="en-US" dirty="0"/>
               <a:t> variables</a:t>
             </a:r>
           </a:p>
           <a:p>
             <a:pPr lvl="1"/>
             <a:r>
-              <a:rPr lang="en-US" dirty="0" smtClean="0"/>
+              <a:rPr lang="en-US" dirty="0"/>
               <a:t>GRADLE_TASK assemble</a:t>
             </a:r>
           </a:p>
           <a:p>
             <a:pPr lvl="1"/>
             <a:r>
-              <a:rPr lang="en-US" dirty="0" smtClean="0"/>
-              <a:t>JAVA_OPTS –</a:t>
-            </a:r>
-            <a:r>
-              <a:rPr lang="en-US" dirty="0" err="1" smtClean="0"/>
+              <a:rPr lang="en-US" dirty="0"/>
+              <a:t>JAVA_OPTS -</a:t>
+            </a:r>
+            <a:r>
+              <a:rPr lang="en-US" dirty="0" err="1"/>
               <a:t>Dgrails.env</a:t>
             </a:r>
             <a:r>
-              <a:rPr lang="en-US" dirty="0" smtClean="0"/>
+              <a:rPr lang="en-US"/>
               <a:t>=production</a:t>
-            </a:r>
-          </a:p>
-          <a:p>
-            <a:r>
-              <a:rPr lang="en-US" dirty="0" smtClean="0"/>
-              <a:t>Run the Deploy</a:t>
             </a:r>
             <a:endParaRPr lang="en-US" dirty="0"/>
           </a:p>
@@ -11366,13 +10635,6 @@
   <p:clrMapOvr>
     <a:masterClrMapping/>
   </p:clrMapOvr>
-  <p:timing>
-    <p:tnLst>
-      <p:par>
-        <p:cTn id="1" dur="indefinite" restart="never" nodeType="tmRoot"/>
-      </p:par>
-    </p:tnLst>
-  </p:timing>
 </p:sld>
 </file>
 
@@ -11409,18 +10671,17 @@
           <a:lstStyle/>
           <a:p>
             <a:r>
-              <a:rPr lang="en-US" dirty="0" smtClean="0"/>
+              <a:rPr lang="en-US" dirty="0"/>
               <a:t>That’s all folks… </a:t>
             </a:r>
             <a:r>
-              <a:rPr lang="en-US" dirty="0" err="1" smtClean="0"/>
+              <a:rPr lang="en-US" dirty="0" err="1"/>
               <a:t>Heres</a:t>
             </a:r>
             <a:r>
-              <a:rPr lang="en-US" dirty="0" smtClean="0"/>
+              <a:rPr lang="en-US" dirty="0"/>
               <a:t> some TODOs</a:t>
             </a:r>
-            <a:endParaRPr lang="en-US" dirty="0"/>
           </a:p>
         </p:txBody>
       </p:sp>
@@ -11442,87 +10703,86 @@
           <a:lstStyle/>
           <a:p>
             <a:r>
-              <a:rPr lang="en-US" dirty="0" smtClean="0"/>
+              <a:rPr lang="en-US" dirty="0"/>
               <a:t>Persist the session across machines (using the cookie-session plugin)</a:t>
             </a:r>
           </a:p>
           <a:p>
             <a:r>
-              <a:rPr lang="en-US" dirty="0" smtClean="0"/>
+              <a:rPr lang="en-US" dirty="0"/>
               <a:t>Use something better than email to login </a:t>
             </a:r>
           </a:p>
           <a:p>
             <a:r>
-              <a:rPr lang="en-US" dirty="0" smtClean="0"/>
+              <a:rPr lang="en-US" dirty="0"/>
               <a:t>Features</a:t>
             </a:r>
           </a:p>
           <a:p>
             <a:pPr lvl="1"/>
             <a:r>
-              <a:rPr lang="en-US" dirty="0" smtClean="0"/>
+              <a:rPr lang="en-US" dirty="0"/>
               <a:t>Delete Posts</a:t>
             </a:r>
           </a:p>
           <a:p>
             <a:pPr lvl="1"/>
             <a:r>
-              <a:rPr lang="en-US" dirty="0" smtClean="0"/>
+              <a:rPr lang="en-US" dirty="0"/>
               <a:t>Likes</a:t>
             </a:r>
           </a:p>
           <a:p>
             <a:pPr lvl="1"/>
             <a:r>
-              <a:rPr lang="en-US" dirty="0" smtClean="0"/>
+              <a:rPr lang="en-US" dirty="0"/>
               <a:t>View </a:t>
             </a:r>
             <a:r>
-              <a:rPr lang="en-US" dirty="0" err="1" smtClean="0"/>
+              <a:rPr lang="en-US" dirty="0" err="1"/>
               <a:t>permssions</a:t>
             </a:r>
-            <a:endParaRPr lang="en-US" dirty="0" smtClean="0"/>
-          </a:p>
-          <a:p>
-            <a:r>
-              <a:rPr lang="en-US" dirty="0" smtClean="0"/>
+            <a:endParaRPr lang="en-US" dirty="0"/>
+          </a:p>
+          <a:p>
+            <a:r>
+              <a:rPr lang="en-US" dirty="0"/>
               <a:t>What does the </a:t>
             </a:r>
             <a:r>
-              <a:rPr lang="en-US" dirty="0" err="1" smtClean="0"/>
+              <a:rPr lang="en-US" dirty="0" err="1"/>
               <a:t>css</a:t>
             </a:r>
             <a:r>
-              <a:rPr lang="en-US" dirty="0" smtClean="0"/>
+              <a:rPr lang="en-US" dirty="0"/>
               <a:t> (</a:t>
             </a:r>
             <a:r>
-              <a:rPr lang="en-US" dirty="0" err="1" smtClean="0"/>
+              <a:rPr lang="en-US" dirty="0" err="1"/>
               <a:t>scss</a:t>
             </a:r>
             <a:r>
-              <a:rPr lang="en-US" dirty="0" smtClean="0"/>
+              <a:rPr lang="en-US" dirty="0"/>
               <a:t>) look like? </a:t>
             </a:r>
           </a:p>
           <a:p>
-            <a:endParaRPr lang="en-US" dirty="0" smtClean="0"/>
-          </a:p>
-          <a:p>
-            <a:r>
-              <a:rPr lang="en-US" dirty="0" smtClean="0"/>
+            <a:endParaRPr lang="en-US" dirty="0"/>
+          </a:p>
+          <a:p>
+            <a:r>
+              <a:rPr lang="en-US" dirty="0"/>
               <a:t>P.S. Everything </a:t>
             </a:r>
             <a:r>
-              <a:rPr lang="en-US" dirty="0" err="1" smtClean="0"/>
+              <a:rPr lang="en-US" dirty="0" err="1"/>
               <a:t>youv’e</a:t>
             </a:r>
             <a:r>
-              <a:rPr lang="en-US" dirty="0" smtClean="0"/>
+              <a:rPr lang="en-US" dirty="0"/>
               <a:t> seen today is here</a:t>
             </a:r>
-            <a:endParaRPr lang="en-US" dirty="0"/>
           </a:p>
           <a:p>
             <a:pPr marL="0" indent="0">
@@ -11532,21 +10792,15 @@
               <a:rPr lang="en-US" dirty="0">
                 <a:hlinkClick r:id="rId2"/>
               </a:rPr>
-              <a:t>https://</a:t>
-            </a:r>
-            <a:r>
-              <a:rPr lang="en-US" dirty="0" smtClean="0">
-                <a:hlinkClick r:id="rId2"/>
-              </a:rPr>
-              <a:t>github.com/aibolit/sixonefoureight</a:t>
-            </a:r>
-            <a:endParaRPr lang="en-US" dirty="0" smtClean="0"/>
+              <a:t>https://github.com/aibolit/sixonefoureight</a:t>
+            </a:r>
+            <a:endParaRPr lang="en-US" dirty="0"/>
           </a:p>
           <a:p>
             <a:pPr marL="0" indent="0">
               <a:buNone/>
             </a:pPr>
-            <a:endParaRPr lang="en-US" dirty="0" smtClean="0"/>
+            <a:endParaRPr lang="en-US" dirty="0"/>
           </a:p>
           <a:p>
             <a:pPr lvl="1"/>
@@ -11564,13 +10818,6 @@
   <p:clrMapOvr>
     <a:masterClrMapping/>
   </p:clrMapOvr>
-  <p:timing>
-    <p:tnLst>
-      <p:par>
-        <p:cTn id="1" dur="indefinite" restart="never" nodeType="tmRoot"/>
-      </p:par>
-    </p:tnLst>
-  </p:timing>
 </p:sld>
 </file>
 
@@ -11749,13 +10996,6 @@
   <p:clrMapOvr>
     <a:masterClrMapping/>
   </p:clrMapOvr>
-  <p:timing>
-    <p:tnLst>
-      <p:par>
-        <p:cTn id="1" dur="indefinite" restart="never" nodeType="tmRoot"/>
-      </p:par>
-    </p:tnLst>
-  </p:timing>
 </p:sld>
 </file>
 
@@ -11873,13 +11113,6 @@
   <p:clrMapOvr>
     <a:masterClrMapping/>
   </p:clrMapOvr>
-  <p:timing>
-    <p:tnLst>
-      <p:par>
-        <p:cTn id="1" dur="indefinite" restart="never" nodeType="tmRoot"/>
-      </p:par>
-    </p:tnLst>
-  </p:timing>
 </p:sld>
 </file>
 
@@ -11963,13 +11196,6 @@
   <p:clrMapOvr>
     <a:masterClrMapping/>
   </p:clrMapOvr>
-  <p:timing>
-    <p:tnLst>
-      <p:par>
-        <p:cTn id="1" dur="indefinite" restart="never" nodeType="tmRoot"/>
-      </p:par>
-    </p:tnLst>
-  </p:timing>
 </p:sld>
 </file>
 
@@ -12075,7 +11301,7 @@
             </a:pPr>
             <a:r>
               <a:rPr lang="en-US" dirty="0"/>
-              <a:t>The Frontend (React.js)</a:t>
+              <a:t>Login/GSP/Forms</a:t>
             </a:r>
           </a:p>
           <a:p>
@@ -12084,10 +11310,9 @@
               <a:buAutoNum type="arabicPeriod"/>
             </a:pPr>
             <a:r>
-              <a:rPr lang="en-US" dirty="0" smtClean="0"/>
-              <a:t>Login/GSP/Forms</a:t>
-            </a:r>
-            <a:endParaRPr lang="en-US" dirty="0"/>
+              <a:rPr lang="en-US" dirty="0"/>
+              <a:t>The Frontend (React.js)</a:t>
+            </a:r>
           </a:p>
           <a:p>
             <a:pPr marL="514350" indent="-514350">
@@ -12095,12 +11320,8 @@
               <a:buAutoNum type="arabicPeriod"/>
             </a:pPr>
             <a:r>
-              <a:rPr lang="en-US" dirty="0" smtClean="0"/>
-              <a:t>Deploying </a:t>
-            </a:r>
-            <a:r>
-              <a:rPr lang="en-US" dirty="0"/>
-              <a:t>to Heroku</a:t>
+              <a:rPr lang="en-US" dirty="0"/>
+              <a:t>Deploying to Heroku</a:t>
             </a:r>
           </a:p>
         </p:txBody>
@@ -12115,13 +11336,6 @@
   <p:clrMapOvr>
     <a:masterClrMapping/>
   </p:clrMapOvr>
-  <p:timing>
-    <p:tnLst>
-      <p:par>
-        <p:cTn id="1" dur="indefinite" restart="never" nodeType="tmRoot"/>
-      </p:par>
-    </p:tnLst>
-  </p:timing>
 </p:sld>
 </file>
 
@@ -12192,10 +11406,9 @@
           <a:lstStyle/>
           <a:p>
             <a:r>
-              <a:rPr lang="en-US" dirty="0" smtClean="0"/>
+              <a:rPr lang="en-US" dirty="0"/>
               <a:t>Or at least the Grails Welcome Screen</a:t>
             </a:r>
-            <a:endParaRPr lang="en-US" dirty="0"/>
           </a:p>
         </p:txBody>
       </p:sp>
@@ -12209,13 +11422,6 @@
   <p:clrMapOvr>
     <a:masterClrMapping/>
   </p:clrMapOvr>
-  <p:timing>
-    <p:tnLst>
-      <p:par>
-        <p:cTn id="1" dur="indefinite" restart="never" nodeType="tmRoot"/>
-      </p:par>
-    </p:tnLst>
-  </p:timing>
 </p:sld>
 </file>
 
@@ -12373,13 +11579,6 @@
   <p:clrMapOvr>
     <a:masterClrMapping/>
   </p:clrMapOvr>
-  <p:timing>
-    <p:tnLst>
-      <p:par>
-        <p:cTn id="1" dur="indefinite" restart="never" nodeType="tmRoot"/>
-      </p:par>
-    </p:tnLst>
-  </p:timing>
 </p:sld>
 </file>
 
@@ -12423,13 +11622,8 @@
           <a:p>
             <a:r>
               <a:rPr lang="en-US" dirty="0"/>
-              <a:t>Adding </a:t>
-            </a:r>
-            <a:r>
-              <a:rPr lang="en-US" dirty="0" smtClean="0"/>
-              <a:t>Controllers</a:t>
-            </a:r>
-            <a:endParaRPr lang="en-US" dirty="0"/>
+              <a:t>Adding Controllers</a:t>
+            </a:r>
           </a:p>
         </p:txBody>
       </p:sp>
@@ -12455,10 +11649,9 @@
           <a:lstStyle/>
           <a:p>
             <a:r>
-              <a:rPr lang="en-US" dirty="0" smtClean="0"/>
+              <a:rPr lang="en-US" dirty="0"/>
               <a:t>Where the requests go to get answered</a:t>
             </a:r>
-            <a:endParaRPr lang="en-US" dirty="0"/>
           </a:p>
         </p:txBody>
       </p:sp>
@@ -12472,13 +11665,6 @@
   <p:clrMapOvr>
     <a:masterClrMapping/>
   </p:clrMapOvr>
-  <p:timing>
-    <p:tnLst>
-      <p:par>
-        <p:cTn id="1" dur="indefinite" restart="never" nodeType="tmRoot"/>
-      </p:par>
-    </p:tnLst>
-  </p:timing>
 </p:sld>
 </file>
 

--- a/Presentation.pptx
+++ b/Presentation.pptx
@@ -4722,7 +4722,107 @@
             <a:endParaRPr lang="en-US" dirty="0"/>
           </a:p>
           <a:p>
+            <a:r>
+              <a:rPr lang="en-US" dirty="0"/>
+              <a:t>a</a:t>
+            </a:r>
+            <a:r>
+              <a:rPr lang="en-US"/>
+              <a:t>pplication</a:t>
+            </a:r>
+            <a:r>
+              <a:rPr lang="en-US" dirty="0" err="1"/>
+              <a:t>.groovy</a:t>
+            </a:r>
             <a:endParaRPr lang="en-US" dirty="0"/>
+          </a:p>
+          <a:p>
+            <a:endParaRPr lang="en-US" dirty="0"/>
+          </a:p>
+          <a:p>
+            <a:r>
+              <a:rPr lang="en-US" dirty="0"/>
+              <a:t>environments {</a:t>
+            </a:r>
+          </a:p>
+          <a:p>
+            <a:r>
+              <a:rPr lang="en-US" dirty="0"/>
+              <a:t>    production {</a:t>
+            </a:r>
+          </a:p>
+          <a:p>
+            <a:r>
+              <a:rPr lang="en-US" dirty="0"/>
+              <a:t>        </a:t>
+            </a:r>
+            <a:r>
+              <a:rPr lang="en-US" dirty="0" err="1"/>
+              <a:t>dataSource</a:t>
+            </a:r>
+            <a:r>
+              <a:rPr lang="en-US" dirty="0"/>
+              <a:t> {</a:t>
+            </a:r>
+          </a:p>
+          <a:p>
+            <a:r>
+              <a:rPr lang="en-US" dirty="0"/>
+              <a:t>            </a:t>
+            </a:r>
+            <a:r>
+              <a:rPr lang="en-US" dirty="0" err="1"/>
+              <a:t>url</a:t>
+            </a:r>
+            <a:r>
+              <a:rPr lang="en-US" dirty="0"/>
+              <a:t> = </a:t>
+            </a:r>
+            <a:r>
+              <a:rPr lang="en-US" dirty="0" err="1"/>
+              <a:t>System.env.JDBC_DATABASE_URL</a:t>
+            </a:r>
+            <a:endParaRPr lang="en-US" dirty="0"/>
+          </a:p>
+          <a:p>
+            <a:r>
+              <a:rPr lang="en-US" dirty="0"/>
+              <a:t>            username = </a:t>
+            </a:r>
+            <a:r>
+              <a:rPr lang="en-US" dirty="0" err="1"/>
+              <a:t>System.env.JDBC_DATABASE_USERNAME</a:t>
+            </a:r>
+            <a:endParaRPr lang="en-US" dirty="0"/>
+          </a:p>
+          <a:p>
+            <a:r>
+              <a:rPr lang="en-US" dirty="0"/>
+              <a:t>            password = </a:t>
+            </a:r>
+            <a:r>
+              <a:rPr lang="en-US" dirty="0" err="1"/>
+              <a:t>System.env.JDBC_DATABASE_PASSWORD</a:t>
+            </a:r>
+            <a:endParaRPr lang="en-US" dirty="0"/>
+          </a:p>
+          <a:p>
+            <a:r>
+              <a:rPr lang="en-US" dirty="0"/>
+              <a:t>        }</a:t>
+            </a:r>
+          </a:p>
+          <a:p>
+            <a:r>
+              <a:rPr lang="en-US" dirty="0"/>
+              <a:t>    }</a:t>
+            </a:r>
+          </a:p>
+          <a:p>
+            <a:r>
+              <a:rPr lang="en-US" dirty="0"/>
+              <a:t>}</a:t>
+            </a:r>
           </a:p>
         </p:txBody>
       </p:sp>
@@ -8120,7 +8220,12 @@
             <p:ph idx="1"/>
           </p:nvPr>
         </p:nvSpPr>
-        <p:spPr/>
+        <p:spPr>
+          <a:xfrm>
+            <a:off x="838200" y="1825625"/>
+            <a:ext cx="10844720" cy="4351338"/>
+          </a:xfrm>
+        </p:spPr>
         <p:txBody>
           <a:bodyPr/>
           <a:lstStyle/>
@@ -8200,21 +8305,7 @@
                 <a:latin typeface="Courier New" panose="02070309020205020404" pitchFamily="49" charset="0"/>
                 <a:cs typeface="Courier New" panose="02070309020205020404" pitchFamily="49" charset="0"/>
               </a:rPr>
-              <a:t>render file: "grails-app/assets/images/</a:t>
-            </a:r>
-            <a:r>
-              <a:rPr lang="en-US" dirty="0" err="1">
-                <a:latin typeface="Courier New" panose="02070309020205020404" pitchFamily="49" charset="0"/>
-                <a:cs typeface="Courier New" panose="02070309020205020404" pitchFamily="49" charset="0"/>
-              </a:rPr>
-              <a:t>grails.svg</a:t>
-            </a:r>
-            <a:r>
-              <a:rPr lang="en-US" dirty="0">
-                <a:latin typeface="Courier New" panose="02070309020205020404" pitchFamily="49" charset="0"/>
-                <a:cs typeface="Courier New" panose="02070309020205020404" pitchFamily="49" charset="0"/>
-              </a:rPr>
-              <a:t>", </a:t>
+              <a:t>render file: "sample/a.png", </a:t>
             </a:r>
             <a:r>
               <a:rPr lang="en-US" dirty="0" err="1">
@@ -8235,14 +8326,14 @@
                 <a:latin typeface="Courier New" panose="02070309020205020404" pitchFamily="49" charset="0"/>
                 <a:cs typeface="Courier New" panose="02070309020205020404" pitchFamily="49" charset="0"/>
               </a:rPr>
-              <a:t>svg+xml</a:t>
+              <a:t>png</a:t>
             </a:r>
             <a:r>
               <a:rPr lang="en-US" dirty="0">
                 <a:latin typeface="Courier New" panose="02070309020205020404" pitchFamily="49" charset="0"/>
                 <a:cs typeface="Courier New" panose="02070309020205020404" pitchFamily="49" charset="0"/>
               </a:rPr>
-              <a:t>“</a:t>
+              <a:t>"</a:t>
             </a:r>
           </a:p>
           <a:p>
@@ -9621,7 +9712,10 @@
           <a:bodyPr/>
           <a:lstStyle/>
           <a:p>
-            <a:endParaRPr lang="en-US"/>
+            <a:r>
+              <a:rPr lang="en-US" dirty="0"/>
+              <a:t>Guarding those Controllers</a:t>
+            </a:r>
           </a:p>
         </p:txBody>
       </p:sp>
@@ -10075,7 +10169,10 @@
           <a:bodyPr/>
           <a:lstStyle/>
           <a:p>
-            <a:endParaRPr lang="en-US"/>
+            <a:r>
+              <a:rPr lang="en-US" dirty="0"/>
+              <a:t>Users need to see this website too…</a:t>
+            </a:r>
           </a:p>
         </p:txBody>
       </p:sp>
@@ -10450,7 +10547,26 @@
           <a:bodyPr/>
           <a:lstStyle/>
           <a:p>
-            <a:endParaRPr lang="en-US"/>
+            <a:r>
+              <a:rPr lang="en-US" dirty="0"/>
+              <a:t>Up </a:t>
+            </a:r>
+            <a:r>
+              <a:rPr lang="en-US" dirty="0" err="1"/>
+              <a:t>up</a:t>
+            </a:r>
+            <a:r>
+              <a:rPr lang="en-US" dirty="0"/>
+              <a:t> and </a:t>
+            </a:r>
+            <a:r>
+              <a:rPr lang="en-US" dirty="0" err="1"/>
+              <a:t>and</a:t>
+            </a:r>
+            <a:r>
+              <a:rPr lang="en-US" dirty="0"/>
+              <a:t> deployed</a:t>
+            </a:r>
           </a:p>
         </p:txBody>
       </p:sp>
@@ -10618,10 +10734,9 @@
               <a:t>Dgrails.env</a:t>
             </a:r>
             <a:r>
-              <a:rPr lang="en-US"/>
+              <a:rPr lang="en-US" dirty="0"/>
               <a:t>=production</a:t>
             </a:r>
-            <a:endParaRPr lang="en-US" dirty="0"/>
           </a:p>
         </p:txBody>
       </p:sp>
